--- a/spec/InformationStructure/diagrams/InformationStructure.pptx
+++ b/spec/InformationStructure/diagrams/InformationStructure.pptx
@@ -201,7 +201,7 @@
           <a:p>
             <a:fld id="{37CCF725-7468-4D3D-9E24-A16745BBBA77}" type="datetimeFigureOut">
               <a:rPr lang="de-DE" smtClean="0"/>
-              <a:t>22.06.2025</a:t>
+              <a:t>27.06.2025</a:t>
             </a:fld>
             <a:endParaRPr lang="de-DE"/>
           </a:p>
@@ -688,7 +688,7 @@
           <a:p>
             <a:fld id="{9A2764DB-E7DF-4EA7-A1AF-05A77C280FCA}" type="datetimeFigureOut">
               <a:rPr lang="de-DE" smtClean="0"/>
-              <a:t>22.06.2025</a:t>
+              <a:t>27.06.2025</a:t>
             </a:fld>
             <a:endParaRPr lang="de-DE"/>
           </a:p>
@@ -858,7 +858,7 @@
           <a:p>
             <a:fld id="{9A2764DB-E7DF-4EA7-A1AF-05A77C280FCA}" type="datetimeFigureOut">
               <a:rPr lang="de-DE" smtClean="0"/>
-              <a:t>22.06.2025</a:t>
+              <a:t>27.06.2025</a:t>
             </a:fld>
             <a:endParaRPr lang="de-DE"/>
           </a:p>
@@ -1038,7 +1038,7 @@
           <a:p>
             <a:fld id="{9A2764DB-E7DF-4EA7-A1AF-05A77C280FCA}" type="datetimeFigureOut">
               <a:rPr lang="de-DE" smtClean="0"/>
-              <a:t>22.06.2025</a:t>
+              <a:t>27.06.2025</a:t>
             </a:fld>
             <a:endParaRPr lang="de-DE"/>
           </a:p>
@@ -1208,7 +1208,7 @@
           <a:p>
             <a:fld id="{9A2764DB-E7DF-4EA7-A1AF-05A77C280FCA}" type="datetimeFigureOut">
               <a:rPr lang="de-DE" smtClean="0"/>
-              <a:t>22.06.2025</a:t>
+              <a:t>27.06.2025</a:t>
             </a:fld>
             <a:endParaRPr lang="de-DE"/>
           </a:p>
@@ -1454,7 +1454,7 @@
           <a:p>
             <a:fld id="{9A2764DB-E7DF-4EA7-A1AF-05A77C280FCA}" type="datetimeFigureOut">
               <a:rPr lang="de-DE" smtClean="0"/>
-              <a:t>22.06.2025</a:t>
+              <a:t>27.06.2025</a:t>
             </a:fld>
             <a:endParaRPr lang="de-DE"/>
           </a:p>
@@ -1686,7 +1686,7 @@
           <a:p>
             <a:fld id="{9A2764DB-E7DF-4EA7-A1AF-05A77C280FCA}" type="datetimeFigureOut">
               <a:rPr lang="de-DE" smtClean="0"/>
-              <a:t>22.06.2025</a:t>
+              <a:t>27.06.2025</a:t>
             </a:fld>
             <a:endParaRPr lang="de-DE"/>
           </a:p>
@@ -2053,7 +2053,7 @@
           <a:p>
             <a:fld id="{9A2764DB-E7DF-4EA7-A1AF-05A77C280FCA}" type="datetimeFigureOut">
               <a:rPr lang="de-DE" smtClean="0"/>
-              <a:t>22.06.2025</a:t>
+              <a:t>27.06.2025</a:t>
             </a:fld>
             <a:endParaRPr lang="de-DE"/>
           </a:p>
@@ -2171,7 +2171,7 @@
           <a:p>
             <a:fld id="{9A2764DB-E7DF-4EA7-A1AF-05A77C280FCA}" type="datetimeFigureOut">
               <a:rPr lang="de-DE" smtClean="0"/>
-              <a:t>22.06.2025</a:t>
+              <a:t>27.06.2025</a:t>
             </a:fld>
             <a:endParaRPr lang="de-DE"/>
           </a:p>
@@ -2266,7 +2266,7 @@
           <a:p>
             <a:fld id="{9A2764DB-E7DF-4EA7-A1AF-05A77C280FCA}" type="datetimeFigureOut">
               <a:rPr lang="de-DE" smtClean="0"/>
-              <a:t>22.06.2025</a:t>
+              <a:t>27.06.2025</a:t>
             </a:fld>
             <a:endParaRPr lang="de-DE"/>
           </a:p>
@@ -2543,7 +2543,7 @@
           <a:p>
             <a:fld id="{9A2764DB-E7DF-4EA7-A1AF-05A77C280FCA}" type="datetimeFigureOut">
               <a:rPr lang="de-DE" smtClean="0"/>
-              <a:t>22.06.2025</a:t>
+              <a:t>27.06.2025</a:t>
             </a:fld>
             <a:endParaRPr lang="de-DE"/>
           </a:p>
@@ -2800,7 +2800,7 @@
           <a:p>
             <a:fld id="{9A2764DB-E7DF-4EA7-A1AF-05A77C280FCA}" type="datetimeFigureOut">
               <a:rPr lang="de-DE" smtClean="0"/>
-              <a:t>22.06.2025</a:t>
+              <a:t>27.06.2025</a:t>
             </a:fld>
             <a:endParaRPr lang="de-DE"/>
           </a:p>
@@ -3013,7 +3013,7 @@
           <a:p>
             <a:fld id="{9A2764DB-E7DF-4EA7-A1AF-05A77C280FCA}" type="datetimeFigureOut">
               <a:rPr lang="de-DE" smtClean="0"/>
-              <a:t>22.06.2025</a:t>
+              <a:t>27.06.2025</a:t>
             </a:fld>
             <a:endParaRPr lang="de-DE"/>
           </a:p>
@@ -12089,7 +12089,7 @@
         <p:spPr>
           <a:xfrm>
             <a:off x="31971861" y="9080029"/>
-            <a:ext cx="461372" cy="127304"/>
+            <a:ext cx="461372" cy="136829"/>
           </a:xfrm>
           <a:prstGeom prst="straightConnector1">
             <a:avLst/>
@@ -12121,7 +12121,7 @@
         <p:spPr>
           <a:xfrm>
             <a:off x="32433233" y="8851566"/>
-            <a:ext cx="2142517" cy="711534"/>
+            <a:ext cx="2142517" cy="730584"/>
           </a:xfrm>
           <a:prstGeom prst="rect">
             <a:avLst/>
@@ -14121,6 +14121,15 @@
               <a:latin typeface="Calibri" panose="020F0502020204030204"/>
             </a:endParaRPr>
           </a:p>
+          <a:p>
+            <a:pPr defTabSz="914411"/>
+            <a:endParaRPr lang="en-US" sz="800" kern="0" noProof="0" dirty="0">
+              <a:solidFill>
+                <a:prstClr val="black"/>
+              </a:solidFill>
+              <a:latin typeface="Calibri" panose="020F0502020204030204"/>
+            </a:endParaRPr>
+          </a:p>
         </p:txBody>
       </p:sp>
       <p:cxnSp>
@@ -14195,6 +14204,173 @@
           <a:effectLst/>
         </p:spPr>
       </p:cxnSp>
+      <p:sp>
+        <p:nvSpPr>
+          <p:cNvPr id="6" name="Rechteck 5">
+            <a:extLst>
+              <a:ext uri="{FF2B5EF4-FFF2-40B4-BE49-F238E27FC236}">
+                <a16:creationId xmlns:a16="http://schemas.microsoft.com/office/drawing/2014/main" id="{3B38907F-0312-01DA-5864-D7DE075718B8}"/>
+              </a:ext>
+            </a:extLst>
+          </p:cNvPr>
+          <p:cNvSpPr/>
+          <p:nvPr/>
+        </p:nvSpPr>
+        <p:spPr>
+          <a:xfrm>
+            <a:off x="34072513" y="12945943"/>
+            <a:ext cx="1152525" cy="377333"/>
+          </a:xfrm>
+          <a:prstGeom prst="rect">
+            <a:avLst/>
+          </a:prstGeom>
+          <a:solidFill>
+            <a:sysClr val="window" lastClr="FFFFFF"/>
+          </a:solidFill>
+          <a:ln w="12700" cap="flat" cmpd="sng" algn="ctr">
+            <a:solidFill>
+              <a:srgbClr val="A5A5A5"/>
+            </a:solidFill>
+            <a:prstDash val="solid"/>
+            <a:miter lim="800000"/>
+          </a:ln>
+          <a:effectLst/>
+        </p:spPr>
+        <p:txBody>
+          <a:bodyPr lIns="36000" tIns="36000" rIns="36000" bIns="36000" rtlCol="0" anchor="t"/>
+          <a:lstStyle/>
+          <a:p>
+            <a:pPr defTabSz="914411"/>
+            <a:r>
+              <a:rPr lang="de-DE" sz="800" kern="0" dirty="0" err="1">
+                <a:solidFill>
+                  <a:prstClr val="black"/>
+                </a:solidFill>
+                <a:highlight>
+                  <a:srgbClr val="FFFF00"/>
+                </a:highlight>
+                <a:latin typeface="Calibri" panose="020F0502020204030204"/>
+              </a:rPr>
+              <a:t>netconf</a:t>
+            </a:r>
+            <a:r>
+              <a:rPr lang="de-DE" sz="800" kern="0" dirty="0">
+                <a:solidFill>
+                  <a:prstClr val="black"/>
+                </a:solidFill>
+                <a:highlight>
+                  <a:srgbClr val="FFFF00"/>
+                </a:highlight>
+                <a:latin typeface="Calibri" panose="020F0502020204030204"/>
+              </a:rPr>
+              <a:t>-user-name</a:t>
+            </a:r>
+          </a:p>
+          <a:p>
+            <a:pPr defTabSz="914411"/>
+            <a:r>
+              <a:rPr lang="de-DE" sz="800" kern="0" dirty="0" err="1">
+                <a:solidFill>
+                  <a:prstClr val="black"/>
+                </a:solidFill>
+                <a:highlight>
+                  <a:srgbClr val="FFFF00"/>
+                </a:highlight>
+                <a:latin typeface="Calibri" panose="020F0502020204030204"/>
+              </a:rPr>
+              <a:t>netconf</a:t>
+            </a:r>
+            <a:r>
+              <a:rPr lang="de-DE" sz="800" kern="0" dirty="0">
+                <a:solidFill>
+                  <a:prstClr val="black"/>
+                </a:solidFill>
+                <a:highlight>
+                  <a:srgbClr val="FFFF00"/>
+                </a:highlight>
+                <a:latin typeface="Calibri" panose="020F0502020204030204"/>
+              </a:rPr>
+              <a:t>-password</a:t>
+            </a:r>
+          </a:p>
+        </p:txBody>
+      </p:sp>
+      <p:sp>
+        <p:nvSpPr>
+          <p:cNvPr id="7" name="Rechteck 6">
+            <a:extLst>
+              <a:ext uri="{FF2B5EF4-FFF2-40B4-BE49-F238E27FC236}">
+                <a16:creationId xmlns:a16="http://schemas.microsoft.com/office/drawing/2014/main" id="{7989F072-8ED3-A4C9-75E2-79DA69C1E583}"/>
+              </a:ext>
+            </a:extLst>
+          </p:cNvPr>
+          <p:cNvSpPr/>
+          <p:nvPr/>
+        </p:nvSpPr>
+        <p:spPr>
+          <a:xfrm>
+            <a:off x="24197602" y="13830805"/>
+            <a:ext cx="1152525" cy="377333"/>
+          </a:xfrm>
+          <a:prstGeom prst="rect">
+            <a:avLst/>
+          </a:prstGeom>
+          <a:solidFill>
+            <a:sysClr val="window" lastClr="FFFFFF"/>
+          </a:solidFill>
+          <a:ln w="12700" cap="flat" cmpd="sng" algn="ctr">
+            <a:solidFill>
+              <a:srgbClr val="A5A5A5"/>
+            </a:solidFill>
+            <a:prstDash val="solid"/>
+            <a:miter lim="800000"/>
+          </a:ln>
+          <a:effectLst/>
+        </p:spPr>
+        <p:txBody>
+          <a:bodyPr lIns="36000" tIns="36000" rIns="36000" bIns="36000" rtlCol="0" anchor="t"/>
+          <a:lstStyle/>
+          <a:p>
+            <a:pPr defTabSz="914411"/>
+            <a:r>
+              <a:rPr lang="de-DE" sz="800" kern="0" dirty="0">
+                <a:solidFill>
+                  <a:prstClr val="black"/>
+                </a:solidFill>
+                <a:highlight>
+                  <a:srgbClr val="FF0000"/>
+                </a:highlight>
+                <a:latin typeface="Calibri" panose="020F0502020204030204"/>
+              </a:rPr>
+              <a:t>user-name</a:t>
+            </a:r>
+          </a:p>
+          <a:p>
+            <a:pPr defTabSz="914411"/>
+            <a:r>
+              <a:rPr lang="de-DE" sz="800" kern="0" dirty="0" err="1">
+                <a:solidFill>
+                  <a:prstClr val="black"/>
+                </a:solidFill>
+                <a:highlight>
+                  <a:srgbClr val="FF0000"/>
+                </a:highlight>
+                <a:latin typeface="Calibri" panose="020F0502020204030204"/>
+              </a:rPr>
+              <a:t>password</a:t>
+            </a:r>
+            <a:endParaRPr lang="de-DE" sz="800" kern="0" dirty="0">
+              <a:solidFill>
+                <a:prstClr val="black"/>
+              </a:solidFill>
+              <a:highlight>
+                <a:srgbClr val="FF0000"/>
+              </a:highlight>
+              <a:latin typeface="Calibri" panose="020F0502020204030204"/>
+            </a:endParaRPr>
+          </a:p>
+        </p:txBody>
+      </p:sp>
     </p:spTree>
     <p:extLst>
       <p:ext uri="{BB962C8B-B14F-4D97-AF65-F5344CB8AC3E}">

--- a/spec/InformationStructure/diagrams/InformationStructure.pptx
+++ b/spec/InformationStructure/diagrams/InformationStructure.pptx
@@ -201,7 +201,7 @@
           <a:p>
             <a:fld id="{37CCF725-7468-4D3D-9E24-A16745BBBA77}" type="datetimeFigureOut">
               <a:rPr lang="de-DE" smtClean="0"/>
-              <a:t>27.06.2025</a:t>
+              <a:t>30.06.2025</a:t>
             </a:fld>
             <a:endParaRPr lang="de-DE"/>
           </a:p>
@@ -688,7 +688,7 @@
           <a:p>
             <a:fld id="{9A2764DB-E7DF-4EA7-A1AF-05A77C280FCA}" type="datetimeFigureOut">
               <a:rPr lang="de-DE" smtClean="0"/>
-              <a:t>27.06.2025</a:t>
+              <a:t>30.06.2025</a:t>
             </a:fld>
             <a:endParaRPr lang="de-DE"/>
           </a:p>
@@ -858,7 +858,7 @@
           <a:p>
             <a:fld id="{9A2764DB-E7DF-4EA7-A1AF-05A77C280FCA}" type="datetimeFigureOut">
               <a:rPr lang="de-DE" smtClean="0"/>
-              <a:t>27.06.2025</a:t>
+              <a:t>30.06.2025</a:t>
             </a:fld>
             <a:endParaRPr lang="de-DE"/>
           </a:p>
@@ -1038,7 +1038,7 @@
           <a:p>
             <a:fld id="{9A2764DB-E7DF-4EA7-A1AF-05A77C280FCA}" type="datetimeFigureOut">
               <a:rPr lang="de-DE" smtClean="0"/>
-              <a:t>27.06.2025</a:t>
+              <a:t>30.06.2025</a:t>
             </a:fld>
             <a:endParaRPr lang="de-DE"/>
           </a:p>
@@ -1208,7 +1208,7 @@
           <a:p>
             <a:fld id="{9A2764DB-E7DF-4EA7-A1AF-05A77C280FCA}" type="datetimeFigureOut">
               <a:rPr lang="de-DE" smtClean="0"/>
-              <a:t>27.06.2025</a:t>
+              <a:t>30.06.2025</a:t>
             </a:fld>
             <a:endParaRPr lang="de-DE"/>
           </a:p>
@@ -1454,7 +1454,7 @@
           <a:p>
             <a:fld id="{9A2764DB-E7DF-4EA7-A1AF-05A77C280FCA}" type="datetimeFigureOut">
               <a:rPr lang="de-DE" smtClean="0"/>
-              <a:t>27.06.2025</a:t>
+              <a:t>30.06.2025</a:t>
             </a:fld>
             <a:endParaRPr lang="de-DE"/>
           </a:p>
@@ -1686,7 +1686,7 @@
           <a:p>
             <a:fld id="{9A2764DB-E7DF-4EA7-A1AF-05A77C280FCA}" type="datetimeFigureOut">
               <a:rPr lang="de-DE" smtClean="0"/>
-              <a:t>27.06.2025</a:t>
+              <a:t>30.06.2025</a:t>
             </a:fld>
             <a:endParaRPr lang="de-DE"/>
           </a:p>
@@ -2053,7 +2053,7 @@
           <a:p>
             <a:fld id="{9A2764DB-E7DF-4EA7-A1AF-05A77C280FCA}" type="datetimeFigureOut">
               <a:rPr lang="de-DE" smtClean="0"/>
-              <a:t>27.06.2025</a:t>
+              <a:t>30.06.2025</a:t>
             </a:fld>
             <a:endParaRPr lang="de-DE"/>
           </a:p>
@@ -2171,7 +2171,7 @@
           <a:p>
             <a:fld id="{9A2764DB-E7DF-4EA7-A1AF-05A77C280FCA}" type="datetimeFigureOut">
               <a:rPr lang="de-DE" smtClean="0"/>
-              <a:t>27.06.2025</a:t>
+              <a:t>30.06.2025</a:t>
             </a:fld>
             <a:endParaRPr lang="de-DE"/>
           </a:p>
@@ -2266,7 +2266,7 @@
           <a:p>
             <a:fld id="{9A2764DB-E7DF-4EA7-A1AF-05A77C280FCA}" type="datetimeFigureOut">
               <a:rPr lang="de-DE" smtClean="0"/>
-              <a:t>27.06.2025</a:t>
+              <a:t>30.06.2025</a:t>
             </a:fld>
             <a:endParaRPr lang="de-DE"/>
           </a:p>
@@ -2543,7 +2543,7 @@
           <a:p>
             <a:fld id="{9A2764DB-E7DF-4EA7-A1AF-05A77C280FCA}" type="datetimeFigureOut">
               <a:rPr lang="de-DE" smtClean="0"/>
-              <a:t>27.06.2025</a:t>
+              <a:t>30.06.2025</a:t>
             </a:fld>
             <a:endParaRPr lang="de-DE"/>
           </a:p>
@@ -2800,7 +2800,7 @@
           <a:p>
             <a:fld id="{9A2764DB-E7DF-4EA7-A1AF-05A77C280FCA}" type="datetimeFigureOut">
               <a:rPr lang="de-DE" smtClean="0"/>
-              <a:t>27.06.2025</a:t>
+              <a:t>30.06.2025</a:t>
             </a:fld>
             <a:endParaRPr lang="de-DE"/>
           </a:p>
@@ -3013,7 +3013,7 @@
           <a:p>
             <a:fld id="{9A2764DB-E7DF-4EA7-A1AF-05A77C280FCA}" type="datetimeFigureOut">
               <a:rPr lang="de-DE" smtClean="0"/>
-              <a:t>27.06.2025</a:t>
+              <a:t>30.06.2025</a:t>
             </a:fld>
             <a:endParaRPr lang="de-DE"/>
           </a:p>
@@ -3857,10 +3857,24 @@
               </a:rPr>
               <a:t>ManagementDomain</a:t>
             </a:r>
+            <a:r>
+              <a:rPr lang="en-US" sz="1400" noProof="0" dirty="0" err="1">
+                <a:solidFill>
+                  <a:schemeClr val="tx1"/>
+                </a:solidFill>
+                <a:highlight>
+                  <a:srgbClr val="FFFF00"/>
+                </a:highlight>
+              </a:rPr>
+              <a:t>Interface</a:t>
+            </a:r>
             <a:endParaRPr lang="en-US" sz="1400" noProof="0" dirty="0">
               <a:solidFill>
                 <a:schemeClr val="tx1"/>
               </a:solidFill>
+              <a:highlight>
+                <a:srgbClr val="FFFF00"/>
+              </a:highlight>
             </a:endParaRPr>
           </a:p>
         </p:txBody>
@@ -4905,7 +4919,7 @@
         </p:nvCxnSpPr>
         <p:spPr>
           <a:xfrm flipH="1">
-            <a:off x="9465590" y="6022705"/>
+            <a:off x="9465590" y="6022704"/>
             <a:ext cx="1363" cy="595289"/>
           </a:xfrm>
           <a:prstGeom prst="straightConnector1">
@@ -4976,7 +4990,58 @@
                 </a:solidFill>
                 <a:latin typeface="Calibri" panose="020F0502020204030204"/>
               </a:rPr>
-              <a:t>=management-plane-transport</a:t>
+              <a:t>=</a:t>
+            </a:r>
+            <a:r>
+              <a:rPr lang="en-US" sz="800" strike="sngStrike" kern="0" noProof="0" dirty="0">
+                <a:solidFill>
+                  <a:prstClr val="black"/>
+                </a:solidFill>
+                <a:highlight>
+                  <a:srgbClr val="FFFF00"/>
+                </a:highlight>
+                <a:latin typeface="Calibri" panose="020F0502020204030204"/>
+              </a:rPr>
+              <a:t>management-plane-transport</a:t>
+            </a:r>
+          </a:p>
+          <a:p>
+            <a:pPr defTabSz="914411"/>
+            <a:r>
+              <a:rPr lang="en-US" sz="800" kern="0" noProof="0" dirty="0">
+                <a:solidFill>
+                  <a:prstClr val="black"/>
+                </a:solidFill>
+                <a:highlight>
+                  <a:srgbClr val="FFFF00"/>
+                </a:highlight>
+                <a:latin typeface="Calibri" panose="020F0502020204030204"/>
+              </a:rPr>
+              <a:t>[</a:t>
+            </a:r>
+            <a:r>
+              <a:rPr lang="en-US" sz="800" kern="0" noProof="0" dirty="0" err="1">
+                <a:solidFill>
+                  <a:prstClr val="black"/>
+                </a:solidFill>
+                <a:highlight>
+                  <a:srgbClr val="FFFF00"/>
+                </a:highlight>
+                <a:latin typeface="Calibri" panose="020F0502020204030204"/>
+              </a:rPr>
+              <a:t>managementDomain</a:t>
+            </a:r>
+            <a:r>
+              <a:rPr lang="en-US" sz="800" kern="0" noProof="0" dirty="0">
+                <a:solidFill>
+                  <a:prstClr val="black"/>
+                </a:solidFill>
+                <a:highlight>
+                  <a:srgbClr val="FFFF00"/>
+                </a:highlight>
+                <a:latin typeface="Calibri" panose="020F0502020204030204"/>
+              </a:rPr>
+              <a:t>]</a:t>
             </a:r>
           </a:p>
         </p:txBody>
@@ -7466,8 +7531,8 @@
         </p:nvSpPr>
         <p:spPr>
           <a:xfrm>
-            <a:off x="13164512" y="1452498"/>
-            <a:ext cx="1003929" cy="822136"/>
+            <a:off x="13164512" y="1452497"/>
+            <a:ext cx="2316788" cy="879149"/>
           </a:xfrm>
           <a:prstGeom prst="rect">
             <a:avLst/>
@@ -7494,9 +7559,63 @@
                 <a:solidFill>
                   <a:prstClr val="black"/>
                 </a:solidFill>
+                <a:highlight>
+                  <a:srgbClr val="FFFF00"/>
+                </a:highlight>
+                <a:latin typeface="Calibri" panose="020F0502020204030204"/>
+              </a:rPr>
+              <a:t>affected-management-domain</a:t>
+            </a:r>
+          </a:p>
+          <a:p>
+            <a:pPr defTabSz="914411"/>
+            <a:r>
+              <a:rPr lang="en-US" sz="800" strike="sngStrike" kern="0" noProof="0" dirty="0">
+                <a:solidFill>
+                  <a:prstClr val="black"/>
+                </a:solidFill>
+                <a:highlight>
+                  <a:srgbClr val="FFFF00"/>
+                </a:highlight>
                 <a:latin typeface="Calibri" panose="020F0502020204030204"/>
               </a:rPr>
               <a:t>affected-fc</a:t>
+            </a:r>
+            <a:r>
+              <a:rPr lang="en-US" sz="800" kern="0" noProof="0" dirty="0">
+                <a:solidFill>
+                  <a:prstClr val="black"/>
+                </a:solidFill>
+                <a:highlight>
+                  <a:srgbClr val="FFFF00"/>
+                </a:highlight>
+                <a:latin typeface="Calibri" panose="020F0502020204030204"/>
+              </a:rPr>
+              <a:t>  affected-management-</a:t>
+            </a:r>
+            <a:r>
+              <a:rPr lang="en-US" sz="800" kern="0" dirty="0">
+                <a:solidFill>
+                  <a:prstClr val="black"/>
+                </a:solidFill>
+                <a:highlight>
+                  <a:srgbClr val="FFFF00"/>
+                </a:highlight>
+                <a:latin typeface="Calibri" panose="020F0502020204030204"/>
+              </a:rPr>
+              <a:t>p</a:t>
+            </a:r>
+            <a:r>
+              <a:rPr lang="en-US" sz="800" kern="0" noProof="0" dirty="0">
+                <a:solidFill>
+                  <a:prstClr val="black"/>
+                </a:solidFill>
+                <a:highlight>
+                  <a:srgbClr val="FFFF00"/>
+                </a:highlight>
+                <a:latin typeface="Calibri" panose="020F0502020204030204"/>
+              </a:rPr>
+              <a:t>lane-transport</a:t>
             </a:r>
           </a:p>
           <a:p>
@@ -7621,8 +7740,8 @@
         </p:nvCxnSpPr>
         <p:spPr>
           <a:xfrm>
-            <a:off x="12377664" y="1768372"/>
-            <a:ext cx="786849" cy="95190"/>
+            <a:off x="12377664" y="1768373"/>
+            <a:ext cx="786848" cy="123699"/>
           </a:xfrm>
           <a:prstGeom prst="straightConnector1">
             <a:avLst/>
@@ -14218,7 +14337,7 @@
         </p:nvSpPr>
         <p:spPr>
           <a:xfrm>
-            <a:off x="34072513" y="12945943"/>
+            <a:off x="34058226" y="12941180"/>
             <a:ext cx="1152525" cy="377333"/>
           </a:xfrm>
           <a:prstGeom prst="rect">
@@ -14247,7 +14366,7 @@
                   <a:prstClr val="black"/>
                 </a:solidFill>
                 <a:highlight>
-                  <a:srgbClr val="FFFF00"/>
+                  <a:srgbClr val="FF0000"/>
                 </a:highlight>
                 <a:latin typeface="Calibri" panose="020F0502020204030204"/>
               </a:rPr>
@@ -14259,7 +14378,7 @@
                   <a:prstClr val="black"/>
                 </a:solidFill>
                 <a:highlight>
-                  <a:srgbClr val="FFFF00"/>
+                  <a:srgbClr val="FF0000"/>
                 </a:highlight>
                 <a:latin typeface="Calibri" panose="020F0502020204030204"/>
               </a:rPr>
@@ -14274,7 +14393,7 @@
                   <a:prstClr val="black"/>
                 </a:solidFill>
                 <a:highlight>
-                  <a:srgbClr val="FFFF00"/>
+                  <a:srgbClr val="FF0000"/>
                 </a:highlight>
                 <a:latin typeface="Calibri" panose="020F0502020204030204"/>
               </a:rPr>
@@ -14286,7 +14405,7 @@
                   <a:prstClr val="black"/>
                 </a:solidFill>
                 <a:highlight>
-                  <a:srgbClr val="FFFF00"/>
+                  <a:srgbClr val="FF0000"/>
                 </a:highlight>
                 <a:latin typeface="Calibri" panose="020F0502020204030204"/>
               </a:rPr>
@@ -14297,10 +14416,10 @@
       </p:sp>
       <p:sp>
         <p:nvSpPr>
-          <p:cNvPr id="7" name="Rechteck 6">
-            <a:extLst>
-              <a:ext uri="{FF2B5EF4-FFF2-40B4-BE49-F238E27FC236}">
-                <a16:creationId xmlns:a16="http://schemas.microsoft.com/office/drawing/2014/main" id="{7989F072-8ED3-A4C9-75E2-79DA69C1E583}"/>
+          <p:cNvPr id="44" name="Rechteck 43">
+            <a:extLst>
+              <a:ext uri="{FF2B5EF4-FFF2-40B4-BE49-F238E27FC236}">
+                <a16:creationId xmlns:a16="http://schemas.microsoft.com/office/drawing/2014/main" id="{07802AC0-A710-B932-87CA-591EE43204B4}"/>
               </a:ext>
             </a:extLst>
           </p:cNvPr>
@@ -14309,7 +14428,7 @@
         </p:nvSpPr>
         <p:spPr>
           <a:xfrm>
-            <a:off x="24197602" y="13830805"/>
+            <a:off x="23766984" y="13810589"/>
             <a:ext cx="1152525" cy="377333"/>
           </a:xfrm>
           <a:prstGeom prst="rect">
@@ -14333,7 +14452,7 @@
           <a:p>
             <a:pPr defTabSz="914411"/>
             <a:r>
-              <a:rPr lang="de-DE" sz="800" kern="0" dirty="0">
+              <a:rPr lang="de-DE" sz="800" kern="0" dirty="0" err="1">
                 <a:solidFill>
                   <a:prstClr val="black"/>
                 </a:solidFill>
@@ -14342,13 +14461,10 @@
                 </a:highlight>
                 <a:latin typeface="Calibri" panose="020F0502020204030204"/>
               </a:rPr>
-              <a:t>user-name</a:t>
-            </a:r>
-          </a:p>
-          <a:p>
-            <a:pPr defTabSz="914411"/>
-            <a:r>
-              <a:rPr lang="de-DE" sz="800" kern="0" dirty="0" err="1">
+              <a:t>netconf</a:t>
+            </a:r>
+            <a:r>
+              <a:rPr lang="de-DE" sz="800" kern="0" dirty="0">
                 <a:solidFill>
                   <a:prstClr val="black"/>
                 </a:solidFill>
@@ -14357,17 +14473,35 @@
                 </a:highlight>
                 <a:latin typeface="Calibri" panose="020F0502020204030204"/>
               </a:rPr>
-              <a:t>password</a:t>
-            </a:r>
-            <a:endParaRPr lang="de-DE" sz="800" kern="0" dirty="0">
-              <a:solidFill>
-                <a:prstClr val="black"/>
-              </a:solidFill>
-              <a:highlight>
-                <a:srgbClr val="FF0000"/>
-              </a:highlight>
-              <a:latin typeface="Calibri" panose="020F0502020204030204"/>
-            </a:endParaRPr>
+              <a:t>-user-name</a:t>
+            </a:r>
+          </a:p>
+          <a:p>
+            <a:pPr defTabSz="914411"/>
+            <a:r>
+              <a:rPr lang="de-DE" sz="800" kern="0" dirty="0" err="1">
+                <a:solidFill>
+                  <a:prstClr val="black"/>
+                </a:solidFill>
+                <a:highlight>
+                  <a:srgbClr val="FF0000"/>
+                </a:highlight>
+                <a:latin typeface="Calibri" panose="020F0502020204030204"/>
+              </a:rPr>
+              <a:t>netconf</a:t>
+            </a:r>
+            <a:r>
+              <a:rPr lang="de-DE" sz="800" kern="0" dirty="0">
+                <a:solidFill>
+                  <a:prstClr val="black"/>
+                </a:solidFill>
+                <a:highlight>
+                  <a:srgbClr val="FF0000"/>
+                </a:highlight>
+                <a:latin typeface="Calibri" panose="020F0502020204030204"/>
+              </a:rPr>
+              <a:t>-password</a:t>
+            </a:r>
           </a:p>
         </p:txBody>
       </p:sp>

--- a/spec/InformationStructure/diagrams/InformationStructure.pptx
+++ b/spec/InformationStructure/diagrams/InformationStructure.pptx
@@ -201,7 +201,7 @@
           <a:p>
             <a:fld id="{37CCF725-7468-4D3D-9E24-A16745BBBA77}" type="datetimeFigureOut">
               <a:rPr lang="de-DE" smtClean="0"/>
-              <a:t>30.06.2025</a:t>
+              <a:t>07.07.2025</a:t>
             </a:fld>
             <a:endParaRPr lang="de-DE"/>
           </a:p>
@@ -688,7 +688,7 @@
           <a:p>
             <a:fld id="{9A2764DB-E7DF-4EA7-A1AF-05A77C280FCA}" type="datetimeFigureOut">
               <a:rPr lang="de-DE" smtClean="0"/>
-              <a:t>30.06.2025</a:t>
+              <a:t>07.07.2025</a:t>
             </a:fld>
             <a:endParaRPr lang="de-DE"/>
           </a:p>
@@ -858,7 +858,7 @@
           <a:p>
             <a:fld id="{9A2764DB-E7DF-4EA7-A1AF-05A77C280FCA}" type="datetimeFigureOut">
               <a:rPr lang="de-DE" smtClean="0"/>
-              <a:t>30.06.2025</a:t>
+              <a:t>07.07.2025</a:t>
             </a:fld>
             <a:endParaRPr lang="de-DE"/>
           </a:p>
@@ -1038,7 +1038,7 @@
           <a:p>
             <a:fld id="{9A2764DB-E7DF-4EA7-A1AF-05A77C280FCA}" type="datetimeFigureOut">
               <a:rPr lang="de-DE" smtClean="0"/>
-              <a:t>30.06.2025</a:t>
+              <a:t>07.07.2025</a:t>
             </a:fld>
             <a:endParaRPr lang="de-DE"/>
           </a:p>
@@ -1208,7 +1208,7 @@
           <a:p>
             <a:fld id="{9A2764DB-E7DF-4EA7-A1AF-05A77C280FCA}" type="datetimeFigureOut">
               <a:rPr lang="de-DE" smtClean="0"/>
-              <a:t>30.06.2025</a:t>
+              <a:t>07.07.2025</a:t>
             </a:fld>
             <a:endParaRPr lang="de-DE"/>
           </a:p>
@@ -1454,7 +1454,7 @@
           <a:p>
             <a:fld id="{9A2764DB-E7DF-4EA7-A1AF-05A77C280FCA}" type="datetimeFigureOut">
               <a:rPr lang="de-DE" smtClean="0"/>
-              <a:t>30.06.2025</a:t>
+              <a:t>07.07.2025</a:t>
             </a:fld>
             <a:endParaRPr lang="de-DE"/>
           </a:p>
@@ -1686,7 +1686,7 @@
           <a:p>
             <a:fld id="{9A2764DB-E7DF-4EA7-A1AF-05A77C280FCA}" type="datetimeFigureOut">
               <a:rPr lang="de-DE" smtClean="0"/>
-              <a:t>30.06.2025</a:t>
+              <a:t>07.07.2025</a:t>
             </a:fld>
             <a:endParaRPr lang="de-DE"/>
           </a:p>
@@ -2053,7 +2053,7 @@
           <a:p>
             <a:fld id="{9A2764DB-E7DF-4EA7-A1AF-05A77C280FCA}" type="datetimeFigureOut">
               <a:rPr lang="de-DE" smtClean="0"/>
-              <a:t>30.06.2025</a:t>
+              <a:t>07.07.2025</a:t>
             </a:fld>
             <a:endParaRPr lang="de-DE"/>
           </a:p>
@@ -2171,7 +2171,7 @@
           <a:p>
             <a:fld id="{9A2764DB-E7DF-4EA7-A1AF-05A77C280FCA}" type="datetimeFigureOut">
               <a:rPr lang="de-DE" smtClean="0"/>
-              <a:t>30.06.2025</a:t>
+              <a:t>07.07.2025</a:t>
             </a:fld>
             <a:endParaRPr lang="de-DE"/>
           </a:p>
@@ -2266,7 +2266,7 @@
           <a:p>
             <a:fld id="{9A2764DB-E7DF-4EA7-A1AF-05A77C280FCA}" type="datetimeFigureOut">
               <a:rPr lang="de-DE" smtClean="0"/>
-              <a:t>30.06.2025</a:t>
+              <a:t>07.07.2025</a:t>
             </a:fld>
             <a:endParaRPr lang="de-DE"/>
           </a:p>
@@ -2543,7 +2543,7 @@
           <a:p>
             <a:fld id="{9A2764DB-E7DF-4EA7-A1AF-05A77C280FCA}" type="datetimeFigureOut">
               <a:rPr lang="de-DE" smtClean="0"/>
-              <a:t>30.06.2025</a:t>
+              <a:t>07.07.2025</a:t>
             </a:fld>
             <a:endParaRPr lang="de-DE"/>
           </a:p>
@@ -2800,7 +2800,7 @@
           <a:p>
             <a:fld id="{9A2764DB-E7DF-4EA7-A1AF-05A77C280FCA}" type="datetimeFigureOut">
               <a:rPr lang="de-DE" smtClean="0"/>
-              <a:t>30.06.2025</a:t>
+              <a:t>07.07.2025</a:t>
             </a:fld>
             <a:endParaRPr lang="de-DE"/>
           </a:p>
@@ -3013,7 +3013,7 @@
           <a:p>
             <a:fld id="{9A2764DB-E7DF-4EA7-A1AF-05A77C280FCA}" type="datetimeFigureOut">
               <a:rPr lang="de-DE" smtClean="0"/>
-              <a:t>30.06.2025</a:t>
+              <a:t>07.07.2025</a:t>
             </a:fld>
             <a:endParaRPr lang="de-DE"/>
           </a:p>
@@ -4951,8 +4951,8 @@
         </p:nvSpPr>
         <p:spPr>
           <a:xfrm>
-            <a:off x="5905500" y="5577132"/>
-            <a:ext cx="2484823" cy="336074"/>
+            <a:off x="6484620" y="5577132"/>
+            <a:ext cx="1905703" cy="336074"/>
           </a:xfrm>
           <a:prstGeom prst="rect">
             <a:avLst/>
@@ -12348,14 +12348,20 @@
                 <a:solidFill>
                   <a:prstClr val="black"/>
                 </a:solidFill>
-                <a:latin typeface="Calibri" panose="020F0502020204030204"/>
-              </a:rPr>
-              <a:t>logicalControllerTemplateName</a:t>
+                <a:highlight>
+                  <a:srgbClr val="FFFF00"/>
+                </a:highlight>
+                <a:latin typeface="Calibri" panose="020F0502020204030204"/>
+              </a:rPr>
+              <a:t>controllerTemplateName</a:t>
             </a:r>
             <a:endParaRPr lang="en-US" sz="800" kern="0" noProof="0" dirty="0">
               <a:solidFill>
                 <a:prstClr val="black"/>
               </a:solidFill>
+              <a:highlight>
+                <a:srgbClr val="FFFF00"/>
+              </a:highlight>
               <a:latin typeface="Calibri" panose="020F0502020204030204"/>
             </a:endParaRPr>
           </a:p>
@@ -14123,9 +14129,12 @@
                 <a:solidFill>
                   <a:prstClr val="white"/>
                 </a:solidFill>
-                <a:latin typeface="Calibri" panose="020F0502020204030204"/>
-              </a:rPr>
-              <a:t>logicalController</a:t>
+                <a:highlight>
+                  <a:srgbClr val="FFFF00"/>
+                </a:highlight>
+                <a:latin typeface="Calibri" panose="020F0502020204030204"/>
+              </a:rPr>
+              <a:t>mountPoint</a:t>
             </a:r>
             <a:r>
               <a:rPr lang="en-US" sz="900" kern="0" noProof="0" dirty="0">
@@ -14190,9 +14199,12 @@
                 <a:solidFill>
                   <a:prstClr val="black"/>
                 </a:solidFill>
-                <a:latin typeface="Calibri" panose="020F0502020204030204"/>
-              </a:rPr>
-              <a:t>logicalControllerTemplateName</a:t>
+                <a:highlight>
+                  <a:srgbClr val="FFFF00"/>
+                </a:highlight>
+                <a:latin typeface="Calibri" panose="020F0502020204030204"/>
+              </a:rPr>
+              <a:t>mountPointTemplateName</a:t>
             </a:r>
             <a:r>
               <a:rPr lang="en-US" sz="800" kern="0" noProof="0" dirty="0">
@@ -14220,23 +14232,20 @@
                 <a:solidFill>
                   <a:prstClr val="black"/>
                 </a:solidFill>
-                <a:latin typeface="Calibri" panose="020F0502020204030204"/>
-              </a:rPr>
-              <a:t>logicalController</a:t>
+                <a:highlight>
+                  <a:srgbClr val="FFFF00"/>
+                </a:highlight>
+                <a:latin typeface="Calibri" panose="020F0502020204030204"/>
+              </a:rPr>
+              <a:t>mountPoint</a:t>
             </a:r>
             <a:endParaRPr lang="en-US" sz="800" kern="0" noProof="0" dirty="0">
               <a:solidFill>
                 <a:prstClr val="black"/>
               </a:solidFill>
-              <a:latin typeface="Calibri" panose="020F0502020204030204"/>
-            </a:endParaRPr>
-          </a:p>
-          <a:p>
-            <a:pPr defTabSz="914411"/>
-            <a:endParaRPr lang="en-US" sz="800" kern="0" noProof="0" dirty="0">
-              <a:solidFill>
-                <a:prstClr val="black"/>
-              </a:solidFill>
+              <a:highlight>
+                <a:srgbClr val="FFFF00"/>
+              </a:highlight>
               <a:latin typeface="Calibri" panose="020F0502020204030204"/>
             </a:endParaRPr>
           </a:p>

--- a/spec/InformationStructure/diagrams/InformationStructure.pptx
+++ b/spec/InformationStructure/diagrams/InformationStructure.pptx
@@ -201,7 +201,7 @@
           <a:p>
             <a:fld id="{37CCF725-7468-4D3D-9E24-A16745BBBA77}" type="datetimeFigureOut">
               <a:rPr lang="de-DE" smtClean="0"/>
-              <a:t>07.07.2025</a:t>
+              <a:t>18.07.2025</a:t>
             </a:fld>
             <a:endParaRPr lang="de-DE"/>
           </a:p>
@@ -688,7 +688,7 @@
           <a:p>
             <a:fld id="{9A2764DB-E7DF-4EA7-A1AF-05A77C280FCA}" type="datetimeFigureOut">
               <a:rPr lang="de-DE" smtClean="0"/>
-              <a:t>07.07.2025</a:t>
+              <a:t>18.07.2025</a:t>
             </a:fld>
             <a:endParaRPr lang="de-DE"/>
           </a:p>
@@ -858,7 +858,7 @@
           <a:p>
             <a:fld id="{9A2764DB-E7DF-4EA7-A1AF-05A77C280FCA}" type="datetimeFigureOut">
               <a:rPr lang="de-DE" smtClean="0"/>
-              <a:t>07.07.2025</a:t>
+              <a:t>18.07.2025</a:t>
             </a:fld>
             <a:endParaRPr lang="de-DE"/>
           </a:p>
@@ -1038,7 +1038,7 @@
           <a:p>
             <a:fld id="{9A2764DB-E7DF-4EA7-A1AF-05A77C280FCA}" type="datetimeFigureOut">
               <a:rPr lang="de-DE" smtClean="0"/>
-              <a:t>07.07.2025</a:t>
+              <a:t>18.07.2025</a:t>
             </a:fld>
             <a:endParaRPr lang="de-DE"/>
           </a:p>
@@ -1208,7 +1208,7 @@
           <a:p>
             <a:fld id="{9A2764DB-E7DF-4EA7-A1AF-05A77C280FCA}" type="datetimeFigureOut">
               <a:rPr lang="de-DE" smtClean="0"/>
-              <a:t>07.07.2025</a:t>
+              <a:t>18.07.2025</a:t>
             </a:fld>
             <a:endParaRPr lang="de-DE"/>
           </a:p>
@@ -1454,7 +1454,7 @@
           <a:p>
             <a:fld id="{9A2764DB-E7DF-4EA7-A1AF-05A77C280FCA}" type="datetimeFigureOut">
               <a:rPr lang="de-DE" smtClean="0"/>
-              <a:t>07.07.2025</a:t>
+              <a:t>18.07.2025</a:t>
             </a:fld>
             <a:endParaRPr lang="de-DE"/>
           </a:p>
@@ -1686,7 +1686,7 @@
           <a:p>
             <a:fld id="{9A2764DB-E7DF-4EA7-A1AF-05A77C280FCA}" type="datetimeFigureOut">
               <a:rPr lang="de-DE" smtClean="0"/>
-              <a:t>07.07.2025</a:t>
+              <a:t>18.07.2025</a:t>
             </a:fld>
             <a:endParaRPr lang="de-DE"/>
           </a:p>
@@ -2053,7 +2053,7 @@
           <a:p>
             <a:fld id="{9A2764DB-E7DF-4EA7-A1AF-05A77C280FCA}" type="datetimeFigureOut">
               <a:rPr lang="de-DE" smtClean="0"/>
-              <a:t>07.07.2025</a:t>
+              <a:t>18.07.2025</a:t>
             </a:fld>
             <a:endParaRPr lang="de-DE"/>
           </a:p>
@@ -2171,7 +2171,7 @@
           <a:p>
             <a:fld id="{9A2764DB-E7DF-4EA7-A1AF-05A77C280FCA}" type="datetimeFigureOut">
               <a:rPr lang="de-DE" smtClean="0"/>
-              <a:t>07.07.2025</a:t>
+              <a:t>18.07.2025</a:t>
             </a:fld>
             <a:endParaRPr lang="de-DE"/>
           </a:p>
@@ -2266,7 +2266,7 @@
           <a:p>
             <a:fld id="{9A2764DB-E7DF-4EA7-A1AF-05A77C280FCA}" type="datetimeFigureOut">
               <a:rPr lang="de-DE" smtClean="0"/>
-              <a:t>07.07.2025</a:t>
+              <a:t>18.07.2025</a:t>
             </a:fld>
             <a:endParaRPr lang="de-DE"/>
           </a:p>
@@ -2543,7 +2543,7 @@
           <a:p>
             <a:fld id="{9A2764DB-E7DF-4EA7-A1AF-05A77C280FCA}" type="datetimeFigureOut">
               <a:rPr lang="de-DE" smtClean="0"/>
-              <a:t>07.07.2025</a:t>
+              <a:t>18.07.2025</a:t>
             </a:fld>
             <a:endParaRPr lang="de-DE"/>
           </a:p>
@@ -2800,7 +2800,7 @@
           <a:p>
             <a:fld id="{9A2764DB-E7DF-4EA7-A1AF-05A77C280FCA}" type="datetimeFigureOut">
               <a:rPr lang="de-DE" smtClean="0"/>
-              <a:t>07.07.2025</a:t>
+              <a:t>18.07.2025</a:t>
             </a:fld>
             <a:endParaRPr lang="de-DE"/>
           </a:p>
@@ -3013,7 +3013,7 @@
           <a:p>
             <a:fld id="{9A2764DB-E7DF-4EA7-A1AF-05A77C280FCA}" type="datetimeFigureOut">
               <a:rPr lang="de-DE" smtClean="0"/>
-              <a:t>07.07.2025</a:t>
+              <a:t>18.07.2025</a:t>
             </a:fld>
             <a:endParaRPr lang="de-DE"/>
           </a:p>
@@ -4064,9 +4064,9 @@
           <p:nvPr/>
         </p:nvCxnSpPr>
         <p:spPr>
-          <a:xfrm>
-            <a:off x="23684393" y="14340811"/>
-            <a:ext cx="470209" cy="9378"/>
+          <a:xfrm flipV="1">
+            <a:off x="23684398" y="14152128"/>
+            <a:ext cx="470209" cy="188684"/>
           </a:xfrm>
           <a:prstGeom prst="straightConnector1">
             <a:avLst/>
@@ -4097,8 +4097,8 @@
         </p:nvSpPr>
         <p:spPr>
           <a:xfrm>
-            <a:off x="24154607" y="14127404"/>
-            <a:ext cx="1682087" cy="445572"/>
+            <a:off x="24154607" y="13809904"/>
+            <a:ext cx="1682087" cy="684448"/>
           </a:xfrm>
           <a:prstGeom prst="rect">
             <a:avLst/>
@@ -4179,6 +4179,63 @@
               </a:rPr>
               <a:t>remotePort</a:t>
             </a:r>
+            <a:endParaRPr lang="en-US" sz="800" kern="0" dirty="0">
+              <a:solidFill>
+                <a:prstClr val="black"/>
+              </a:solidFill>
+              <a:latin typeface="Calibri" panose="020F0502020204030204"/>
+            </a:endParaRPr>
+          </a:p>
+          <a:p>
+            <a:pPr defTabSz="914411"/>
+            <a:r>
+              <a:rPr lang="en-US" sz="800" kern="0" noProof="0" dirty="0" err="1">
+                <a:solidFill>
+                  <a:prstClr val="black"/>
+                </a:solidFill>
+                <a:highlight>
+                  <a:srgbClr val="FFFF00"/>
+                </a:highlight>
+                <a:latin typeface="Calibri" panose="020F0502020204030204"/>
+              </a:rPr>
+              <a:t>notificationSubscribe</a:t>
+            </a:r>
+            <a:endParaRPr lang="en-US" sz="800" kern="0" noProof="0" dirty="0">
+              <a:solidFill>
+                <a:prstClr val="black"/>
+              </a:solidFill>
+              <a:highlight>
+                <a:srgbClr val="FFFF00"/>
+              </a:highlight>
+              <a:latin typeface="Calibri" panose="020F0502020204030204"/>
+            </a:endParaRPr>
+          </a:p>
+          <a:p>
+            <a:pPr defTabSz="914411"/>
+            <a:r>
+              <a:rPr lang="en-US" sz="800" kern="0" noProof="0" dirty="0" err="1">
+                <a:solidFill>
+                  <a:prstClr val="black"/>
+                </a:solidFill>
+                <a:highlight>
+                  <a:srgbClr val="FFFF00"/>
+                </a:highlight>
+                <a:latin typeface="Calibri" panose="020F0502020204030204"/>
+              </a:rPr>
+              <a:t>notificationStreamName</a:t>
+            </a:r>
+            <a:endParaRPr lang="en-US" sz="800" kern="0" noProof="0" dirty="0">
+              <a:solidFill>
+                <a:prstClr val="black"/>
+              </a:solidFill>
+              <a:highlight>
+                <a:srgbClr val="FFFF00"/>
+              </a:highlight>
+              <a:latin typeface="Calibri" panose="020F0502020204030204"/>
+            </a:endParaRPr>
+          </a:p>
+          <a:p>
+            <a:pPr defTabSz="914411"/>
             <a:endParaRPr lang="en-US" sz="800" kern="0" noProof="0" dirty="0">
               <a:solidFill>
                 <a:prstClr val="black"/>
@@ -11240,115 +11297,6 @@
       </p:sp>
       <p:sp>
         <p:nvSpPr>
-          <p:cNvPr id="139" name="Pfeil: nach rechts 138">
-            <a:extLst>
-              <a:ext uri="{FF2B5EF4-FFF2-40B4-BE49-F238E27FC236}">
-                <a16:creationId xmlns:a16="http://schemas.microsoft.com/office/drawing/2014/main" id="{5BC306EE-1A93-9FC3-E362-5CA24C54F4D2}"/>
-              </a:ext>
-            </a:extLst>
-          </p:cNvPr>
-          <p:cNvSpPr/>
-          <p:nvPr/>
-        </p:nvSpPr>
-        <p:spPr>
-          <a:xfrm flipH="1">
-            <a:off x="21224200" y="2073353"/>
-            <a:ext cx="7504867" cy="146494"/>
-          </a:xfrm>
-          <a:prstGeom prst="rightArrow">
-            <a:avLst/>
-          </a:prstGeom>
-        </p:spPr>
-        <p:style>
-          <a:lnRef idx="2">
-            <a:schemeClr val="accent1">
-              <a:shade val="15000"/>
-            </a:schemeClr>
-          </a:lnRef>
-          <a:fillRef idx="1">
-            <a:schemeClr val="accent1"/>
-          </a:fillRef>
-          <a:effectRef idx="0">
-            <a:schemeClr val="accent1"/>
-          </a:effectRef>
-          <a:fontRef idx="minor">
-            <a:schemeClr val="lt1"/>
-          </a:fontRef>
-        </p:style>
-        <p:txBody>
-          <a:bodyPr rtlCol="0" anchor="ctr"/>
-          <a:lstStyle/>
-          <a:p>
-            <a:pPr algn="ctr"/>
-            <a:endParaRPr lang="en-US" noProof="0" dirty="0"/>
-          </a:p>
-        </p:txBody>
-      </p:sp>
-      <p:sp>
-        <p:nvSpPr>
-          <p:cNvPr id="140" name="Textfeld 139">
-            <a:extLst>
-              <a:ext uri="{FF2B5EF4-FFF2-40B4-BE49-F238E27FC236}">
-                <a16:creationId xmlns:a16="http://schemas.microsoft.com/office/drawing/2014/main" id="{F7658145-0D33-5E69-50D7-63495D3F0959}"/>
-              </a:ext>
-            </a:extLst>
-          </p:cNvPr>
-          <p:cNvSpPr txBox="1"/>
-          <p:nvPr/>
-        </p:nvSpPr>
-        <p:spPr>
-          <a:xfrm>
-            <a:off x="20623410" y="1689925"/>
-            <a:ext cx="8430706" cy="369332"/>
-          </a:xfrm>
-          <a:prstGeom prst="rect">
-            <a:avLst/>
-          </a:prstGeom>
-          <a:noFill/>
-        </p:spPr>
-        <p:txBody>
-          <a:bodyPr wrap="none" rtlCol="0">
-            <a:spAutoFit/>
-          </a:bodyPr>
-          <a:lstStyle/>
-          <a:p>
-            <a:r>
-              <a:rPr lang="en-US" noProof="0" dirty="0" err="1"/>
-              <a:t>updateTcpClient</a:t>
-            </a:r>
-            <a:r>
-              <a:rPr lang="en-US" noProof="0" dirty="0"/>
-              <a:t>{</a:t>
-            </a:r>
-            <a:r>
-              <a:rPr lang="en-US" noProof="0" dirty="0" err="1"/>
-              <a:t>controllerName</a:t>
-            </a:r>
-            <a:r>
-              <a:rPr lang="en-US" noProof="0" dirty="0"/>
-              <a:t>=live, </a:t>
-            </a:r>
-            <a:r>
-              <a:rPr lang="en-US" noProof="0" dirty="0" err="1"/>
-              <a:t>deviceName</a:t>
-            </a:r>
-            <a:r>
-              <a:rPr lang="en-US" noProof="0" dirty="0"/>
-              <a:t>=305251111, </a:t>
-            </a:r>
-            <a:r>
-              <a:rPr lang="en-US" noProof="0" dirty="0" err="1"/>
-              <a:t>remotePort</a:t>
-            </a:r>
-            <a:r>
-              <a:rPr lang="en-US" noProof="0" dirty="0"/>
-              <a:t>=4001}</a:t>
-            </a:r>
-          </a:p>
-        </p:txBody>
-      </p:sp>
-      <p:sp>
-        <p:nvSpPr>
           <p:cNvPr id="194" name="Abgerundetes Rechteck 1">
             <a:extLst>
               <a:ext uri="{FF2B5EF4-FFF2-40B4-BE49-F238E27FC236}">
@@ -12651,8 +12599,8 @@
         </p:nvCxnSpPr>
         <p:spPr>
           <a:xfrm flipV="1">
-            <a:off x="31976069" y="12697473"/>
-            <a:ext cx="474801" cy="65793"/>
+            <a:off x="31976069" y="12697472"/>
+            <a:ext cx="474799" cy="65793"/>
           </a:xfrm>
           <a:prstGeom prst="straightConnector1">
             <a:avLst/>
@@ -12683,8 +12631,8 @@
         </p:nvSpPr>
         <p:spPr>
           <a:xfrm>
-            <a:off x="32450869" y="12539959"/>
-            <a:ext cx="1572246" cy="315026"/>
+            <a:off x="32450868" y="12539959"/>
+            <a:ext cx="1731181" cy="315026"/>
           </a:xfrm>
           <a:prstGeom prst="rect">
             <a:avLst/>
@@ -12733,6 +12681,42 @@
               </a:rPr>
               <a:t>]</a:t>
             </a:r>
+          </a:p>
+          <a:p>
+            <a:pPr defTabSz="914411"/>
+            <a:r>
+              <a:rPr lang="en-US" sz="800" kern="0" dirty="0">
+                <a:solidFill>
+                  <a:prstClr val="black"/>
+                </a:solidFill>
+                <a:highlight>
+                  <a:srgbClr val="FFFF00"/>
+                </a:highlight>
+                <a:latin typeface="Calibri" panose="020F0502020204030204"/>
+              </a:rPr>
+              <a:t>_template=</a:t>
+            </a:r>
+            <a:r>
+              <a:rPr lang="en-US" sz="800" kern="0" dirty="0" err="1">
+                <a:solidFill>
+                  <a:prstClr val="black"/>
+                </a:solidFill>
+                <a:highlight>
+                  <a:srgbClr val="FFFF00"/>
+                </a:highlight>
+                <a:latin typeface="Calibri" panose="020F0502020204030204"/>
+              </a:rPr>
+              <a:t>mountPointTemplateName</a:t>
+            </a:r>
+            <a:endParaRPr lang="en-US" sz="800" kern="0" noProof="0" dirty="0">
+              <a:solidFill>
+                <a:prstClr val="black"/>
+              </a:solidFill>
+              <a:highlight>
+                <a:srgbClr val="FFFF00"/>
+              </a:highlight>
+              <a:latin typeface="Calibri" panose="020F0502020204030204"/>
+            </a:endParaRPr>
           </a:p>
         </p:txBody>
       </p:sp>
@@ -12918,7 +12902,7 @@
         <p:spPr>
           <a:xfrm>
             <a:off x="33698615" y="13652196"/>
-            <a:ext cx="470210" cy="9378"/>
+            <a:ext cx="470210" cy="126211"/>
           </a:xfrm>
           <a:prstGeom prst="straightConnector1">
             <a:avLst/>
@@ -12949,8 +12933,8 @@
         </p:nvSpPr>
         <p:spPr>
           <a:xfrm>
-            <a:off x="34168825" y="13438788"/>
-            <a:ext cx="1150284" cy="445572"/>
+            <a:off x="34168825" y="13438787"/>
+            <a:ext cx="1150284" cy="679239"/>
           </a:xfrm>
           <a:prstGeom prst="rect">
             <a:avLst/>
@@ -13035,6 +13019,54 @@
               <a:solidFill>
                 <a:prstClr val="black"/>
               </a:solidFill>
+              <a:latin typeface="Calibri" panose="020F0502020204030204"/>
+            </a:endParaRPr>
+          </a:p>
+          <a:p>
+            <a:pPr defTabSz="914411"/>
+            <a:r>
+              <a:rPr lang="en-US" sz="800" kern="0" noProof="0" dirty="0" err="1">
+                <a:solidFill>
+                  <a:prstClr val="black"/>
+                </a:solidFill>
+                <a:highlight>
+                  <a:srgbClr val="FFFF00"/>
+                </a:highlight>
+                <a:latin typeface="Calibri" panose="020F0502020204030204"/>
+              </a:rPr>
+              <a:t>notificationSubscribe</a:t>
+            </a:r>
+            <a:endParaRPr lang="en-US" sz="800" kern="0" noProof="0" dirty="0">
+              <a:solidFill>
+                <a:prstClr val="black"/>
+              </a:solidFill>
+              <a:highlight>
+                <a:srgbClr val="FFFF00"/>
+              </a:highlight>
+              <a:latin typeface="Calibri" panose="020F0502020204030204"/>
+            </a:endParaRPr>
+          </a:p>
+          <a:p>
+            <a:pPr defTabSz="914411"/>
+            <a:r>
+              <a:rPr lang="en-US" sz="800" kern="0" noProof="0" dirty="0" err="1">
+                <a:solidFill>
+                  <a:prstClr val="black"/>
+                </a:solidFill>
+                <a:highlight>
+                  <a:srgbClr val="FFFF00"/>
+                </a:highlight>
+                <a:latin typeface="Calibri" panose="020F0502020204030204"/>
+              </a:rPr>
+              <a:t>notificationStreamName</a:t>
+            </a:r>
+            <a:endParaRPr lang="en-US" sz="800" kern="0" noProof="0" dirty="0">
+              <a:solidFill>
+                <a:prstClr val="black"/>
+              </a:solidFill>
+              <a:highlight>
+                <a:srgbClr val="FFFF00"/>
+              </a:highlight>
               <a:latin typeface="Calibri" panose="020F0502020204030204"/>
             </a:endParaRPr>
           </a:p>
@@ -13302,7 +13334,7 @@
         </p:nvSpPr>
         <p:spPr>
           <a:xfrm>
-            <a:off x="24154601" y="13479410"/>
+            <a:off x="24154601" y="13422260"/>
             <a:ext cx="1682087" cy="333280"/>
           </a:xfrm>
           <a:prstGeom prst="rect">
@@ -13393,9 +13425,9 @@
           <p:nvPr/>
         </p:nvCxnSpPr>
         <p:spPr>
-          <a:xfrm>
-            <a:off x="23687472" y="13643106"/>
-            <a:ext cx="467129" cy="2944"/>
+          <a:xfrm flipV="1">
+            <a:off x="23687472" y="13588900"/>
+            <a:ext cx="467129" cy="54206"/>
           </a:xfrm>
           <a:prstGeom prst="straightConnector1">
             <a:avLst/>
@@ -14129,9 +14161,6 @@
                 <a:solidFill>
                   <a:prstClr val="white"/>
                 </a:solidFill>
-                <a:highlight>
-                  <a:srgbClr val="FFFF00"/>
-                </a:highlight>
                 <a:latin typeface="Calibri" panose="020F0502020204030204"/>
               </a:rPr>
               <a:t>mountPoint</a:t>
@@ -14162,8 +14191,8 @@
         </p:nvSpPr>
         <p:spPr>
           <a:xfrm>
-            <a:off x="2356182" y="4935830"/>
-            <a:ext cx="2050399" cy="408894"/>
+            <a:off x="2356182" y="4935829"/>
+            <a:ext cx="2050399" cy="574031"/>
           </a:xfrm>
           <a:prstGeom prst="rect">
             <a:avLst/>
@@ -14228,7 +14257,7 @@
               <a:t>category=</a:t>
             </a:r>
             <a:r>
-              <a:rPr lang="en-US" sz="800" kern="0" noProof="0" dirty="0" err="1">
+              <a:rPr lang="en-US" sz="800" kern="0" noProof="0" dirty="0">
                 <a:solidFill>
                   <a:prstClr val="black"/>
                 </a:solidFill>
@@ -14237,7 +14266,22 @@
                 </a:highlight>
                 <a:latin typeface="Calibri" panose="020F0502020204030204"/>
               </a:rPr>
-              <a:t>mountPoint</a:t>
+              <a:t>mountpoint</a:t>
+            </a:r>
+          </a:p>
+          <a:p>
+            <a:pPr defTabSz="914411"/>
+            <a:r>
+              <a:rPr lang="en-US" sz="800" kern="0" noProof="0" dirty="0" err="1">
+                <a:solidFill>
+                  <a:prstClr val="black"/>
+                </a:solidFill>
+                <a:highlight>
+                  <a:srgbClr val="FFFF00"/>
+                </a:highlight>
+                <a:latin typeface="Calibri" panose="020F0502020204030204"/>
+              </a:rPr>
+              <a:t>netconfUserName</a:t>
             </a:r>
             <a:endParaRPr lang="en-US" sz="800" kern="0" noProof="0" dirty="0">
               <a:solidFill>
@@ -14251,6 +14295,42 @@
           </a:p>
           <a:p>
             <a:pPr defTabSz="914411"/>
+            <a:r>
+              <a:rPr lang="en-US" sz="800" kern="0" noProof="0" dirty="0" err="1">
+                <a:solidFill>
+                  <a:prstClr val="black"/>
+                </a:solidFill>
+                <a:highlight>
+                  <a:srgbClr val="FFFF00"/>
+                </a:highlight>
+                <a:latin typeface="Calibri" panose="020F0502020204030204"/>
+              </a:rPr>
+              <a:t>netconfPassword</a:t>
+            </a:r>
+            <a:endParaRPr lang="en-US" sz="800" kern="0" noProof="0" dirty="0">
+              <a:solidFill>
+                <a:prstClr val="black"/>
+              </a:solidFill>
+              <a:highlight>
+                <a:srgbClr val="FFFF00"/>
+              </a:highlight>
+              <a:latin typeface="Calibri" panose="020F0502020204030204"/>
+            </a:endParaRPr>
+          </a:p>
+          <a:p>
+            <a:pPr defTabSz="914411"/>
+            <a:endParaRPr lang="en-US" sz="800" kern="0" noProof="0" dirty="0">
+              <a:solidFill>
+                <a:prstClr val="black"/>
+              </a:solidFill>
+              <a:highlight>
+                <a:srgbClr val="FFFF00"/>
+              </a:highlight>
+              <a:latin typeface="Calibri" panose="020F0502020204030204"/>
+            </a:endParaRPr>
+          </a:p>
+          <a:p>
+            <a:pPr defTabSz="914411"/>
             <a:endParaRPr lang="en-US" sz="800" kern="0" noProof="0" dirty="0">
               <a:solidFill>
                 <a:prstClr val="black"/>
@@ -14279,7 +14359,7 @@
         <p:spPr>
           <a:xfrm flipH="1">
             <a:off x="4406581" y="5118269"/>
-            <a:ext cx="468395" cy="22008"/>
+            <a:ext cx="468395" cy="104576"/>
           </a:xfrm>
           <a:prstGeom prst="straightConnector1">
             <a:avLst/>
@@ -14332,188 +14412,6 @@
           <a:effectLst/>
         </p:spPr>
       </p:cxnSp>
-      <p:sp>
-        <p:nvSpPr>
-          <p:cNvPr id="6" name="Rechteck 5">
-            <a:extLst>
-              <a:ext uri="{FF2B5EF4-FFF2-40B4-BE49-F238E27FC236}">
-                <a16:creationId xmlns:a16="http://schemas.microsoft.com/office/drawing/2014/main" id="{3B38907F-0312-01DA-5864-D7DE075718B8}"/>
-              </a:ext>
-            </a:extLst>
-          </p:cNvPr>
-          <p:cNvSpPr/>
-          <p:nvPr/>
-        </p:nvSpPr>
-        <p:spPr>
-          <a:xfrm>
-            <a:off x="34058226" y="12941180"/>
-            <a:ext cx="1152525" cy="377333"/>
-          </a:xfrm>
-          <a:prstGeom prst="rect">
-            <a:avLst/>
-          </a:prstGeom>
-          <a:solidFill>
-            <a:sysClr val="window" lastClr="FFFFFF"/>
-          </a:solidFill>
-          <a:ln w="12700" cap="flat" cmpd="sng" algn="ctr">
-            <a:solidFill>
-              <a:srgbClr val="A5A5A5"/>
-            </a:solidFill>
-            <a:prstDash val="solid"/>
-            <a:miter lim="800000"/>
-          </a:ln>
-          <a:effectLst/>
-        </p:spPr>
-        <p:txBody>
-          <a:bodyPr lIns="36000" tIns="36000" rIns="36000" bIns="36000" rtlCol="0" anchor="t"/>
-          <a:lstStyle/>
-          <a:p>
-            <a:pPr defTabSz="914411"/>
-            <a:r>
-              <a:rPr lang="de-DE" sz="800" kern="0" dirty="0" err="1">
-                <a:solidFill>
-                  <a:prstClr val="black"/>
-                </a:solidFill>
-                <a:highlight>
-                  <a:srgbClr val="FF0000"/>
-                </a:highlight>
-                <a:latin typeface="Calibri" panose="020F0502020204030204"/>
-              </a:rPr>
-              <a:t>netconf</a:t>
-            </a:r>
-            <a:r>
-              <a:rPr lang="de-DE" sz="800" kern="0" dirty="0">
-                <a:solidFill>
-                  <a:prstClr val="black"/>
-                </a:solidFill>
-                <a:highlight>
-                  <a:srgbClr val="FF0000"/>
-                </a:highlight>
-                <a:latin typeface="Calibri" panose="020F0502020204030204"/>
-              </a:rPr>
-              <a:t>-user-name</a:t>
-            </a:r>
-          </a:p>
-          <a:p>
-            <a:pPr defTabSz="914411"/>
-            <a:r>
-              <a:rPr lang="de-DE" sz="800" kern="0" dirty="0" err="1">
-                <a:solidFill>
-                  <a:prstClr val="black"/>
-                </a:solidFill>
-                <a:highlight>
-                  <a:srgbClr val="FF0000"/>
-                </a:highlight>
-                <a:latin typeface="Calibri" panose="020F0502020204030204"/>
-              </a:rPr>
-              <a:t>netconf</a:t>
-            </a:r>
-            <a:r>
-              <a:rPr lang="de-DE" sz="800" kern="0" dirty="0">
-                <a:solidFill>
-                  <a:prstClr val="black"/>
-                </a:solidFill>
-                <a:highlight>
-                  <a:srgbClr val="FF0000"/>
-                </a:highlight>
-                <a:latin typeface="Calibri" panose="020F0502020204030204"/>
-              </a:rPr>
-              <a:t>-password</a:t>
-            </a:r>
-          </a:p>
-        </p:txBody>
-      </p:sp>
-      <p:sp>
-        <p:nvSpPr>
-          <p:cNvPr id="44" name="Rechteck 43">
-            <a:extLst>
-              <a:ext uri="{FF2B5EF4-FFF2-40B4-BE49-F238E27FC236}">
-                <a16:creationId xmlns:a16="http://schemas.microsoft.com/office/drawing/2014/main" id="{07802AC0-A710-B932-87CA-591EE43204B4}"/>
-              </a:ext>
-            </a:extLst>
-          </p:cNvPr>
-          <p:cNvSpPr/>
-          <p:nvPr/>
-        </p:nvSpPr>
-        <p:spPr>
-          <a:xfrm>
-            <a:off x="23766984" y="13810589"/>
-            <a:ext cx="1152525" cy="377333"/>
-          </a:xfrm>
-          <a:prstGeom prst="rect">
-            <a:avLst/>
-          </a:prstGeom>
-          <a:solidFill>
-            <a:sysClr val="window" lastClr="FFFFFF"/>
-          </a:solidFill>
-          <a:ln w="12700" cap="flat" cmpd="sng" algn="ctr">
-            <a:solidFill>
-              <a:srgbClr val="A5A5A5"/>
-            </a:solidFill>
-            <a:prstDash val="solid"/>
-            <a:miter lim="800000"/>
-          </a:ln>
-          <a:effectLst/>
-        </p:spPr>
-        <p:txBody>
-          <a:bodyPr lIns="36000" tIns="36000" rIns="36000" bIns="36000" rtlCol="0" anchor="t"/>
-          <a:lstStyle/>
-          <a:p>
-            <a:pPr defTabSz="914411"/>
-            <a:r>
-              <a:rPr lang="de-DE" sz="800" kern="0" dirty="0" err="1">
-                <a:solidFill>
-                  <a:prstClr val="black"/>
-                </a:solidFill>
-                <a:highlight>
-                  <a:srgbClr val="FF0000"/>
-                </a:highlight>
-                <a:latin typeface="Calibri" panose="020F0502020204030204"/>
-              </a:rPr>
-              <a:t>netconf</a:t>
-            </a:r>
-            <a:r>
-              <a:rPr lang="de-DE" sz="800" kern="0" dirty="0">
-                <a:solidFill>
-                  <a:prstClr val="black"/>
-                </a:solidFill>
-                <a:highlight>
-                  <a:srgbClr val="FF0000"/>
-                </a:highlight>
-                <a:latin typeface="Calibri" panose="020F0502020204030204"/>
-              </a:rPr>
-              <a:t>-user-name</a:t>
-            </a:r>
-          </a:p>
-          <a:p>
-            <a:pPr defTabSz="914411"/>
-            <a:r>
-              <a:rPr lang="de-DE" sz="800" kern="0" dirty="0" err="1">
-                <a:solidFill>
-                  <a:prstClr val="black"/>
-                </a:solidFill>
-                <a:highlight>
-                  <a:srgbClr val="FF0000"/>
-                </a:highlight>
-                <a:latin typeface="Calibri" panose="020F0502020204030204"/>
-              </a:rPr>
-              <a:t>netconf</a:t>
-            </a:r>
-            <a:r>
-              <a:rPr lang="de-DE" sz="800" kern="0" dirty="0">
-                <a:solidFill>
-                  <a:prstClr val="black"/>
-                </a:solidFill>
-                <a:highlight>
-                  <a:srgbClr val="FF0000"/>
-                </a:highlight>
-                <a:latin typeface="Calibri" panose="020F0502020204030204"/>
-              </a:rPr>
-              <a:t>-password</a:t>
-            </a:r>
-          </a:p>
-        </p:txBody>
-      </p:sp>
     </p:spTree>
     <p:extLst>
       <p:ext uri="{BB962C8B-B14F-4D97-AF65-F5344CB8AC3E}">

--- a/spec/InformationStructure/diagrams/InformationStructure.pptx
+++ b/spec/InformationStructure/diagrams/InformationStructure.pptx
@@ -4065,8 +4065,8 @@
         </p:nvCxnSpPr>
         <p:spPr>
           <a:xfrm flipV="1">
-            <a:off x="23684398" y="14152128"/>
-            <a:ext cx="470209" cy="188684"/>
+            <a:off x="23684398" y="14270952"/>
+            <a:ext cx="470209" cy="69860"/>
           </a:xfrm>
           <a:prstGeom prst="straightConnector1">
             <a:avLst/>
@@ -4098,7 +4098,7 @@
         <p:spPr>
           <a:xfrm>
             <a:off x="24154607" y="13809904"/>
-            <a:ext cx="1682087" cy="684448"/>
+            <a:ext cx="1682087" cy="922096"/>
           </a:xfrm>
           <a:prstGeom prst="rect">
             <a:avLst/>
@@ -4223,6 +4223,54 @@
                 <a:latin typeface="Calibri" panose="020F0502020204030204"/>
               </a:rPr>
               <a:t>notificationStreamName</a:t>
+            </a:r>
+            <a:endParaRPr lang="en-US" sz="800" kern="0" noProof="0" dirty="0">
+              <a:solidFill>
+                <a:prstClr val="black"/>
+              </a:solidFill>
+              <a:highlight>
+                <a:srgbClr val="FFFF00"/>
+              </a:highlight>
+              <a:latin typeface="Calibri" panose="020F0502020204030204"/>
+            </a:endParaRPr>
+          </a:p>
+          <a:p>
+            <a:pPr defTabSz="914411"/>
+            <a:r>
+              <a:rPr lang="en-US" sz="800" kern="0" dirty="0" err="1">
+                <a:solidFill>
+                  <a:prstClr val="black"/>
+                </a:solidFill>
+                <a:highlight>
+                  <a:srgbClr val="FFFF00"/>
+                </a:highlight>
+                <a:latin typeface="Calibri" panose="020F0502020204030204"/>
+              </a:rPr>
+              <a:t>connectionStatus</a:t>
+            </a:r>
+            <a:endParaRPr lang="en-US" sz="800" kern="0" dirty="0">
+              <a:solidFill>
+                <a:prstClr val="black"/>
+              </a:solidFill>
+              <a:highlight>
+                <a:srgbClr val="FFFF00"/>
+              </a:highlight>
+              <a:latin typeface="Calibri" panose="020F0502020204030204"/>
+            </a:endParaRPr>
+          </a:p>
+          <a:p>
+            <a:pPr defTabSz="914411"/>
+            <a:r>
+              <a:rPr lang="en-US" sz="800" kern="0" dirty="0" err="1">
+                <a:solidFill>
+                  <a:prstClr val="black"/>
+                </a:solidFill>
+                <a:highlight>
+                  <a:srgbClr val="FFFF00"/>
+                </a:highlight>
+                <a:latin typeface="Calibri" panose="020F0502020204030204"/>
+              </a:rPr>
+              <a:t>sessionId</a:t>
             </a:r>
             <a:endParaRPr lang="en-US" sz="800" kern="0" noProof="0" dirty="0">
               <a:solidFill>
@@ -5157,7 +5205,7 @@
         <p:spPr>
           <a:xfrm flipV="1">
             <a:off x="1171498" y="9074357"/>
-            <a:ext cx="461366" cy="5676"/>
+            <a:ext cx="461372" cy="5676"/>
           </a:xfrm>
           <a:prstGeom prst="straightConnector1">
             <a:avLst/>
@@ -5189,7 +5237,7 @@
         <p:spPr>
           <a:xfrm>
             <a:off x="1632870" y="8851571"/>
-            <a:ext cx="1672141" cy="445572"/>
+            <a:ext cx="2281584" cy="445572"/>
           </a:xfrm>
           <a:prstGeom prst="rect">
             <a:avLst/>
@@ -5278,13 +5326,28 @@
               <a:t>_template=</a:t>
             </a:r>
             <a:r>
-              <a:rPr lang="en-US" sz="800" kern="0" noProof="0" dirty="0" err="1">
+              <a:rPr lang="en-US" sz="800" kern="0" dirty="0">
                 <a:solidFill>
                   <a:prstClr val="black"/>
                 </a:solidFill>
-                <a:latin typeface="Calibri" panose="020F0502020204030204"/>
-              </a:rPr>
-              <a:t>applicationTemplateName</a:t>
+                <a:highlight>
+                  <a:srgbClr val="FFFF00"/>
+                </a:highlight>
+                <a:latin typeface="Calibri" panose="020F0502020204030204"/>
+              </a:rPr>
+              <a:t> </a:t>
+            </a:r>
+            <a:r>
+              <a:rPr lang="en-US" sz="800" kern="0" dirty="0" err="1">
+                <a:solidFill>
+                  <a:prstClr val="black"/>
+                </a:solidFill>
+                <a:highlight>
+                  <a:srgbClr val="FFFF00"/>
+                </a:highlight>
+                <a:latin typeface="Calibri" panose="020F0502020204030204"/>
+              </a:rPr>
+              <a:t>managementDomainInterfaceTemplate</a:t>
             </a:r>
             <a:endParaRPr lang="en-US" sz="800" kern="0" noProof="0" dirty="0">
               <a:solidFill>
@@ -5676,8 +5739,8 @@
         </p:nvCxnSpPr>
         <p:spPr>
           <a:xfrm flipV="1">
-            <a:off x="22989947" y="12712776"/>
-            <a:ext cx="474802" cy="52380"/>
+            <a:off x="22989953" y="12712771"/>
+            <a:ext cx="474798" cy="52380"/>
           </a:xfrm>
           <a:prstGeom prst="straightConnector1">
             <a:avLst/>
@@ -5708,8 +5771,8 @@
         </p:nvSpPr>
         <p:spPr>
           <a:xfrm>
-            <a:off x="23464752" y="12566951"/>
-            <a:ext cx="1083166" cy="291640"/>
+            <a:off x="23464751" y="12566951"/>
+            <a:ext cx="1682087" cy="291640"/>
           </a:xfrm>
           <a:prstGeom prst="rect">
             <a:avLst/>
@@ -5758,6 +5821,51 @@
               </a:rPr>
               <a:t>]</a:t>
             </a:r>
+          </a:p>
+          <a:p>
+            <a:pPr defTabSz="914411"/>
+            <a:r>
+              <a:rPr lang="en-US" sz="800" kern="0" dirty="0">
+                <a:solidFill>
+                  <a:prstClr val="black"/>
+                </a:solidFill>
+                <a:highlight>
+                  <a:srgbClr val="FFFF00"/>
+                </a:highlight>
+                <a:latin typeface="Calibri" panose="020F0502020204030204"/>
+              </a:rPr>
+              <a:t>_template=</a:t>
+            </a:r>
+            <a:r>
+              <a:rPr lang="en-US" sz="800" kern="0" dirty="0" err="1">
+                <a:solidFill>
+                  <a:prstClr val="black"/>
+                </a:solidFill>
+                <a:highlight>
+                  <a:srgbClr val="FFFF00"/>
+                </a:highlight>
+                <a:latin typeface="Calibri" panose="020F0502020204030204"/>
+              </a:rPr>
+              <a:t>mountPointTemplateName</a:t>
+            </a:r>
+            <a:endParaRPr lang="en-US" sz="800" kern="0" dirty="0">
+              <a:solidFill>
+                <a:prstClr val="black"/>
+              </a:solidFill>
+              <a:highlight>
+                <a:srgbClr val="FFFF00"/>
+              </a:highlight>
+              <a:latin typeface="Calibri" panose="020F0502020204030204"/>
+            </a:endParaRPr>
+          </a:p>
+          <a:p>
+            <a:pPr defTabSz="914411"/>
+            <a:endParaRPr lang="en-US" sz="800" kern="0" noProof="0" dirty="0">
+              <a:solidFill>
+                <a:prstClr val="black"/>
+              </a:solidFill>
+              <a:latin typeface="Calibri" panose="020F0502020204030204"/>
+            </a:endParaRPr>
           </a:p>
         </p:txBody>
       </p:sp>
@@ -7058,7 +7166,7 @@
         </p:nvSpPr>
         <p:spPr>
           <a:xfrm>
-            <a:off x="2347501" y="3751041"/>
+            <a:off x="2347501" y="4055849"/>
             <a:ext cx="2050399" cy="469483"/>
           </a:xfrm>
           <a:prstGeom prst="rect">
@@ -7161,7 +7269,7 @@
         </p:nvSpPr>
         <p:spPr>
           <a:xfrm>
-            <a:off x="2347500" y="4350744"/>
+            <a:off x="2347500" y="4655552"/>
             <a:ext cx="2050399" cy="408894"/>
           </a:xfrm>
           <a:prstGeom prst="rect">
@@ -7263,7 +7371,7 @@
         <p:spPr>
           <a:xfrm flipH="1">
             <a:off x="4397900" y="3945514"/>
-            <a:ext cx="468394" cy="40269"/>
+            <a:ext cx="468394" cy="345077"/>
           </a:xfrm>
           <a:prstGeom prst="straightConnector1">
             <a:avLst/>
@@ -7299,7 +7407,7 @@
         <p:spPr>
           <a:xfrm flipH="1">
             <a:off x="4397899" y="4533183"/>
-            <a:ext cx="468395" cy="22008"/>
+            <a:ext cx="468395" cy="326816"/>
           </a:xfrm>
           <a:prstGeom prst="straightConnector1">
             <a:avLst/>
@@ -10675,13 +10783,22 @@
               <a:defRPr/>
             </a:pPr>
             <a:r>
-              <a:rPr lang="en-US" sz="1050" kern="0" noProof="0" dirty="0">
+              <a:rPr lang="en-US" sz="800" kern="0" noProof="0" dirty="0" err="1">
                 <a:solidFill>
                   <a:prstClr val="white"/>
                 </a:solidFill>
                 <a:latin typeface="Calibri" panose="020F0502020204030204"/>
               </a:rPr>
-              <a:t>application [*]</a:t>
+              <a:t>managementDomain</a:t>
+            </a:r>
+            <a:r>
+              <a:rPr lang="en-US" sz="800" kern="0" noProof="0" dirty="0">
+                <a:solidFill>
+                  <a:prstClr val="white"/>
+                </a:solidFill>
+                <a:latin typeface="Calibri" panose="020F0502020204030204"/>
+              </a:rPr>
+              <a:t> Interface [*]</a:t>
             </a:r>
           </a:p>
         </p:txBody>
@@ -10700,8 +10817,8 @@
         </p:nvSpPr>
         <p:spPr>
           <a:xfrm>
-            <a:off x="2349500" y="3137714"/>
-            <a:ext cx="2050399" cy="469483"/>
+            <a:off x="1626488" y="3137714"/>
+            <a:ext cx="2773411" cy="814864"/>
           </a:xfrm>
           <a:prstGeom prst="rect">
             <a:avLst/>
@@ -10746,9 +10863,12 @@
                 <a:solidFill>
                   <a:prstClr val="black"/>
                 </a:solidFill>
-                <a:latin typeface="Calibri" panose="020F0502020204030204"/>
-              </a:rPr>
-              <a:t>applicationTemplateName</a:t>
+                <a:highlight>
+                  <a:srgbClr val="FFFF00"/>
+                </a:highlight>
+                <a:latin typeface="Calibri" panose="020F0502020204030204"/>
+              </a:rPr>
+              <a:t>managementDomainInterfaceTemplateName</a:t>
             </a:r>
             <a:r>
               <a:rPr lang="en-US" sz="800" kern="0" noProof="0" dirty="0">
@@ -10769,8 +10889,137 @@
                 </a:solidFill>
                 <a:latin typeface="Calibri" panose="020F0502020204030204"/>
               </a:rPr>
-              <a:t>category=application</a:t>
-            </a:r>
+              <a:t>category=</a:t>
+            </a:r>
+            <a:r>
+              <a:rPr lang="en-US" sz="800" kern="0" noProof="0" dirty="0" err="1">
+                <a:solidFill>
+                  <a:prstClr val="black"/>
+                </a:solidFill>
+                <a:highlight>
+                  <a:srgbClr val="FFFF00"/>
+                </a:highlight>
+                <a:latin typeface="Calibri" panose="020F0502020204030204"/>
+              </a:rPr>
+              <a:t>managementDomainInterfaceTemplate</a:t>
+            </a:r>
+            <a:endParaRPr lang="en-US" sz="800" kern="0" noProof="0" dirty="0">
+              <a:solidFill>
+                <a:prstClr val="black"/>
+              </a:solidFill>
+              <a:highlight>
+                <a:srgbClr val="FFFF00"/>
+              </a:highlight>
+              <a:latin typeface="Calibri" panose="020F0502020204030204"/>
+            </a:endParaRPr>
+          </a:p>
+          <a:p>
+            <a:pPr defTabSz="914411"/>
+            <a:r>
+              <a:rPr lang="de-DE" sz="800" kern="0" dirty="0" err="1">
+                <a:solidFill>
+                  <a:prstClr val="black"/>
+                </a:solidFill>
+                <a:highlight>
+                  <a:srgbClr val="FFFF00"/>
+                </a:highlight>
+                <a:latin typeface="Calibri" panose="020F0502020204030204"/>
+              </a:rPr>
+              <a:t>managerIpAddress</a:t>
+            </a:r>
+            <a:endParaRPr lang="de-DE" sz="800" kern="0" dirty="0">
+              <a:solidFill>
+                <a:prstClr val="black"/>
+              </a:solidFill>
+              <a:highlight>
+                <a:srgbClr val="FFFF00"/>
+              </a:highlight>
+              <a:latin typeface="Calibri" panose="020F0502020204030204"/>
+            </a:endParaRPr>
+          </a:p>
+          <a:p>
+            <a:pPr defTabSz="914411"/>
+            <a:r>
+              <a:rPr lang="de-DE" sz="800" kern="0" dirty="0" err="1">
+                <a:solidFill>
+                  <a:prstClr val="black"/>
+                </a:solidFill>
+                <a:highlight>
+                  <a:srgbClr val="FFFF00"/>
+                </a:highlight>
+                <a:latin typeface="Calibri" panose="020F0502020204030204"/>
+              </a:rPr>
+              <a:t>managerPort</a:t>
+            </a:r>
+            <a:endParaRPr lang="de-DE" sz="800" kern="0" dirty="0">
+              <a:solidFill>
+                <a:prstClr val="black"/>
+              </a:solidFill>
+              <a:highlight>
+                <a:srgbClr val="FFFF00"/>
+              </a:highlight>
+              <a:latin typeface="Calibri" panose="020F0502020204030204"/>
+            </a:endParaRPr>
+          </a:p>
+          <a:p>
+            <a:pPr defTabSz="914411"/>
+            <a:r>
+              <a:rPr lang="de-DE" sz="800" kern="0" dirty="0" err="1">
+                <a:solidFill>
+                  <a:prstClr val="black"/>
+                </a:solidFill>
+                <a:highlight>
+                  <a:srgbClr val="FFFF00"/>
+                </a:highlight>
+                <a:latin typeface="Calibri" panose="020F0502020204030204"/>
+              </a:rPr>
+              <a:t>measureManagementDomainInterfaceService</a:t>
+            </a:r>
+            <a:endParaRPr lang="de-DE" sz="800" kern="0" dirty="0">
+              <a:solidFill>
+                <a:prstClr val="black"/>
+              </a:solidFill>
+              <a:highlight>
+                <a:srgbClr val="FFFF00"/>
+              </a:highlight>
+              <a:latin typeface="Calibri" panose="020F0502020204030204"/>
+            </a:endParaRPr>
+          </a:p>
+          <a:p>
+            <a:pPr defTabSz="914411"/>
+            <a:r>
+              <a:rPr lang="de-DE" sz="800" kern="0" dirty="0" err="1">
+                <a:solidFill>
+                  <a:prstClr val="black"/>
+                </a:solidFill>
+                <a:highlight>
+                  <a:srgbClr val="FFFF00"/>
+                </a:highlight>
+                <a:latin typeface="Calibri" panose="020F0502020204030204"/>
+              </a:rPr>
+              <a:t>mediateManagementDomainInterfaceUpdateService</a:t>
+            </a:r>
+            <a:endParaRPr lang="de-DE" sz="800" kern="0" dirty="0">
+              <a:solidFill>
+                <a:prstClr val="black"/>
+              </a:solidFill>
+              <a:highlight>
+                <a:srgbClr val="FFFF00"/>
+              </a:highlight>
+              <a:latin typeface="Calibri" panose="020F0502020204030204"/>
+            </a:endParaRPr>
+          </a:p>
+          <a:p>
+            <a:pPr defTabSz="914411"/>
+            <a:endParaRPr lang="en-US" sz="800" kern="0" noProof="0" dirty="0">
+              <a:solidFill>
+                <a:prstClr val="black"/>
+              </a:solidFill>
+              <a:highlight>
+                <a:srgbClr val="FFFF00"/>
+              </a:highlight>
+              <a:latin typeface="Calibri" panose="020F0502020204030204"/>
+            </a:endParaRPr>
           </a:p>
         </p:txBody>
       </p:sp>
@@ -10793,7 +11042,7 @@
         <p:spPr>
           <a:xfrm flipH="1">
             <a:off x="4399899" y="3341711"/>
-            <a:ext cx="468394" cy="30745"/>
+            <a:ext cx="468394" cy="203435"/>
           </a:xfrm>
           <a:prstGeom prst="straightConnector1">
             <a:avLst/>
@@ -12902,7 +13151,7 @@
         <p:spPr>
           <a:xfrm>
             <a:off x="33698615" y="13652196"/>
-            <a:ext cx="470210" cy="126211"/>
+            <a:ext cx="470210" cy="237604"/>
           </a:xfrm>
           <a:prstGeom prst="straightConnector1">
             <a:avLst/>
@@ -12934,7 +13183,7 @@
         <p:spPr>
           <a:xfrm>
             <a:off x="34168825" y="13438787"/>
-            <a:ext cx="1150284" cy="679239"/>
+            <a:ext cx="1150284" cy="902025"/>
           </a:xfrm>
           <a:prstGeom prst="rect">
             <a:avLst/>
@@ -13059,6 +13308,54 @@
                 <a:latin typeface="Calibri" panose="020F0502020204030204"/>
               </a:rPr>
               <a:t>notificationStreamName</a:t>
+            </a:r>
+            <a:endParaRPr lang="en-US" sz="800" kern="0" noProof="0" dirty="0">
+              <a:solidFill>
+                <a:prstClr val="black"/>
+              </a:solidFill>
+              <a:highlight>
+                <a:srgbClr val="FFFF00"/>
+              </a:highlight>
+              <a:latin typeface="Calibri" panose="020F0502020204030204"/>
+            </a:endParaRPr>
+          </a:p>
+          <a:p>
+            <a:pPr defTabSz="914411"/>
+            <a:r>
+              <a:rPr lang="en-US" sz="800" kern="0" noProof="0" dirty="0" err="1">
+                <a:solidFill>
+                  <a:prstClr val="black"/>
+                </a:solidFill>
+                <a:highlight>
+                  <a:srgbClr val="FFFF00"/>
+                </a:highlight>
+                <a:latin typeface="Calibri" panose="020F0502020204030204"/>
+              </a:rPr>
+              <a:t>availableCapability</a:t>
+            </a:r>
+            <a:endParaRPr lang="en-US" sz="800" kern="0" noProof="0" dirty="0">
+              <a:solidFill>
+                <a:prstClr val="black"/>
+              </a:solidFill>
+              <a:highlight>
+                <a:srgbClr val="FFFF00"/>
+              </a:highlight>
+              <a:latin typeface="Calibri" panose="020F0502020204030204"/>
+            </a:endParaRPr>
+          </a:p>
+          <a:p>
+            <a:pPr defTabSz="914411"/>
+            <a:r>
+              <a:rPr lang="en-US" sz="800" kern="0" dirty="0" err="1">
+                <a:solidFill>
+                  <a:prstClr val="black"/>
+                </a:solidFill>
+                <a:highlight>
+                  <a:srgbClr val="FFFF00"/>
+                </a:highlight>
+                <a:latin typeface="Calibri" panose="020F0502020204030204"/>
+              </a:rPr>
+              <a:t>unavailableCapability</a:t>
             </a:r>
             <a:endParaRPr lang="en-US" sz="800" kern="0" noProof="0" dirty="0">
               <a:solidFill>
@@ -14157,7 +14454,7 @@
               <a:defRPr/>
             </a:pPr>
             <a:r>
-              <a:rPr lang="en-US" sz="900" kern="0" noProof="0" dirty="0" err="1">
+              <a:rPr lang="en-US" sz="1050" kern="0" noProof="0" dirty="0" err="1">
                 <a:solidFill>
                   <a:prstClr val="white"/>
                 </a:solidFill>
@@ -14166,7 +14463,7 @@
               <a:t>mountPoint</a:t>
             </a:r>
             <a:r>
-              <a:rPr lang="en-US" sz="900" kern="0" noProof="0" dirty="0">
+              <a:rPr lang="en-US" sz="1050" kern="0" noProof="0" dirty="0">
                 <a:solidFill>
                   <a:prstClr val="white"/>
                 </a:solidFill>
@@ -14191,8 +14488,8 @@
         </p:nvSpPr>
         <p:spPr>
           <a:xfrm>
-            <a:off x="2356182" y="4935829"/>
-            <a:ext cx="2050399" cy="574031"/>
+            <a:off x="2356182" y="5240637"/>
+            <a:ext cx="2050399" cy="672569"/>
           </a:xfrm>
           <a:prstGeom prst="rect">
             <a:avLst/>
@@ -14319,6 +14616,18 @@
           </a:p>
           <a:p>
             <a:pPr defTabSz="914411"/>
+            <a:r>
+              <a:rPr lang="en-US" sz="800" kern="0" dirty="0">
+                <a:solidFill>
+                  <a:prstClr val="black"/>
+                </a:solidFill>
+                <a:highlight>
+                  <a:srgbClr val="FFFF00"/>
+                </a:highlight>
+                <a:latin typeface="Calibri" panose="020F0502020204030204"/>
+              </a:rPr>
+              <a:t>… and many more</a:t>
+            </a:r>
             <a:endParaRPr lang="en-US" sz="800" kern="0" noProof="0" dirty="0">
               <a:solidFill>
                 <a:prstClr val="black"/>
@@ -14335,6 +14644,18 @@
               <a:solidFill>
                 <a:prstClr val="black"/>
               </a:solidFill>
+              <a:highlight>
+                <a:srgbClr val="FFFF00"/>
+              </a:highlight>
+              <a:latin typeface="Calibri" panose="020F0502020204030204"/>
+            </a:endParaRPr>
+          </a:p>
+          <a:p>
+            <a:pPr defTabSz="914411"/>
+            <a:endParaRPr lang="en-US" sz="800" kern="0" noProof="0" dirty="0">
+              <a:solidFill>
+                <a:prstClr val="black"/>
+              </a:solidFill>
               <a:latin typeface="Calibri" panose="020F0502020204030204"/>
             </a:endParaRPr>
           </a:p>
@@ -14359,7 +14680,7 @@
         <p:spPr>
           <a:xfrm flipH="1">
             <a:off x="4406581" y="5118269"/>
-            <a:ext cx="468395" cy="104576"/>
+            <a:ext cx="468395" cy="458653"/>
           </a:xfrm>
           <a:prstGeom prst="straightConnector1">
             <a:avLst/>
@@ -14412,6 +14733,610 @@
           <a:effectLst/>
         </p:spPr>
       </p:cxnSp>
+      <p:sp>
+        <p:nvSpPr>
+          <p:cNvPr id="45" name="Rechteck 44">
+            <a:extLst>
+              <a:ext uri="{FF2B5EF4-FFF2-40B4-BE49-F238E27FC236}">
+                <a16:creationId xmlns:a16="http://schemas.microsoft.com/office/drawing/2014/main" id="{09E486BB-D8D2-9E1C-578A-9ED3A1B46609}"/>
+              </a:ext>
+            </a:extLst>
+          </p:cNvPr>
+          <p:cNvSpPr/>
+          <p:nvPr/>
+        </p:nvSpPr>
+        <p:spPr>
+          <a:xfrm>
+            <a:off x="3361788" y="13028590"/>
+            <a:ext cx="8168685" cy="914400"/>
+          </a:xfrm>
+          <a:prstGeom prst="rect">
+            <a:avLst/>
+          </a:prstGeom>
+          <a:solidFill>
+            <a:srgbClr val="FFFF00"/>
+          </a:solidFill>
+          <a:ln w="6350"/>
+        </p:spPr>
+        <p:style>
+          <a:lnRef idx="2">
+            <a:schemeClr val="accent1">
+              <a:shade val="15000"/>
+            </a:schemeClr>
+          </a:lnRef>
+          <a:fillRef idx="1">
+            <a:schemeClr val="accent1"/>
+          </a:fillRef>
+          <a:effectRef idx="0">
+            <a:schemeClr val="accent1"/>
+          </a:effectRef>
+          <a:fontRef idx="minor">
+            <a:schemeClr val="lt1"/>
+          </a:fontRef>
+        </p:style>
+        <p:txBody>
+          <a:bodyPr rtlCol="0" anchor="t"/>
+          <a:lstStyle/>
+          <a:p>
+            <a:r>
+              <a:rPr lang="de-DE" sz="800" dirty="0">
+                <a:solidFill>
+                  <a:schemeClr val="tx1"/>
+                </a:solidFill>
+                <a:latin typeface="Calibri" panose="020F0502020204030204" pitchFamily="34" charset="0"/>
+                <a:ea typeface="Calibri" panose="020F0502020204030204" pitchFamily="34" charset="0"/>
+                <a:cs typeface="Calibri" panose="020F0502020204030204" pitchFamily="34" charset="0"/>
+              </a:rPr>
+              <a:t>Es könnte sein, dass der Controller </a:t>
+            </a:r>
+            <a:r>
+              <a:rPr lang="de-DE" sz="800" dirty="0" err="1">
+                <a:solidFill>
+                  <a:schemeClr val="tx1"/>
+                </a:solidFill>
+                <a:latin typeface="Calibri" panose="020F0502020204030204" pitchFamily="34" charset="0"/>
+                <a:ea typeface="Calibri" panose="020F0502020204030204" pitchFamily="34" charset="0"/>
+                <a:cs typeface="Calibri" panose="020F0502020204030204" pitchFamily="34" charset="0"/>
+              </a:rPr>
+              <a:t>username</a:t>
+            </a:r>
+            <a:r>
+              <a:rPr lang="de-DE" sz="800" dirty="0">
+                <a:solidFill>
+                  <a:schemeClr val="tx1"/>
+                </a:solidFill>
+                <a:latin typeface="Calibri" panose="020F0502020204030204" pitchFamily="34" charset="0"/>
+                <a:ea typeface="Calibri" panose="020F0502020204030204" pitchFamily="34" charset="0"/>
+                <a:cs typeface="Calibri" panose="020F0502020204030204" pitchFamily="34" charset="0"/>
+              </a:rPr>
+              <a:t>/</a:t>
+            </a:r>
+            <a:r>
+              <a:rPr lang="de-DE" sz="800" dirty="0" err="1">
+                <a:solidFill>
+                  <a:schemeClr val="tx1"/>
+                </a:solidFill>
+                <a:latin typeface="Calibri" panose="020F0502020204030204" pitchFamily="34" charset="0"/>
+                <a:ea typeface="Calibri" panose="020F0502020204030204" pitchFamily="34" charset="0"/>
+                <a:cs typeface="Calibri" panose="020F0502020204030204" pitchFamily="34" charset="0"/>
+              </a:rPr>
+              <a:t>passwort</a:t>
+            </a:r>
+            <a:r>
+              <a:rPr lang="de-DE" sz="800" dirty="0">
+                <a:solidFill>
+                  <a:schemeClr val="tx1"/>
+                </a:solidFill>
+                <a:latin typeface="Calibri" panose="020F0502020204030204" pitchFamily="34" charset="0"/>
+                <a:ea typeface="Calibri" panose="020F0502020204030204" pitchFamily="34" charset="0"/>
+                <a:cs typeface="Calibri" panose="020F0502020204030204" pitchFamily="34" charset="0"/>
+              </a:rPr>
+              <a:t> erwartet.</a:t>
+            </a:r>
+          </a:p>
+          <a:p>
+            <a:r>
+              <a:rPr lang="de-DE" sz="800" dirty="0">
+                <a:solidFill>
+                  <a:schemeClr val="tx1"/>
+                </a:solidFill>
+                <a:latin typeface="Calibri" panose="020F0502020204030204" pitchFamily="34" charset="0"/>
+                <a:ea typeface="Calibri" panose="020F0502020204030204" pitchFamily="34" charset="0"/>
+                <a:cs typeface="Calibri" panose="020F0502020204030204" pitchFamily="34" charset="0"/>
+              </a:rPr>
+              <a:t>Sollte dies der Fall sein:</a:t>
+            </a:r>
+          </a:p>
+          <a:p>
+            <a:pPr marL="171450" indent="-171450">
+              <a:buFontTx/>
+              <a:buChar char="-"/>
+            </a:pPr>
+            <a:r>
+              <a:rPr lang="de-DE" sz="800" dirty="0">
+                <a:solidFill>
+                  <a:schemeClr val="tx1"/>
+                </a:solidFill>
+                <a:latin typeface="Calibri" panose="020F0502020204030204" pitchFamily="34" charset="0"/>
+                <a:ea typeface="Calibri" panose="020F0502020204030204" pitchFamily="34" charset="0"/>
+                <a:cs typeface="Calibri" panose="020F0502020204030204" pitchFamily="34" charset="0"/>
+              </a:rPr>
+              <a:t>Einführung eines </a:t>
+            </a:r>
+            <a:r>
+              <a:rPr lang="de-DE" sz="800" dirty="0" err="1">
+                <a:solidFill>
+                  <a:schemeClr val="tx1"/>
+                </a:solidFill>
+                <a:latin typeface="Calibri" panose="020F0502020204030204" pitchFamily="34" charset="0"/>
+                <a:ea typeface="Calibri" panose="020F0502020204030204" pitchFamily="34" charset="0"/>
+                <a:cs typeface="Calibri" panose="020F0502020204030204" pitchFamily="34" charset="0"/>
+              </a:rPr>
+              <a:t>Application</a:t>
+            </a:r>
+            <a:r>
+              <a:rPr lang="de-DE" sz="800" dirty="0">
+                <a:solidFill>
+                  <a:schemeClr val="tx1"/>
+                </a:solidFill>
+                <a:latin typeface="Calibri" panose="020F0502020204030204" pitchFamily="34" charset="0"/>
+                <a:ea typeface="Calibri" panose="020F0502020204030204" pitchFamily="34" charset="0"/>
+                <a:cs typeface="Calibri" panose="020F0502020204030204" pitchFamily="34" charset="0"/>
+              </a:rPr>
+              <a:t>::</a:t>
+            </a:r>
+            <a:r>
+              <a:rPr lang="de-DE" sz="800" dirty="0" err="1">
+                <a:solidFill>
+                  <a:schemeClr val="tx1"/>
+                </a:solidFill>
+                <a:latin typeface="Calibri" panose="020F0502020204030204" pitchFamily="34" charset="0"/>
+                <a:ea typeface="Calibri" panose="020F0502020204030204" pitchFamily="34" charset="0"/>
+                <a:cs typeface="Calibri" panose="020F0502020204030204" pitchFamily="34" charset="0"/>
+              </a:rPr>
+              <a:t>RestClients</a:t>
+            </a:r>
+            <a:r>
+              <a:rPr lang="de-DE" sz="800" dirty="0">
+                <a:solidFill>
+                  <a:schemeClr val="tx1"/>
+                </a:solidFill>
+                <a:latin typeface="Calibri" panose="020F0502020204030204" pitchFamily="34" charset="0"/>
+                <a:ea typeface="Calibri" panose="020F0502020204030204" pitchFamily="34" charset="0"/>
+                <a:cs typeface="Calibri" panose="020F0502020204030204" pitchFamily="34" charset="0"/>
+              </a:rPr>
+              <a:t> und eines Controller::</a:t>
+            </a:r>
+            <a:r>
+              <a:rPr lang="de-DE" sz="800" dirty="0" err="1">
+                <a:solidFill>
+                  <a:schemeClr val="tx1"/>
+                </a:solidFill>
+                <a:latin typeface="Calibri" panose="020F0502020204030204" pitchFamily="34" charset="0"/>
+                <a:ea typeface="Calibri" panose="020F0502020204030204" pitchFamily="34" charset="0"/>
+                <a:cs typeface="Calibri" panose="020F0502020204030204" pitchFamily="34" charset="0"/>
+              </a:rPr>
+              <a:t>RestServers</a:t>
+            </a:r>
+            <a:endParaRPr lang="de-DE" sz="800" dirty="0">
+              <a:solidFill>
+                <a:schemeClr val="tx1"/>
+              </a:solidFill>
+              <a:latin typeface="Calibri" panose="020F0502020204030204" pitchFamily="34" charset="0"/>
+              <a:ea typeface="Calibri" panose="020F0502020204030204" pitchFamily="34" charset="0"/>
+              <a:cs typeface="Calibri" panose="020F0502020204030204" pitchFamily="34" charset="0"/>
+            </a:endParaRPr>
+          </a:p>
+          <a:p>
+            <a:pPr marL="171450" indent="-171450">
+              <a:buFontTx/>
+              <a:buChar char="-"/>
+            </a:pPr>
+            <a:r>
+              <a:rPr lang="de-DE" sz="800" dirty="0">
+                <a:solidFill>
+                  <a:schemeClr val="tx1"/>
+                </a:solidFill>
+                <a:latin typeface="Calibri" panose="020F0502020204030204" pitchFamily="34" charset="0"/>
+                <a:ea typeface="Calibri" panose="020F0502020204030204" pitchFamily="34" charset="0"/>
+                <a:cs typeface="Calibri" panose="020F0502020204030204" pitchFamily="34" charset="0"/>
+              </a:rPr>
+              <a:t>Einführung eines </a:t>
+            </a:r>
+            <a:r>
+              <a:rPr lang="de-DE" sz="800" dirty="0" err="1">
+                <a:solidFill>
+                  <a:schemeClr val="tx1"/>
+                </a:solidFill>
+                <a:latin typeface="Calibri" panose="020F0502020204030204" pitchFamily="34" charset="0"/>
+                <a:ea typeface="Calibri" panose="020F0502020204030204" pitchFamily="34" charset="0"/>
+                <a:cs typeface="Calibri" panose="020F0502020204030204" pitchFamily="34" charset="0"/>
+              </a:rPr>
+              <a:t>RestLinks</a:t>
+            </a:r>
+            <a:r>
+              <a:rPr lang="de-DE" sz="800" dirty="0">
+                <a:solidFill>
+                  <a:schemeClr val="tx1"/>
+                </a:solidFill>
+                <a:latin typeface="Calibri" panose="020F0502020204030204" pitchFamily="34" charset="0"/>
+                <a:ea typeface="Calibri" panose="020F0502020204030204" pitchFamily="34" charset="0"/>
+                <a:cs typeface="Calibri" panose="020F0502020204030204" pitchFamily="34" charset="0"/>
+              </a:rPr>
+              <a:t> von </a:t>
+            </a:r>
+            <a:r>
+              <a:rPr lang="de-DE" sz="800" dirty="0" err="1">
+                <a:solidFill>
+                  <a:schemeClr val="tx1"/>
+                </a:solidFill>
+                <a:latin typeface="Calibri" panose="020F0502020204030204" pitchFamily="34" charset="0"/>
+                <a:ea typeface="Calibri" panose="020F0502020204030204" pitchFamily="34" charset="0"/>
+                <a:cs typeface="Calibri" panose="020F0502020204030204" pitchFamily="34" charset="0"/>
+              </a:rPr>
+              <a:t>Application</a:t>
+            </a:r>
+            <a:r>
+              <a:rPr lang="de-DE" sz="800" dirty="0">
+                <a:solidFill>
+                  <a:schemeClr val="tx1"/>
+                </a:solidFill>
+                <a:latin typeface="Calibri" panose="020F0502020204030204" pitchFamily="34" charset="0"/>
+                <a:ea typeface="Calibri" panose="020F0502020204030204" pitchFamily="34" charset="0"/>
+                <a:cs typeface="Calibri" panose="020F0502020204030204" pitchFamily="34" charset="0"/>
+              </a:rPr>
+              <a:t> bis Controller</a:t>
+            </a:r>
+          </a:p>
+          <a:p>
+            <a:pPr marL="171450" indent="-171450">
+              <a:buFontTx/>
+              <a:buChar char="-"/>
+            </a:pPr>
+            <a:r>
+              <a:rPr lang="de-DE" sz="800" dirty="0" err="1">
+                <a:solidFill>
+                  <a:schemeClr val="tx1"/>
+                </a:solidFill>
+                <a:latin typeface="Calibri" panose="020F0502020204030204" pitchFamily="34" charset="0"/>
+                <a:ea typeface="Calibri" panose="020F0502020204030204" pitchFamily="34" charset="0"/>
+                <a:cs typeface="Calibri" panose="020F0502020204030204" pitchFamily="34" charset="0"/>
+              </a:rPr>
+              <a:t>complement</a:t>
+            </a:r>
+            <a:r>
+              <a:rPr lang="de-DE" sz="800" dirty="0">
+                <a:solidFill>
+                  <a:schemeClr val="tx1"/>
+                </a:solidFill>
+                <a:latin typeface="Calibri" panose="020F0502020204030204" pitchFamily="34" charset="0"/>
+                <a:ea typeface="Calibri" panose="020F0502020204030204" pitchFamily="34" charset="0"/>
+                <a:cs typeface="Calibri" panose="020F0502020204030204" pitchFamily="34" charset="0"/>
+              </a:rPr>
+              <a:t> /v1/</a:t>
+            </a:r>
+            <a:r>
+              <a:rPr lang="de-DE" sz="800" dirty="0" err="1">
+                <a:solidFill>
+                  <a:schemeClr val="tx1"/>
+                </a:solidFill>
+                <a:latin typeface="Calibri" panose="020F0502020204030204" pitchFamily="34" charset="0"/>
+                <a:ea typeface="Calibri" panose="020F0502020204030204" pitchFamily="34" charset="0"/>
+                <a:cs typeface="Calibri" panose="020F0502020204030204" pitchFamily="34" charset="0"/>
+              </a:rPr>
+              <a:t>establish</a:t>
+            </a:r>
+            <a:r>
+              <a:rPr lang="de-DE" sz="800" dirty="0">
+                <a:solidFill>
+                  <a:schemeClr val="tx1"/>
+                </a:solidFill>
+                <a:latin typeface="Calibri" panose="020F0502020204030204" pitchFamily="34" charset="0"/>
+                <a:ea typeface="Calibri" panose="020F0502020204030204" pitchFamily="34" charset="0"/>
+                <a:cs typeface="Calibri" panose="020F0502020204030204" pitchFamily="34" charset="0"/>
+              </a:rPr>
+              <a:t>-management-domain-connection </a:t>
+            </a:r>
+            <a:r>
+              <a:rPr lang="de-DE" sz="800" dirty="0" err="1">
+                <a:solidFill>
+                  <a:schemeClr val="tx1"/>
+                </a:solidFill>
+                <a:latin typeface="Calibri" panose="020F0502020204030204" pitchFamily="34" charset="0"/>
+                <a:ea typeface="Calibri" panose="020F0502020204030204" pitchFamily="34" charset="0"/>
+                <a:cs typeface="Calibri" panose="020F0502020204030204" pitchFamily="34" charset="0"/>
+              </a:rPr>
+              <a:t>by</a:t>
+            </a:r>
+            <a:r>
+              <a:rPr lang="de-DE" sz="800" dirty="0">
+                <a:solidFill>
+                  <a:schemeClr val="tx1"/>
+                </a:solidFill>
+                <a:latin typeface="Calibri" panose="020F0502020204030204" pitchFamily="34" charset="0"/>
+                <a:ea typeface="Calibri" panose="020F0502020204030204" pitchFamily="34" charset="0"/>
+                <a:cs typeface="Calibri" panose="020F0502020204030204" pitchFamily="34" charset="0"/>
+              </a:rPr>
+              <a:t> </a:t>
+            </a:r>
+            <a:r>
+              <a:rPr lang="de-DE" sz="800" dirty="0" err="1">
+                <a:solidFill>
+                  <a:schemeClr val="tx1"/>
+                </a:solidFill>
+                <a:latin typeface="Calibri" panose="020F0502020204030204" pitchFamily="34" charset="0"/>
+                <a:ea typeface="Calibri" panose="020F0502020204030204" pitchFamily="34" charset="0"/>
+                <a:cs typeface="Calibri" panose="020F0502020204030204" pitchFamily="34" charset="0"/>
+              </a:rPr>
+              <a:t>creation</a:t>
+            </a:r>
+            <a:r>
+              <a:rPr lang="de-DE" sz="800" dirty="0">
+                <a:solidFill>
+                  <a:schemeClr val="tx1"/>
+                </a:solidFill>
+                <a:latin typeface="Calibri" panose="020F0502020204030204" pitchFamily="34" charset="0"/>
+                <a:ea typeface="Calibri" panose="020F0502020204030204" pitchFamily="34" charset="0"/>
+                <a:cs typeface="Calibri" panose="020F0502020204030204" pitchFamily="34" charset="0"/>
+              </a:rPr>
+              <a:t> </a:t>
+            </a:r>
+            <a:r>
+              <a:rPr lang="de-DE" sz="800" dirty="0" err="1">
+                <a:solidFill>
+                  <a:schemeClr val="tx1"/>
+                </a:solidFill>
+                <a:latin typeface="Calibri" panose="020F0502020204030204" pitchFamily="34" charset="0"/>
+                <a:ea typeface="Calibri" panose="020F0502020204030204" pitchFamily="34" charset="0"/>
+                <a:cs typeface="Calibri" panose="020F0502020204030204" pitchFamily="34" charset="0"/>
+              </a:rPr>
+              <a:t>of</a:t>
+            </a:r>
+            <a:r>
+              <a:rPr lang="de-DE" sz="800" dirty="0">
+                <a:solidFill>
+                  <a:schemeClr val="tx1"/>
+                </a:solidFill>
+                <a:latin typeface="Calibri" panose="020F0502020204030204" pitchFamily="34" charset="0"/>
+                <a:ea typeface="Calibri" panose="020F0502020204030204" pitchFamily="34" charset="0"/>
+                <a:cs typeface="Calibri" panose="020F0502020204030204" pitchFamily="34" charset="0"/>
+              </a:rPr>
+              <a:t> </a:t>
+            </a:r>
+            <a:r>
+              <a:rPr lang="de-DE" sz="800" dirty="0" err="1">
+                <a:solidFill>
+                  <a:schemeClr val="tx1"/>
+                </a:solidFill>
+                <a:latin typeface="Calibri" panose="020F0502020204030204" pitchFamily="34" charset="0"/>
+                <a:ea typeface="Calibri" panose="020F0502020204030204" pitchFamily="34" charset="0"/>
+                <a:cs typeface="Calibri" panose="020F0502020204030204" pitchFamily="34" charset="0"/>
+              </a:rPr>
+              <a:t>RestLink</a:t>
+            </a:r>
+            <a:r>
+              <a:rPr lang="de-DE" sz="800" dirty="0">
+                <a:solidFill>
+                  <a:schemeClr val="tx1"/>
+                </a:solidFill>
+                <a:latin typeface="Calibri" panose="020F0502020204030204" pitchFamily="34" charset="0"/>
+                <a:ea typeface="Calibri" panose="020F0502020204030204" pitchFamily="34" charset="0"/>
+                <a:cs typeface="Calibri" panose="020F0502020204030204" pitchFamily="34" charset="0"/>
+              </a:rPr>
+              <a:t>(s) ; </a:t>
+            </a:r>
+            <a:r>
+              <a:rPr lang="de-DE" sz="800" dirty="0" err="1">
+                <a:solidFill>
+                  <a:schemeClr val="tx1"/>
+                </a:solidFill>
+                <a:latin typeface="Calibri" panose="020F0502020204030204" pitchFamily="34" charset="0"/>
+                <a:ea typeface="Calibri" panose="020F0502020204030204" pitchFamily="34" charset="0"/>
+                <a:cs typeface="Calibri" panose="020F0502020204030204" pitchFamily="34" charset="0"/>
+              </a:rPr>
+              <a:t>don‘t</a:t>
+            </a:r>
+            <a:r>
+              <a:rPr lang="de-DE" sz="800" dirty="0">
+                <a:solidFill>
+                  <a:schemeClr val="tx1"/>
+                </a:solidFill>
+                <a:latin typeface="Calibri" panose="020F0502020204030204" pitchFamily="34" charset="0"/>
+                <a:ea typeface="Calibri" panose="020F0502020204030204" pitchFamily="34" charset="0"/>
+                <a:cs typeface="Calibri" panose="020F0502020204030204" pitchFamily="34" charset="0"/>
+              </a:rPr>
+              <a:t> route </a:t>
+            </a:r>
+            <a:r>
+              <a:rPr lang="de-DE" sz="800" dirty="0" err="1">
+                <a:solidFill>
+                  <a:schemeClr val="tx1"/>
+                </a:solidFill>
+                <a:latin typeface="Calibri" panose="020F0502020204030204" pitchFamily="34" charset="0"/>
+                <a:ea typeface="Calibri" panose="020F0502020204030204" pitchFamily="34" charset="0"/>
+                <a:cs typeface="Calibri" panose="020F0502020204030204" pitchFamily="34" charset="0"/>
+              </a:rPr>
+              <a:t>them</a:t>
+            </a:r>
+            <a:r>
+              <a:rPr lang="de-DE" sz="800" dirty="0">
+                <a:solidFill>
+                  <a:schemeClr val="tx1"/>
+                </a:solidFill>
+                <a:latin typeface="Calibri" panose="020F0502020204030204" pitchFamily="34" charset="0"/>
+                <a:ea typeface="Calibri" panose="020F0502020204030204" pitchFamily="34" charset="0"/>
+                <a:cs typeface="Calibri" panose="020F0502020204030204" pitchFamily="34" charset="0"/>
+              </a:rPr>
+              <a:t> on </a:t>
+            </a:r>
+            <a:r>
+              <a:rPr lang="de-DE" sz="800" dirty="0" err="1">
+                <a:solidFill>
+                  <a:schemeClr val="tx1"/>
+                </a:solidFill>
+                <a:latin typeface="Calibri" panose="020F0502020204030204" pitchFamily="34" charset="0"/>
+                <a:ea typeface="Calibri" panose="020F0502020204030204" pitchFamily="34" charset="0"/>
+                <a:cs typeface="Calibri" panose="020F0502020204030204" pitchFamily="34" charset="0"/>
+              </a:rPr>
+              <a:t>TcpLinks</a:t>
+            </a:r>
+            <a:r>
+              <a:rPr lang="de-DE" sz="800" dirty="0">
+                <a:solidFill>
+                  <a:schemeClr val="tx1"/>
+                </a:solidFill>
+                <a:latin typeface="Calibri" panose="020F0502020204030204" pitchFamily="34" charset="0"/>
+                <a:ea typeface="Calibri" panose="020F0502020204030204" pitchFamily="34" charset="0"/>
+                <a:cs typeface="Calibri" panose="020F0502020204030204" pitchFamily="34" charset="0"/>
+              </a:rPr>
+              <a:t> ; </a:t>
+            </a:r>
+            <a:r>
+              <a:rPr lang="de-DE" sz="800" dirty="0" err="1">
+                <a:solidFill>
+                  <a:schemeClr val="tx1"/>
+                </a:solidFill>
+                <a:latin typeface="Calibri" panose="020F0502020204030204" pitchFamily="34" charset="0"/>
+                <a:ea typeface="Calibri" panose="020F0502020204030204" pitchFamily="34" charset="0"/>
+                <a:cs typeface="Calibri" panose="020F0502020204030204" pitchFamily="34" charset="0"/>
+              </a:rPr>
+              <a:t>don‘t</a:t>
+            </a:r>
+            <a:r>
+              <a:rPr lang="de-DE" sz="800" dirty="0">
+                <a:solidFill>
+                  <a:schemeClr val="tx1"/>
+                </a:solidFill>
+                <a:latin typeface="Calibri" panose="020F0502020204030204" pitchFamily="34" charset="0"/>
+                <a:ea typeface="Calibri" panose="020F0502020204030204" pitchFamily="34" charset="0"/>
+                <a:cs typeface="Calibri" panose="020F0502020204030204" pitchFamily="34" charset="0"/>
+              </a:rPr>
+              <a:t> </a:t>
+            </a:r>
+            <a:r>
+              <a:rPr lang="de-DE" sz="800" dirty="0" err="1">
+                <a:solidFill>
+                  <a:schemeClr val="tx1"/>
+                </a:solidFill>
+                <a:latin typeface="Calibri" panose="020F0502020204030204" pitchFamily="34" charset="0"/>
+                <a:ea typeface="Calibri" panose="020F0502020204030204" pitchFamily="34" charset="0"/>
+                <a:cs typeface="Calibri" panose="020F0502020204030204" pitchFamily="34" charset="0"/>
+              </a:rPr>
+              <a:t>integrate</a:t>
+            </a:r>
+            <a:r>
+              <a:rPr lang="de-DE" sz="800" dirty="0">
+                <a:solidFill>
+                  <a:schemeClr val="tx1"/>
+                </a:solidFill>
+                <a:latin typeface="Calibri" panose="020F0502020204030204" pitchFamily="34" charset="0"/>
+                <a:ea typeface="Calibri" panose="020F0502020204030204" pitchFamily="34" charset="0"/>
+                <a:cs typeface="Calibri" panose="020F0502020204030204" pitchFamily="34" charset="0"/>
+              </a:rPr>
+              <a:t> </a:t>
+            </a:r>
+            <a:r>
+              <a:rPr lang="de-DE" sz="800" dirty="0" err="1">
+                <a:solidFill>
+                  <a:schemeClr val="tx1"/>
+                </a:solidFill>
+                <a:latin typeface="Calibri" panose="020F0502020204030204" pitchFamily="34" charset="0"/>
+                <a:ea typeface="Calibri" panose="020F0502020204030204" pitchFamily="34" charset="0"/>
+                <a:cs typeface="Calibri" panose="020F0502020204030204" pitchFamily="34" charset="0"/>
+              </a:rPr>
+              <a:t>them</a:t>
+            </a:r>
+            <a:r>
+              <a:rPr lang="de-DE" sz="800" dirty="0">
+                <a:solidFill>
+                  <a:schemeClr val="tx1"/>
+                </a:solidFill>
+                <a:latin typeface="Calibri" panose="020F0502020204030204" pitchFamily="34" charset="0"/>
+                <a:ea typeface="Calibri" panose="020F0502020204030204" pitchFamily="34" charset="0"/>
+                <a:cs typeface="Calibri" panose="020F0502020204030204" pitchFamily="34" charset="0"/>
+              </a:rPr>
+              <a:t> </a:t>
+            </a:r>
+            <a:r>
+              <a:rPr lang="de-DE" sz="800" dirty="0" err="1">
+                <a:solidFill>
+                  <a:schemeClr val="tx1"/>
+                </a:solidFill>
+                <a:latin typeface="Calibri" panose="020F0502020204030204" pitchFamily="34" charset="0"/>
+                <a:ea typeface="Calibri" panose="020F0502020204030204" pitchFamily="34" charset="0"/>
+                <a:cs typeface="Calibri" panose="020F0502020204030204" pitchFamily="34" charset="0"/>
+              </a:rPr>
+              <a:t>into</a:t>
+            </a:r>
+            <a:r>
+              <a:rPr lang="de-DE" sz="800" dirty="0">
+                <a:solidFill>
+                  <a:schemeClr val="tx1"/>
+                </a:solidFill>
+                <a:latin typeface="Calibri" panose="020F0502020204030204" pitchFamily="34" charset="0"/>
+                <a:ea typeface="Calibri" panose="020F0502020204030204" pitchFamily="34" charset="0"/>
+                <a:cs typeface="Calibri" panose="020F0502020204030204" pitchFamily="34" charset="0"/>
+              </a:rPr>
+              <a:t> </a:t>
+            </a:r>
+            <a:r>
+              <a:rPr lang="de-DE" sz="800" dirty="0" err="1">
+                <a:solidFill>
+                  <a:schemeClr val="tx1"/>
+                </a:solidFill>
+                <a:latin typeface="Calibri" panose="020F0502020204030204" pitchFamily="34" charset="0"/>
+                <a:ea typeface="Calibri" panose="020F0502020204030204" pitchFamily="34" charset="0"/>
+                <a:cs typeface="Calibri" panose="020F0502020204030204" pitchFamily="34" charset="0"/>
+              </a:rPr>
+              <a:t>operationalState</a:t>
+            </a:r>
+            <a:r>
+              <a:rPr lang="de-DE" sz="800" dirty="0">
+                <a:solidFill>
+                  <a:schemeClr val="tx1"/>
+                </a:solidFill>
+                <a:latin typeface="Calibri" panose="020F0502020204030204" pitchFamily="34" charset="0"/>
+                <a:ea typeface="Calibri" panose="020F0502020204030204" pitchFamily="34" charset="0"/>
+                <a:cs typeface="Calibri" panose="020F0502020204030204" pitchFamily="34" charset="0"/>
+              </a:rPr>
+              <a:t> </a:t>
+            </a:r>
+            <a:r>
+              <a:rPr lang="de-DE" sz="800" dirty="0" err="1">
+                <a:solidFill>
+                  <a:schemeClr val="tx1"/>
+                </a:solidFill>
+                <a:latin typeface="Calibri" panose="020F0502020204030204" pitchFamily="34" charset="0"/>
+                <a:ea typeface="Calibri" panose="020F0502020204030204" pitchFamily="34" charset="0"/>
+                <a:cs typeface="Calibri" panose="020F0502020204030204" pitchFamily="34" charset="0"/>
+              </a:rPr>
+              <a:t>calculation</a:t>
+            </a:r>
+            <a:endParaRPr lang="de-DE" sz="800" dirty="0">
+              <a:solidFill>
+                <a:schemeClr val="tx1"/>
+              </a:solidFill>
+              <a:latin typeface="Calibri" panose="020F0502020204030204" pitchFamily="34" charset="0"/>
+              <a:ea typeface="Calibri" panose="020F0502020204030204" pitchFamily="34" charset="0"/>
+              <a:cs typeface="Calibri" panose="020F0502020204030204" pitchFamily="34" charset="0"/>
+            </a:endParaRPr>
+          </a:p>
+          <a:p>
+            <a:pPr marL="171450" indent="-171450">
+              <a:buFontTx/>
+              <a:buChar char="-"/>
+            </a:pPr>
+            <a:endParaRPr lang="de-DE" sz="800" dirty="0">
+              <a:solidFill>
+                <a:schemeClr val="tx1"/>
+              </a:solidFill>
+              <a:latin typeface="Calibri" panose="020F0502020204030204" pitchFamily="34" charset="0"/>
+              <a:ea typeface="Calibri" panose="020F0502020204030204" pitchFamily="34" charset="0"/>
+              <a:cs typeface="Calibri" panose="020F0502020204030204" pitchFamily="34" charset="0"/>
+            </a:endParaRPr>
+          </a:p>
+        </p:txBody>
+      </p:sp>
     </p:spTree>
     <p:extLst>
       <p:ext uri="{BB962C8B-B14F-4D97-AF65-F5344CB8AC3E}">
@@ -21014,36 +21939,6 @@
           </a:p>
         </p:txBody>
       </p:sp>
-      <p:pic>
-        <p:nvPicPr>
-          <p:cNvPr id="22" name="Grafik 21">
-            <a:extLst>
-              <a:ext uri="{FF2B5EF4-FFF2-40B4-BE49-F238E27FC236}">
-                <a16:creationId xmlns:a16="http://schemas.microsoft.com/office/drawing/2014/main" id="{886A27DD-C9F0-DC50-F102-4D63B907E29A}"/>
-              </a:ext>
-            </a:extLst>
-          </p:cNvPr>
-          <p:cNvPicPr>
-            <a:picLocks noChangeAspect="1"/>
-          </p:cNvPicPr>
-          <p:nvPr/>
-        </p:nvPicPr>
-        <p:blipFill>
-          <a:blip r:embed="rId2"/>
-          <a:stretch>
-            <a:fillRect/>
-          </a:stretch>
-        </p:blipFill>
-        <p:spPr>
-          <a:xfrm>
-            <a:off x="19608719" y="7997466"/>
-            <a:ext cx="166165" cy="174914"/>
-          </a:xfrm>
-          <a:prstGeom prst="rect">
-            <a:avLst/>
-          </a:prstGeom>
-        </p:spPr>
-      </p:pic>
       <p:sp>
         <p:nvSpPr>
           <p:cNvPr id="30" name="Textfeld 29">
@@ -21129,36 +22024,6 @@
           </a:p>
         </p:txBody>
       </p:sp>
-      <p:pic>
-        <p:nvPicPr>
-          <p:cNvPr id="32" name="Grafik 31">
-            <a:extLst>
-              <a:ext uri="{FF2B5EF4-FFF2-40B4-BE49-F238E27FC236}">
-                <a16:creationId xmlns:a16="http://schemas.microsoft.com/office/drawing/2014/main" id="{AB09B62C-A946-E9FF-4720-224648348961}"/>
-              </a:ext>
-            </a:extLst>
-          </p:cNvPr>
-          <p:cNvPicPr>
-            <a:picLocks noChangeAspect="1"/>
-          </p:cNvPicPr>
-          <p:nvPr/>
-        </p:nvPicPr>
-        <p:blipFill>
-          <a:blip r:embed="rId2"/>
-          <a:stretch>
-            <a:fillRect/>
-          </a:stretch>
-        </p:blipFill>
-        <p:spPr>
-          <a:xfrm>
-            <a:off x="19651391" y="7368815"/>
-            <a:ext cx="166165" cy="174914"/>
-          </a:xfrm>
-          <a:prstGeom prst="rect">
-            <a:avLst/>
-          </a:prstGeom>
-        </p:spPr>
-      </p:pic>
       <p:sp>
         <p:nvSpPr>
           <p:cNvPr id="33" name="Rechteck 32">
@@ -21209,36 +22074,6 @@
           </a:p>
         </p:txBody>
       </p:sp>
-      <p:pic>
-        <p:nvPicPr>
-          <p:cNvPr id="34" name="Grafik 33">
-            <a:extLst>
-              <a:ext uri="{FF2B5EF4-FFF2-40B4-BE49-F238E27FC236}">
-                <a16:creationId xmlns:a16="http://schemas.microsoft.com/office/drawing/2014/main" id="{820EF47B-6F6E-5327-FE6B-AB86187AB36F}"/>
-              </a:ext>
-            </a:extLst>
-          </p:cNvPr>
-          <p:cNvPicPr>
-            <a:picLocks noChangeAspect="1"/>
-          </p:cNvPicPr>
-          <p:nvPr/>
-        </p:nvPicPr>
-        <p:blipFill>
-          <a:blip r:embed="rId2"/>
-          <a:stretch>
-            <a:fillRect/>
-          </a:stretch>
-        </p:blipFill>
-        <p:spPr>
-          <a:xfrm>
-            <a:off x="19826973" y="7608153"/>
-            <a:ext cx="166165" cy="174914"/>
-          </a:xfrm>
-          <a:prstGeom prst="rect">
-            <a:avLst/>
-          </a:prstGeom>
-        </p:spPr>
-      </p:pic>
       <p:cxnSp>
         <p:nvCxnSpPr>
           <p:cNvPr id="35" name="Gerade Verbindung mit Pfeil 34">
@@ -22016,36 +22851,6 @@
           </a:p>
         </p:txBody>
       </p:sp>
-      <p:pic>
-        <p:nvPicPr>
-          <p:cNvPr id="40" name="Grafik 39">
-            <a:extLst>
-              <a:ext uri="{FF2B5EF4-FFF2-40B4-BE49-F238E27FC236}">
-                <a16:creationId xmlns:a16="http://schemas.microsoft.com/office/drawing/2014/main" id="{E09BDAA4-67BB-F896-6F09-0E1F9FBF8A45}"/>
-              </a:ext>
-            </a:extLst>
-          </p:cNvPr>
-          <p:cNvPicPr>
-            <a:picLocks noChangeAspect="1"/>
-          </p:cNvPicPr>
-          <p:nvPr/>
-        </p:nvPicPr>
-        <p:blipFill>
-          <a:blip r:embed="rId2"/>
-          <a:stretch>
-            <a:fillRect/>
-          </a:stretch>
-        </p:blipFill>
-        <p:spPr>
-          <a:xfrm>
-            <a:off x="15749484" y="7820702"/>
-            <a:ext cx="166165" cy="174914"/>
-          </a:xfrm>
-          <a:prstGeom prst="rect">
-            <a:avLst/>
-          </a:prstGeom>
-        </p:spPr>
-      </p:pic>
       <p:sp>
         <p:nvSpPr>
           <p:cNvPr id="41" name="Rechteck 40">
@@ -22096,36 +22901,6 @@
           </a:p>
         </p:txBody>
       </p:sp>
-      <p:pic>
-        <p:nvPicPr>
-          <p:cNvPr id="53" name="Grafik 52">
-            <a:extLst>
-              <a:ext uri="{FF2B5EF4-FFF2-40B4-BE49-F238E27FC236}">
-                <a16:creationId xmlns:a16="http://schemas.microsoft.com/office/drawing/2014/main" id="{121D0D37-DE66-DCCA-16C9-16066F081585}"/>
-              </a:ext>
-            </a:extLst>
-          </p:cNvPr>
-          <p:cNvPicPr>
-            <a:picLocks noChangeAspect="1"/>
-          </p:cNvPicPr>
-          <p:nvPr/>
-        </p:nvPicPr>
-        <p:blipFill>
-          <a:blip r:embed="rId2"/>
-          <a:stretch>
-            <a:fillRect/>
-          </a:stretch>
-        </p:blipFill>
-        <p:spPr>
-          <a:xfrm>
-            <a:off x="15925066" y="8060038"/>
-            <a:ext cx="166165" cy="174914"/>
-          </a:xfrm>
-          <a:prstGeom prst="rect">
-            <a:avLst/>
-          </a:prstGeom>
-        </p:spPr>
-      </p:pic>
       <p:sp>
         <p:nvSpPr>
           <p:cNvPr id="54" name="Rechteck 53">
@@ -22176,36 +22951,6 @@
           </a:p>
         </p:txBody>
       </p:sp>
-      <p:pic>
-        <p:nvPicPr>
-          <p:cNvPr id="60" name="Grafik 59">
-            <a:extLst>
-              <a:ext uri="{FF2B5EF4-FFF2-40B4-BE49-F238E27FC236}">
-                <a16:creationId xmlns:a16="http://schemas.microsoft.com/office/drawing/2014/main" id="{04A1A064-B679-3656-0949-02313E2D7C3A}"/>
-              </a:ext>
-            </a:extLst>
-          </p:cNvPr>
-          <p:cNvPicPr>
-            <a:picLocks noChangeAspect="1"/>
-          </p:cNvPicPr>
-          <p:nvPr/>
-        </p:nvPicPr>
-        <p:blipFill>
-          <a:blip r:embed="rId2"/>
-          <a:stretch>
-            <a:fillRect/>
-          </a:stretch>
-        </p:blipFill>
-        <p:spPr>
-          <a:xfrm>
-            <a:off x="16354805" y="7906088"/>
-            <a:ext cx="166165" cy="174914"/>
-          </a:xfrm>
-          <a:prstGeom prst="rect">
-            <a:avLst/>
-          </a:prstGeom>
-        </p:spPr>
-      </p:pic>
       <p:sp>
         <p:nvSpPr>
           <p:cNvPr id="61" name="Rechteck 60">
@@ -22256,36 +23001,6 @@
           </a:p>
         </p:txBody>
       </p:sp>
-      <p:pic>
-        <p:nvPicPr>
-          <p:cNvPr id="62" name="Grafik 61">
-            <a:extLst>
-              <a:ext uri="{FF2B5EF4-FFF2-40B4-BE49-F238E27FC236}">
-                <a16:creationId xmlns:a16="http://schemas.microsoft.com/office/drawing/2014/main" id="{F7C7F3DD-ECC4-4BD5-0946-1E129614D389}"/>
-              </a:ext>
-            </a:extLst>
-          </p:cNvPr>
-          <p:cNvPicPr>
-            <a:picLocks noChangeAspect="1"/>
-          </p:cNvPicPr>
-          <p:nvPr/>
-        </p:nvPicPr>
-        <p:blipFill>
-          <a:blip r:embed="rId2"/>
-          <a:stretch>
-            <a:fillRect/>
-          </a:stretch>
-        </p:blipFill>
-        <p:spPr>
-          <a:xfrm>
-            <a:off x="16530387" y="8145424"/>
-            <a:ext cx="166165" cy="174914"/>
-          </a:xfrm>
-          <a:prstGeom prst="rect">
-            <a:avLst/>
-          </a:prstGeom>
-        </p:spPr>
-      </p:pic>
       <p:cxnSp>
         <p:nvCxnSpPr>
           <p:cNvPr id="63" name="Gerade Verbindung mit Pfeil 62">
@@ -23045,6 +23760,166 @@
         <p:spPr>
           <a:xfrm>
             <a:off x="18021404" y="9262517"/>
+            <a:ext cx="166165" cy="174914"/>
+          </a:xfrm>
+          <a:prstGeom prst="rect">
+            <a:avLst/>
+          </a:prstGeom>
+        </p:spPr>
+      </p:pic>
+      <p:sp>
+        <p:nvSpPr>
+          <p:cNvPr id="27" name="Rechteck 26">
+            <a:extLst>
+              <a:ext uri="{FF2B5EF4-FFF2-40B4-BE49-F238E27FC236}">
+                <a16:creationId xmlns:a16="http://schemas.microsoft.com/office/drawing/2014/main" id="{9DDBED4B-8F3A-FDFF-5033-A5A7DD07D22D}"/>
+              </a:ext>
+            </a:extLst>
+          </p:cNvPr>
+          <p:cNvSpPr/>
+          <p:nvPr/>
+        </p:nvSpPr>
+        <p:spPr>
+          <a:xfrm>
+            <a:off x="18559792" y="7385159"/>
+            <a:ext cx="638710" cy="419100"/>
+          </a:xfrm>
+          <a:prstGeom prst="rect">
+            <a:avLst/>
+          </a:prstGeom>
+        </p:spPr>
+        <p:style>
+          <a:lnRef idx="2">
+            <a:schemeClr val="accent1">
+              <a:shade val="15000"/>
+            </a:schemeClr>
+          </a:lnRef>
+          <a:fillRef idx="1">
+            <a:schemeClr val="accent1"/>
+          </a:fillRef>
+          <a:effectRef idx="0">
+            <a:schemeClr val="accent1"/>
+          </a:effectRef>
+          <a:fontRef idx="minor">
+            <a:schemeClr val="lt1"/>
+          </a:fontRef>
+        </p:style>
+        <p:txBody>
+          <a:bodyPr rtlCol="0" anchor="t"/>
+          <a:lstStyle/>
+          <a:p>
+            <a:pPr algn="r">
+              <a:tabLst>
+                <a:tab pos="36000" algn="l"/>
+              </a:tabLst>
+            </a:pPr>
+            <a:endParaRPr lang="de-DE" sz="800"/>
+          </a:p>
+        </p:txBody>
+      </p:sp>
+      <p:pic>
+        <p:nvPicPr>
+          <p:cNvPr id="28" name="Grafik 27">
+            <a:extLst>
+              <a:ext uri="{FF2B5EF4-FFF2-40B4-BE49-F238E27FC236}">
+                <a16:creationId xmlns:a16="http://schemas.microsoft.com/office/drawing/2014/main" id="{1AD0C85D-0C6D-E475-9183-B85CF0455514}"/>
+              </a:ext>
+            </a:extLst>
+          </p:cNvPr>
+          <p:cNvPicPr>
+            <a:picLocks noChangeAspect="1"/>
+          </p:cNvPicPr>
+          <p:nvPr/>
+        </p:nvPicPr>
+        <p:blipFill>
+          <a:blip r:embed="rId2"/>
+          <a:stretch>
+            <a:fillRect/>
+          </a:stretch>
+        </p:blipFill>
+        <p:spPr>
+          <a:xfrm>
+            <a:off x="18620926" y="7449581"/>
+            <a:ext cx="166165" cy="174914"/>
+          </a:xfrm>
+          <a:prstGeom prst="rect">
+            <a:avLst/>
+          </a:prstGeom>
+        </p:spPr>
+      </p:pic>
+      <p:sp>
+        <p:nvSpPr>
+          <p:cNvPr id="39" name="Rechteck 38">
+            <a:extLst>
+              <a:ext uri="{FF2B5EF4-FFF2-40B4-BE49-F238E27FC236}">
+                <a16:creationId xmlns:a16="http://schemas.microsoft.com/office/drawing/2014/main" id="{980EBDD1-910E-BF08-7593-837B99C03C6E}"/>
+              </a:ext>
+            </a:extLst>
+          </p:cNvPr>
+          <p:cNvSpPr/>
+          <p:nvPr/>
+        </p:nvSpPr>
+        <p:spPr>
+          <a:xfrm>
+            <a:off x="16104478" y="7111012"/>
+            <a:ext cx="638710" cy="419100"/>
+          </a:xfrm>
+          <a:prstGeom prst="rect">
+            <a:avLst/>
+          </a:prstGeom>
+        </p:spPr>
+        <p:style>
+          <a:lnRef idx="2">
+            <a:schemeClr val="accent1">
+              <a:shade val="15000"/>
+            </a:schemeClr>
+          </a:lnRef>
+          <a:fillRef idx="1">
+            <a:schemeClr val="accent1"/>
+          </a:fillRef>
+          <a:effectRef idx="0">
+            <a:schemeClr val="accent1"/>
+          </a:effectRef>
+          <a:fontRef idx="minor">
+            <a:schemeClr val="lt1"/>
+          </a:fontRef>
+        </p:style>
+        <p:txBody>
+          <a:bodyPr rtlCol="0" anchor="t"/>
+          <a:lstStyle/>
+          <a:p>
+            <a:pPr algn="r">
+              <a:tabLst>
+                <a:tab pos="36000" algn="l"/>
+              </a:tabLst>
+            </a:pPr>
+            <a:endParaRPr lang="de-DE" sz="800"/>
+          </a:p>
+        </p:txBody>
+      </p:sp>
+      <p:pic>
+        <p:nvPicPr>
+          <p:cNvPr id="43" name="Grafik 42">
+            <a:extLst>
+              <a:ext uri="{FF2B5EF4-FFF2-40B4-BE49-F238E27FC236}">
+                <a16:creationId xmlns:a16="http://schemas.microsoft.com/office/drawing/2014/main" id="{46A3A029-53B2-7755-D074-A50A2B350F8A}"/>
+              </a:ext>
+            </a:extLst>
+          </p:cNvPr>
+          <p:cNvPicPr>
+            <a:picLocks noChangeAspect="1"/>
+          </p:cNvPicPr>
+          <p:nvPr/>
+        </p:nvPicPr>
+        <p:blipFill>
+          <a:blip r:embed="rId2"/>
+          <a:stretch>
+            <a:fillRect/>
+          </a:stretch>
+        </p:blipFill>
+        <p:spPr>
+          <a:xfrm>
+            <a:off x="16165612" y="7175434"/>
             <a:ext cx="166165" cy="174914"/>
           </a:xfrm>
           <a:prstGeom prst="rect">

--- a/spec/InformationStructure/diagrams/InformationStructure.pptx
+++ b/spec/InformationStructure/diagrams/InformationStructure.pptx
@@ -201,7 +201,7 @@
           <a:p>
             <a:fld id="{37CCF725-7468-4D3D-9E24-A16745BBBA77}" type="datetimeFigureOut">
               <a:rPr lang="de-DE" smtClean="0"/>
-              <a:t>18.07.2025</a:t>
+              <a:t>31.07.2025</a:t>
             </a:fld>
             <a:endParaRPr lang="de-DE"/>
           </a:p>
@@ -688,7 +688,7 @@
           <a:p>
             <a:fld id="{9A2764DB-E7DF-4EA7-A1AF-05A77C280FCA}" type="datetimeFigureOut">
               <a:rPr lang="de-DE" smtClean="0"/>
-              <a:t>18.07.2025</a:t>
+              <a:t>31.07.2025</a:t>
             </a:fld>
             <a:endParaRPr lang="de-DE"/>
           </a:p>
@@ -858,7 +858,7 @@
           <a:p>
             <a:fld id="{9A2764DB-E7DF-4EA7-A1AF-05A77C280FCA}" type="datetimeFigureOut">
               <a:rPr lang="de-DE" smtClean="0"/>
-              <a:t>18.07.2025</a:t>
+              <a:t>31.07.2025</a:t>
             </a:fld>
             <a:endParaRPr lang="de-DE"/>
           </a:p>
@@ -1038,7 +1038,7 @@
           <a:p>
             <a:fld id="{9A2764DB-E7DF-4EA7-A1AF-05A77C280FCA}" type="datetimeFigureOut">
               <a:rPr lang="de-DE" smtClean="0"/>
-              <a:t>18.07.2025</a:t>
+              <a:t>31.07.2025</a:t>
             </a:fld>
             <a:endParaRPr lang="de-DE"/>
           </a:p>
@@ -1208,7 +1208,7 @@
           <a:p>
             <a:fld id="{9A2764DB-E7DF-4EA7-A1AF-05A77C280FCA}" type="datetimeFigureOut">
               <a:rPr lang="de-DE" smtClean="0"/>
-              <a:t>18.07.2025</a:t>
+              <a:t>31.07.2025</a:t>
             </a:fld>
             <a:endParaRPr lang="de-DE"/>
           </a:p>
@@ -1454,7 +1454,7 @@
           <a:p>
             <a:fld id="{9A2764DB-E7DF-4EA7-A1AF-05A77C280FCA}" type="datetimeFigureOut">
               <a:rPr lang="de-DE" smtClean="0"/>
-              <a:t>18.07.2025</a:t>
+              <a:t>31.07.2025</a:t>
             </a:fld>
             <a:endParaRPr lang="de-DE"/>
           </a:p>
@@ -1686,7 +1686,7 @@
           <a:p>
             <a:fld id="{9A2764DB-E7DF-4EA7-A1AF-05A77C280FCA}" type="datetimeFigureOut">
               <a:rPr lang="de-DE" smtClean="0"/>
-              <a:t>18.07.2025</a:t>
+              <a:t>31.07.2025</a:t>
             </a:fld>
             <a:endParaRPr lang="de-DE"/>
           </a:p>
@@ -2053,7 +2053,7 @@
           <a:p>
             <a:fld id="{9A2764DB-E7DF-4EA7-A1AF-05A77C280FCA}" type="datetimeFigureOut">
               <a:rPr lang="de-DE" smtClean="0"/>
-              <a:t>18.07.2025</a:t>
+              <a:t>31.07.2025</a:t>
             </a:fld>
             <a:endParaRPr lang="de-DE"/>
           </a:p>
@@ -2171,7 +2171,7 @@
           <a:p>
             <a:fld id="{9A2764DB-E7DF-4EA7-A1AF-05A77C280FCA}" type="datetimeFigureOut">
               <a:rPr lang="de-DE" smtClean="0"/>
-              <a:t>18.07.2025</a:t>
+              <a:t>31.07.2025</a:t>
             </a:fld>
             <a:endParaRPr lang="de-DE"/>
           </a:p>
@@ -2266,7 +2266,7 @@
           <a:p>
             <a:fld id="{9A2764DB-E7DF-4EA7-A1AF-05A77C280FCA}" type="datetimeFigureOut">
               <a:rPr lang="de-DE" smtClean="0"/>
-              <a:t>18.07.2025</a:t>
+              <a:t>31.07.2025</a:t>
             </a:fld>
             <a:endParaRPr lang="de-DE"/>
           </a:p>
@@ -2543,7 +2543,7 @@
           <a:p>
             <a:fld id="{9A2764DB-E7DF-4EA7-A1AF-05A77C280FCA}" type="datetimeFigureOut">
               <a:rPr lang="de-DE" smtClean="0"/>
-              <a:t>18.07.2025</a:t>
+              <a:t>31.07.2025</a:t>
             </a:fld>
             <a:endParaRPr lang="de-DE"/>
           </a:p>
@@ -2800,7 +2800,7 @@
           <a:p>
             <a:fld id="{9A2764DB-E7DF-4EA7-A1AF-05A77C280FCA}" type="datetimeFigureOut">
               <a:rPr lang="de-DE" smtClean="0"/>
-              <a:t>18.07.2025</a:t>
+              <a:t>31.07.2025</a:t>
             </a:fld>
             <a:endParaRPr lang="de-DE"/>
           </a:p>
@@ -3013,7 +3013,7 @@
           <a:p>
             <a:fld id="{9A2764DB-E7DF-4EA7-A1AF-05A77C280FCA}" type="datetimeFigureOut">
               <a:rPr lang="de-DE" smtClean="0"/>
-              <a:t>18.07.2025</a:t>
+              <a:t>31.07.2025</a:t>
             </a:fld>
             <a:endParaRPr lang="de-DE"/>
           </a:p>
@@ -3498,8 +3498,8 @@
         </p:nvSpPr>
         <p:spPr>
           <a:xfrm>
-            <a:off x="324639" y="2946401"/>
-            <a:ext cx="35324257" cy="12456626"/>
+            <a:off x="324639" y="3339914"/>
+            <a:ext cx="35324257" cy="12063112"/>
           </a:xfrm>
           <a:prstGeom prst="rect">
             <a:avLst/>
@@ -4786,7 +4786,7 @@
         </p:nvSpPr>
         <p:spPr>
           <a:xfrm>
-            <a:off x="9533998" y="3136270"/>
+            <a:off x="9533998" y="3571698"/>
             <a:ext cx="537299" cy="445572"/>
           </a:xfrm>
           <a:prstGeom prst="roundRect">
@@ -4912,8 +4912,8 @@
         </p:nvCxnSpPr>
         <p:spPr>
           <a:xfrm flipH="1">
-            <a:off x="9466953" y="3581842"/>
-            <a:ext cx="335695" cy="1995290"/>
+            <a:off x="9466953" y="4017270"/>
+            <a:ext cx="335695" cy="1559862"/>
           </a:xfrm>
           <a:prstGeom prst="straightConnector1">
             <a:avLst/>
@@ -4948,12 +4948,12 @@
         </p:nvCxnSpPr>
         <p:spPr>
           <a:xfrm rot="5400000">
-            <a:off x="2629554" y="1694408"/>
-            <a:ext cx="5285660" cy="9060529"/>
+            <a:off x="2847268" y="1912122"/>
+            <a:ext cx="4850232" cy="9060529"/>
           </a:xfrm>
           <a:prstGeom prst="bentConnector3">
             <a:avLst>
-              <a:gd name="adj1" fmla="val 50000"/>
+              <a:gd name="adj1" fmla="val 47008"/>
             </a:avLst>
           </a:prstGeom>
           <a:noFill/>
@@ -4986,12 +4986,12 @@
         </p:nvCxnSpPr>
         <p:spPr>
           <a:xfrm rot="16200000" flipH="1">
-            <a:off x="13187093" y="197397"/>
-            <a:ext cx="5292799" cy="12061688"/>
+            <a:off x="13404807" y="415111"/>
+            <a:ext cx="4857371" cy="12061688"/>
           </a:xfrm>
           <a:prstGeom prst="bentConnector3">
             <a:avLst>
-              <a:gd name="adj1" fmla="val 50000"/>
+              <a:gd name="adj1" fmla="val 46713"/>
             </a:avLst>
           </a:prstGeom>
           <a:noFill/>
@@ -5372,7 +5372,7 @@
         </p:nvSpPr>
         <p:spPr>
           <a:xfrm>
-            <a:off x="11038592" y="3177378"/>
+            <a:off x="11038592" y="3612806"/>
             <a:ext cx="1685583" cy="336074"/>
           </a:xfrm>
           <a:prstGeom prst="rect">
@@ -5443,8 +5443,8 @@
         </p:nvCxnSpPr>
         <p:spPr>
           <a:xfrm flipV="1">
-            <a:off x="10071289" y="3345415"/>
-            <a:ext cx="967296" cy="13640"/>
+            <a:off x="10071297" y="3780843"/>
+            <a:ext cx="967295" cy="13641"/>
           </a:xfrm>
           <a:prstGeom prst="straightConnector1">
             <a:avLst/>
@@ -6178,7 +6178,7 @@
         <p:spPr>
           <a:xfrm>
             <a:off x="9802647" y="1991063"/>
-            <a:ext cx="1" cy="1145206"/>
+            <a:ext cx="1" cy="1580635"/>
           </a:xfrm>
           <a:prstGeom prst="straightConnector1">
             <a:avLst/>
@@ -6868,7 +6868,7 @@
         </p:nvCxnSpPr>
         <p:spPr>
           <a:xfrm flipH="1">
-            <a:off x="7029237" y="3581842"/>
+            <a:off x="7029237" y="4017270"/>
             <a:ext cx="2773411" cy="587594"/>
           </a:xfrm>
           <a:prstGeom prst="straightConnector1">
@@ -6900,7 +6900,7 @@
         </p:nvSpPr>
         <p:spPr>
           <a:xfrm>
-            <a:off x="6760587" y="4169436"/>
+            <a:off x="6760587" y="4604864"/>
             <a:ext cx="537299" cy="445572"/>
           </a:xfrm>
           <a:prstGeom prst="roundRect">
@@ -6961,7 +6961,7 @@
         </p:nvSpPr>
         <p:spPr>
           <a:xfrm>
-            <a:off x="4866294" y="4310397"/>
+            <a:off x="4866294" y="4745825"/>
             <a:ext cx="1161453" cy="445572"/>
           </a:xfrm>
           <a:prstGeom prst="roundRect">
@@ -7027,7 +7027,7 @@
         </p:nvCxnSpPr>
         <p:spPr>
           <a:xfrm flipV="1">
-            <a:off x="6027746" y="4392223"/>
+            <a:off x="6027747" y="4827650"/>
             <a:ext cx="732840" cy="140961"/>
           </a:xfrm>
           <a:prstGeom prst="straightConnector1">
@@ -7059,7 +7059,7 @@
         </p:nvSpPr>
         <p:spPr>
           <a:xfrm>
-            <a:off x="4866294" y="3722728"/>
+            <a:off x="4866294" y="4158156"/>
             <a:ext cx="1161453" cy="445572"/>
           </a:xfrm>
           <a:prstGeom prst="roundRect">
@@ -7134,7 +7134,7 @@
         </p:nvCxnSpPr>
         <p:spPr>
           <a:xfrm>
-            <a:off x="6027746" y="3945514"/>
+            <a:off x="6027747" y="4380942"/>
             <a:ext cx="732840" cy="446708"/>
           </a:xfrm>
           <a:prstGeom prst="straightConnector1">
@@ -7166,7 +7166,7 @@
         </p:nvSpPr>
         <p:spPr>
           <a:xfrm>
-            <a:off x="2347501" y="4055849"/>
+            <a:off x="2347501" y="4389679"/>
             <a:ext cx="2050399" cy="469483"/>
           </a:xfrm>
           <a:prstGeom prst="rect">
@@ -7269,7 +7269,7 @@
         </p:nvSpPr>
         <p:spPr>
           <a:xfrm>
-            <a:off x="2347500" y="4655552"/>
+            <a:off x="2347500" y="4989382"/>
             <a:ext cx="2050399" cy="408894"/>
           </a:xfrm>
           <a:prstGeom prst="rect">
@@ -7370,8 +7370,8 @@
         </p:nvCxnSpPr>
         <p:spPr>
           <a:xfrm flipH="1">
-            <a:off x="4397900" y="3945514"/>
-            <a:ext cx="468394" cy="345077"/>
+            <a:off x="4397900" y="4380942"/>
+            <a:ext cx="468394" cy="243479"/>
           </a:xfrm>
           <a:prstGeom prst="straightConnector1">
             <a:avLst/>
@@ -7406,8 +7406,8 @@
         </p:nvCxnSpPr>
         <p:spPr>
           <a:xfrm flipH="1">
-            <a:off x="4397899" y="4533183"/>
-            <a:ext cx="468395" cy="326816"/>
+            <a:off x="4397899" y="4968611"/>
+            <a:ext cx="468395" cy="225218"/>
           </a:xfrm>
           <a:prstGeom prst="straightConnector1">
             <a:avLst/>
@@ -7983,7 +7983,7 @@
         </p:nvSpPr>
         <p:spPr>
           <a:xfrm>
-            <a:off x="8380004" y="2331647"/>
+            <a:off x="8380004" y="2183057"/>
             <a:ext cx="541487" cy="445572"/>
           </a:xfrm>
           <a:prstGeom prst="roundRect">
@@ -8048,8 +8048,8 @@
         </p:nvCxnSpPr>
         <p:spPr>
           <a:xfrm flipH="1">
-            <a:off x="8921492" y="1991069"/>
-            <a:ext cx="881155" cy="563369"/>
+            <a:off x="8921491" y="1991063"/>
+            <a:ext cx="881156" cy="414780"/>
           </a:xfrm>
           <a:prstGeom prst="straightConnector1">
             <a:avLst/>
@@ -8177,7 +8177,7 @@
         </p:nvSpPr>
         <p:spPr>
           <a:xfrm>
-            <a:off x="6793506" y="2395519"/>
+            <a:off x="6793506" y="2246929"/>
             <a:ext cx="874180" cy="336074"/>
           </a:xfrm>
           <a:prstGeom prst="rect">
@@ -8242,8 +8242,8 @@
         </p:nvCxnSpPr>
         <p:spPr>
           <a:xfrm flipH="1">
-            <a:off x="7667692" y="2554433"/>
-            <a:ext cx="712313" cy="9124"/>
+            <a:off x="7667686" y="2405843"/>
+            <a:ext cx="712318" cy="9123"/>
           </a:xfrm>
           <a:prstGeom prst="straightConnector1">
             <a:avLst/>
@@ -10746,7 +10746,7 @@
         </p:nvSpPr>
         <p:spPr>
           <a:xfrm>
-            <a:off x="4868293" y="3118925"/>
+            <a:off x="4868293" y="3554353"/>
             <a:ext cx="1161453" cy="445572"/>
           </a:xfrm>
           <a:prstGeom prst="roundRect">
@@ -10817,7 +10817,7 @@
         </p:nvSpPr>
         <p:spPr>
           <a:xfrm>
-            <a:off x="1626488" y="3137714"/>
+            <a:off x="1626488" y="3471544"/>
             <a:ext cx="2773411" cy="814864"/>
           </a:xfrm>
           <a:prstGeom prst="rect">
@@ -11041,8 +11041,8 @@
         </p:nvCxnSpPr>
         <p:spPr>
           <a:xfrm flipH="1">
-            <a:off x="4399899" y="3341711"/>
-            <a:ext cx="468394" cy="203435"/>
+            <a:off x="4399899" y="3777139"/>
+            <a:ext cx="468394" cy="101837"/>
           </a:xfrm>
           <a:prstGeom prst="straightConnector1">
             <a:avLst/>
@@ -11077,7 +11077,7 @@
         </p:nvCxnSpPr>
         <p:spPr>
           <a:xfrm>
-            <a:off x="6029746" y="3341712"/>
+            <a:off x="6029746" y="3777139"/>
             <a:ext cx="730841" cy="1050511"/>
           </a:xfrm>
           <a:prstGeom prst="straightConnector1">
@@ -11433,8 +11433,8 @@
         </p:nvCxnSpPr>
         <p:spPr>
           <a:xfrm>
-            <a:off x="9802648" y="3581842"/>
-            <a:ext cx="1221481" cy="5214182"/>
+            <a:off x="9802648" y="4017270"/>
+            <a:ext cx="1221481" cy="4778754"/>
           </a:xfrm>
           <a:prstGeom prst="straightConnector1">
             <a:avLst/>
@@ -14217,12 +14217,12 @@
         </p:nvCxnSpPr>
         <p:spPr>
           <a:xfrm rot="16200000" flipH="1">
-            <a:off x="18115551" y="-4731061"/>
-            <a:ext cx="5278967" cy="21904772"/>
+            <a:off x="18333265" y="-4513347"/>
+            <a:ext cx="4843539" cy="21904772"/>
           </a:xfrm>
           <a:prstGeom prst="bentConnector3">
             <a:avLst>
-              <a:gd name="adj1" fmla="val 50000"/>
+              <a:gd name="adj1" fmla="val 47003"/>
             </a:avLst>
           </a:prstGeom>
           <a:noFill/>
@@ -14417,7 +14417,7 @@
         </p:nvSpPr>
         <p:spPr>
           <a:xfrm>
-            <a:off x="4874976" y="4895483"/>
+            <a:off x="4874976" y="5330911"/>
             <a:ext cx="1161453" cy="445572"/>
           </a:xfrm>
           <a:prstGeom prst="roundRect">
@@ -14488,7 +14488,7 @@
         </p:nvSpPr>
         <p:spPr>
           <a:xfrm>
-            <a:off x="2356182" y="5240637"/>
+            <a:off x="2356182" y="5574467"/>
             <a:ext cx="2050399" cy="672569"/>
           </a:xfrm>
           <a:prstGeom prst="rect">
@@ -14679,8 +14679,8 @@
         </p:nvCxnSpPr>
         <p:spPr>
           <a:xfrm flipH="1">
-            <a:off x="4406581" y="5118269"/>
-            <a:ext cx="468395" cy="458653"/>
+            <a:off x="4406581" y="5553697"/>
+            <a:ext cx="468395" cy="357055"/>
           </a:xfrm>
           <a:prstGeom prst="straightConnector1">
             <a:avLst/>
@@ -14715,7 +14715,7 @@
         </p:nvCxnSpPr>
         <p:spPr>
           <a:xfrm flipV="1">
-            <a:off x="6036429" y="4392222"/>
+            <a:off x="6036429" y="4827650"/>
             <a:ext cx="724158" cy="726047"/>
           </a:xfrm>
           <a:prstGeom prst="straightConnector1">
@@ -15337,6 +15337,225 @@
           </a:p>
         </p:txBody>
       </p:sp>
+      <p:sp>
+        <p:nvSpPr>
+          <p:cNvPr id="32" name="Abgerundetes Rechteck 1">
+            <a:extLst>
+              <a:ext uri="{FF2B5EF4-FFF2-40B4-BE49-F238E27FC236}">
+                <a16:creationId xmlns:a16="http://schemas.microsoft.com/office/drawing/2014/main" id="{7ACF6BAD-C2E9-617F-21C3-3067AF1CA2AC}"/>
+              </a:ext>
+            </a:extLst>
+          </p:cNvPr>
+          <p:cNvSpPr/>
+          <p:nvPr/>
+        </p:nvSpPr>
+        <p:spPr>
+          <a:xfrm>
+            <a:off x="8379872" y="2816825"/>
+            <a:ext cx="541487" cy="445572"/>
+          </a:xfrm>
+          <a:prstGeom prst="roundRect">
+            <a:avLst/>
+          </a:prstGeom>
+          <a:solidFill>
+            <a:srgbClr val="FFFF00"/>
+          </a:solidFill>
+          <a:ln w="12700" cap="flat" cmpd="sng" algn="ctr">
+            <a:solidFill>
+              <a:sysClr val="window" lastClr="FFFFFF">
+                <a:lumMod val="50000"/>
+              </a:sysClr>
+            </a:solidFill>
+            <a:prstDash val="solid"/>
+            <a:miter lim="800000"/>
+          </a:ln>
+          <a:effectLst>
+            <a:outerShdw blurRad="50800" dist="38100" dir="2700000" algn="tl" rotWithShape="0">
+              <a:prstClr val="black">
+                <a:alpha val="40000"/>
+              </a:prstClr>
+            </a:outerShdw>
+          </a:effectLst>
+        </p:spPr>
+        <p:txBody>
+          <a:bodyPr rtlCol="0" anchor="ctr"/>
+          <a:lstStyle/>
+          <a:p>
+            <a:pPr algn="ctr" defTabSz="914411">
+              <a:defRPr/>
+            </a:pPr>
+            <a:r>
+              <a:rPr lang="en-US" sz="1050" kern="0" noProof="0" dirty="0">
+                <a:latin typeface="Calibri" panose="020F0502020204030204"/>
+              </a:rPr>
+              <a:t>P</a:t>
+            </a:r>
+          </a:p>
+        </p:txBody>
+      </p:sp>
+      <p:sp>
+        <p:nvSpPr>
+          <p:cNvPr id="33" name="Rechteck 32">
+            <a:extLst>
+              <a:ext uri="{FF2B5EF4-FFF2-40B4-BE49-F238E27FC236}">
+                <a16:creationId xmlns:a16="http://schemas.microsoft.com/office/drawing/2014/main" id="{1B841B64-A083-EEFD-4C8F-B0EDD5ED4818}"/>
+              </a:ext>
+            </a:extLst>
+          </p:cNvPr>
+          <p:cNvSpPr/>
+          <p:nvPr/>
+        </p:nvSpPr>
+        <p:spPr>
+          <a:xfrm>
+            <a:off x="6793375" y="2853895"/>
+            <a:ext cx="874180" cy="409876"/>
+          </a:xfrm>
+          <a:prstGeom prst="rect">
+            <a:avLst/>
+          </a:prstGeom>
+          <a:solidFill>
+            <a:sysClr val="window" lastClr="FFFFFF"/>
+          </a:solidFill>
+          <a:ln w="12700" cap="flat" cmpd="sng" algn="ctr">
+            <a:solidFill>
+              <a:srgbClr val="A5A5A5"/>
+            </a:solidFill>
+            <a:prstDash val="solid"/>
+            <a:miter lim="800000"/>
+          </a:ln>
+          <a:effectLst/>
+        </p:spPr>
+        <p:txBody>
+          <a:bodyPr lIns="36000" tIns="36000" rIns="36000" bIns="36000" rtlCol="0" anchor="t"/>
+          <a:lstStyle/>
+          <a:p>
+            <a:pPr defTabSz="914411"/>
+            <a:r>
+              <a:rPr lang="en-US" sz="800" kern="0" noProof="0" dirty="0">
+                <a:solidFill>
+                  <a:prstClr val="black"/>
+                </a:solidFill>
+                <a:highlight>
+                  <a:srgbClr val="FFFF00"/>
+                </a:highlight>
+                <a:latin typeface="Calibri" panose="020F0502020204030204"/>
+              </a:rPr>
+              <a:t>_target-function</a:t>
+            </a:r>
+          </a:p>
+          <a:p>
+            <a:pPr defTabSz="914411"/>
+            <a:r>
+              <a:rPr lang="en-US" sz="800" kern="0" noProof="0" dirty="0">
+                <a:solidFill>
+                  <a:prstClr val="black"/>
+                </a:solidFill>
+                <a:highlight>
+                  <a:srgbClr val="FFFF00"/>
+                </a:highlight>
+                <a:latin typeface="Calibri" panose="020F0502020204030204"/>
+              </a:rPr>
+              <a:t>period-length</a:t>
+            </a:r>
+          </a:p>
+          <a:p>
+            <a:pPr defTabSz="914411"/>
+            <a:r>
+              <a:rPr lang="en-US" sz="800" kern="0" dirty="0">
+                <a:solidFill>
+                  <a:prstClr val="black"/>
+                </a:solidFill>
+                <a:highlight>
+                  <a:srgbClr val="FFFF00"/>
+                </a:highlight>
+                <a:latin typeface="Calibri" panose="020F0502020204030204"/>
+              </a:rPr>
+              <a:t>…</a:t>
+            </a:r>
+            <a:endParaRPr lang="en-US" sz="800" kern="0" noProof="0" dirty="0">
+              <a:solidFill>
+                <a:prstClr val="black"/>
+              </a:solidFill>
+              <a:highlight>
+                <a:srgbClr val="FFFF00"/>
+              </a:highlight>
+              <a:latin typeface="Calibri" panose="020F0502020204030204"/>
+            </a:endParaRPr>
+          </a:p>
+        </p:txBody>
+      </p:sp>
+      <p:cxnSp>
+        <p:nvCxnSpPr>
+          <p:cNvPr id="44" name="Gerade Verbindung mit Pfeil 43">
+            <a:extLst>
+              <a:ext uri="{FF2B5EF4-FFF2-40B4-BE49-F238E27FC236}">
+                <a16:creationId xmlns:a16="http://schemas.microsoft.com/office/drawing/2014/main" id="{06503E1F-26CA-3C89-7865-94A7549B711A}"/>
+              </a:ext>
+            </a:extLst>
+          </p:cNvPr>
+          <p:cNvCxnSpPr>
+            <a:cxnSpLocks/>
+            <a:stCxn id="175" idx="2"/>
+            <a:endCxn id="32" idx="3"/>
+          </p:cNvCxnSpPr>
+          <p:nvPr/>
+        </p:nvCxnSpPr>
+        <p:spPr>
+          <a:xfrm flipH="1">
+            <a:off x="8921359" y="1991063"/>
+            <a:ext cx="881288" cy="1048548"/>
+          </a:xfrm>
+          <a:prstGeom prst="straightConnector1">
+            <a:avLst/>
+          </a:prstGeom>
+          <a:noFill/>
+          <a:ln w="6350" cap="flat" cmpd="sng" algn="ctr">
+            <a:solidFill>
+              <a:srgbClr val="5B9BD5"/>
+            </a:solidFill>
+            <a:prstDash val="solid"/>
+            <a:miter lim="800000"/>
+            <a:tailEnd type="triangle"/>
+          </a:ln>
+          <a:effectLst/>
+        </p:spPr>
+      </p:cxnSp>
+      <p:cxnSp>
+        <p:nvCxnSpPr>
+          <p:cNvPr id="61" name="Gerade Verbindung mit Pfeil 60">
+            <a:extLst>
+              <a:ext uri="{FF2B5EF4-FFF2-40B4-BE49-F238E27FC236}">
+                <a16:creationId xmlns:a16="http://schemas.microsoft.com/office/drawing/2014/main" id="{0B557271-5BE5-28C6-9A87-2B3D038C2D50}"/>
+              </a:ext>
+            </a:extLst>
+          </p:cNvPr>
+          <p:cNvCxnSpPr>
+            <a:cxnSpLocks/>
+            <a:stCxn id="32" idx="1"/>
+            <a:endCxn id="33" idx="3"/>
+          </p:cNvCxnSpPr>
+          <p:nvPr/>
+        </p:nvCxnSpPr>
+        <p:spPr>
+          <a:xfrm flipH="1">
+            <a:off x="7667555" y="3039611"/>
+            <a:ext cx="712317" cy="19222"/>
+          </a:xfrm>
+          <a:prstGeom prst="straightConnector1">
+            <a:avLst/>
+          </a:prstGeom>
+          <a:noFill/>
+          <a:ln w="6350" cap="flat" cmpd="sng" algn="ctr">
+            <a:solidFill>
+              <a:srgbClr val="5B9BD5"/>
+            </a:solidFill>
+            <a:prstDash val="solid"/>
+            <a:miter lim="800000"/>
+            <a:tailEnd type="triangle"/>
+          </a:ln>
+          <a:effectLst/>
+        </p:spPr>
+      </p:cxnSp>
     </p:spTree>
     <p:extLst>
       <p:ext uri="{BB962C8B-B14F-4D97-AF65-F5344CB8AC3E}">

--- a/spec/InformationStructure/diagrams/InformationStructure.pptx
+++ b/spec/InformationStructure/diagrams/InformationStructure.pptx
@@ -518,7 +518,7 @@
           <a:bodyPr/>
           <a:lstStyle/>
           <a:p>
-            <a:endParaRPr lang="de-DE"/>
+            <a:endParaRPr lang="de-DE" dirty="0"/>
           </a:p>
         </p:txBody>
       </p:sp>
@@ -2973,6 +2973,72 @@
           <a:chExt cx="0" cy="0"/>
         </a:xfrm>
       </p:grpSpPr>
+      <p:graphicFrame>
+        <p:nvGraphicFramePr>
+          <p:cNvPr id="8" name="think-cell data - do not delete" hidden="1">
+            <a:extLst>
+              <a:ext uri="{FF2B5EF4-FFF2-40B4-BE49-F238E27FC236}">
+                <a16:creationId xmlns:a16="http://schemas.microsoft.com/office/drawing/2014/main" id="{BC1C57E0-6711-140E-811F-E514B2B6270D}"/>
+              </a:ext>
+            </a:extLst>
+          </p:cNvPr>
+          <p:cNvGraphicFramePr>
+            <a:graphicFrameLocks noChangeAspect="1"/>
+          </p:cNvGraphicFramePr>
+          <p:nvPr userDrawn="1">
+            <p:custDataLst>
+              <p:tags r:id="rId13"/>
+            </p:custDataLst>
+            <p:extLst>
+              <p:ext uri="{D42A27DB-BD31-4B8C-83A1-F6EECF244321}">
+                <p14:modId xmlns:p14="http://schemas.microsoft.com/office/powerpoint/2010/main" val="4139741910"/>
+              </p:ext>
+            </p:extLst>
+          </p:nvPr>
+        </p:nvGraphicFramePr>
+        <p:xfrm>
+          <a:off x="1588" y="1588"/>
+          <a:ext cx="1588" cy="1588"/>
+        </p:xfrm>
+        <a:graphic>
+          <a:graphicData uri="http://schemas.openxmlformats.org/presentationml/2006/ole">
+            <mc:AlternateContent xmlns:mc="http://schemas.openxmlformats.org/markup-compatibility/2006">
+              <mc:Choice xmlns:v="urn:schemas-microsoft-com:vml" Requires="v">
+                <p:oleObj name="think-cell Folie" r:id="rId14" imgW="523" imgH="514" progId="TCLayout.ActiveDocument.1">
+                  <p:embed/>
+                </p:oleObj>
+              </mc:Choice>
+              <mc:Fallback>
+                <p:oleObj name="think-cell Folie" r:id="rId14" imgW="523" imgH="514" progId="TCLayout.ActiveDocument.1">
+                  <p:embed/>
+                  <p:pic>
+                    <p:nvPicPr>
+                      <p:cNvPr id="0" name=""/>
+                      <p:cNvPicPr/>
+                      <p:nvPr/>
+                    </p:nvPicPr>
+                    <p:blipFill>
+                      <a:blip r:embed="rId15"/>
+                      <a:stretch>
+                        <a:fillRect/>
+                      </a:stretch>
+                    </p:blipFill>
+                    <p:spPr>
+                      <a:xfrm>
+                        <a:off x="1588" y="1588"/>
+                        <a:ext cx="1588" cy="1588"/>
+                      </a:xfrm>
+                      <a:prstGeom prst="rect">
+                        <a:avLst/>
+                      </a:prstGeom>
+                    </p:spPr>
+                  </p:pic>
+                </p:oleObj>
+              </mc:Fallback>
+            </mc:AlternateContent>
+          </a:graphicData>
+        </a:graphic>
+      </p:graphicFrame>
       <p:sp>
         <p:nvSpPr>
           <p:cNvPr id="2" name="Title Placeholder 1"/>
@@ -3524,6 +3590,11 @@
             <p:custDataLst>
               <p:tags r:id="rId1"/>
             </p:custDataLst>
+            <p:extLst>
+              <p:ext uri="{D42A27DB-BD31-4B8C-83A1-F6EECF244321}">
+                <p14:modId xmlns:p14="http://schemas.microsoft.com/office/powerpoint/2010/main" val="524973397"/>
+              </p:ext>
+            </p:extLst>
           </p:nvPr>
         </p:nvGraphicFramePr>
         <p:xfrm>
@@ -3784,7 +3855,7 @@
         </p:nvSpPr>
         <p:spPr>
           <a:xfrm>
-            <a:off x="17342507" y="8478513"/>
+            <a:off x="17352032" y="8478513"/>
             <a:ext cx="8738197" cy="6823167"/>
           </a:xfrm>
           <a:prstGeom prst="rect">
@@ -4012,26 +4083,12 @@
                   <a:schemeClr val="tx1"/>
                 </a:solidFill>
               </a:rPr>
-              <a:t>ManagementDomain</a:t>
-            </a:r>
-            <a:r>
-              <a:rPr lang="en-US" sz="1400" noProof="0" dirty="0" err="1">
-                <a:solidFill>
-                  <a:schemeClr val="tx1"/>
-                </a:solidFill>
-                <a:highlight>
-                  <a:srgbClr val="FFFF00"/>
-                </a:highlight>
-              </a:rPr>
-              <a:t>Interface</a:t>
+              <a:t>ManagementDomainInterface</a:t>
             </a:r>
             <a:endParaRPr lang="en-US" sz="1400" noProof="0" dirty="0">
               <a:solidFill>
                 <a:schemeClr val="tx1"/>
               </a:solidFill>
-              <a:highlight>
-                <a:srgbClr val="FFFF00"/>
-              </a:highlight>
             </a:endParaRPr>
           </a:p>
         </p:txBody>
@@ -4276,41 +4333,21 @@
           <a:bodyPr lIns="36000" tIns="36000" rIns="36000" bIns="36000" rtlCol="0" anchor="t"/>
           <a:lstStyle/>
           <a:p>
-            <a:pPr defTabSz="914411">
-              <a:defRPr/>
-            </a:pPr>
-            <a:r>
-              <a:rPr lang="en-US" sz="800" kern="0" noProof="0" dirty="0">
-                <a:solidFill>
-                  <a:prstClr val="black"/>
-                </a:solidFill>
-                <a:latin typeface="Calibri" panose="020F0502020204030204"/>
-              </a:rPr>
-              <a:t>local-id=</a:t>
-            </a:r>
-            <a:r>
-              <a:rPr lang="en-US" sz="800" kern="0" noProof="0" dirty="0" err="1">
-                <a:solidFill>
-                  <a:prstClr val="black"/>
-                </a:solidFill>
-                <a:latin typeface="Calibri" panose="020F0502020204030204"/>
-              </a:rPr>
-              <a:t>tcp</a:t>
-            </a:r>
-            <a:r>
-              <a:rPr lang="en-US" sz="800" kern="0" noProof="0" dirty="0">
-                <a:solidFill>
-                  <a:prstClr val="black"/>
-                </a:solidFill>
-                <a:latin typeface="Calibri" panose="020F0502020204030204"/>
-              </a:rPr>
-              <a:t>-client</a:t>
-            </a:r>
-          </a:p>
-          <a:p>
             <a:pPr defTabSz="914411"/>
             <a:r>
-              <a:rPr lang="en-US" sz="800" kern="0" noProof="0" dirty="0" err="1">
+              <a:rPr lang="en-US" sz="800" kern="0">
+                <a:solidFill>
+                  <a:prstClr val="black"/>
+                </a:solidFill>
+                <a:latin typeface="Calibri" panose="020F0502020204030204"/>
+              </a:rPr>
+              <a:t>local-id=tcp-client</a:t>
+            </a:r>
+          </a:p>
+          <a:p>
+            <a:pPr defTabSz="914411"/>
+            <a:r>
+              <a:rPr lang="en-US" sz="800" kern="0">
                 <a:solidFill>
                   <a:prstClr val="black"/>
                 </a:solidFill>
@@ -4318,124 +4355,70 @@
               </a:rPr>
               <a:t>remoteIpAddress</a:t>
             </a:r>
-            <a:endParaRPr lang="en-US" sz="800" kern="0" noProof="0" dirty="0">
-              <a:solidFill>
-                <a:prstClr val="black"/>
-              </a:solidFill>
-              <a:latin typeface="Calibri" panose="020F0502020204030204"/>
-            </a:endParaRPr>
           </a:p>
           <a:p>
             <a:pPr defTabSz="914411"/>
             <a:r>
-              <a:rPr lang="en-US" sz="800" kern="0" noProof="0" dirty="0" err="1">
+              <a:rPr lang="en-US" sz="800" kern="0">
                 <a:solidFill>
                   <a:prstClr val="black"/>
                 </a:solidFill>
                 <a:latin typeface="Calibri" panose="020F0502020204030204"/>
               </a:rPr>
               <a:t>remotePort</a:t>
+            </a:r>
+          </a:p>
+          <a:p>
+            <a:pPr defTabSz="914411"/>
+            <a:r>
+              <a:rPr lang="en-US" sz="800" kern="0">
+                <a:solidFill>
+                  <a:prstClr val="black"/>
+                </a:solidFill>
+                <a:latin typeface="Calibri" panose="020F0502020204030204"/>
+              </a:rPr>
+              <a:t>notificationSubscribe</a:t>
+            </a:r>
+          </a:p>
+          <a:p>
+            <a:pPr defTabSz="914411"/>
+            <a:r>
+              <a:rPr lang="en-US" sz="800" kern="0">
+                <a:solidFill>
+                  <a:prstClr val="black"/>
+                </a:solidFill>
+                <a:latin typeface="Calibri" panose="020F0502020204030204"/>
+              </a:rPr>
+              <a:t>notificationStreamName</a:t>
+            </a:r>
+          </a:p>
+          <a:p>
+            <a:pPr defTabSz="914411"/>
+            <a:r>
+              <a:rPr lang="en-US" sz="800" kern="0">
+                <a:solidFill>
+                  <a:prstClr val="black"/>
+                </a:solidFill>
+                <a:latin typeface="Calibri" panose="020F0502020204030204"/>
+              </a:rPr>
+              <a:t>connectionStatus</a:t>
+            </a:r>
+          </a:p>
+          <a:p>
+            <a:pPr defTabSz="914411"/>
+            <a:r>
+              <a:rPr lang="en-US" sz="800" kern="0">
+                <a:solidFill>
+                  <a:prstClr val="black"/>
+                </a:solidFill>
+                <a:latin typeface="Calibri" panose="020F0502020204030204"/>
+              </a:rPr>
+              <a:t>sessionId</a:t>
             </a:r>
             <a:endParaRPr lang="en-US" sz="800" kern="0" dirty="0">
               <a:solidFill>
                 <a:prstClr val="black"/>
               </a:solidFill>
-              <a:latin typeface="Calibri" panose="020F0502020204030204"/>
-            </a:endParaRPr>
-          </a:p>
-          <a:p>
-            <a:pPr defTabSz="914411"/>
-            <a:r>
-              <a:rPr lang="en-US" sz="800" kern="0" noProof="0" dirty="0" err="1">
-                <a:solidFill>
-                  <a:prstClr val="black"/>
-                </a:solidFill>
-                <a:highlight>
-                  <a:srgbClr val="FFFF00"/>
-                </a:highlight>
-                <a:latin typeface="Calibri" panose="020F0502020204030204"/>
-              </a:rPr>
-              <a:t>notificationSubscribe</a:t>
-            </a:r>
-            <a:endParaRPr lang="en-US" sz="800" kern="0" noProof="0" dirty="0">
-              <a:solidFill>
-                <a:prstClr val="black"/>
-              </a:solidFill>
-              <a:highlight>
-                <a:srgbClr val="FFFF00"/>
-              </a:highlight>
-              <a:latin typeface="Calibri" panose="020F0502020204030204"/>
-            </a:endParaRPr>
-          </a:p>
-          <a:p>
-            <a:pPr defTabSz="914411"/>
-            <a:r>
-              <a:rPr lang="en-US" sz="800" kern="0" noProof="0" dirty="0" err="1">
-                <a:solidFill>
-                  <a:prstClr val="black"/>
-                </a:solidFill>
-                <a:highlight>
-                  <a:srgbClr val="FFFF00"/>
-                </a:highlight>
-                <a:latin typeface="Calibri" panose="020F0502020204030204"/>
-              </a:rPr>
-              <a:t>notificationStreamName</a:t>
-            </a:r>
-            <a:endParaRPr lang="en-US" sz="800" kern="0" noProof="0" dirty="0">
-              <a:solidFill>
-                <a:prstClr val="black"/>
-              </a:solidFill>
-              <a:highlight>
-                <a:srgbClr val="FFFF00"/>
-              </a:highlight>
-              <a:latin typeface="Calibri" panose="020F0502020204030204"/>
-            </a:endParaRPr>
-          </a:p>
-          <a:p>
-            <a:pPr defTabSz="914411"/>
-            <a:r>
-              <a:rPr lang="en-US" sz="800" kern="0" dirty="0" err="1">
-                <a:solidFill>
-                  <a:prstClr val="black"/>
-                </a:solidFill>
-                <a:highlight>
-                  <a:srgbClr val="FFFF00"/>
-                </a:highlight>
-                <a:latin typeface="Calibri" panose="020F0502020204030204"/>
-              </a:rPr>
-              <a:t>connectionStatus</a:t>
-            </a:r>
-            <a:endParaRPr lang="en-US" sz="800" kern="0" dirty="0">
-              <a:solidFill>
-                <a:prstClr val="black"/>
-              </a:solidFill>
-              <a:highlight>
-                <a:srgbClr val="FFFF00"/>
-              </a:highlight>
-              <a:latin typeface="Calibri" panose="020F0502020204030204"/>
-            </a:endParaRPr>
-          </a:p>
-          <a:p>
-            <a:pPr defTabSz="914411"/>
-            <a:r>
-              <a:rPr lang="en-US" sz="800" kern="0" dirty="0" err="1">
-                <a:solidFill>
-                  <a:prstClr val="black"/>
-                </a:solidFill>
-                <a:highlight>
-                  <a:srgbClr val="FFFF00"/>
-                </a:highlight>
-                <a:latin typeface="Calibri" panose="020F0502020204030204"/>
-              </a:rPr>
-              <a:t>sessionId</a:t>
-            </a:r>
-            <a:endParaRPr lang="en-US" sz="800" kern="0" noProof="0" dirty="0">
-              <a:solidFill>
-                <a:prstClr val="black"/>
-              </a:solidFill>
-              <a:highlight>
-                <a:srgbClr val="FFFF00"/>
-              </a:highlight>
               <a:latin typeface="Calibri" panose="020F0502020204030204"/>
             </a:endParaRPr>
           </a:p>
@@ -5128,8 +5111,8 @@
         </p:nvSpPr>
         <p:spPr>
           <a:xfrm>
-            <a:off x="6484620" y="5577132"/>
-            <a:ext cx="1905703" cy="336074"/>
+            <a:off x="7134225" y="5577132"/>
+            <a:ext cx="1256098" cy="336074"/>
           </a:xfrm>
           <a:prstGeom prst="rect">
             <a:avLst/>
@@ -5152,74 +5135,38 @@
           <a:p>
             <a:pPr defTabSz="914411"/>
             <a:r>
-              <a:rPr lang="en-US" sz="800" kern="0" noProof="0" dirty="0" err="1">
-                <a:solidFill>
-                  <a:prstClr val="black"/>
-                </a:solidFill>
-                <a:latin typeface="Calibri" panose="020F0502020204030204"/>
-              </a:rPr>
-              <a:t>forwardingDomainName</a:t>
-            </a:r>
-            <a:r>
-              <a:rPr lang="en-US" sz="800" kern="0" noProof="0" dirty="0">
-                <a:solidFill>
-                  <a:prstClr val="black"/>
-                </a:solidFill>
-                <a:latin typeface="Calibri" panose="020F0502020204030204"/>
-              </a:rPr>
-              <a:t>=</a:t>
-            </a:r>
-            <a:r>
-              <a:rPr lang="en-US" sz="800" strike="sngStrike" kern="0" noProof="0" dirty="0">
-                <a:solidFill>
-                  <a:prstClr val="black"/>
-                </a:solidFill>
-                <a:highlight>
-                  <a:srgbClr val="FFFF00"/>
-                </a:highlight>
-                <a:latin typeface="Calibri" panose="020F0502020204030204"/>
-              </a:rPr>
-              <a:t>management-plane-transport</a:t>
-            </a:r>
+              <a:rPr lang="en-US" sz="800" kern="0">
+                <a:solidFill>
+                  <a:prstClr val="black"/>
+                </a:solidFill>
+                <a:latin typeface="Calibri" panose="020F0502020204030204"/>
+              </a:rPr>
+              <a:t>forwardingDomainName=</a:t>
+            </a:r>
+            <a:endParaRPr lang="en-US" sz="800" kern="0" dirty="0">
+              <a:solidFill>
+                <a:prstClr val="black"/>
+              </a:solidFill>
+              <a:latin typeface="Calibri" panose="020F0502020204030204"/>
+            </a:endParaRPr>
           </a:p>
           <a:p>
             <a:pPr defTabSz="914411"/>
             <a:r>
-              <a:rPr lang="en-US" sz="800" kern="0" noProof="0" dirty="0">
-                <a:solidFill>
-                  <a:prstClr val="black"/>
-                </a:solidFill>
-                <a:highlight>
-                  <a:srgbClr val="FFFF00"/>
-                </a:highlight>
-                <a:latin typeface="Calibri" panose="020F0502020204030204"/>
-              </a:rPr>
-              <a:t>[</a:t>
-            </a:r>
-            <a:r>
-              <a:rPr lang="en-US" sz="800" kern="0" noProof="0" dirty="0" err="1">
-                <a:solidFill>
-                  <a:prstClr val="black"/>
-                </a:solidFill>
-                <a:highlight>
-                  <a:srgbClr val="FFFF00"/>
-                </a:highlight>
-                <a:latin typeface="Calibri" panose="020F0502020204030204"/>
-              </a:rPr>
-              <a:t>managementDomain</a:t>
-            </a:r>
-            <a:r>
-              <a:rPr lang="en-US" sz="800" kern="0" noProof="0" dirty="0">
-                <a:solidFill>
-                  <a:prstClr val="black"/>
-                </a:solidFill>
-                <a:highlight>
-                  <a:srgbClr val="FFFF00"/>
-                </a:highlight>
-                <a:latin typeface="Calibri" panose="020F0502020204030204"/>
-              </a:rPr>
-              <a:t>]</a:t>
-            </a:r>
+              <a:rPr lang="en-US" sz="800" kern="0">
+                <a:solidFill>
+                  <a:prstClr val="black"/>
+                </a:solidFill>
+                <a:latin typeface="Calibri" panose="020F0502020204030204"/>
+              </a:rPr>
+              <a:t>[managementDomain]</a:t>
+            </a:r>
+            <a:endParaRPr lang="en-US" sz="800" kern="0" dirty="0">
+              <a:solidFill>
+                <a:prstClr val="black"/>
+              </a:solidFill>
+              <a:latin typeface="Calibri" panose="020F0502020204030204"/>
+            </a:endParaRPr>
           </a:p>
         </p:txBody>
       </p:sp>
@@ -5330,11 +5277,9 @@
           <a:bodyPr lIns="36000" tIns="36000" rIns="36000" bIns="36000" rtlCol="0" anchor="t"/>
           <a:lstStyle/>
           <a:p>
-            <a:pPr defTabSz="914411">
-              <a:defRPr/>
-            </a:pPr>
-            <a:r>
-              <a:rPr lang="en-US" sz="800" kern="0" noProof="0" dirty="0" err="1">
+            <a:pPr defTabSz="914411"/>
+            <a:r>
+              <a:rPr lang="en-US" sz="800" kern="0" dirty="0" err="1">
                 <a:solidFill>
                   <a:prstClr val="black"/>
                 </a:solidFill>
@@ -5343,7 +5288,7 @@
               <a:t>elementName</a:t>
             </a:r>
             <a:r>
-              <a:rPr lang="en-US" sz="800" kern="0" noProof="0" dirty="0">
+              <a:rPr lang="en-US" sz="800" kern="0" dirty="0">
                 <a:solidFill>
                   <a:prstClr val="black"/>
                 </a:solidFill>
@@ -5352,7 +5297,7 @@
               <a:t>=[</a:t>
             </a:r>
             <a:r>
-              <a:rPr lang="en-US" sz="800" kern="0" noProof="0" dirty="0" err="1">
+              <a:rPr lang="en-US" sz="800" kern="0" dirty="0" err="1">
                 <a:solidFill>
                   <a:prstClr val="black"/>
                 </a:solidFill>
@@ -5361,7 +5306,7 @@
               <a:t>applicationName</a:t>
             </a:r>
             <a:r>
-              <a:rPr lang="en-US" sz="800" kern="0" noProof="0" dirty="0">
+              <a:rPr lang="en-US" sz="800" kern="0" dirty="0">
                 <a:solidFill>
                   <a:prstClr val="black"/>
                 </a:solidFill>
@@ -5371,11 +5316,9 @@
             </a:r>
           </a:p>
           <a:p>
-            <a:pPr defTabSz="914411">
-              <a:defRPr/>
-            </a:pPr>
-            <a:r>
-              <a:rPr lang="en-US" sz="800" kern="0" noProof="0" dirty="0">
+            <a:pPr defTabSz="914411"/>
+            <a:r>
+              <a:rPr lang="en-US" sz="800" kern="0" dirty="0">
                 <a:solidFill>
                   <a:prstClr val="black"/>
                 </a:solidFill>
@@ -5385,43 +5328,26 @@
             </a:r>
           </a:p>
           <a:p>
-            <a:pPr defTabSz="914411">
-              <a:defRPr/>
-            </a:pPr>
-            <a:r>
-              <a:rPr lang="en-US" sz="800" kern="0" noProof="0" dirty="0">
-                <a:solidFill>
-                  <a:prstClr val="black"/>
-                </a:solidFill>
-                <a:latin typeface="Calibri" panose="020F0502020204030204"/>
-              </a:rPr>
-              <a:t>_template=</a:t>
-            </a:r>
+            <a:pPr defTabSz="914411"/>
             <a:r>
               <a:rPr lang="en-US" sz="800" kern="0" dirty="0">
                 <a:solidFill>
                   <a:prstClr val="black"/>
                 </a:solidFill>
-                <a:highlight>
-                  <a:srgbClr val="FFFF00"/>
-                </a:highlight>
-                <a:latin typeface="Calibri" panose="020F0502020204030204"/>
-              </a:rPr>
-              <a:t> </a:t>
+                <a:latin typeface="Calibri" panose="020F0502020204030204"/>
+              </a:rPr>
+              <a:t>_template= </a:t>
             </a:r>
             <a:r>
               <a:rPr lang="en-US" sz="800" kern="0" dirty="0" err="1">
                 <a:solidFill>
                   <a:prstClr val="black"/>
                 </a:solidFill>
-                <a:highlight>
-                  <a:srgbClr val="FFFF00"/>
-                </a:highlight>
                 <a:latin typeface="Calibri" panose="020F0502020204030204"/>
               </a:rPr>
               <a:t>managementDomainInterfaceTemplate</a:t>
             </a:r>
-            <a:endParaRPr lang="en-US" sz="800" kern="0" noProof="0" dirty="0">
+            <a:endParaRPr lang="en-US" sz="800" kern="0" dirty="0">
               <a:solidFill>
                 <a:prstClr val="black"/>
               </a:solidFill>
@@ -5867,7 +5793,7 @@
           <a:p>
             <a:pPr defTabSz="914411"/>
             <a:r>
-              <a:rPr lang="en-US" sz="800" kern="0" noProof="0" dirty="0">
+              <a:rPr lang="en-US" sz="800" kern="0" dirty="0">
                 <a:solidFill>
                   <a:prstClr val="black"/>
                 </a:solidFill>
@@ -5876,7 +5802,7 @@
               <a:t>local-id=[</a:t>
             </a:r>
             <a:r>
-              <a:rPr lang="en-US" sz="800" kern="0" noProof="0" dirty="0" err="1">
+              <a:rPr lang="en-US" sz="800" kern="0" dirty="0" err="1">
                 <a:solidFill>
                   <a:prstClr val="black"/>
                 </a:solidFill>
@@ -5885,7 +5811,7 @@
               <a:t>deviceName</a:t>
             </a:r>
             <a:r>
-              <a:rPr lang="en-US" sz="800" kern="0" noProof="0" dirty="0">
+              <a:rPr lang="en-US" sz="800" kern="0" dirty="0">
                 <a:solidFill>
                   <a:prstClr val="black"/>
                 </a:solidFill>
@@ -5901,9 +5827,6 @@
                 <a:solidFill>
                   <a:prstClr val="black"/>
                 </a:solidFill>
-                <a:highlight>
-                  <a:srgbClr val="FFFF00"/>
-                </a:highlight>
                 <a:latin typeface="Calibri" panose="020F0502020204030204"/>
               </a:rPr>
               <a:t>_template=</a:t>
@@ -5913,9 +5836,6 @@
                 <a:solidFill>
                   <a:prstClr val="black"/>
                 </a:solidFill>
-                <a:highlight>
-                  <a:srgbClr val="FFFF00"/>
-                </a:highlight>
                 <a:latin typeface="Calibri" panose="020F0502020204030204"/>
               </a:rPr>
               <a:t>mountPointTemplateName</a:t>
@@ -5924,15 +5844,12 @@
               <a:solidFill>
                 <a:prstClr val="black"/>
               </a:solidFill>
-              <a:highlight>
-                <a:srgbClr val="FFFF00"/>
-              </a:highlight>
               <a:latin typeface="Calibri" panose="020F0502020204030204"/>
             </a:endParaRPr>
           </a:p>
           <a:p>
             <a:pPr defTabSz="914411"/>
-            <a:endParaRPr lang="en-US" sz="800" kern="0" noProof="0" dirty="0">
+            <a:endParaRPr lang="en-US" sz="800" kern="0" dirty="0">
               <a:solidFill>
                 <a:prstClr val="black"/>
               </a:solidFill>
@@ -7755,13 +7672,10 @@
           <a:p>
             <a:pPr defTabSz="914411"/>
             <a:r>
-              <a:rPr lang="en-US" sz="800" kern="0" noProof="0" dirty="0">
-                <a:solidFill>
-                  <a:prstClr val="black"/>
-                </a:solidFill>
-                <a:highlight>
-                  <a:srgbClr val="FFFF00"/>
-                </a:highlight>
+              <a:rPr lang="en-US" sz="800" kern="0" dirty="0">
+                <a:solidFill>
+                  <a:prstClr val="black"/>
+                </a:solidFill>
                 <a:latin typeface="Calibri" panose="020F0502020204030204"/>
               </a:rPr>
               <a:t>affected-management-domain</a:t>
@@ -7770,58 +7684,19 @@
           <a:p>
             <a:pPr defTabSz="914411"/>
             <a:r>
-              <a:rPr lang="en-US" sz="800" strike="sngStrike" kern="0" noProof="0" dirty="0">
-                <a:solidFill>
-                  <a:prstClr val="black"/>
-                </a:solidFill>
-                <a:highlight>
-                  <a:srgbClr val="FFFF00"/>
-                </a:highlight>
-                <a:latin typeface="Calibri" panose="020F0502020204030204"/>
-              </a:rPr>
-              <a:t>affected-fc</a:t>
-            </a:r>
-            <a:r>
-              <a:rPr lang="en-US" sz="800" kern="0" noProof="0" dirty="0">
-                <a:solidFill>
-                  <a:prstClr val="black"/>
-                </a:solidFill>
-                <a:highlight>
-                  <a:srgbClr val="FFFF00"/>
-                </a:highlight>
-                <a:latin typeface="Calibri" panose="020F0502020204030204"/>
-              </a:rPr>
-              <a:t>  affected-management-</a:t>
-            </a:r>
-            <a:r>
               <a:rPr lang="en-US" sz="800" kern="0" dirty="0">
                 <a:solidFill>
                   <a:prstClr val="black"/>
                 </a:solidFill>
-                <a:highlight>
-                  <a:srgbClr val="FFFF00"/>
-                </a:highlight>
-                <a:latin typeface="Calibri" panose="020F0502020204030204"/>
-              </a:rPr>
-              <a:t>p</a:t>
-            </a:r>
-            <a:r>
-              <a:rPr lang="en-US" sz="800" kern="0" noProof="0" dirty="0">
-                <a:solidFill>
-                  <a:prstClr val="black"/>
-                </a:solidFill>
-                <a:highlight>
-                  <a:srgbClr val="FFFF00"/>
-                </a:highlight>
-                <a:latin typeface="Calibri" panose="020F0502020204030204"/>
-              </a:rPr>
-              <a:t>lane-transport</a:t>
+                <a:latin typeface="Calibri" panose="020F0502020204030204"/>
+              </a:rPr>
+              <a:t>affected-management-plane-transport</a:t>
             </a:r>
           </a:p>
           <a:p>
             <a:pPr defTabSz="914411"/>
             <a:r>
-              <a:rPr lang="en-US" sz="800" kern="0" noProof="0" dirty="0">
+              <a:rPr lang="en-US" sz="800" kern="0" dirty="0">
                 <a:solidFill>
                   <a:prstClr val="black"/>
                 </a:solidFill>
@@ -7833,7 +7708,7 @@
           <a:p>
             <a:pPr defTabSz="914411"/>
             <a:r>
-              <a:rPr lang="en-US" sz="800" kern="0" noProof="0" dirty="0">
+              <a:rPr lang="en-US" sz="800" kern="0" dirty="0">
                 <a:solidFill>
                   <a:prstClr val="black"/>
                 </a:solidFill>
@@ -7842,7 +7717,7 @@
               <a:t>affected-cc/</a:t>
             </a:r>
             <a:r>
-              <a:rPr lang="en-US" sz="800" kern="0" noProof="0" dirty="0" err="1">
+              <a:rPr lang="en-US" sz="800" kern="0" dirty="0" err="1">
                 <a:solidFill>
                   <a:prstClr val="black"/>
                 </a:solidFill>
@@ -7851,7 +7726,7 @@
               <a:t>ltp</a:t>
             </a:r>
             <a:r>
-              <a:rPr lang="en-US" sz="800" kern="0" noProof="0" dirty="0">
+              <a:rPr lang="en-US" sz="800" kern="0" dirty="0">
                 <a:solidFill>
                   <a:prstClr val="black"/>
                 </a:solidFill>
@@ -7860,7 +7735,7 @@
               <a:t>/</a:t>
             </a:r>
             <a:r>
-              <a:rPr lang="en-US" sz="800" kern="0" noProof="0" dirty="0" err="1">
+              <a:rPr lang="en-US" sz="800" kern="0" dirty="0" err="1">
                 <a:solidFill>
                   <a:prstClr val="black"/>
                 </a:solidFill>
@@ -7868,7 +7743,7 @@
               </a:rPr>
               <a:t>lp</a:t>
             </a:r>
-            <a:endParaRPr lang="en-US" sz="800" kern="0" noProof="0" dirty="0">
+            <a:endParaRPr lang="en-US" sz="800" kern="0" dirty="0">
               <a:solidFill>
                 <a:prstClr val="black"/>
               </a:solidFill>
@@ -7878,7 +7753,7 @@
           <a:p>
             <a:pPr defTabSz="914411"/>
             <a:r>
-              <a:rPr lang="en-US" sz="800" kern="0" noProof="0" dirty="0">
+              <a:rPr lang="en-US" sz="800" kern="0" dirty="0">
                 <a:solidFill>
                   <a:prstClr val="black"/>
                 </a:solidFill>
@@ -7890,7 +7765,7 @@
           <a:p>
             <a:pPr defTabSz="914411"/>
             <a:r>
-              <a:rPr lang="en-US" sz="800" kern="0" noProof="0" dirty="0">
+              <a:rPr lang="en-US" sz="800" kern="0" dirty="0">
                 <a:solidFill>
                   <a:prstClr val="black"/>
                 </a:solidFill>
@@ -7902,7 +7777,7 @@
           <a:p>
             <a:pPr defTabSz="914411"/>
             <a:r>
-              <a:rPr lang="en-US" sz="800" kern="0" noProof="0" dirty="0">
+              <a:rPr lang="en-US" sz="800" kern="0" dirty="0">
                 <a:solidFill>
                   <a:prstClr val="black"/>
                 </a:solidFill>
@@ -7913,7 +7788,7 @@
           </a:p>
           <a:p>
             <a:pPr defTabSz="914411"/>
-            <a:endParaRPr lang="en-US" sz="800" kern="0" noProof="0" dirty="0">
+            <a:endParaRPr lang="en-US" sz="800" kern="0" dirty="0">
               <a:solidFill>
                 <a:prstClr val="black"/>
               </a:solidFill>
@@ -10877,7 +10752,7 @@
           <a:p>
             <a:pPr defTabSz="914411"/>
             <a:r>
-              <a:rPr lang="en-US" sz="800" kern="0" noProof="0" dirty="0" err="1">
+              <a:rPr lang="en-US" sz="800" kern="0" dirty="0" err="1">
                 <a:solidFill>
                   <a:prstClr val="black"/>
                 </a:solidFill>
@@ -10886,7 +10761,7 @@
               <a:t>templateName</a:t>
             </a:r>
             <a:r>
-              <a:rPr lang="en-US" sz="800" kern="0" noProof="0" dirty="0">
+              <a:rPr lang="en-US" sz="800" kern="0" dirty="0">
                 <a:solidFill>
                   <a:prstClr val="black"/>
                 </a:solidFill>
@@ -10895,19 +10770,16 @@
               <a:t>=[</a:t>
             </a:r>
             <a:r>
-              <a:rPr lang="en-US" sz="800" kern="0" noProof="0" dirty="0" err="1">
-                <a:solidFill>
-                  <a:prstClr val="black"/>
-                </a:solidFill>
-                <a:highlight>
-                  <a:srgbClr val="FFFF00"/>
-                </a:highlight>
+              <a:rPr lang="en-US" sz="800" kern="0" dirty="0" err="1">
+                <a:solidFill>
+                  <a:prstClr val="black"/>
+                </a:solidFill>
                 <a:latin typeface="Calibri" panose="020F0502020204030204"/>
               </a:rPr>
               <a:t>managementDomainInterfaceTemplateName</a:t>
             </a:r>
             <a:r>
-              <a:rPr lang="en-US" sz="800" kern="0" noProof="0" dirty="0">
+              <a:rPr lang="en-US" sz="800" kern="0" dirty="0">
                 <a:solidFill>
                   <a:prstClr val="black"/>
                 </a:solidFill>
@@ -10919,7 +10791,7 @@
           <a:p>
             <a:pPr defTabSz="914411"/>
             <a:r>
-              <a:rPr lang="en-US" sz="800" kern="0" noProof="0" dirty="0">
+              <a:rPr lang="en-US" sz="800" kern="0" dirty="0">
                 <a:solidFill>
                   <a:prstClr val="black"/>
                 </a:solidFill>
@@ -10928,24 +10800,18 @@
               <a:t>category=</a:t>
             </a:r>
             <a:r>
-              <a:rPr lang="en-US" sz="800" kern="0" noProof="0" dirty="0" err="1">
-                <a:solidFill>
-                  <a:prstClr val="black"/>
-                </a:solidFill>
-                <a:highlight>
-                  <a:srgbClr val="FFFF00"/>
-                </a:highlight>
+              <a:rPr lang="en-US" sz="800" kern="0" dirty="0" err="1">
+                <a:solidFill>
+                  <a:prstClr val="black"/>
+                </a:solidFill>
                 <a:latin typeface="Calibri" panose="020F0502020204030204"/>
               </a:rPr>
               <a:t>managementDomainInterfaceTemplate</a:t>
             </a:r>
-            <a:endParaRPr lang="en-US" sz="800" kern="0" noProof="0" dirty="0">
+            <a:endParaRPr lang="en-US" sz="800" kern="0" dirty="0">
               <a:solidFill>
                 <a:prstClr val="black"/>
               </a:solidFill>
-              <a:highlight>
-                <a:srgbClr val="FFFF00"/>
-              </a:highlight>
               <a:latin typeface="Calibri" panose="020F0502020204030204"/>
             </a:endParaRPr>
           </a:p>
@@ -10956,9 +10822,6 @@
                 <a:solidFill>
                   <a:prstClr val="black"/>
                 </a:solidFill>
-                <a:highlight>
-                  <a:srgbClr val="FFFF00"/>
-                </a:highlight>
                 <a:latin typeface="Calibri" panose="020F0502020204030204"/>
               </a:rPr>
               <a:t>managerIpAddress</a:t>
@@ -10967,9 +10830,6 @@
               <a:solidFill>
                 <a:prstClr val="black"/>
               </a:solidFill>
-              <a:highlight>
-                <a:srgbClr val="FFFF00"/>
-              </a:highlight>
               <a:latin typeface="Calibri" panose="020F0502020204030204"/>
             </a:endParaRPr>
           </a:p>
@@ -10980,9 +10840,6 @@
                 <a:solidFill>
                   <a:prstClr val="black"/>
                 </a:solidFill>
-                <a:highlight>
-                  <a:srgbClr val="FFFF00"/>
-                </a:highlight>
                 <a:latin typeface="Calibri" panose="020F0502020204030204"/>
               </a:rPr>
               <a:t>managerPort</a:t>
@@ -10991,9 +10848,6 @@
               <a:solidFill>
                 <a:prstClr val="black"/>
               </a:solidFill>
-              <a:highlight>
-                <a:srgbClr val="FFFF00"/>
-              </a:highlight>
               <a:latin typeface="Calibri" panose="020F0502020204030204"/>
             </a:endParaRPr>
           </a:p>
@@ -11004,9 +10858,6 @@
                 <a:solidFill>
                   <a:prstClr val="black"/>
                 </a:solidFill>
-                <a:highlight>
-                  <a:srgbClr val="FFFF00"/>
-                </a:highlight>
                 <a:latin typeface="Calibri" panose="020F0502020204030204"/>
               </a:rPr>
               <a:t>measureManagementDomainInterfaceService</a:t>
@@ -11015,9 +10866,6 @@
               <a:solidFill>
                 <a:prstClr val="black"/>
               </a:solidFill>
-              <a:highlight>
-                <a:srgbClr val="FFFF00"/>
-              </a:highlight>
               <a:latin typeface="Calibri" panose="020F0502020204030204"/>
             </a:endParaRPr>
           </a:p>
@@ -11028,9 +10876,6 @@
                 <a:solidFill>
                   <a:prstClr val="black"/>
                 </a:solidFill>
-                <a:highlight>
-                  <a:srgbClr val="FFFF00"/>
-                </a:highlight>
                 <a:latin typeface="Calibri" panose="020F0502020204030204"/>
               </a:rPr>
               <a:t>mediateManagementDomainInterfaceUpdateService</a:t>
@@ -11039,21 +10884,15 @@
               <a:solidFill>
                 <a:prstClr val="black"/>
               </a:solidFill>
-              <a:highlight>
-                <a:srgbClr val="FFFF00"/>
-              </a:highlight>
               <a:latin typeface="Calibri" panose="020F0502020204030204"/>
             </a:endParaRPr>
           </a:p>
           <a:p>
             <a:pPr defTabSz="914411"/>
-            <a:endParaRPr lang="en-US" sz="800" kern="0" noProof="0" dirty="0">
+            <a:endParaRPr lang="en-US" sz="800" kern="0" dirty="0">
               <a:solidFill>
                 <a:prstClr val="black"/>
               </a:solidFill>
-              <a:highlight>
-                <a:srgbClr val="FFFF00"/>
-              </a:highlight>
               <a:latin typeface="Calibri" panose="020F0502020204030204"/>
             </a:endParaRPr>
           </a:p>
@@ -12268,7 +12107,7 @@
         </p:nvSpPr>
         <p:spPr>
           <a:xfrm>
-            <a:off x="31438770" y="8860809"/>
+            <a:off x="32034197" y="8860809"/>
             <a:ext cx="537299" cy="445572"/>
           </a:xfrm>
           <a:prstGeom prst="roundRect">
@@ -12317,24 +12156,23 @@
       </p:sp>
       <p:cxnSp>
         <p:nvCxnSpPr>
-          <p:cNvPr id="25" name="Gerade Verbindung mit Pfeil 24">
-            <a:extLst>
-              <a:ext uri="{FF2B5EF4-FFF2-40B4-BE49-F238E27FC236}">
-                <a16:creationId xmlns:a16="http://schemas.microsoft.com/office/drawing/2014/main" id="{AAF3458E-970B-9AEE-394E-51278840AA39}"/>
+          <p:cNvPr id="37" name="Gerade Verbindung mit Pfeil 36">
+            <a:extLst>
+              <a:ext uri="{FF2B5EF4-FFF2-40B4-BE49-F238E27FC236}">
+                <a16:creationId xmlns:a16="http://schemas.microsoft.com/office/drawing/2014/main" id="{3DF5C9E9-FE3B-9BE6-9DD1-4F423E5DCB2B}"/>
               </a:ext>
             </a:extLst>
           </p:cNvPr>
           <p:cNvCxnSpPr>
             <a:cxnSpLocks/>
-            <a:stCxn id="24" idx="2"/>
-            <a:endCxn id="65" idx="0"/>
+            <a:endCxn id="60" idx="1"/>
           </p:cNvCxnSpPr>
           <p:nvPr/>
         </p:nvCxnSpPr>
         <p:spPr>
           <a:xfrm>
-            <a:off x="31707420" y="9306381"/>
-            <a:ext cx="0" cy="2555918"/>
+            <a:off x="32567288" y="9080029"/>
+            <a:ext cx="461372" cy="136829"/>
           </a:xfrm>
           <a:prstGeom prst="straightConnector1">
             <a:avLst/>
@@ -12351,41 +12189,6 @@
           <a:effectLst/>
         </p:spPr>
       </p:cxnSp>
-      <p:cxnSp>
-        <p:nvCxnSpPr>
-          <p:cNvPr id="37" name="Gerade Verbindung mit Pfeil 36">
-            <a:extLst>
-              <a:ext uri="{FF2B5EF4-FFF2-40B4-BE49-F238E27FC236}">
-                <a16:creationId xmlns:a16="http://schemas.microsoft.com/office/drawing/2014/main" id="{3DF5C9E9-FE3B-9BE6-9DD1-4F423E5DCB2B}"/>
-              </a:ext>
-            </a:extLst>
-          </p:cNvPr>
-          <p:cNvCxnSpPr>
-            <a:cxnSpLocks/>
-            <a:endCxn id="60" idx="1"/>
-          </p:cNvCxnSpPr>
-          <p:nvPr/>
-        </p:nvCxnSpPr>
-        <p:spPr>
-          <a:xfrm>
-            <a:off x="31971861" y="9080029"/>
-            <a:ext cx="461372" cy="136829"/>
-          </a:xfrm>
-          <a:prstGeom prst="straightConnector1">
-            <a:avLst/>
-          </a:prstGeom>
-          <a:noFill/>
-          <a:ln w="6350" cap="flat" cmpd="sng" algn="ctr">
-            <a:solidFill>
-              <a:srgbClr val="5B9BD5"/>
-            </a:solidFill>
-            <a:prstDash val="solid"/>
-            <a:miter lim="800000"/>
-            <a:tailEnd type="triangle"/>
-          </a:ln>
-          <a:effectLst/>
-        </p:spPr>
-      </p:cxnSp>
       <p:sp>
         <p:nvSpPr>
           <p:cNvPr id="60" name="Rechteck 59">
@@ -12400,7 +12203,7 @@
         </p:nvSpPr>
         <p:spPr>
           <a:xfrm>
-            <a:off x="32433233" y="8851566"/>
+            <a:off x="33028660" y="8851566"/>
             <a:ext cx="2142517" cy="730584"/>
           </a:xfrm>
           <a:prstGeom prst="rect">
@@ -12422,11 +12225,9 @@
           <a:bodyPr lIns="36000" tIns="36000" rIns="36000" bIns="36000" rtlCol="0" anchor="t"/>
           <a:lstStyle/>
           <a:p>
-            <a:pPr defTabSz="914411">
-              <a:defRPr/>
-            </a:pPr>
-            <a:r>
-              <a:rPr lang="en-US" sz="800" kern="0" noProof="0" dirty="0" err="1">
+            <a:pPr defTabSz="914411"/>
+            <a:r>
+              <a:rPr lang="en-US" sz="800" kern="0" dirty="0" err="1">
                 <a:solidFill>
                   <a:prstClr val="black"/>
                 </a:solidFill>
@@ -12435,7 +12236,7 @@
               <a:t>elementName</a:t>
             </a:r>
             <a:r>
-              <a:rPr lang="en-US" sz="800" kern="0" noProof="0" dirty="0">
+              <a:rPr lang="en-US" sz="800" kern="0" dirty="0">
                 <a:solidFill>
                   <a:prstClr val="black"/>
                 </a:solidFill>
@@ -12444,7 +12245,7 @@
               <a:t>=[</a:t>
             </a:r>
             <a:r>
-              <a:rPr lang="en-US" sz="800" kern="0" noProof="0" dirty="0" err="1">
+              <a:rPr lang="en-US" sz="800" kern="0" dirty="0" err="1">
                 <a:solidFill>
                   <a:prstClr val="black"/>
                 </a:solidFill>
@@ -12453,7 +12254,7 @@
               <a:t>managementDomain</a:t>
             </a:r>
             <a:r>
-              <a:rPr lang="en-US" sz="800" kern="0" noProof="0" dirty="0">
+              <a:rPr lang="en-US" sz="800" kern="0" dirty="0">
                 <a:solidFill>
                   <a:prstClr val="black"/>
                 </a:solidFill>
@@ -12463,11 +12264,9 @@
             </a:r>
           </a:p>
           <a:p>
-            <a:pPr defTabSz="914411">
-              <a:defRPr/>
-            </a:pPr>
-            <a:r>
-              <a:rPr lang="en-US" sz="800" kern="0" noProof="0" dirty="0">
+            <a:pPr defTabSz="914411"/>
+            <a:r>
+              <a:rPr lang="en-US" sz="800" kern="0" dirty="0">
                 <a:solidFill>
                   <a:prstClr val="black"/>
                 </a:solidFill>
@@ -12476,7 +12275,7 @@
               <a:t>category=</a:t>
             </a:r>
             <a:r>
-              <a:rPr lang="en-US" sz="800" kern="0" noProof="0" dirty="0" err="1">
+              <a:rPr lang="en-US" sz="800" kern="0" dirty="0" err="1">
                 <a:solidFill>
                   <a:prstClr val="black"/>
                 </a:solidFill>
@@ -12484,7 +12283,7 @@
               </a:rPr>
               <a:t>logicalController</a:t>
             </a:r>
-            <a:endParaRPr lang="en-US" sz="800" kern="0" noProof="0" dirty="0">
+            <a:endParaRPr lang="en-US" sz="800" kern="0" dirty="0">
               <a:solidFill>
                 <a:prstClr val="black"/>
               </a:solidFill>
@@ -12492,11 +12291,9 @@
             </a:endParaRPr>
           </a:p>
           <a:p>
-            <a:pPr defTabSz="914411">
-              <a:defRPr/>
-            </a:pPr>
-            <a:r>
-              <a:rPr lang="en-US" sz="800" kern="0" noProof="0" dirty="0">
+            <a:pPr defTabSz="914411"/>
+            <a:r>
+              <a:rPr lang="en-US" sz="800" kern="0" dirty="0">
                 <a:solidFill>
                   <a:prstClr val="black"/>
                 </a:solidFill>
@@ -12505,33 +12302,25 @@
               <a:t>_template=</a:t>
             </a:r>
             <a:r>
-              <a:rPr lang="en-US" sz="800" kern="0" noProof="0" dirty="0" err="1">
-                <a:solidFill>
-                  <a:prstClr val="black"/>
-                </a:solidFill>
-                <a:highlight>
-                  <a:srgbClr val="FFFF00"/>
-                </a:highlight>
+              <a:rPr lang="en-US" sz="800" kern="0" dirty="0" err="1">
+                <a:solidFill>
+                  <a:prstClr val="black"/>
+                </a:solidFill>
                 <a:latin typeface="Calibri" panose="020F0502020204030204"/>
               </a:rPr>
               <a:t>controllerTemplateName</a:t>
             </a:r>
-            <a:endParaRPr lang="en-US" sz="800" kern="0" noProof="0" dirty="0">
+            <a:endParaRPr lang="en-US" sz="800" kern="0" dirty="0">
               <a:solidFill>
                 <a:prstClr val="black"/>
               </a:solidFill>
-              <a:highlight>
-                <a:srgbClr val="FFFF00"/>
-              </a:highlight>
               <a:latin typeface="Calibri" panose="020F0502020204030204"/>
             </a:endParaRPr>
           </a:p>
           <a:p>
-            <a:pPr defTabSz="914411">
-              <a:defRPr/>
-            </a:pPr>
-            <a:r>
-              <a:rPr lang="en-US" sz="800" kern="0" noProof="0" dirty="0">
+            <a:pPr defTabSz="914411"/>
+            <a:r>
+              <a:rPr lang="en-US" sz="800" kern="0" dirty="0">
                 <a:solidFill>
                   <a:prstClr val="black"/>
                 </a:solidFill>
@@ -12540,7 +12329,7 @@
               <a:t>_controllers[*]=[</a:t>
             </a:r>
             <a:r>
-              <a:rPr lang="en-US" sz="800" kern="0" noProof="0" dirty="0" err="1">
+              <a:rPr lang="en-US" sz="800" kern="0" dirty="0" err="1">
                 <a:solidFill>
                   <a:prstClr val="black"/>
                 </a:solidFill>
@@ -12549,7 +12338,7 @@
               <a:t>controllerName</a:t>
             </a:r>
             <a:r>
-              <a:rPr lang="en-US" sz="800" kern="0" noProof="0" dirty="0">
+              <a:rPr lang="en-US" sz="800" kern="0" dirty="0">
                 <a:solidFill>
                   <a:prstClr val="black"/>
                 </a:solidFill>
@@ -12559,9 +12348,7 @@
             </a:r>
           </a:p>
           <a:p>
-            <a:pPr defTabSz="914411">
-              <a:defRPr/>
-            </a:pPr>
+            <a:pPr defTabSz="914411"/>
             <a:r>
               <a:rPr lang="en-US" sz="800" kern="0" dirty="0">
                 <a:solidFill>
@@ -12587,19 +12374,10 @@
                 </a:solidFill>
                 <a:latin typeface="Calibri" panose="020F0502020204030204"/>
               </a:rPr>
-              <a:t>=</a:t>
-            </a:r>
-            <a:r>
-              <a:rPr lang="en-US" sz="800" kern="0" noProof="0" dirty="0">
-                <a:solidFill>
-                  <a:prstClr val="black"/>
-                </a:solidFill>
-                <a:latin typeface="Calibri" panose="020F0502020204030204"/>
-              </a:rPr>
-              <a:t>[</a:t>
-            </a:r>
-            <a:r>
-              <a:rPr lang="en-US" sz="800" kern="0" noProof="0" dirty="0" err="1">
+              <a:t>=[</a:t>
+            </a:r>
+            <a:r>
+              <a:rPr lang="en-US" sz="800" kern="0" dirty="0" err="1">
                 <a:solidFill>
                   <a:prstClr val="black"/>
                 </a:solidFill>
@@ -12608,7 +12386,7 @@
               <a:t>loadBalancerName</a:t>
             </a:r>
             <a:r>
-              <a:rPr lang="en-US" sz="800" kern="0" noProof="0" dirty="0">
+              <a:rPr lang="en-US" sz="800" kern="0" dirty="0">
                 <a:solidFill>
                   <a:prstClr val="black"/>
                 </a:solidFill>
@@ -12617,7 +12395,7 @@
               <a:t>/</a:t>
             </a:r>
             <a:r>
-              <a:rPr lang="en-US" sz="800" kern="0" noProof="0" dirty="0" err="1">
+              <a:rPr lang="en-US" sz="800" kern="0" dirty="0" err="1">
                 <a:solidFill>
                   <a:prstClr val="black"/>
                 </a:solidFill>
@@ -12626,7 +12404,7 @@
               <a:t>controllerName</a:t>
             </a:r>
             <a:r>
-              <a:rPr lang="en-US" sz="800" kern="0" noProof="0" dirty="0">
+              <a:rPr lang="en-US" sz="800" kern="0" dirty="0">
                 <a:solidFill>
                   <a:prstClr val="black"/>
                 </a:solidFill>
@@ -12651,7 +12429,7 @@
         </p:nvSpPr>
         <p:spPr>
           <a:xfrm>
-            <a:off x="31438770" y="11862299"/>
+            <a:off x="32534254" y="11862299"/>
             <a:ext cx="537299" cy="445572"/>
           </a:xfrm>
           <a:prstGeom prst="roundRect">
@@ -12712,7 +12490,7 @@
         </p:nvSpPr>
         <p:spPr>
           <a:xfrm>
-            <a:off x="31438770" y="12763497"/>
+            <a:off x="32534254" y="12763497"/>
             <a:ext cx="537299" cy="445572"/>
           </a:xfrm>
           <a:prstGeom prst="roundRect">
@@ -12776,7 +12554,7 @@
         </p:nvCxnSpPr>
         <p:spPr>
           <a:xfrm>
-            <a:off x="31707420" y="12307871"/>
+            <a:off x="32802904" y="12307871"/>
             <a:ext cx="0" cy="455626"/>
           </a:xfrm>
           <a:prstGeom prst="straightConnector1">
@@ -12812,8 +12590,8 @@
         </p:nvCxnSpPr>
         <p:spPr>
           <a:xfrm flipH="1">
-            <a:off x="30814130" y="12085085"/>
-            <a:ext cx="624640" cy="41525"/>
+            <a:off x="31990582" y="12085085"/>
+            <a:ext cx="543672" cy="6968"/>
           </a:xfrm>
           <a:prstGeom prst="straightConnector1">
             <a:avLst/>
@@ -12844,7 +12622,7 @@
         </p:nvSpPr>
         <p:spPr>
           <a:xfrm>
-            <a:off x="29082949" y="11969097"/>
+            <a:off x="30259401" y="11934540"/>
             <a:ext cx="1731181" cy="315026"/>
           </a:xfrm>
           <a:prstGeom prst="rect">
@@ -12868,7 +12646,7 @@
           <a:p>
             <a:pPr defTabSz="914411"/>
             <a:r>
-              <a:rPr lang="en-US" sz="800" kern="0" noProof="0" dirty="0">
+              <a:rPr lang="en-US" sz="800" kern="0" dirty="0">
                 <a:solidFill>
                   <a:prstClr val="black"/>
                 </a:solidFill>
@@ -12877,7 +12655,7 @@
               <a:t>local-id=[</a:t>
             </a:r>
             <a:r>
-              <a:rPr lang="en-US" sz="800" kern="0" noProof="0" dirty="0" err="1">
+              <a:rPr lang="en-US" sz="800" kern="0" dirty="0" err="1">
                 <a:solidFill>
                   <a:prstClr val="black"/>
                 </a:solidFill>
@@ -12886,7 +12664,7 @@
               <a:t>deviceName</a:t>
             </a:r>
             <a:r>
-              <a:rPr lang="en-US" sz="800" kern="0" noProof="0" dirty="0">
+              <a:rPr lang="en-US" sz="800" kern="0" dirty="0">
                 <a:solidFill>
                   <a:prstClr val="black"/>
                 </a:solidFill>
@@ -12902,9 +12680,6 @@
                 <a:solidFill>
                   <a:prstClr val="black"/>
                 </a:solidFill>
-                <a:highlight>
-                  <a:srgbClr val="FFFF00"/>
-                </a:highlight>
                 <a:latin typeface="Calibri" panose="020F0502020204030204"/>
               </a:rPr>
               <a:t>_template=</a:t>
@@ -12914,20 +12689,14 @@
                 <a:solidFill>
                   <a:prstClr val="black"/>
                 </a:solidFill>
-                <a:highlight>
-                  <a:srgbClr val="FFFF00"/>
-                </a:highlight>
                 <a:latin typeface="Calibri" panose="020F0502020204030204"/>
               </a:rPr>
               <a:t>mountPointTemplateName</a:t>
             </a:r>
-            <a:endParaRPr lang="en-US" sz="800" kern="0" noProof="0" dirty="0">
+            <a:endParaRPr lang="en-US" sz="800" kern="0" dirty="0">
               <a:solidFill>
                 <a:prstClr val="black"/>
               </a:solidFill>
-              <a:highlight>
-                <a:srgbClr val="FFFF00"/>
-              </a:highlight>
               <a:latin typeface="Calibri" panose="020F0502020204030204"/>
             </a:endParaRPr>
           </a:p>
@@ -12947,7 +12716,7 @@
         </p:nvSpPr>
         <p:spPr>
           <a:xfrm>
-            <a:off x="31844655" y="8867499"/>
+            <a:off x="32482608" y="8892955"/>
             <a:ext cx="45719" cy="45719"/>
           </a:xfrm>
           <a:prstGeom prst="ellipse">
@@ -12993,7 +12762,7 @@
         </p:nvSpPr>
         <p:spPr>
           <a:xfrm>
-            <a:off x="31519622" y="8867498"/>
+            <a:off x="32157575" y="8892954"/>
             <a:ext cx="45719" cy="45719"/>
           </a:xfrm>
           <a:prstGeom prst="ellipse">
@@ -13168,11 +12937,9 @@
           <a:bodyPr lIns="36000" tIns="36000" rIns="36000" bIns="36000" rtlCol="0" anchor="t"/>
           <a:lstStyle/>
           <a:p>
-            <a:pPr defTabSz="914411">
-              <a:defRPr/>
-            </a:pPr>
-            <a:r>
-              <a:rPr lang="en-US" sz="800" kern="0" noProof="0" dirty="0">
+            <a:pPr defTabSz="914411"/>
+            <a:r>
+              <a:rPr lang="en-US" sz="800" kern="0" dirty="0">
                 <a:solidFill>
                   <a:prstClr val="black"/>
                 </a:solidFill>
@@ -13181,7 +12948,7 @@
               <a:t>local-id=</a:t>
             </a:r>
             <a:r>
-              <a:rPr lang="en-US" sz="800" kern="0" noProof="0" dirty="0" err="1">
+              <a:rPr lang="en-US" sz="800" kern="0" dirty="0" err="1">
                 <a:solidFill>
                   <a:prstClr val="black"/>
                 </a:solidFill>
@@ -13190,7 +12957,7 @@
               <a:t>tcp</a:t>
             </a:r>
             <a:r>
-              <a:rPr lang="en-US" sz="800" kern="0" noProof="0" dirty="0">
+              <a:rPr lang="en-US" sz="800" kern="0" dirty="0">
                 <a:solidFill>
                   <a:prstClr val="black"/>
                 </a:solidFill>
@@ -13202,7 +12969,7 @@
           <a:p>
             <a:pPr defTabSz="914411"/>
             <a:r>
-              <a:rPr lang="en-US" sz="800" kern="0" noProof="0" dirty="0" err="1">
+              <a:rPr lang="en-US" sz="800" kern="0" dirty="0" err="1">
                 <a:solidFill>
                   <a:prstClr val="black"/>
                 </a:solidFill>
@@ -13210,7 +12977,7 @@
               </a:rPr>
               <a:t>remoteIpAddress</a:t>
             </a:r>
-            <a:endParaRPr lang="en-US" sz="800" kern="0" noProof="0" dirty="0">
+            <a:endParaRPr lang="en-US" sz="800" kern="0" dirty="0">
               <a:solidFill>
                 <a:prstClr val="black"/>
               </a:solidFill>
@@ -13220,7 +12987,7 @@
           <a:p>
             <a:pPr defTabSz="914411"/>
             <a:r>
-              <a:rPr lang="en-US" sz="800" kern="0" noProof="0" dirty="0" err="1">
+              <a:rPr lang="en-US" sz="800" kern="0" dirty="0" err="1">
                 <a:solidFill>
                   <a:prstClr val="black"/>
                 </a:solidFill>
@@ -13228,7 +12995,7 @@
               </a:rPr>
               <a:t>remotePort</a:t>
             </a:r>
-            <a:endParaRPr lang="en-US" sz="800" kern="0" noProof="0" dirty="0">
+            <a:endParaRPr lang="en-US" sz="800" kern="0" dirty="0">
               <a:solidFill>
                 <a:prstClr val="black"/>
               </a:solidFill>
@@ -13238,72 +13005,54 @@
           <a:p>
             <a:pPr defTabSz="914411"/>
             <a:r>
-              <a:rPr lang="en-US" sz="800" kern="0" noProof="0" dirty="0" err="1">
-                <a:solidFill>
-                  <a:prstClr val="black"/>
-                </a:solidFill>
-                <a:highlight>
-                  <a:srgbClr val="FFFF00"/>
-                </a:highlight>
+              <a:rPr lang="en-US" sz="800" kern="0" dirty="0" err="1">
+                <a:solidFill>
+                  <a:prstClr val="black"/>
+                </a:solidFill>
                 <a:latin typeface="Calibri" panose="020F0502020204030204"/>
               </a:rPr>
               <a:t>notificationSubscribe</a:t>
             </a:r>
-            <a:endParaRPr lang="en-US" sz="800" kern="0" noProof="0" dirty="0">
+            <a:endParaRPr lang="en-US" sz="800" kern="0" dirty="0">
               <a:solidFill>
                 <a:prstClr val="black"/>
               </a:solidFill>
-              <a:highlight>
-                <a:srgbClr val="FFFF00"/>
-              </a:highlight>
               <a:latin typeface="Calibri" panose="020F0502020204030204"/>
             </a:endParaRPr>
           </a:p>
           <a:p>
             <a:pPr defTabSz="914411"/>
             <a:r>
-              <a:rPr lang="en-US" sz="800" kern="0" noProof="0" dirty="0" err="1">
-                <a:solidFill>
-                  <a:prstClr val="black"/>
-                </a:solidFill>
-                <a:highlight>
-                  <a:srgbClr val="FFFF00"/>
-                </a:highlight>
+              <a:rPr lang="en-US" sz="800" kern="0" dirty="0" err="1">
+                <a:solidFill>
+                  <a:prstClr val="black"/>
+                </a:solidFill>
                 <a:latin typeface="Calibri" panose="020F0502020204030204"/>
               </a:rPr>
               <a:t>notificationStreamName</a:t>
             </a:r>
-            <a:endParaRPr lang="en-US" sz="800" kern="0" noProof="0" dirty="0">
+            <a:endParaRPr lang="en-US" sz="800" kern="0" dirty="0">
               <a:solidFill>
                 <a:prstClr val="black"/>
               </a:solidFill>
-              <a:highlight>
-                <a:srgbClr val="FFFF00"/>
-              </a:highlight>
               <a:latin typeface="Calibri" panose="020F0502020204030204"/>
             </a:endParaRPr>
           </a:p>
           <a:p>
             <a:pPr defTabSz="914411"/>
             <a:r>
-              <a:rPr lang="en-US" sz="800" kern="0" noProof="0" dirty="0" err="1">
-                <a:solidFill>
-                  <a:prstClr val="black"/>
-                </a:solidFill>
-                <a:highlight>
-                  <a:srgbClr val="FFFF00"/>
-                </a:highlight>
+              <a:rPr lang="en-US" sz="800" kern="0" dirty="0" err="1">
+                <a:solidFill>
+                  <a:prstClr val="black"/>
+                </a:solidFill>
                 <a:latin typeface="Calibri" panose="020F0502020204030204"/>
               </a:rPr>
               <a:t>availableCapability</a:t>
             </a:r>
-            <a:endParaRPr lang="en-US" sz="800" kern="0" noProof="0" dirty="0">
+            <a:endParaRPr lang="en-US" sz="800" kern="0" dirty="0">
               <a:solidFill>
                 <a:prstClr val="black"/>
               </a:solidFill>
-              <a:highlight>
-                <a:srgbClr val="FFFF00"/>
-              </a:highlight>
               <a:latin typeface="Calibri" panose="020F0502020204030204"/>
             </a:endParaRPr>
           </a:p>
@@ -13314,20 +13063,14 @@
                 <a:solidFill>
                   <a:prstClr val="black"/>
                 </a:solidFill>
-                <a:highlight>
-                  <a:srgbClr val="FFFF00"/>
-                </a:highlight>
                 <a:latin typeface="Calibri" panose="020F0502020204030204"/>
               </a:rPr>
               <a:t>unavailableCapability</a:t>
             </a:r>
-            <a:endParaRPr lang="en-US" sz="800" kern="0" noProof="0" dirty="0">
+            <a:endParaRPr lang="en-US" sz="800" kern="0" dirty="0">
               <a:solidFill>
                 <a:prstClr val="black"/>
               </a:solidFill>
-              <a:highlight>
-                <a:srgbClr val="FFFF00"/>
-              </a:highlight>
               <a:latin typeface="Calibri" panose="020F0502020204030204"/>
             </a:endParaRPr>
           </a:p>
@@ -13344,15 +13087,15 @@
           </p:cNvPr>
           <p:cNvCxnSpPr>
             <a:cxnSpLocks/>
-            <a:stCxn id="102" idx="1"/>
-            <a:endCxn id="67" idx="3"/>
+            <a:stCxn id="102" idx="0"/>
+            <a:endCxn id="67" idx="2"/>
           </p:cNvCxnSpPr>
           <p:nvPr/>
         </p:nvCxnSpPr>
         <p:spPr>
           <a:xfrm flipH="1" flipV="1">
-            <a:off x="31976069" y="12986283"/>
-            <a:ext cx="561093" cy="1808913"/>
+            <a:off x="32802904" y="13209069"/>
+            <a:ext cx="314985" cy="1363341"/>
           </a:xfrm>
           <a:prstGeom prst="straightConnector1">
             <a:avLst/>
@@ -13383,7 +13126,7 @@
         </p:nvSpPr>
         <p:spPr>
           <a:xfrm>
-            <a:off x="29751087" y="12769661"/>
+            <a:off x="30408312" y="12769661"/>
             <a:ext cx="1161453" cy="445572"/>
           </a:xfrm>
           <a:prstGeom prst="roundRect">
@@ -13456,8 +13199,8 @@
         </p:nvCxnSpPr>
         <p:spPr>
           <a:xfrm flipV="1">
-            <a:off x="30912540" y="12986283"/>
-            <a:ext cx="526230" cy="6164"/>
+            <a:off x="31569765" y="12986283"/>
+            <a:ext cx="964489" cy="6164"/>
           </a:xfrm>
           <a:prstGeom prst="straightConnector1">
             <a:avLst/>
@@ -13719,7 +13462,7 @@
         </p:nvSpPr>
         <p:spPr>
           <a:xfrm>
-            <a:off x="28216649" y="13332551"/>
+            <a:off x="28357546" y="12878630"/>
             <a:ext cx="1514051" cy="329235"/>
           </a:xfrm>
           <a:prstGeom prst="rect">
@@ -14103,13 +13846,14 @@
           <p:cNvCxnSpPr>
             <a:cxnSpLocks/>
             <a:stCxn id="248" idx="3"/>
+            <a:endCxn id="243" idx="0"/>
           </p:cNvCxnSpPr>
           <p:nvPr/>
         </p:nvCxnSpPr>
         <p:spPr>
           <a:xfrm>
             <a:off x="26827798" y="12185737"/>
-            <a:ext cx="2937827" cy="628517"/>
+            <a:ext cx="3640065" cy="592532"/>
           </a:xfrm>
           <a:prstGeom prst="straightConnector1">
             <a:avLst/>
@@ -14138,14 +13882,14 @@
           <p:cNvCxnSpPr>
             <a:cxnSpLocks/>
             <a:stCxn id="208" idx="1"/>
-            <a:endCxn id="241" idx="0"/>
+            <a:endCxn id="241" idx="3"/>
           </p:cNvCxnSpPr>
           <p:nvPr/>
         </p:nvCxnSpPr>
         <p:spPr>
           <a:xfrm flipH="1">
-            <a:off x="28973675" y="12992447"/>
-            <a:ext cx="777412" cy="340104"/>
+            <a:off x="29871597" y="12992447"/>
+            <a:ext cx="536715" cy="50801"/>
           </a:xfrm>
           <a:prstGeom prst="straightConnector1">
             <a:avLst/>
@@ -14181,7 +13925,7 @@
         <p:spPr>
           <a:xfrm>
             <a:off x="9734239" y="6840779"/>
-            <a:ext cx="21973181" cy="2020030"/>
+            <a:ext cx="22568608" cy="2020030"/>
           </a:xfrm>
           <a:prstGeom prst="bentConnector2">
             <a:avLst/>
@@ -14249,53 +13993,6 @@
         <p:spPr>
           <a:xfrm>
             <a:off x="23607052" y="12790370"/>
-            <a:ext cx="45719" cy="45719"/>
-          </a:xfrm>
-          <a:prstGeom prst="ellipse">
-            <a:avLst/>
-          </a:prstGeom>
-          <a:solidFill>
-            <a:srgbClr val="4472C4">
-              <a:lumMod val="60000"/>
-              <a:lumOff val="40000"/>
-            </a:srgbClr>
-          </a:solidFill>
-          <a:ln w="12700" cap="flat" cmpd="sng" algn="ctr">
-            <a:noFill/>
-            <a:prstDash val="solid"/>
-            <a:miter lim="800000"/>
-          </a:ln>
-          <a:effectLst/>
-        </p:spPr>
-        <p:txBody>
-          <a:bodyPr rtlCol="0" anchor="ctr"/>
-          <a:lstStyle/>
-          <a:p>
-            <a:pPr algn="ctr" defTabSz="914411"/>
-            <a:endParaRPr lang="en-US" sz="1050" kern="0" noProof="0" dirty="0">
-              <a:solidFill>
-                <a:prstClr val="white"/>
-              </a:solidFill>
-              <a:latin typeface="Calibri" panose="020F0502020204030204"/>
-            </a:endParaRPr>
-          </a:p>
-        </p:txBody>
-      </p:sp>
-      <p:sp>
-        <p:nvSpPr>
-          <p:cNvPr id="243" name="Ellipse 242">
-            <a:extLst>
-              <a:ext uri="{FF2B5EF4-FFF2-40B4-BE49-F238E27FC236}">
-                <a16:creationId xmlns:a16="http://schemas.microsoft.com/office/drawing/2014/main" id="{8A62DB68-E572-F9C6-FA24-54502C6CE2FF}"/>
-              </a:ext>
-            </a:extLst>
-          </p:cNvPr>
-          <p:cNvSpPr/>
-          <p:nvPr/>
-        </p:nvSpPr>
-        <p:spPr>
-          <a:xfrm>
-            <a:off x="29771903" y="12814254"/>
             <a:ext cx="45719" cy="45719"/>
           </a:xfrm>
           <a:prstGeom prst="ellipse">
@@ -14437,7 +14134,7 @@
           <a:p>
             <a:pPr defTabSz="914411"/>
             <a:r>
-              <a:rPr lang="en-US" sz="800" kern="0" noProof="0" dirty="0">
+              <a:rPr lang="en-US" sz="800" kern="0" dirty="0">
                 <a:solidFill>
                   <a:prstClr val="black"/>
                 </a:solidFill>
@@ -14446,19 +14143,16 @@
               <a:t>local-id=[</a:t>
             </a:r>
             <a:r>
-              <a:rPr lang="en-US" sz="800" kern="0" noProof="0" dirty="0" err="1">
-                <a:solidFill>
-                  <a:prstClr val="black"/>
-                </a:solidFill>
-                <a:highlight>
-                  <a:srgbClr val="FFFF00"/>
-                </a:highlight>
+              <a:rPr lang="en-US" sz="800" kern="0" dirty="0" err="1">
+                <a:solidFill>
+                  <a:prstClr val="black"/>
+                </a:solidFill>
                 <a:latin typeface="Calibri" panose="020F0502020204030204"/>
               </a:rPr>
               <a:t>mountPointTemplateName</a:t>
             </a:r>
             <a:r>
-              <a:rPr lang="en-US" sz="800" kern="0" noProof="0" dirty="0">
+              <a:rPr lang="en-US" sz="800" kern="0" dirty="0">
                 <a:solidFill>
                   <a:prstClr val="black"/>
                 </a:solidFill>
@@ -14470,72 +14164,48 @@
           <a:p>
             <a:pPr defTabSz="914411"/>
             <a:r>
-              <a:rPr lang="en-US" sz="800" kern="0" noProof="0" dirty="0">
-                <a:solidFill>
-                  <a:prstClr val="black"/>
-                </a:solidFill>
-                <a:latin typeface="Calibri" panose="020F0502020204030204"/>
-              </a:rPr>
-              <a:t>category=</a:t>
-            </a:r>
-            <a:r>
-              <a:rPr lang="en-US" sz="800" kern="0" noProof="0" dirty="0">
-                <a:solidFill>
-                  <a:prstClr val="black"/>
-                </a:solidFill>
-                <a:highlight>
-                  <a:srgbClr val="FFFF00"/>
-                </a:highlight>
-                <a:latin typeface="Calibri" panose="020F0502020204030204"/>
-              </a:rPr>
-              <a:t>mountpoint</a:t>
+              <a:rPr lang="en-US" sz="800" kern="0" dirty="0">
+                <a:solidFill>
+                  <a:prstClr val="black"/>
+                </a:solidFill>
+                <a:latin typeface="Calibri" panose="020F0502020204030204"/>
+              </a:rPr>
+              <a:t>category=mountpoint</a:t>
             </a:r>
           </a:p>
           <a:p>
             <a:pPr defTabSz="914411"/>
             <a:r>
-              <a:rPr lang="en-US" sz="800" kern="0" noProof="0" dirty="0" err="1">
-                <a:solidFill>
-                  <a:prstClr val="black"/>
-                </a:solidFill>
-                <a:highlight>
-                  <a:srgbClr val="FFFF00"/>
-                </a:highlight>
+              <a:rPr lang="en-US" sz="800" kern="0" dirty="0" err="1">
+                <a:solidFill>
+                  <a:prstClr val="black"/>
+                </a:solidFill>
                 <a:latin typeface="Calibri" panose="020F0502020204030204"/>
               </a:rPr>
               <a:t>netconfUserName</a:t>
             </a:r>
-            <a:endParaRPr lang="en-US" sz="800" kern="0" noProof="0" dirty="0">
+            <a:endParaRPr lang="en-US" sz="800" kern="0" dirty="0">
               <a:solidFill>
                 <a:prstClr val="black"/>
               </a:solidFill>
-              <a:highlight>
-                <a:srgbClr val="FFFF00"/>
-              </a:highlight>
               <a:latin typeface="Calibri" panose="020F0502020204030204"/>
             </a:endParaRPr>
           </a:p>
           <a:p>
             <a:pPr defTabSz="914411"/>
             <a:r>
-              <a:rPr lang="en-US" sz="800" kern="0" noProof="0" dirty="0" err="1">
-                <a:solidFill>
-                  <a:prstClr val="black"/>
-                </a:solidFill>
-                <a:highlight>
-                  <a:srgbClr val="FFFF00"/>
-                </a:highlight>
+              <a:rPr lang="en-US" sz="800" kern="0" dirty="0" err="1">
+                <a:solidFill>
+                  <a:prstClr val="black"/>
+                </a:solidFill>
                 <a:latin typeface="Calibri" panose="020F0502020204030204"/>
               </a:rPr>
               <a:t>netconfPassword</a:t>
             </a:r>
-            <a:endParaRPr lang="en-US" sz="800" kern="0" noProof="0" dirty="0">
+            <a:endParaRPr lang="en-US" sz="800" kern="0" dirty="0">
               <a:solidFill>
                 <a:prstClr val="black"/>
               </a:solidFill>
-              <a:highlight>
-                <a:srgbClr val="FFFF00"/>
-              </a:highlight>
               <a:latin typeface="Calibri" panose="020F0502020204030204"/>
             </a:endParaRPr>
           </a:p>
@@ -14546,38 +14216,23 @@
                 <a:solidFill>
                   <a:prstClr val="black"/>
                 </a:solidFill>
-                <a:highlight>
-                  <a:srgbClr val="FFFF00"/>
-                </a:highlight>
                 <a:latin typeface="Calibri" panose="020F0502020204030204"/>
               </a:rPr>
               <a:t>… and many more</a:t>
             </a:r>
-            <a:endParaRPr lang="en-US" sz="800" kern="0" noProof="0" dirty="0">
+          </a:p>
+          <a:p>
+            <a:pPr defTabSz="914411"/>
+            <a:endParaRPr lang="en-US" sz="800" kern="0" dirty="0">
               <a:solidFill>
                 <a:prstClr val="black"/>
               </a:solidFill>
-              <a:highlight>
-                <a:srgbClr val="FFFF00"/>
-              </a:highlight>
               <a:latin typeface="Calibri" panose="020F0502020204030204"/>
             </a:endParaRPr>
           </a:p>
           <a:p>
             <a:pPr defTabSz="914411"/>
-            <a:endParaRPr lang="en-US" sz="800" kern="0" noProof="0" dirty="0">
-              <a:solidFill>
-                <a:prstClr val="black"/>
-              </a:solidFill>
-              <a:highlight>
-                <a:srgbClr val="FFFF00"/>
-              </a:highlight>
-              <a:latin typeface="Calibri" panose="020F0502020204030204"/>
-            </a:endParaRPr>
-          </a:p>
-          <a:p>
-            <a:pPr defTabSz="914411"/>
-            <a:endParaRPr lang="en-US" sz="800" kern="0" noProof="0" dirty="0">
+            <a:endParaRPr lang="en-US" sz="800" kern="0" dirty="0">
               <a:solidFill>
                 <a:prstClr val="black"/>
               </a:solidFill>
@@ -14679,7 +14334,9 @@
             <a:avLst/>
           </a:prstGeom>
           <a:solidFill>
-            <a:srgbClr val="FFFF00"/>
+            <a:sysClr val="window" lastClr="FFFFFF">
+              <a:lumMod val="65000"/>
+            </a:sysClr>
           </a:solidFill>
           <a:ln w="12700" cap="flat" cmpd="sng" algn="ctr">
             <a:solidFill>
@@ -14702,11 +14359,12 @@
           <a:bodyPr rtlCol="0" anchor="ctr"/>
           <a:lstStyle/>
           <a:p>
-            <a:pPr algn="ctr" defTabSz="914411">
-              <a:defRPr/>
-            </a:pPr>
-            <a:r>
-              <a:rPr lang="en-US" sz="1050" kern="0" noProof="0" dirty="0">
+            <a:pPr algn="ctr" defTabSz="914411"/>
+            <a:r>
+              <a:rPr lang="en-US" sz="1050" kern="0" dirty="0">
+                <a:solidFill>
+                  <a:prstClr val="white"/>
+                </a:solidFill>
                 <a:latin typeface="Calibri" panose="020F0502020204030204"/>
               </a:rPr>
               <a:t>P</a:t>
@@ -14752,13 +14410,10 @@
           <a:p>
             <a:pPr defTabSz="914411"/>
             <a:r>
-              <a:rPr lang="en-US" sz="800" kern="0" noProof="0" dirty="0">
-                <a:solidFill>
-                  <a:prstClr val="black"/>
-                </a:solidFill>
-                <a:highlight>
-                  <a:srgbClr val="FFFF00"/>
-                </a:highlight>
+              <a:rPr lang="en-US" sz="800" kern="0" dirty="0">
+                <a:solidFill>
+                  <a:prstClr val="black"/>
+                </a:solidFill>
                 <a:latin typeface="Calibri" panose="020F0502020204030204"/>
               </a:rPr>
               <a:t>_target-function</a:t>
@@ -14767,13 +14422,10 @@
           <a:p>
             <a:pPr defTabSz="914411"/>
             <a:r>
-              <a:rPr lang="en-US" sz="800" kern="0" noProof="0" dirty="0">
-                <a:solidFill>
-                  <a:prstClr val="black"/>
-                </a:solidFill>
-                <a:highlight>
-                  <a:srgbClr val="FFFF00"/>
-                </a:highlight>
+              <a:rPr lang="en-US" sz="800" kern="0" dirty="0">
+                <a:solidFill>
+                  <a:prstClr val="black"/>
+                </a:solidFill>
                 <a:latin typeface="Calibri" panose="020F0502020204030204"/>
               </a:rPr>
               <a:t>period-length</a:t>
@@ -14786,22 +14438,10 @@
                 <a:solidFill>
                   <a:prstClr val="black"/>
                 </a:solidFill>
-                <a:highlight>
-                  <a:srgbClr val="FFFF00"/>
-                </a:highlight>
                 <a:latin typeface="Calibri" panose="020F0502020204030204"/>
               </a:rPr>
               <a:t>…</a:t>
             </a:r>
-            <a:endParaRPr lang="en-US" sz="800" kern="0" noProof="0" dirty="0">
-              <a:solidFill>
-                <a:prstClr val="black"/>
-              </a:solidFill>
-              <a:highlight>
-                <a:srgbClr val="FFFF00"/>
-              </a:highlight>
-              <a:latin typeface="Calibri" panose="020F0502020204030204"/>
-            </a:endParaRPr>
           </a:p>
         </p:txBody>
       </p:sp>
@@ -14926,7 +14566,7 @@
           <a:p>
             <a:pPr algn="ctr" defTabSz="914411"/>
             <a:r>
-              <a:rPr lang="en-US" sz="1050" kern="0" dirty="0" err="1">
+              <a:rPr lang="en-US" sz="1050" kern="0">
                 <a:solidFill>
                   <a:prstClr val="white"/>
                 </a:solidFill>
@@ -14990,9 +14630,6 @@
                 <a:solidFill>
                   <a:prstClr val="black"/>
                 </a:solidFill>
-                <a:highlight>
-                  <a:srgbClr val="FFFF00"/>
-                </a:highlight>
                 <a:latin typeface="Calibri" panose="020F0502020204030204"/>
               </a:rPr>
               <a:t>local-id=http-server / [</a:t>
@@ -15002,9 +14639,6 @@
                 <a:solidFill>
                   <a:prstClr val="black"/>
                 </a:solidFill>
-                <a:highlight>
-                  <a:srgbClr val="FFFF00"/>
-                </a:highlight>
                 <a:latin typeface="Calibri" panose="020F0502020204030204"/>
               </a:rPr>
               <a:t>applicationName</a:t>
@@ -15014,9 +14648,6 @@
                 <a:solidFill>
                   <a:prstClr val="black"/>
                 </a:solidFill>
-                <a:highlight>
-                  <a:srgbClr val="FFFF00"/>
-                </a:highlight>
                 <a:latin typeface="Calibri" panose="020F0502020204030204"/>
               </a:rPr>
               <a:t>]</a:t>
@@ -15029,22 +14660,37 @@
                 <a:solidFill>
                   <a:prstClr val="black"/>
                 </a:solidFill>
-                <a:highlight>
-                  <a:srgbClr val="FFFF00"/>
-                </a:highlight>
                 <a:latin typeface="Calibri" panose="020F0502020204030204"/>
               </a:rPr>
               <a:t>httpUserName</a:t>
             </a:r>
-            <a:endParaRPr lang="en-US" sz="800" kern="0" dirty="0">
-              <a:solidFill>
-                <a:prstClr val="black"/>
-              </a:solidFill>
-              <a:highlight>
-                <a:srgbClr val="FFFF00"/>
-              </a:highlight>
-              <a:latin typeface="Calibri" panose="020F0502020204030204"/>
-            </a:endParaRPr>
+            <a:r>
+              <a:rPr lang="en-US" sz="800" kern="0" dirty="0">
+                <a:solidFill>
+                  <a:prstClr val="black"/>
+                </a:solidFill>
+                <a:latin typeface="Calibri" panose="020F0502020204030204"/>
+              </a:rPr>
+              <a:t>=  ~    / [</a:t>
+            </a:r>
+            <a:r>
+              <a:rPr lang="en-US" sz="800" kern="0" dirty="0" err="1">
+                <a:solidFill>
+                  <a:prstClr val="black"/>
+                </a:solidFill>
+                <a:latin typeface="Calibri" panose="020F0502020204030204"/>
+              </a:rPr>
+              <a:t>applicationName</a:t>
+            </a:r>
+            <a:r>
+              <a:rPr lang="en-US" sz="800" kern="0" dirty="0">
+                <a:solidFill>
+                  <a:prstClr val="black"/>
+                </a:solidFill>
+                <a:latin typeface="Calibri" panose="020F0502020204030204"/>
+              </a:rPr>
+              <a:t>]</a:t>
+            </a:r>
           </a:p>
           <a:p>
             <a:pPr defTabSz="914411"/>
@@ -15053,9 +14699,6 @@
                 <a:solidFill>
                   <a:prstClr val="black"/>
                 </a:solidFill>
-                <a:highlight>
-                  <a:srgbClr val="FFFF00"/>
-                </a:highlight>
                 <a:latin typeface="Calibri" panose="020F0502020204030204"/>
               </a:rPr>
               <a:t>httpPassword</a:t>
@@ -15259,11 +14902,9 @@
           <a:bodyPr rtlCol="0" anchor="ctr"/>
           <a:lstStyle/>
           <a:p>
-            <a:pPr algn="ctr" defTabSz="914411">
-              <a:defRPr/>
-            </a:pPr>
-            <a:r>
-              <a:rPr lang="en-US" sz="1050" kern="0" noProof="0" dirty="0">
+            <a:pPr algn="ctr" defTabSz="914411"/>
+            <a:r>
+              <a:rPr lang="en-US" sz="1050" kern="0">
                 <a:solidFill>
                   <a:prstClr val="white"/>
                 </a:solidFill>
@@ -15271,6 +14912,12 @@
               </a:rPr>
               <a:t>L</a:t>
             </a:r>
+            <a:endParaRPr lang="en-US" sz="1050" kern="0" dirty="0">
+              <a:solidFill>
+                <a:prstClr val="white"/>
+              </a:solidFill>
+              <a:latin typeface="Calibri" panose="020F0502020204030204"/>
+            </a:endParaRPr>
           </a:p>
         </p:txBody>
       </p:sp>
@@ -15288,7 +14935,7 @@
         </p:nvSpPr>
         <p:spPr>
           <a:xfrm>
-            <a:off x="7809222" y="11860574"/>
+            <a:off x="7799697" y="11860574"/>
             <a:ext cx="1629369" cy="361419"/>
           </a:xfrm>
           <a:prstGeom prst="rect">
@@ -15312,7 +14959,7 @@
           <a:p>
             <a:pPr defTabSz="914411"/>
             <a:r>
-              <a:rPr lang="en-US" sz="800" kern="0" noProof="0" dirty="0">
+              <a:rPr lang="en-US" sz="800" kern="0" dirty="0">
                 <a:solidFill>
                   <a:prstClr val="black"/>
                 </a:solidFill>
@@ -15324,7 +14971,7 @@
           <a:p>
             <a:pPr defTabSz="914411"/>
             <a:r>
-              <a:rPr lang="en-US" sz="800" kern="0" noProof="0" dirty="0" err="1">
+              <a:rPr lang="en-US" sz="800" kern="0" dirty="0" err="1">
                 <a:solidFill>
                   <a:prstClr val="black"/>
                 </a:solidFill>
@@ -15333,7 +14980,7 @@
               <a:t>linktp</a:t>
             </a:r>
             <a:r>
-              <a:rPr lang="en-US" sz="800" kern="0" noProof="0" dirty="0">
+              <a:rPr lang="en-US" sz="800" kern="0" dirty="0">
                 <a:solidFill>
                   <a:prstClr val="black"/>
                 </a:solidFill>
@@ -15342,7 +14989,7 @@
               <a:t>*[{local-id,_cc,_</a:t>
             </a:r>
             <a:r>
-              <a:rPr lang="en-US" sz="800" kern="0" noProof="0" dirty="0" err="1">
+              <a:rPr lang="en-US" sz="800" kern="0" dirty="0" err="1">
                 <a:solidFill>
                   <a:prstClr val="black"/>
                 </a:solidFill>
@@ -15351,7 +14998,7 @@
               <a:t>ltp</a:t>
             </a:r>
             <a:r>
-              <a:rPr lang="en-US" sz="800" kern="0" noProof="0" dirty="0">
+              <a:rPr lang="en-US" sz="800" kern="0" dirty="0">
                 <a:solidFill>
                   <a:prstClr val="black"/>
                 </a:solidFill>
@@ -15360,7 +15007,7 @@
               <a:t>,_</a:t>
             </a:r>
             <a:r>
-              <a:rPr lang="en-US" sz="800" kern="0" noProof="0" dirty="0" err="1">
+              <a:rPr lang="en-US" sz="800" kern="0" dirty="0" err="1">
                 <a:solidFill>
                   <a:prstClr val="black"/>
                 </a:solidFill>
@@ -15369,7 +15016,7 @@
               <a:t>lp</a:t>
             </a:r>
             <a:r>
-              <a:rPr lang="en-US" sz="800" kern="0" noProof="0" dirty="0">
+              <a:rPr lang="en-US" sz="800" kern="0" dirty="0">
                 <a:solidFill>
                   <a:prstClr val="black"/>
                 </a:solidFill>
@@ -15399,7 +15046,7 @@
         <p:spPr>
           <a:xfrm flipV="1">
             <a:off x="5436231" y="12041284"/>
-            <a:ext cx="2372991" cy="142232"/>
+            <a:ext cx="2363466" cy="142232"/>
           </a:xfrm>
           <a:prstGeom prst="straightConnector1">
             <a:avLst/>
@@ -15537,7 +15184,7 @@
           <a:p>
             <a:pPr algn="ctr" defTabSz="914411"/>
             <a:r>
-              <a:rPr lang="en-US" sz="1050" kern="0" dirty="0" err="1">
+              <a:rPr lang="en-US" sz="1050" kern="0">
                 <a:solidFill>
                   <a:prstClr val="white"/>
                 </a:solidFill>
@@ -15572,7 +15219,7 @@
         <p:spPr>
           <a:xfrm>
             <a:off x="3320992" y="12780162"/>
-            <a:ext cx="1212405" cy="445573"/>
+            <a:ext cx="1212405" cy="587072"/>
           </a:xfrm>
           <a:prstGeom prst="rect">
             <a:avLst/>
@@ -15593,17 +15240,12 @@
           <a:bodyPr lIns="36000" tIns="36000" rIns="36000" bIns="36000" rtlCol="0" anchor="t"/>
           <a:lstStyle/>
           <a:p>
-            <a:pPr defTabSz="914411">
-              <a:defRPr/>
-            </a:pPr>
+            <a:pPr defTabSz="914411"/>
             <a:r>
               <a:rPr lang="en-US" sz="800" kern="0" dirty="0">
                 <a:solidFill>
                   <a:prstClr val="black"/>
                 </a:solidFill>
-                <a:highlight>
-                  <a:srgbClr val="FFFF00"/>
-                </a:highlight>
                 <a:latin typeface="Calibri" panose="020F0502020204030204"/>
               </a:rPr>
               <a:t>local-id=http-client</a:t>
@@ -15616,36 +15258,9 @@
                 <a:solidFill>
                   <a:prstClr val="black"/>
                 </a:solidFill>
-                <a:highlight>
-                  <a:srgbClr val="FFFF00"/>
-                </a:highlight>
                 <a:latin typeface="Calibri" panose="020F0502020204030204"/>
               </a:rPr>
               <a:t>httpUserName</a:t>
-            </a:r>
-            <a:endParaRPr lang="en-US" sz="800" kern="0" dirty="0">
-              <a:solidFill>
-                <a:prstClr val="black"/>
-              </a:solidFill>
-              <a:highlight>
-                <a:srgbClr val="FFFF00"/>
-              </a:highlight>
-              <a:latin typeface="Calibri" panose="020F0502020204030204"/>
-            </a:endParaRPr>
-          </a:p>
-          <a:p>
-            <a:pPr defTabSz="914411"/>
-            <a:r>
-              <a:rPr lang="en-US" sz="800" kern="0" dirty="0" err="1">
-                <a:solidFill>
-                  <a:prstClr val="black"/>
-                </a:solidFill>
-                <a:highlight>
-                  <a:srgbClr val="FFFF00"/>
-                </a:highlight>
-                <a:latin typeface="Calibri" panose="020F0502020204030204"/>
-              </a:rPr>
-              <a:t>httpPassword</a:t>
             </a:r>
             <a:endParaRPr lang="en-US" sz="800" kern="0" dirty="0">
               <a:solidFill>
@@ -15654,6 +15269,54 @@
               <a:latin typeface="Calibri" panose="020F0502020204030204"/>
             </a:endParaRPr>
           </a:p>
+          <a:p>
+            <a:pPr defTabSz="914411"/>
+            <a:r>
+              <a:rPr lang="en-US" sz="800" kern="0" dirty="0">
+                <a:solidFill>
+                  <a:prstClr val="black"/>
+                </a:solidFill>
+                <a:latin typeface="Calibri" panose="020F0502020204030204"/>
+              </a:rPr>
+              <a:t>              =[</a:t>
+            </a:r>
+            <a:r>
+              <a:rPr lang="en-US" sz="800" kern="0" dirty="0" err="1">
+                <a:solidFill>
+                  <a:prstClr val="black"/>
+                </a:solidFill>
+                <a:latin typeface="Calibri" panose="020F0502020204030204"/>
+              </a:rPr>
+              <a:t>applicationName</a:t>
+            </a:r>
+            <a:r>
+              <a:rPr lang="en-US" sz="800" kern="0" dirty="0">
+                <a:solidFill>
+                  <a:prstClr val="black"/>
+                </a:solidFill>
+                <a:latin typeface="Calibri" panose="020F0502020204030204"/>
+              </a:rPr>
+              <a:t>]</a:t>
+            </a:r>
+          </a:p>
+          <a:p>
+            <a:pPr defTabSz="914411"/>
+            <a:r>
+              <a:rPr lang="en-US" sz="800" kern="0" dirty="0" err="1">
+                <a:solidFill>
+                  <a:prstClr val="black"/>
+                </a:solidFill>
+                <a:latin typeface="Calibri" panose="020F0502020204030204"/>
+              </a:rPr>
+              <a:t>httpPassword</a:t>
+            </a:r>
+            <a:endParaRPr lang="en-US" sz="800" kern="0" dirty="0">
+              <a:solidFill>
+                <a:prstClr val="black"/>
+              </a:solidFill>
+              <a:latin typeface="Calibri" panose="020F0502020204030204"/>
+            </a:endParaRPr>
+          </a:p>
         </p:txBody>
       </p:sp>
       <p:cxnSp>
@@ -15711,7 +15374,7 @@
         <p:spPr>
           <a:xfrm>
             <a:off x="2889326" y="13000046"/>
-            <a:ext cx="431666" cy="2903"/>
+            <a:ext cx="431666" cy="73652"/>
           </a:xfrm>
           <a:prstGeom prst="straightConnector1">
             <a:avLst/>
@@ -15728,52 +15391,6 @@
           <a:effectLst/>
         </p:spPr>
       </p:cxnSp>
-      <p:sp>
-        <p:nvSpPr>
-          <p:cNvPr id="6" name="Rechteck 5">
-            <a:extLst>
-              <a:ext uri="{FF2B5EF4-FFF2-40B4-BE49-F238E27FC236}">
-                <a16:creationId xmlns:a16="http://schemas.microsoft.com/office/drawing/2014/main" id="{88D2DCF3-F025-EF6D-C00E-4FD4CBB3DDE1}"/>
-              </a:ext>
-            </a:extLst>
-          </p:cNvPr>
-          <p:cNvSpPr/>
-          <p:nvPr/>
-        </p:nvSpPr>
-        <p:spPr>
-          <a:xfrm>
-            <a:off x="753236" y="16554616"/>
-            <a:ext cx="34490539" cy="425263"/>
-          </a:xfrm>
-          <a:prstGeom prst="rect">
-            <a:avLst/>
-          </a:prstGeom>
-        </p:spPr>
-        <p:style>
-          <a:lnRef idx="2">
-            <a:schemeClr val="accent1">
-              <a:shade val="15000"/>
-            </a:schemeClr>
-          </a:lnRef>
-          <a:fillRef idx="1">
-            <a:schemeClr val="accent1"/>
-          </a:fillRef>
-          <a:effectRef idx="0">
-            <a:schemeClr val="accent1"/>
-          </a:effectRef>
-          <a:fontRef idx="minor">
-            <a:schemeClr val="lt1"/>
-          </a:fontRef>
-        </p:style>
-        <p:txBody>
-          <a:bodyPr rtlCol="0" anchor="ctr"/>
-          <a:lstStyle/>
-          <a:p>
-            <a:pPr algn="ctr"/>
-            <a:endParaRPr lang="de-DE" dirty="0"/>
-          </a:p>
-        </p:txBody>
-      </p:sp>
       <p:cxnSp>
         <p:nvCxnSpPr>
           <p:cNvPr id="181" name="Gerade Verbindung mit Pfeil 180">
@@ -15986,11 +15603,9 @@
           <a:bodyPr rtlCol="0" anchor="ctr"/>
           <a:lstStyle/>
           <a:p>
-            <a:pPr algn="ctr" defTabSz="914411">
-              <a:defRPr/>
-            </a:pPr>
-            <a:r>
-              <a:rPr lang="en-US" sz="1050" kern="0" noProof="0" dirty="0">
+            <a:pPr algn="ctr" defTabSz="914411"/>
+            <a:r>
+              <a:rPr lang="en-US" sz="1050" kern="0">
                 <a:solidFill>
                   <a:prstClr val="white"/>
                 </a:solidFill>
@@ -15998,6 +15613,12 @@
               </a:rPr>
               <a:t>R</a:t>
             </a:r>
+            <a:endParaRPr lang="en-US" sz="1050" kern="0" dirty="0">
+              <a:solidFill>
+                <a:prstClr val="white"/>
+              </a:solidFill>
+              <a:latin typeface="Calibri" panose="020F0502020204030204"/>
+            </a:endParaRPr>
           </a:p>
         </p:txBody>
       </p:sp>
@@ -16039,14 +15660,20 @@
           <a:p>
             <a:pPr defTabSz="914411"/>
             <a:r>
-              <a:rPr lang="en-US" sz="800" kern="0" noProof="0" dirty="0">
-                <a:solidFill>
-                  <a:prstClr val="black"/>
-                </a:solidFill>
-                <a:latin typeface="Calibri" panose="020F0502020204030204"/>
-              </a:rPr>
-              <a:t>local-id</a:t>
-            </a:r>
+              <a:rPr lang="en-US" sz="800" kern="0">
+                <a:solidFill>
+                  <a:prstClr val="black"/>
+                </a:solidFill>
+                <a:latin typeface="Calibri" panose="020F0502020204030204"/>
+              </a:rPr>
+              <a:t>local-id=tcp-link-chain</a:t>
+            </a:r>
+            <a:endParaRPr lang="en-US" sz="800" kern="0" dirty="0">
+              <a:solidFill>
+                <a:prstClr val="black"/>
+              </a:solidFill>
+              <a:latin typeface="Calibri" panose="020F0502020204030204"/>
+            </a:endParaRPr>
           </a:p>
         </p:txBody>
       </p:sp>
@@ -16249,7 +15876,7 @@
         <p:spPr>
           <a:xfrm>
             <a:off x="9802648" y="4017270"/>
-            <a:ext cx="21904772" cy="4843539"/>
+            <a:ext cx="22500199" cy="4843539"/>
           </a:xfrm>
           <a:prstGeom prst="straightConnector1">
             <a:avLst/>
@@ -16302,6 +15929,644 @@
           <a:effectLst/>
         </p:spPr>
       </p:cxnSp>
+      <p:sp>
+        <p:nvSpPr>
+          <p:cNvPr id="7" name="Abgerundetes Rechteck 88">
+            <a:extLst>
+              <a:ext uri="{FF2B5EF4-FFF2-40B4-BE49-F238E27FC236}">
+                <a16:creationId xmlns:a16="http://schemas.microsoft.com/office/drawing/2014/main" id="{055E24D7-663D-4B93-8A5D-665472C9861F}"/>
+              </a:ext>
+            </a:extLst>
+          </p:cNvPr>
+          <p:cNvSpPr/>
+          <p:nvPr/>
+        </p:nvSpPr>
+        <p:spPr>
+          <a:xfrm>
+            <a:off x="30383577" y="10824294"/>
+            <a:ext cx="1161453" cy="445572"/>
+          </a:xfrm>
+          <a:prstGeom prst="roundRect">
+            <a:avLst/>
+          </a:prstGeom>
+          <a:solidFill>
+            <a:srgbClr val="4472C4">
+              <a:lumMod val="60000"/>
+              <a:lumOff val="40000"/>
+            </a:srgbClr>
+          </a:solidFill>
+          <a:ln w="12700" cap="flat" cmpd="sng" algn="ctr">
+            <a:solidFill>
+              <a:srgbClr val="4472C4">
+                <a:lumMod val="75000"/>
+              </a:srgbClr>
+            </a:solidFill>
+            <a:prstDash val="solid"/>
+            <a:miter lim="800000"/>
+          </a:ln>
+          <a:effectLst>
+            <a:outerShdw blurRad="50800" dist="38100" dir="2700000" algn="tl" rotWithShape="0">
+              <a:prstClr val="black">
+                <a:alpha val="40000"/>
+              </a:prstClr>
+            </a:outerShdw>
+          </a:effectLst>
+        </p:spPr>
+        <p:txBody>
+          <a:bodyPr rtlCol="0" anchor="ctr"/>
+          <a:lstStyle/>
+          <a:p>
+            <a:pPr algn="ctr" defTabSz="914411"/>
+            <a:r>
+              <a:rPr lang="en-US" sz="1050" kern="0">
+                <a:solidFill>
+                  <a:prstClr val="white"/>
+                </a:solidFill>
+                <a:latin typeface="Calibri" panose="020F0502020204030204"/>
+              </a:rPr>
+              <a:t>HttpServer</a:t>
+            </a:r>
+            <a:r>
+              <a:rPr lang="en-US" sz="1050" kern="0" dirty="0">
+                <a:solidFill>
+                  <a:prstClr val="white"/>
+                </a:solidFill>
+                <a:latin typeface="Calibri" panose="020F0502020204030204"/>
+              </a:rPr>
+              <a:t> [*]</a:t>
+            </a:r>
+          </a:p>
+        </p:txBody>
+      </p:sp>
+      <p:sp>
+        <p:nvSpPr>
+          <p:cNvPr id="16" name="Rechteck 15">
+            <a:extLst>
+              <a:ext uri="{FF2B5EF4-FFF2-40B4-BE49-F238E27FC236}">
+                <a16:creationId xmlns:a16="http://schemas.microsoft.com/office/drawing/2014/main" id="{87D52961-7EE1-DE23-18E0-77D5DEBA9B7F}"/>
+              </a:ext>
+            </a:extLst>
+          </p:cNvPr>
+          <p:cNvSpPr/>
+          <p:nvPr/>
+        </p:nvSpPr>
+        <p:spPr>
+          <a:xfrm>
+            <a:off x="28132118" y="10824293"/>
+            <a:ext cx="1815783" cy="445572"/>
+          </a:xfrm>
+          <a:prstGeom prst="rect">
+            <a:avLst/>
+          </a:prstGeom>
+          <a:solidFill>
+            <a:sysClr val="window" lastClr="FFFFFF"/>
+          </a:solidFill>
+          <a:ln w="12700" cap="flat" cmpd="sng" algn="ctr">
+            <a:solidFill>
+              <a:srgbClr val="A5A5A5"/>
+            </a:solidFill>
+            <a:prstDash val="solid"/>
+            <a:miter lim="800000"/>
+          </a:ln>
+          <a:effectLst/>
+        </p:spPr>
+        <p:txBody>
+          <a:bodyPr lIns="36000" tIns="36000" rIns="36000" bIns="36000" rtlCol="0" anchor="t"/>
+          <a:lstStyle/>
+          <a:p>
+            <a:pPr defTabSz="914411"/>
+            <a:r>
+              <a:rPr lang="en-US" sz="800" kern="0" dirty="0">
+                <a:solidFill>
+                  <a:prstClr val="black"/>
+                </a:solidFill>
+                <a:latin typeface="Calibri" panose="020F0502020204030204"/>
+              </a:rPr>
+              <a:t>local-id=[</a:t>
+            </a:r>
+            <a:r>
+              <a:rPr lang="en-US" sz="800" kern="0" dirty="0" err="1">
+                <a:solidFill>
+                  <a:prstClr val="black"/>
+                </a:solidFill>
+                <a:latin typeface="Calibri" panose="020F0502020204030204"/>
+              </a:rPr>
+              <a:t>applicationName</a:t>
+            </a:r>
+            <a:r>
+              <a:rPr lang="en-US" sz="800" kern="0" dirty="0">
+                <a:solidFill>
+                  <a:prstClr val="black"/>
+                </a:solidFill>
+                <a:latin typeface="Calibri" panose="020F0502020204030204"/>
+              </a:rPr>
+              <a:t>]</a:t>
+            </a:r>
+          </a:p>
+          <a:p>
+            <a:pPr defTabSz="914411"/>
+            <a:r>
+              <a:rPr lang="en-US" sz="800" kern="0" dirty="0" err="1">
+                <a:solidFill>
+                  <a:prstClr val="black"/>
+                </a:solidFill>
+                <a:latin typeface="Calibri" panose="020F0502020204030204"/>
+              </a:rPr>
+              <a:t>httpUserName</a:t>
+            </a:r>
+            <a:r>
+              <a:rPr lang="en-US" sz="800" kern="0" dirty="0">
+                <a:solidFill>
+                  <a:prstClr val="black"/>
+                </a:solidFill>
+                <a:latin typeface="Calibri" panose="020F0502020204030204"/>
+              </a:rPr>
+              <a:t>=[</a:t>
+            </a:r>
+            <a:r>
+              <a:rPr lang="en-US" sz="800" kern="0" dirty="0" err="1">
+                <a:solidFill>
+                  <a:prstClr val="black"/>
+                </a:solidFill>
+                <a:latin typeface="Calibri" panose="020F0502020204030204"/>
+              </a:rPr>
+              <a:t>applicationName</a:t>
+            </a:r>
+            <a:r>
+              <a:rPr lang="en-US" sz="800" kern="0" dirty="0">
+                <a:solidFill>
+                  <a:prstClr val="black"/>
+                </a:solidFill>
+                <a:latin typeface="Calibri" panose="020F0502020204030204"/>
+              </a:rPr>
+              <a:t>]</a:t>
+            </a:r>
+          </a:p>
+          <a:p>
+            <a:pPr defTabSz="914411"/>
+            <a:r>
+              <a:rPr lang="en-US" sz="800" kern="0" dirty="0" err="1">
+                <a:solidFill>
+                  <a:prstClr val="black"/>
+                </a:solidFill>
+                <a:latin typeface="Calibri" panose="020F0502020204030204"/>
+              </a:rPr>
+              <a:t>httpPassword</a:t>
+            </a:r>
+            <a:endParaRPr lang="en-US" sz="800" kern="0" dirty="0">
+              <a:solidFill>
+                <a:prstClr val="black"/>
+              </a:solidFill>
+              <a:latin typeface="Calibri" panose="020F0502020204030204"/>
+            </a:endParaRPr>
+          </a:p>
+          <a:p>
+            <a:pPr defTabSz="914411"/>
+            <a:endParaRPr lang="en-US" sz="800" kern="0" dirty="0">
+              <a:solidFill>
+                <a:prstClr val="black"/>
+              </a:solidFill>
+              <a:latin typeface="Calibri" panose="020F0502020204030204"/>
+            </a:endParaRPr>
+          </a:p>
+        </p:txBody>
+      </p:sp>
+      <p:sp>
+        <p:nvSpPr>
+          <p:cNvPr id="104" name="Abgerundetes Rechteck 2">
+            <a:extLst>
+              <a:ext uri="{FF2B5EF4-FFF2-40B4-BE49-F238E27FC236}">
+                <a16:creationId xmlns:a16="http://schemas.microsoft.com/office/drawing/2014/main" id="{6217AA5C-B11D-EE21-8D8A-F03AF335DB59}"/>
+              </a:ext>
+            </a:extLst>
+          </p:cNvPr>
+          <p:cNvSpPr/>
+          <p:nvPr/>
+        </p:nvSpPr>
+        <p:spPr>
+          <a:xfrm>
+            <a:off x="32035629" y="9698572"/>
+            <a:ext cx="537299" cy="445572"/>
+          </a:xfrm>
+          <a:prstGeom prst="roundRect">
+            <a:avLst/>
+          </a:prstGeom>
+          <a:solidFill>
+            <a:sysClr val="window" lastClr="FFFFFF">
+              <a:lumMod val="65000"/>
+            </a:sysClr>
+          </a:solidFill>
+          <a:ln w="12700" cap="flat" cmpd="sng" algn="ctr">
+            <a:solidFill>
+              <a:sysClr val="window" lastClr="FFFFFF">
+                <a:lumMod val="50000"/>
+              </a:sysClr>
+            </a:solidFill>
+            <a:prstDash val="solid"/>
+            <a:miter lim="800000"/>
+          </a:ln>
+          <a:effectLst>
+            <a:outerShdw blurRad="50800" dist="38100" dir="2700000" algn="tl" rotWithShape="0">
+              <a:prstClr val="black">
+                <a:alpha val="40000"/>
+              </a:prstClr>
+            </a:outerShdw>
+          </a:effectLst>
+        </p:spPr>
+        <p:txBody>
+          <a:bodyPr rtlCol="0" anchor="ctr"/>
+          <a:lstStyle/>
+          <a:p>
+            <a:pPr algn="ctr" defTabSz="914411">
+              <a:defRPr/>
+            </a:pPr>
+            <a:r>
+              <a:rPr lang="en-US" sz="1050" kern="0" noProof="0" dirty="0">
+                <a:solidFill>
+                  <a:prstClr val="white"/>
+                </a:solidFill>
+                <a:latin typeface="Calibri" panose="020F0502020204030204"/>
+              </a:rPr>
+              <a:t>LTP</a:t>
+            </a:r>
+          </a:p>
+        </p:txBody>
+      </p:sp>
+      <p:sp>
+        <p:nvSpPr>
+          <p:cNvPr id="107" name="Abgerundetes Rechteck 3">
+            <a:extLst>
+              <a:ext uri="{FF2B5EF4-FFF2-40B4-BE49-F238E27FC236}">
+                <a16:creationId xmlns:a16="http://schemas.microsoft.com/office/drawing/2014/main" id="{7AD29EB0-0652-854A-42EF-EA0FC3F6F31A}"/>
+              </a:ext>
+            </a:extLst>
+          </p:cNvPr>
+          <p:cNvSpPr/>
+          <p:nvPr/>
+        </p:nvSpPr>
+        <p:spPr>
+          <a:xfrm>
+            <a:off x="32035629" y="10601508"/>
+            <a:ext cx="537299" cy="445572"/>
+          </a:xfrm>
+          <a:prstGeom prst="roundRect">
+            <a:avLst/>
+          </a:prstGeom>
+          <a:solidFill>
+            <a:sysClr val="window" lastClr="FFFFFF">
+              <a:lumMod val="65000"/>
+            </a:sysClr>
+          </a:solidFill>
+          <a:ln w="12700" cap="flat" cmpd="sng" algn="ctr">
+            <a:solidFill>
+              <a:sysClr val="window" lastClr="FFFFFF">
+                <a:lumMod val="50000"/>
+              </a:sysClr>
+            </a:solidFill>
+            <a:prstDash val="solid"/>
+            <a:miter lim="800000"/>
+          </a:ln>
+          <a:effectLst>
+            <a:outerShdw blurRad="50800" dist="38100" dir="2700000" algn="tl" rotWithShape="0">
+              <a:prstClr val="black">
+                <a:alpha val="40000"/>
+              </a:prstClr>
+            </a:outerShdw>
+          </a:effectLst>
+        </p:spPr>
+        <p:txBody>
+          <a:bodyPr rtlCol="0" anchor="ctr"/>
+          <a:lstStyle/>
+          <a:p>
+            <a:pPr algn="ctr" defTabSz="914411">
+              <a:defRPr/>
+            </a:pPr>
+            <a:r>
+              <a:rPr lang="en-US" sz="1050" kern="0" noProof="0" dirty="0">
+                <a:solidFill>
+                  <a:prstClr val="white"/>
+                </a:solidFill>
+                <a:latin typeface="Calibri" panose="020F0502020204030204"/>
+              </a:rPr>
+              <a:t>LP</a:t>
+            </a:r>
+          </a:p>
+        </p:txBody>
+      </p:sp>
+      <p:cxnSp>
+        <p:nvCxnSpPr>
+          <p:cNvPr id="114" name="Gerade Verbindung mit Pfeil 113">
+            <a:extLst>
+              <a:ext uri="{FF2B5EF4-FFF2-40B4-BE49-F238E27FC236}">
+                <a16:creationId xmlns:a16="http://schemas.microsoft.com/office/drawing/2014/main" id="{4E464824-8BB1-584B-1EE9-75927F098C9A}"/>
+              </a:ext>
+            </a:extLst>
+          </p:cNvPr>
+          <p:cNvCxnSpPr>
+            <a:cxnSpLocks/>
+            <a:stCxn id="24" idx="2"/>
+            <a:endCxn id="104" idx="0"/>
+          </p:cNvCxnSpPr>
+          <p:nvPr/>
+        </p:nvCxnSpPr>
+        <p:spPr>
+          <a:xfrm>
+            <a:off x="32302847" y="9306381"/>
+            <a:ext cx="1432" cy="392191"/>
+          </a:xfrm>
+          <a:prstGeom prst="straightConnector1">
+            <a:avLst/>
+          </a:prstGeom>
+          <a:noFill/>
+          <a:ln w="6350" cap="flat" cmpd="sng" algn="ctr">
+            <a:solidFill>
+              <a:srgbClr val="5B9BD5"/>
+            </a:solidFill>
+            <a:prstDash val="solid"/>
+            <a:miter lim="800000"/>
+            <a:tailEnd type="triangle"/>
+          </a:ln>
+          <a:effectLst/>
+        </p:spPr>
+      </p:cxnSp>
+      <p:cxnSp>
+        <p:nvCxnSpPr>
+          <p:cNvPr id="122" name="Gerade Verbindung mit Pfeil 121">
+            <a:extLst>
+              <a:ext uri="{FF2B5EF4-FFF2-40B4-BE49-F238E27FC236}">
+                <a16:creationId xmlns:a16="http://schemas.microsoft.com/office/drawing/2014/main" id="{90AB2440-14D8-D7AA-360C-E7625975A8DE}"/>
+              </a:ext>
+            </a:extLst>
+          </p:cNvPr>
+          <p:cNvCxnSpPr>
+            <a:cxnSpLocks/>
+            <a:stCxn id="104" idx="2"/>
+            <a:endCxn id="107" idx="0"/>
+          </p:cNvCxnSpPr>
+          <p:nvPr/>
+        </p:nvCxnSpPr>
+        <p:spPr>
+          <a:xfrm>
+            <a:off x="32304279" y="10144144"/>
+            <a:ext cx="0" cy="457364"/>
+          </a:xfrm>
+          <a:prstGeom prst="straightConnector1">
+            <a:avLst/>
+          </a:prstGeom>
+          <a:noFill/>
+          <a:ln w="6350" cap="flat" cmpd="sng" algn="ctr">
+            <a:solidFill>
+              <a:srgbClr val="5B9BD5"/>
+            </a:solidFill>
+            <a:prstDash val="solid"/>
+            <a:miter lim="800000"/>
+            <a:tailEnd type="triangle"/>
+          </a:ln>
+          <a:effectLst/>
+        </p:spPr>
+      </p:cxnSp>
+      <p:cxnSp>
+        <p:nvCxnSpPr>
+          <p:cNvPr id="132" name="Gerade Verbindung mit Pfeil 131">
+            <a:extLst>
+              <a:ext uri="{FF2B5EF4-FFF2-40B4-BE49-F238E27FC236}">
+                <a16:creationId xmlns:a16="http://schemas.microsoft.com/office/drawing/2014/main" id="{7585A1CA-9285-57B4-AC83-883A70A8ADCE}"/>
+              </a:ext>
+            </a:extLst>
+          </p:cNvPr>
+          <p:cNvCxnSpPr>
+            <a:cxnSpLocks/>
+            <a:stCxn id="104" idx="1"/>
+            <a:endCxn id="133" idx="3"/>
+          </p:cNvCxnSpPr>
+          <p:nvPr/>
+        </p:nvCxnSpPr>
+        <p:spPr>
+          <a:xfrm flipH="1" flipV="1">
+            <a:off x="31341258" y="9915728"/>
+            <a:ext cx="694371" cy="5630"/>
+          </a:xfrm>
+          <a:prstGeom prst="straightConnector1">
+            <a:avLst/>
+          </a:prstGeom>
+          <a:noFill/>
+          <a:ln w="6350" cap="flat" cmpd="sng" algn="ctr">
+            <a:solidFill>
+              <a:srgbClr val="5B9BD5"/>
+            </a:solidFill>
+            <a:prstDash val="solid"/>
+            <a:miter lim="800000"/>
+            <a:tailEnd type="triangle"/>
+          </a:ln>
+          <a:effectLst/>
+        </p:spPr>
+      </p:cxnSp>
+      <p:sp>
+        <p:nvSpPr>
+          <p:cNvPr id="133" name="Rechteck 132">
+            <a:extLst>
+              <a:ext uri="{FF2B5EF4-FFF2-40B4-BE49-F238E27FC236}">
+                <a16:creationId xmlns:a16="http://schemas.microsoft.com/office/drawing/2014/main" id="{28F3EEA8-5964-A8AA-2D18-98327179810D}"/>
+              </a:ext>
+            </a:extLst>
+          </p:cNvPr>
+          <p:cNvSpPr/>
+          <p:nvPr/>
+        </p:nvSpPr>
+        <p:spPr>
+          <a:xfrm>
+            <a:off x="29432427" y="9769908"/>
+            <a:ext cx="1908831" cy="291640"/>
+          </a:xfrm>
+          <a:prstGeom prst="rect">
+            <a:avLst/>
+          </a:prstGeom>
+          <a:solidFill>
+            <a:sysClr val="window" lastClr="FFFFFF"/>
+          </a:solidFill>
+          <a:ln w="12700" cap="flat" cmpd="sng" algn="ctr">
+            <a:solidFill>
+              <a:srgbClr val="A5A5A5"/>
+            </a:solidFill>
+            <a:prstDash val="solid"/>
+            <a:miter lim="800000"/>
+          </a:ln>
+          <a:effectLst/>
+        </p:spPr>
+        <p:txBody>
+          <a:bodyPr lIns="36000" tIns="36000" rIns="36000" bIns="36000" rtlCol="0" anchor="t"/>
+          <a:lstStyle/>
+          <a:p>
+            <a:pPr defTabSz="914411"/>
+            <a:r>
+              <a:rPr lang="en-US" sz="800" kern="0" noProof="0" dirty="0">
+                <a:solidFill>
+                  <a:prstClr val="black"/>
+                </a:solidFill>
+                <a:latin typeface="Calibri" panose="020F0502020204030204"/>
+              </a:rPr>
+              <a:t>local-id=controller-manager</a:t>
+            </a:r>
+          </a:p>
+        </p:txBody>
+      </p:sp>
+      <p:cxnSp>
+        <p:nvCxnSpPr>
+          <p:cNvPr id="145" name="Verbinder: gewinkelt 144">
+            <a:extLst>
+              <a:ext uri="{FF2B5EF4-FFF2-40B4-BE49-F238E27FC236}">
+                <a16:creationId xmlns:a16="http://schemas.microsoft.com/office/drawing/2014/main" id="{98A8010B-843A-5167-086C-829D211E6A03}"/>
+              </a:ext>
+            </a:extLst>
+          </p:cNvPr>
+          <p:cNvCxnSpPr>
+            <a:cxnSpLocks/>
+            <a:stCxn id="24" idx="2"/>
+            <a:endCxn id="65" idx="0"/>
+          </p:cNvCxnSpPr>
+          <p:nvPr/>
+        </p:nvCxnSpPr>
+        <p:spPr>
+          <a:xfrm rot="16200000" flipH="1">
+            <a:off x="31274916" y="10334311"/>
+            <a:ext cx="2555918" cy="500057"/>
+          </a:xfrm>
+          <a:prstGeom prst="bentConnector3">
+            <a:avLst>
+              <a:gd name="adj1" fmla="val 5653"/>
+            </a:avLst>
+          </a:prstGeom>
+          <a:noFill/>
+          <a:ln w="6350" cap="flat" cmpd="sng" algn="ctr">
+            <a:solidFill>
+              <a:srgbClr val="5B9BD5"/>
+            </a:solidFill>
+            <a:prstDash val="solid"/>
+            <a:miter lim="800000"/>
+            <a:tailEnd type="triangle"/>
+          </a:ln>
+          <a:effectLst/>
+        </p:spPr>
+      </p:cxnSp>
+      <p:cxnSp>
+        <p:nvCxnSpPr>
+          <p:cNvPr id="158" name="Gerade Verbindung mit Pfeil 157">
+            <a:extLst>
+              <a:ext uri="{FF2B5EF4-FFF2-40B4-BE49-F238E27FC236}">
+                <a16:creationId xmlns:a16="http://schemas.microsoft.com/office/drawing/2014/main" id="{14973330-68FD-29B1-66EA-E6EB75F5EC5D}"/>
+              </a:ext>
+            </a:extLst>
+          </p:cNvPr>
+          <p:cNvCxnSpPr>
+            <a:cxnSpLocks/>
+            <a:stCxn id="7" idx="3"/>
+            <a:endCxn id="107" idx="1"/>
+          </p:cNvCxnSpPr>
+          <p:nvPr/>
+        </p:nvCxnSpPr>
+        <p:spPr>
+          <a:xfrm flipV="1">
+            <a:off x="31545030" y="10824294"/>
+            <a:ext cx="490599" cy="222786"/>
+          </a:xfrm>
+          <a:prstGeom prst="straightConnector1">
+            <a:avLst/>
+          </a:prstGeom>
+          <a:noFill/>
+          <a:ln w="6350" cap="flat" cmpd="sng" algn="ctr">
+            <a:solidFill>
+              <a:srgbClr val="5B9BD5"/>
+            </a:solidFill>
+            <a:prstDash val="dash"/>
+            <a:miter lim="800000"/>
+            <a:tailEnd type="triangle"/>
+          </a:ln>
+          <a:effectLst/>
+        </p:spPr>
+      </p:cxnSp>
+      <p:cxnSp>
+        <p:nvCxnSpPr>
+          <p:cNvPr id="162" name="Gerade Verbindung mit Pfeil 161">
+            <a:extLst>
+              <a:ext uri="{FF2B5EF4-FFF2-40B4-BE49-F238E27FC236}">
+                <a16:creationId xmlns:a16="http://schemas.microsoft.com/office/drawing/2014/main" id="{1D3BD0E6-982C-160A-CD25-EF95AADDA086}"/>
+              </a:ext>
+            </a:extLst>
+          </p:cNvPr>
+          <p:cNvCxnSpPr>
+            <a:cxnSpLocks/>
+            <a:stCxn id="7" idx="1"/>
+            <a:endCxn id="16" idx="3"/>
+          </p:cNvCxnSpPr>
+          <p:nvPr/>
+        </p:nvCxnSpPr>
+        <p:spPr>
+          <a:xfrm flipH="1" flipV="1">
+            <a:off x="29947901" y="11047079"/>
+            <a:ext cx="435676" cy="1"/>
+          </a:xfrm>
+          <a:prstGeom prst="straightConnector1">
+            <a:avLst/>
+          </a:prstGeom>
+          <a:noFill/>
+          <a:ln w="6350" cap="flat" cmpd="sng" algn="ctr">
+            <a:solidFill>
+              <a:srgbClr val="5B9BD5"/>
+            </a:solidFill>
+            <a:prstDash val="solid"/>
+            <a:miter lim="800000"/>
+            <a:tailEnd type="triangle"/>
+          </a:ln>
+          <a:effectLst/>
+        </p:spPr>
+      </p:cxnSp>
+      <p:sp>
+        <p:nvSpPr>
+          <p:cNvPr id="243" name="Ellipse 242">
+            <a:extLst>
+              <a:ext uri="{FF2B5EF4-FFF2-40B4-BE49-F238E27FC236}">
+                <a16:creationId xmlns:a16="http://schemas.microsoft.com/office/drawing/2014/main" id="{8A62DB68-E572-F9C6-FA24-54502C6CE2FF}"/>
+              </a:ext>
+            </a:extLst>
+          </p:cNvPr>
+          <p:cNvSpPr/>
+          <p:nvPr/>
+        </p:nvSpPr>
+        <p:spPr>
+          <a:xfrm>
+            <a:off x="30445003" y="12778269"/>
+            <a:ext cx="45719" cy="45719"/>
+          </a:xfrm>
+          <a:prstGeom prst="ellipse">
+            <a:avLst/>
+          </a:prstGeom>
+          <a:solidFill>
+            <a:srgbClr val="4472C4">
+              <a:lumMod val="60000"/>
+              <a:lumOff val="40000"/>
+            </a:srgbClr>
+          </a:solidFill>
+          <a:ln w="12700" cap="flat" cmpd="sng" algn="ctr">
+            <a:noFill/>
+            <a:prstDash val="solid"/>
+            <a:miter lim="800000"/>
+          </a:ln>
+          <a:effectLst/>
+        </p:spPr>
+        <p:txBody>
+          <a:bodyPr rtlCol="0" anchor="ctr"/>
+          <a:lstStyle/>
+          <a:p>
+            <a:pPr algn="ctr" defTabSz="914411"/>
+            <a:endParaRPr lang="en-US" sz="1050" kern="0" noProof="0" dirty="0">
+              <a:solidFill>
+                <a:prstClr val="white"/>
+              </a:solidFill>
+              <a:latin typeface="Calibri" panose="020F0502020204030204"/>
+            </a:endParaRPr>
+          </a:p>
+        </p:txBody>
+      </p:sp>
     </p:spTree>
     <p:extLst>
       <p:ext uri="{BB962C8B-B14F-4D97-AF65-F5344CB8AC3E}">
@@ -37074,6 +37339,12 @@
 </file>
 
 <file path=ppt/tags/tag1.xml><?xml version="1.0" encoding="utf-8"?>
+<p:tagLst xmlns:a="http://schemas.openxmlformats.org/drawingml/2006/main" xmlns:r="http://schemas.openxmlformats.org/officeDocument/2006/relationships" xmlns:p="http://schemas.openxmlformats.org/presentationml/2006/main">
+  <p:tag name="THINKCELLSHAPEDONOTDELETE" val="thinkcellActiveDocDoNotDelete"/>
+</p:tagLst>
+</file>
+
+<file path=ppt/tags/tag2.xml><?xml version="1.0" encoding="utf-8"?>
 <p:tagLst xmlns:a="http://schemas.openxmlformats.org/drawingml/2006/main" xmlns:r="http://schemas.openxmlformats.org/officeDocument/2006/relationships" xmlns:p="http://schemas.openxmlformats.org/presentationml/2006/main">
   <p:tag name="THINKCELLSHAPEDONOTDELETE" val="thinkcellActiveDocDoNotDelete"/>
 </p:tagLst>

--- a/spec/InformationStructure/diagrams/InformationStructure.pptx
+++ b/spec/InformationStructure/diagrams/InformationStructure.pptx
@@ -5,7 +5,7 @@
     <p:sldMasterId id="2147483780" r:id="rId1"/>
   </p:sldMasterIdLst>
   <p:notesMasterIdLst>
-    <p:notesMasterId r:id="rId10"/>
+    <p:notesMasterId r:id="rId11"/>
   </p:notesMasterIdLst>
   <p:sldIdLst>
     <p:sldId id="328" r:id="rId2"/>
@@ -16,6 +16,7 @@
     <p:sldId id="326" r:id="rId7"/>
     <p:sldId id="307" r:id="rId8"/>
     <p:sldId id="329" r:id="rId9"/>
+    <p:sldId id="331" r:id="rId10"/>
   </p:sldIdLst>
   <p:sldSz cx="35999738" cy="18000663"/>
   <p:notesSz cx="6858000" cy="9144000"/>
@@ -3878,8 +3879,8 @@
         </p:nvSpPr>
         <p:spPr>
           <a:xfrm>
-            <a:off x="449454" y="6380786"/>
-            <a:ext cx="35098104" cy="5210526"/>
+            <a:off x="449454" y="6720984"/>
+            <a:ext cx="35098104" cy="4870328"/>
           </a:xfrm>
           <a:prstGeom prst="rect">
             <a:avLst/>
@@ -4332,7 +4333,7 @@
         </p:nvSpPr>
         <p:spPr>
           <a:xfrm>
-            <a:off x="638407" y="8860813"/>
+            <a:off x="1200382" y="8860813"/>
             <a:ext cx="537299" cy="445572"/>
           </a:xfrm>
           <a:prstGeom prst="roundRect">
@@ -4379,42 +4380,6 @@
           </a:p>
         </p:txBody>
       </p:sp>
-      <p:cxnSp>
-        <p:nvCxnSpPr>
-          <p:cNvPr id="59" name="Gerade Verbindung mit Pfeil 58">
-            <a:extLst>
-              <a:ext uri="{FF2B5EF4-FFF2-40B4-BE49-F238E27FC236}">
-                <a16:creationId xmlns:a16="http://schemas.microsoft.com/office/drawing/2014/main" id="{F05705B2-207A-7473-B0D3-D0E210757D90}"/>
-              </a:ext>
-            </a:extLst>
-          </p:cNvPr>
-          <p:cNvCxnSpPr>
-            <a:cxnSpLocks/>
-            <a:stCxn id="56" idx="2"/>
-            <a:endCxn id="3" idx="0"/>
-          </p:cNvCxnSpPr>
-          <p:nvPr/>
-        </p:nvCxnSpPr>
-        <p:spPr>
-          <a:xfrm>
-            <a:off x="907057" y="9306385"/>
-            <a:ext cx="0" cy="2554189"/>
-          </a:xfrm>
-          <a:prstGeom prst="straightConnector1">
-            <a:avLst/>
-          </a:prstGeom>
-          <a:noFill/>
-          <a:ln w="6350" cap="flat" cmpd="sng" algn="ctr">
-            <a:solidFill>
-              <a:srgbClr val="5B9BD5"/>
-            </a:solidFill>
-            <a:prstDash val="solid"/>
-            <a:miter lim="800000"/>
-            <a:tailEnd type="triangle"/>
-          </a:ln>
-          <a:effectLst/>
-        </p:spPr>
-      </p:cxnSp>
       <p:sp>
         <p:nvSpPr>
           <p:cNvPr id="17" name="Abgerundetes Rechteck 9">
@@ -4543,7 +4508,7 @@
             <a:avLst/>
           </a:prstGeom>
           <a:solidFill>
-            <a:srgbClr val="FFFF00"/>
+            <a:sysClr val="window" lastClr="FFFFFF"/>
           </a:solidFill>
           <a:ln w="12700" cap="flat" cmpd="sng" algn="ctr">
             <a:solidFill>
@@ -4972,7 +4937,7 @@
         </p:nvCxnSpPr>
         <p:spPr>
           <a:xfrm flipV="1">
-            <a:off x="1171498" y="9074357"/>
+            <a:off x="1733473" y="9074357"/>
             <a:ext cx="461372" cy="5676"/>
           </a:xfrm>
           <a:prstGeom prst="straightConnector1">
@@ -5004,7 +4969,7 @@
         </p:nvSpPr>
         <p:spPr>
           <a:xfrm>
-            <a:off x="1632870" y="8851571"/>
+            <a:off x="2194845" y="8851571"/>
             <a:ext cx="2281584" cy="445572"/>
           </a:xfrm>
           <a:prstGeom prst="rect">
@@ -5094,7 +5059,7 @@
                 </a:solidFill>
                 <a:latin typeface="Calibri" panose="020F0502020204030204"/>
               </a:rPr>
-              <a:t>managementDomainInterfaceTemplate</a:t>
+              <a:t>applicationTemplate</a:t>
             </a:r>
             <a:endParaRPr lang="en-US" sz="800" kern="0" dirty="0">
               <a:solidFill>
@@ -6004,11 +5969,9 @@
           <a:bodyPr rtlCol="0" anchor="ctr"/>
           <a:lstStyle/>
           <a:p>
-            <a:pPr algn="ctr" defTabSz="914411">
-              <a:defRPr/>
-            </a:pPr>
-            <a:r>
-              <a:rPr lang="en-US" sz="1050" kern="0" noProof="0" dirty="0">
+            <a:pPr algn="ctr" defTabSz="914411"/>
+            <a:r>
+              <a:rPr lang="en-US" sz="1050" kern="0" dirty="0">
                 <a:solidFill>
                   <a:prstClr val="white"/>
                 </a:solidFill>
@@ -6383,7 +6346,7 @@
         </p:nvSpPr>
         <p:spPr>
           <a:xfrm>
-            <a:off x="9198302" y="7521318"/>
+            <a:off x="9198302" y="7807068"/>
             <a:ext cx="537299" cy="445572"/>
           </a:xfrm>
           <a:prstGeom prst="roundRect">
@@ -6444,7 +6407,7 @@
         </p:nvSpPr>
         <p:spPr>
           <a:xfrm>
-            <a:off x="6676535" y="7912287"/>
+            <a:off x="6676535" y="8097219"/>
             <a:ext cx="1703846" cy="328456"/>
           </a:xfrm>
           <a:prstGeom prst="rect">
@@ -6497,8 +6460,8 @@
         </p:nvCxnSpPr>
         <p:spPr>
           <a:xfrm flipH="1">
-            <a:off x="8380381" y="7744104"/>
-            <a:ext cx="817921" cy="332411"/>
+            <a:off x="8380381" y="8029854"/>
+            <a:ext cx="817921" cy="231593"/>
           </a:xfrm>
           <a:prstGeom prst="straightConnector1">
             <a:avLst/>
@@ -7362,7 +7325,7 @@
         <p:spPr>
           <a:xfrm>
             <a:off x="13164512" y="1452497"/>
-            <a:ext cx="2316788" cy="879149"/>
+            <a:ext cx="2316788" cy="1017881"/>
           </a:xfrm>
           <a:prstGeom prst="rect">
             <a:avLst/>
@@ -7403,6 +7366,18 @@
                 </a:solidFill>
                 <a:latin typeface="Calibri" panose="020F0502020204030204"/>
               </a:rPr>
+              <a:t>affected-application</a:t>
+            </a:r>
+          </a:p>
+          <a:p>
+            <a:pPr defTabSz="914411"/>
+            <a:r>
+              <a:rPr lang="en-US" sz="800" kern="0" dirty="0">
+                <a:solidFill>
+                  <a:prstClr val="black"/>
+                </a:solidFill>
+                <a:latin typeface="Calibri" panose="020F0502020204030204"/>
+              </a:rPr>
               <a:t>affected-management-plane-transport</a:t>
             </a:r>
           </a:p>
@@ -7529,7 +7504,7 @@
         <p:spPr>
           <a:xfrm>
             <a:off x="12377664" y="1768373"/>
-            <a:ext cx="786848" cy="123699"/>
+            <a:ext cx="786848" cy="193065"/>
           </a:xfrm>
           <a:prstGeom prst="straightConnector1">
             <a:avLst/>
@@ -7546,52 +7521,6 @@
           <a:effectLst/>
         </p:spPr>
       </p:cxnSp>
-      <p:sp>
-        <p:nvSpPr>
-          <p:cNvPr id="13" name="Ellipse 12">
-            <a:extLst>
-              <a:ext uri="{FF2B5EF4-FFF2-40B4-BE49-F238E27FC236}">
-                <a16:creationId xmlns:a16="http://schemas.microsoft.com/office/drawing/2014/main" id="{45E39724-A608-38DA-DBAC-1925AE0B6527}"/>
-              </a:ext>
-            </a:extLst>
-          </p:cNvPr>
-          <p:cNvSpPr/>
-          <p:nvPr/>
-        </p:nvSpPr>
-        <p:spPr>
-          <a:xfrm>
-            <a:off x="1044292" y="8867503"/>
-            <a:ext cx="45719" cy="45719"/>
-          </a:xfrm>
-          <a:prstGeom prst="ellipse">
-            <a:avLst/>
-          </a:prstGeom>
-          <a:solidFill>
-            <a:schemeClr val="bg1">
-              <a:lumMod val="65000"/>
-            </a:schemeClr>
-          </a:solidFill>
-          <a:ln w="12700" cap="flat" cmpd="sng" algn="ctr">
-            <a:noFill/>
-            <a:prstDash val="solid"/>
-            <a:miter lim="800000"/>
-          </a:ln>
-          <a:effectLst/>
-        </p:spPr>
-        <p:txBody>
-          <a:bodyPr rtlCol="0" anchor="ctr"/>
-          <a:lstStyle/>
-          <a:p>
-            <a:pPr algn="ctr" defTabSz="914411"/>
-            <a:endParaRPr lang="en-US" sz="1050" kern="0" noProof="0" dirty="0">
-              <a:solidFill>
-                <a:prstClr val="white"/>
-              </a:solidFill>
-              <a:latin typeface="Calibri" panose="020F0502020204030204"/>
-            </a:endParaRPr>
-          </a:p>
-        </p:txBody>
-      </p:sp>
       <p:sp>
         <p:nvSpPr>
           <p:cNvPr id="34" name="Abgerundetes Rechteck 1">
@@ -10403,26 +10332,15 @@
           <a:bodyPr rtlCol="0" anchor="ctr"/>
           <a:lstStyle/>
           <a:p>
-            <a:pPr algn="ctr" defTabSz="914411">
-              <a:defRPr/>
-            </a:pPr>
-            <a:r>
-              <a:rPr lang="en-US" sz="800" kern="0" noProof="0" dirty="0" err="1">
+            <a:pPr algn="ctr" defTabSz="914411"/>
+            <a:r>
+              <a:rPr lang="en-US" sz="1050" kern="0" dirty="0">
                 <a:solidFill>
                   <a:prstClr val="white"/>
                 </a:solidFill>
                 <a:latin typeface="Calibri" panose="020F0502020204030204"/>
               </a:rPr>
-              <a:t>managementDomain</a:t>
-            </a:r>
-            <a:r>
-              <a:rPr lang="en-US" sz="800" kern="0" noProof="0" dirty="0">
-                <a:solidFill>
-                  <a:prstClr val="white"/>
-                </a:solidFill>
-                <a:latin typeface="Calibri" panose="020F0502020204030204"/>
-              </a:rPr>
-              <a:t> Interface [*]</a:t>
+              <a:t>application [*]</a:t>
             </a:r>
           </a:p>
         </p:txBody>
@@ -10441,8 +10359,8 @@
         </p:nvSpPr>
         <p:spPr>
           <a:xfrm>
-            <a:off x="1626488" y="3471544"/>
-            <a:ext cx="2773411" cy="814864"/>
+            <a:off x="2347500" y="3471544"/>
+            <a:ext cx="2052399" cy="814864"/>
           </a:xfrm>
           <a:prstGeom prst="rect">
             <a:avLst/>
@@ -10489,7 +10407,7 @@
                 </a:solidFill>
                 <a:latin typeface="Calibri" panose="020F0502020204030204"/>
               </a:rPr>
-              <a:t>managementDomainInterfaceTemplateName</a:t>
+              <a:t>applicationTemplateName</a:t>
             </a:r>
             <a:r>
               <a:rPr lang="en-US" sz="800" kern="0" dirty="0">
@@ -10519,7 +10437,7 @@
                 </a:solidFill>
                 <a:latin typeface="Calibri" panose="020F0502020204030204"/>
               </a:rPr>
-              <a:t>managementDomainInterfaceTemplate</a:t>
+              <a:t>applicationTemplate</a:t>
             </a:r>
             <a:endParaRPr lang="en-US" sz="800" kern="0" dirty="0">
               <a:solidFill>
@@ -10573,7 +10491,7 @@
                 </a:solidFill>
                 <a:latin typeface="Calibri" panose="020F0502020204030204"/>
               </a:rPr>
-              <a:t>measureManagementDomainInterfaceService</a:t>
+              <a:t>measureApplicationService</a:t>
             </a:r>
             <a:endParaRPr lang="de-DE" sz="800" kern="0" dirty="0">
               <a:solidFill>
@@ -10591,7 +10509,7 @@
                 </a:solidFill>
                 <a:latin typeface="Calibri" panose="020F0502020204030204"/>
               </a:rPr>
-              <a:t>mediateManagementDomainInterfaceUpdateService</a:t>
+              <a:t>mediateApplicationUpdateService</a:t>
             </a:r>
             <a:endParaRPr lang="de-DE" sz="800" kern="0" dirty="0">
               <a:solidFill>
@@ -10981,7 +10899,7 @@
         </p:nvSpPr>
         <p:spPr>
           <a:xfrm>
-            <a:off x="9420950" y="7294540"/>
+            <a:off x="9420950" y="7570765"/>
             <a:ext cx="304892" cy="230832"/>
           </a:xfrm>
           <a:prstGeom prst="rect">
@@ -11181,7 +11099,7 @@
         </p:nvSpPr>
         <p:spPr>
           <a:xfrm>
-            <a:off x="9196940" y="6617993"/>
+            <a:off x="9196940" y="6965387"/>
             <a:ext cx="537299" cy="445572"/>
           </a:xfrm>
           <a:prstGeom prst="roundRect">
@@ -11228,85 +11146,6 @@
           </a:p>
         </p:txBody>
       </p:sp>
-      <p:sp>
-        <p:nvSpPr>
-          <p:cNvPr id="253" name="Rechteck 252">
-            <a:extLst>
-              <a:ext uri="{FF2B5EF4-FFF2-40B4-BE49-F238E27FC236}">
-                <a16:creationId xmlns:a16="http://schemas.microsoft.com/office/drawing/2014/main" id="{73762676-BDB4-2382-32BE-8BF1C3373272}"/>
-              </a:ext>
-            </a:extLst>
-          </p:cNvPr>
-          <p:cNvSpPr/>
-          <p:nvPr/>
-        </p:nvSpPr>
-        <p:spPr>
-          <a:xfrm>
-            <a:off x="6338218" y="6462109"/>
-            <a:ext cx="2042164" cy="310594"/>
-          </a:xfrm>
-          <a:prstGeom prst="rect">
-            <a:avLst/>
-          </a:prstGeom>
-          <a:solidFill>
-            <a:sysClr val="window" lastClr="FFFFFF"/>
-          </a:solidFill>
-          <a:ln w="12700" cap="flat" cmpd="sng" algn="ctr">
-            <a:solidFill>
-              <a:srgbClr val="A5A5A5"/>
-            </a:solidFill>
-            <a:prstDash val="solid"/>
-            <a:miter lim="800000"/>
-          </a:ln>
-          <a:effectLst/>
-        </p:spPr>
-        <p:txBody>
-          <a:bodyPr lIns="36000" tIns="36000" rIns="36000" bIns="36000" rtlCol="0" anchor="t"/>
-          <a:lstStyle/>
-          <a:p>
-            <a:pPr defTabSz="914411"/>
-            <a:r>
-              <a:rPr lang="en-US" sz="800" kern="0" noProof="0" dirty="0" err="1">
-                <a:solidFill>
-                  <a:prstClr val="black"/>
-                </a:solidFill>
-                <a:latin typeface="Calibri" panose="020F0502020204030204"/>
-              </a:rPr>
-              <a:t>forwardingConstructName</a:t>
-            </a:r>
-            <a:r>
-              <a:rPr lang="en-US" sz="800" kern="0" noProof="0" dirty="0">
-                <a:solidFill>
-                  <a:prstClr val="black"/>
-                </a:solidFill>
-                <a:latin typeface="Calibri" panose="020F0502020204030204"/>
-              </a:rPr>
-              <a:t>=[</a:t>
-            </a:r>
-            <a:r>
-              <a:rPr lang="en-US" sz="800" kern="0" noProof="0" dirty="0" err="1">
-                <a:solidFill>
-                  <a:prstClr val="black"/>
-                </a:solidFill>
-                <a:highlight>
-                  <a:srgbClr val="FFFF00"/>
-                </a:highlight>
-                <a:latin typeface="Calibri" panose="020F0502020204030204"/>
-              </a:rPr>
-              <a:t>applicationName</a:t>
-            </a:r>
-            <a:r>
-              <a:rPr lang="en-US" sz="800" kern="0" noProof="0" dirty="0">
-                <a:solidFill>
-                  <a:prstClr val="black"/>
-                </a:solidFill>
-                <a:latin typeface="Calibri" panose="020F0502020204030204"/>
-              </a:rPr>
-              <a:t>]</a:t>
-            </a:r>
-          </a:p>
-        </p:txBody>
-      </p:sp>
       <p:cxnSp>
         <p:nvCxnSpPr>
           <p:cNvPr id="254" name="Gerade Verbindung mit Pfeil 253">
@@ -11319,14 +11158,14 @@
           <p:cNvCxnSpPr>
             <a:cxnSpLocks/>
             <a:stCxn id="251" idx="1"/>
-            <a:endCxn id="253" idx="3"/>
+            <a:endCxn id="7" idx="3"/>
           </p:cNvCxnSpPr>
           <p:nvPr/>
         </p:nvCxnSpPr>
         <p:spPr>
-          <a:xfrm flipH="1" flipV="1">
-            <a:off x="8380382" y="6617406"/>
-            <a:ext cx="816558" cy="223373"/>
+          <a:xfrm flipH="1">
+            <a:off x="8380381" y="7188173"/>
+            <a:ext cx="816559" cy="251163"/>
           </a:xfrm>
           <a:prstGeom prst="straightConnector1">
             <a:avLst/>
@@ -11361,8 +11200,8 @@
         </p:nvCxnSpPr>
         <p:spPr>
           <a:xfrm>
-            <a:off x="9465590" y="7063565"/>
-            <a:ext cx="1362" cy="457753"/>
+            <a:off x="9465590" y="7410959"/>
+            <a:ext cx="1362" cy="396109"/>
           </a:xfrm>
           <a:prstGeom prst="straightConnector1">
             <a:avLst/>
@@ -11391,14 +11230,14 @@
           <p:cNvCxnSpPr>
             <a:cxnSpLocks/>
             <a:stCxn id="251" idx="1"/>
-            <a:endCxn id="56" idx="0"/>
+            <a:endCxn id="272" idx="0"/>
           </p:cNvCxnSpPr>
           <p:nvPr/>
         </p:nvCxnSpPr>
         <p:spPr>
           <a:xfrm rot="10800000" flipV="1">
-            <a:off x="907058" y="6840779"/>
-            <a:ext cx="8289883" cy="2020034"/>
+            <a:off x="661268" y="7188173"/>
+            <a:ext cx="8535673" cy="4710412"/>
           </a:xfrm>
           <a:prstGeom prst="bentConnector2">
             <a:avLst/>
@@ -11429,7 +11268,7 @@
         </p:nvSpPr>
         <p:spPr>
           <a:xfrm>
-            <a:off x="719259" y="8867502"/>
+            <a:off x="638407" y="11898585"/>
             <a:ext cx="45719" cy="45719"/>
           </a:xfrm>
           <a:prstGeom prst="ellipse">
@@ -11732,268 +11571,6 @@
                 <a:latin typeface="Calibri" panose="020F0502020204030204"/>
               </a:rPr>
               <a:t>CC</a:t>
-            </a:r>
-          </a:p>
-        </p:txBody>
-      </p:sp>
-      <p:cxnSp>
-        <p:nvCxnSpPr>
-          <p:cNvPr id="37" name="Gerade Verbindung mit Pfeil 36">
-            <a:extLst>
-              <a:ext uri="{FF2B5EF4-FFF2-40B4-BE49-F238E27FC236}">
-                <a16:creationId xmlns:a16="http://schemas.microsoft.com/office/drawing/2014/main" id="{3DF5C9E9-FE3B-9BE6-9DD1-4F423E5DCB2B}"/>
-              </a:ext>
-            </a:extLst>
-          </p:cNvPr>
-          <p:cNvCxnSpPr>
-            <a:cxnSpLocks/>
-            <a:stCxn id="24" idx="3"/>
-            <a:endCxn id="60" idx="1"/>
-          </p:cNvCxnSpPr>
-          <p:nvPr/>
-        </p:nvCxnSpPr>
-        <p:spPr>
-          <a:xfrm>
-            <a:off x="32571496" y="9083595"/>
-            <a:ext cx="680367" cy="156338"/>
-          </a:xfrm>
-          <a:prstGeom prst="straightConnector1">
-            <a:avLst/>
-          </a:prstGeom>
-          <a:noFill/>
-          <a:ln w="6350" cap="flat" cmpd="sng" algn="ctr">
-            <a:solidFill>
-              <a:srgbClr val="5B9BD5"/>
-            </a:solidFill>
-            <a:prstDash val="solid"/>
-            <a:miter lim="800000"/>
-            <a:tailEnd type="triangle"/>
-          </a:ln>
-          <a:effectLst/>
-        </p:spPr>
-      </p:cxnSp>
-      <p:sp>
-        <p:nvSpPr>
-          <p:cNvPr id="60" name="Rechteck 59">
-            <a:extLst>
-              <a:ext uri="{FF2B5EF4-FFF2-40B4-BE49-F238E27FC236}">
-                <a16:creationId xmlns:a16="http://schemas.microsoft.com/office/drawing/2014/main" id="{22252AF3-6422-B41E-7151-71411A68485A}"/>
-              </a:ext>
-            </a:extLst>
-          </p:cNvPr>
-          <p:cNvSpPr/>
-          <p:nvPr/>
-        </p:nvSpPr>
-        <p:spPr>
-          <a:xfrm>
-            <a:off x="33251863" y="8874641"/>
-            <a:ext cx="2142517" cy="730584"/>
-          </a:xfrm>
-          <a:prstGeom prst="rect">
-            <a:avLst/>
-          </a:prstGeom>
-          <a:solidFill>
-            <a:sysClr val="window" lastClr="FFFFFF"/>
-          </a:solidFill>
-          <a:ln w="12700" cap="flat" cmpd="sng" algn="ctr">
-            <a:solidFill>
-              <a:srgbClr val="A5A5A5"/>
-            </a:solidFill>
-            <a:prstDash val="solid"/>
-            <a:miter lim="800000"/>
-          </a:ln>
-          <a:effectLst/>
-        </p:spPr>
-        <p:txBody>
-          <a:bodyPr lIns="36000" tIns="36000" rIns="36000" bIns="36000" rtlCol="0" anchor="t"/>
-          <a:lstStyle/>
-          <a:p>
-            <a:pPr defTabSz="914411"/>
-            <a:r>
-              <a:rPr lang="en-US" sz="800" kern="0" dirty="0" err="1">
-                <a:solidFill>
-                  <a:prstClr val="black"/>
-                </a:solidFill>
-                <a:latin typeface="Calibri" panose="020F0502020204030204"/>
-              </a:rPr>
-              <a:t>elementName</a:t>
-            </a:r>
-            <a:r>
-              <a:rPr lang="en-US" sz="800" kern="0" dirty="0">
-                <a:solidFill>
-                  <a:prstClr val="black"/>
-                </a:solidFill>
-                <a:latin typeface="Calibri" panose="020F0502020204030204"/>
-              </a:rPr>
-              <a:t>=[</a:t>
-            </a:r>
-            <a:r>
-              <a:rPr lang="en-US" sz="800" kern="0" dirty="0" err="1">
-                <a:solidFill>
-                  <a:prstClr val="black"/>
-                </a:solidFill>
-                <a:latin typeface="Calibri" panose="020F0502020204030204"/>
-              </a:rPr>
-              <a:t>managementDomain</a:t>
-            </a:r>
-            <a:r>
-              <a:rPr lang="en-US" sz="800" kern="0" dirty="0">
-                <a:solidFill>
-                  <a:prstClr val="black"/>
-                </a:solidFill>
-                <a:latin typeface="Calibri" panose="020F0502020204030204"/>
-              </a:rPr>
-              <a:t>]</a:t>
-            </a:r>
-          </a:p>
-          <a:p>
-            <a:pPr defTabSz="914411"/>
-            <a:r>
-              <a:rPr lang="en-US" sz="800" kern="0" dirty="0">
-                <a:solidFill>
-                  <a:prstClr val="black"/>
-                </a:solidFill>
-                <a:latin typeface="Calibri" panose="020F0502020204030204"/>
-              </a:rPr>
-              <a:t>category=</a:t>
-            </a:r>
-            <a:r>
-              <a:rPr lang="en-US" sz="800" kern="0" dirty="0" err="1">
-                <a:solidFill>
-                  <a:prstClr val="black"/>
-                </a:solidFill>
-                <a:latin typeface="Calibri" panose="020F0502020204030204"/>
-              </a:rPr>
-              <a:t>logicalController</a:t>
-            </a:r>
-            <a:endParaRPr lang="en-US" sz="800" kern="0" dirty="0">
-              <a:solidFill>
-                <a:prstClr val="black"/>
-              </a:solidFill>
-              <a:latin typeface="Calibri" panose="020F0502020204030204"/>
-            </a:endParaRPr>
-          </a:p>
-          <a:p>
-            <a:pPr defTabSz="914411"/>
-            <a:r>
-              <a:rPr lang="en-US" sz="800" kern="0" dirty="0">
-                <a:solidFill>
-                  <a:prstClr val="black"/>
-                </a:solidFill>
-                <a:latin typeface="Calibri" panose="020F0502020204030204"/>
-              </a:rPr>
-              <a:t>_template=</a:t>
-            </a:r>
-            <a:r>
-              <a:rPr lang="en-US" sz="800" kern="0" dirty="0" err="1">
-                <a:solidFill>
-                  <a:prstClr val="black"/>
-                </a:solidFill>
-                <a:latin typeface="Calibri" panose="020F0502020204030204"/>
-              </a:rPr>
-              <a:t>controllerTemplateName</a:t>
-            </a:r>
-            <a:endParaRPr lang="en-US" sz="800" kern="0" dirty="0">
-              <a:solidFill>
-                <a:prstClr val="black"/>
-              </a:solidFill>
-              <a:latin typeface="Calibri" panose="020F0502020204030204"/>
-            </a:endParaRPr>
-          </a:p>
-          <a:p>
-            <a:pPr defTabSz="914411"/>
-            <a:r>
-              <a:rPr lang="en-US" sz="800" kern="0" dirty="0">
-                <a:solidFill>
-                  <a:prstClr val="black"/>
-                </a:solidFill>
-                <a:latin typeface="Calibri" panose="020F0502020204030204"/>
-              </a:rPr>
-              <a:t>_controllers[*]=[</a:t>
-            </a:r>
-            <a:r>
-              <a:rPr lang="en-US" sz="800" kern="0" dirty="0" err="1">
-                <a:solidFill>
-                  <a:prstClr val="black"/>
-                </a:solidFill>
-                <a:latin typeface="Calibri" panose="020F0502020204030204"/>
-              </a:rPr>
-              <a:t>controllerName</a:t>
-            </a:r>
-            <a:r>
-              <a:rPr lang="en-US" sz="800" kern="0" dirty="0">
-                <a:solidFill>
-                  <a:prstClr val="black"/>
-                </a:solidFill>
-                <a:latin typeface="Calibri" panose="020F0502020204030204"/>
-              </a:rPr>
-              <a:t>]</a:t>
-            </a:r>
-          </a:p>
-          <a:p>
-            <a:pPr defTabSz="914411"/>
-            <a:r>
-              <a:rPr lang="en-US" sz="800" kern="0" dirty="0">
-                <a:solidFill>
-                  <a:prstClr val="black"/>
-                </a:solidFill>
-                <a:latin typeface="Calibri" panose="020F0502020204030204"/>
-              </a:rPr>
-              <a:t>_</a:t>
-            </a:r>
-            <a:r>
-              <a:rPr lang="en-US" sz="800" kern="0" dirty="0" err="1">
-                <a:solidFill>
-                  <a:prstClr val="black"/>
-                </a:solidFill>
-                <a:latin typeface="Calibri" panose="020F0502020204030204"/>
-              </a:rPr>
-              <a:t>tcpServer</a:t>
-            </a:r>
-            <a:r>
-              <a:rPr lang="en-US" sz="800" kern="0" dirty="0">
-                <a:solidFill>
-                  <a:prstClr val="black"/>
-                </a:solidFill>
-                <a:latin typeface="Calibri" panose="020F0502020204030204"/>
-              </a:rPr>
-              <a:t>=[</a:t>
-            </a:r>
-            <a:r>
-              <a:rPr lang="en-US" sz="800" kern="0" dirty="0" err="1">
-                <a:solidFill>
-                  <a:prstClr val="black"/>
-                </a:solidFill>
-                <a:latin typeface="Calibri" panose="020F0502020204030204"/>
-              </a:rPr>
-              <a:t>loadBalancerName</a:t>
-            </a:r>
-            <a:r>
-              <a:rPr lang="en-US" sz="800" kern="0" dirty="0">
-                <a:solidFill>
-                  <a:prstClr val="black"/>
-                </a:solidFill>
-                <a:latin typeface="Calibri" panose="020F0502020204030204"/>
-              </a:rPr>
-              <a:t>/</a:t>
-            </a:r>
-            <a:r>
-              <a:rPr lang="en-US" sz="800" kern="0" dirty="0" err="1">
-                <a:solidFill>
-                  <a:prstClr val="black"/>
-                </a:solidFill>
-                <a:latin typeface="Calibri" panose="020F0502020204030204"/>
-              </a:rPr>
-              <a:t>controllerName</a:t>
-            </a:r>
-            <a:r>
-              <a:rPr lang="en-US" sz="800" kern="0" dirty="0">
-                <a:solidFill>
-                  <a:prstClr val="black"/>
-                </a:solidFill>
-                <a:latin typeface="Calibri" panose="020F0502020204030204"/>
-              </a:rPr>
-              <a:t>]</a:t>
             </a:r>
           </a:p>
         </p:txBody>
@@ -12505,7 +12082,7 @@
             <a:avLst/>
           </a:prstGeom>
           <a:solidFill>
-            <a:srgbClr val="FFFF00"/>
+            <a:sysClr val="window" lastClr="FFFFFF"/>
           </a:solidFill>
           <a:ln w="12700" cap="flat" cmpd="sng" algn="ctr">
             <a:solidFill>
@@ -12522,37 +12099,28 @@
           <a:p>
             <a:pPr defTabSz="914411"/>
             <a:r>
+              <a:rPr lang="en-US" sz="800" kern="0">
+                <a:solidFill>
+                  <a:prstClr val="black"/>
+                </a:solidFill>
+                <a:latin typeface="Calibri" panose="020F0502020204030204"/>
+              </a:rPr>
+              <a:t>local-id=tcp</a:t>
+            </a:r>
+            <a:r>
               <a:rPr lang="en-US" sz="800" kern="0" dirty="0">
                 <a:solidFill>
                   <a:prstClr val="black"/>
                 </a:solidFill>
                 <a:latin typeface="Calibri" panose="020F0502020204030204"/>
               </a:rPr>
-              <a:t>local-id=</a:t>
-            </a:r>
-            <a:r>
-              <a:rPr lang="en-US" sz="800" kern="0" dirty="0" err="1">
-                <a:solidFill>
-                  <a:prstClr val="black"/>
-                </a:solidFill>
-                <a:latin typeface="Calibri" panose="020F0502020204030204"/>
-              </a:rPr>
-              <a:t>tcp</a:t>
-            </a:r>
-            <a:r>
-              <a:rPr lang="en-US" sz="800" kern="0" dirty="0">
-                <a:solidFill>
-                  <a:prstClr val="black"/>
-                </a:solidFill>
-                <a:latin typeface="Calibri" panose="020F0502020204030204"/>
-              </a:rPr>
               <a:t>-client</a:t>
             </a:r>
           </a:p>
           <a:p>
             <a:pPr defTabSz="914411"/>
             <a:r>
-              <a:rPr lang="en-US" sz="800" kern="0" dirty="0" err="1">
+              <a:rPr lang="en-US" sz="800" kern="0">
                 <a:solidFill>
                   <a:prstClr val="black"/>
                 </a:solidFill>
@@ -12570,7 +12138,7 @@
           <a:p>
             <a:pPr defTabSz="914411"/>
             <a:r>
-              <a:rPr lang="en-US" sz="800" kern="0" dirty="0" err="1">
+              <a:rPr lang="en-US" sz="800" kern="0">
                 <a:solidFill>
                   <a:prstClr val="black"/>
                 </a:solidFill>
@@ -12696,7 +12264,7 @@
                 </a:solidFill>
                 <a:latin typeface="Calibri" panose="020F0502020204030204"/>
               </a:rPr>
-              <a:t>[*]</a:t>
+              <a:t>[1]</a:t>
             </a:r>
           </a:p>
         </p:txBody>
@@ -12891,45 +12459,6 @@
               <a:t>local-id=copy-client</a:t>
             </a:r>
           </a:p>
-          <a:p>
-            <a:pPr defTabSz="914411"/>
-            <a:r>
-              <a:rPr lang="en-US" sz="800" kern="0" noProof="0" dirty="0" err="1">
-                <a:solidFill>
-                  <a:prstClr val="black"/>
-                </a:solidFill>
-                <a:latin typeface="Calibri" panose="020F0502020204030204"/>
-              </a:rPr>
-              <a:t>copySource</a:t>
-            </a:r>
-            <a:r>
-              <a:rPr lang="en-US" sz="800" kern="0" noProof="0" dirty="0">
-                <a:solidFill>
-                  <a:prstClr val="black"/>
-                </a:solidFill>
-                <a:latin typeface="Calibri" panose="020F0502020204030204"/>
-              </a:rPr>
-              <a:t>=[</a:t>
-            </a:r>
-            <a:r>
-              <a:rPr lang="en-US" sz="800" kern="0" noProof="0" dirty="0" err="1">
-                <a:solidFill>
-                  <a:prstClr val="black"/>
-                </a:solidFill>
-                <a:latin typeface="Calibri" panose="020F0502020204030204"/>
-              </a:rPr>
-              <a:t>managementDomain</a:t>
-            </a:r>
-            <a:r>
-              <a:rPr lang="en-US" sz="800" kern="0" noProof="0" dirty="0">
-                <a:solidFill>
-                  <a:prstClr val="black"/>
-                </a:solidFill>
-                <a:latin typeface="Calibri" panose="020F0502020204030204"/>
-              </a:rPr>
-              <a:t>]</a:t>
-            </a:r>
-          </a:p>
         </p:txBody>
       </p:sp>
       <p:cxnSp>
@@ -13013,45 +12542,6 @@
                 <a:latin typeface="Calibri" panose="020F0502020204030204"/>
               </a:rPr>
               <a:t>local-id=copy-server</a:t>
-            </a:r>
-          </a:p>
-          <a:p>
-            <a:pPr defTabSz="914411"/>
-            <a:r>
-              <a:rPr lang="en-US" sz="800" kern="0" noProof="0" dirty="0" err="1">
-                <a:solidFill>
-                  <a:prstClr val="black"/>
-                </a:solidFill>
-                <a:latin typeface="Calibri" panose="020F0502020204030204"/>
-              </a:rPr>
-              <a:t>copyDestination</a:t>
-            </a:r>
-            <a:r>
-              <a:rPr lang="en-US" sz="800" kern="0" noProof="0" dirty="0">
-                <a:solidFill>
-                  <a:prstClr val="black"/>
-                </a:solidFill>
-                <a:latin typeface="Calibri" panose="020F0502020204030204"/>
-              </a:rPr>
-              <a:t>=[</a:t>
-            </a:r>
-            <a:r>
-              <a:rPr lang="en-US" sz="800" kern="0" noProof="0" dirty="0" err="1">
-                <a:solidFill>
-                  <a:prstClr val="black"/>
-                </a:solidFill>
-                <a:latin typeface="Calibri" panose="020F0502020204030204"/>
-              </a:rPr>
-              <a:t>controllerName</a:t>
-            </a:r>
-            <a:r>
-              <a:rPr lang="en-US" sz="800" kern="0" noProof="0" dirty="0">
-                <a:solidFill>
-                  <a:prstClr val="black"/>
-                </a:solidFill>
-                <a:latin typeface="Calibri" panose="020F0502020204030204"/>
-              </a:rPr>
-              <a:t>}</a:t>
             </a:r>
           </a:p>
         </p:txBody>
@@ -13438,14 +12928,14 @@
           <p:cNvCxnSpPr>
             <a:cxnSpLocks/>
             <a:stCxn id="251" idx="3"/>
-            <a:endCxn id="24" idx="0"/>
+            <a:endCxn id="72" idx="0"/>
           </p:cNvCxnSpPr>
           <p:nvPr/>
         </p:nvCxnSpPr>
         <p:spPr>
           <a:xfrm>
-            <a:off x="9734239" y="6840779"/>
-            <a:ext cx="22568608" cy="2020030"/>
+            <a:off x="9734239" y="7188173"/>
+            <a:ext cx="23295477" cy="4701923"/>
           </a:xfrm>
           <a:prstGeom prst="bentConnector2">
             <a:avLst/>
@@ -13480,8 +12970,8 @@
         </p:nvCxnSpPr>
         <p:spPr>
           <a:xfrm>
-            <a:off x="9735601" y="7744104"/>
-            <a:ext cx="16820971" cy="4218847"/>
+            <a:off x="9735601" y="8029854"/>
+            <a:ext cx="16820971" cy="3933097"/>
           </a:xfrm>
           <a:prstGeom prst="bentConnector2">
             <a:avLst/>
@@ -14697,8 +14187,8 @@
         </p:nvCxnSpPr>
         <p:spPr>
           <a:xfrm rot="10800000" flipV="1">
-            <a:off x="5165006" y="7744104"/>
-            <a:ext cx="4033297" cy="4216626"/>
+            <a:off x="5165006" y="8029854"/>
+            <a:ext cx="4033297" cy="3930876"/>
           </a:xfrm>
           <a:prstGeom prst="bentConnector2">
             <a:avLst/>
@@ -14961,8 +14451,8 @@
         </p:nvCxnSpPr>
         <p:spPr>
           <a:xfrm flipH="1">
-            <a:off x="907057" y="4017270"/>
-            <a:ext cx="8895591" cy="4843543"/>
+            <a:off x="1469032" y="4017270"/>
+            <a:ext cx="8333616" cy="4843543"/>
           </a:xfrm>
           <a:prstGeom prst="straightConnector1">
             <a:avLst/>
@@ -15466,633 +14956,6 @@
         <p:spPr>
           <a:xfrm>
             <a:off x="22522945" y="13543140"/>
-            <a:ext cx="1161453" cy="445572"/>
-          </a:xfrm>
-          <a:prstGeom prst="roundRect">
-            <a:avLst/>
-          </a:prstGeom>
-          <a:solidFill>
-            <a:srgbClr val="FFFF00"/>
-          </a:solidFill>
-          <a:ln w="12700" cap="flat" cmpd="sng" algn="ctr">
-            <a:solidFill>
-              <a:srgbClr val="4472C4">
-                <a:lumMod val="75000"/>
-              </a:srgbClr>
-            </a:solidFill>
-            <a:prstDash val="solid"/>
-            <a:miter lim="800000"/>
-          </a:ln>
-          <a:effectLst>
-            <a:outerShdw blurRad="50800" dist="38100" dir="2700000" algn="tl" rotWithShape="0">
-              <a:prstClr val="black">
-                <a:alpha val="40000"/>
-              </a:prstClr>
-            </a:outerShdw>
-          </a:effectLst>
-        </p:spPr>
-        <p:txBody>
-          <a:bodyPr rtlCol="0" anchor="ctr"/>
-          <a:lstStyle/>
-          <a:p>
-            <a:pPr algn="ctr" defTabSz="914411">
-              <a:defRPr/>
-            </a:pPr>
-            <a:r>
-              <a:rPr lang="en-US" sz="1050" kern="0" noProof="0" dirty="0" err="1">
-                <a:latin typeface="Calibri" panose="020F0502020204030204"/>
-              </a:rPr>
-              <a:t>NetconfClient</a:t>
-            </a:r>
-            <a:r>
-              <a:rPr lang="en-US" sz="1050" kern="0" noProof="0" dirty="0">
-                <a:latin typeface="Calibri" panose="020F0502020204030204"/>
-              </a:rPr>
-              <a:t> [1]</a:t>
-            </a:r>
-          </a:p>
-        </p:txBody>
-      </p:sp>
-      <p:sp>
-        <p:nvSpPr>
-          <p:cNvPr id="297" name="Rechteck 296">
-            <a:extLst>
-              <a:ext uri="{FF2B5EF4-FFF2-40B4-BE49-F238E27FC236}">
-                <a16:creationId xmlns:a16="http://schemas.microsoft.com/office/drawing/2014/main" id="{1B71F99F-50C8-5835-4E81-09D86748B289}"/>
-              </a:ext>
-            </a:extLst>
-          </p:cNvPr>
-          <p:cNvSpPr/>
-          <p:nvPr/>
-        </p:nvSpPr>
-        <p:spPr>
-          <a:xfrm>
-            <a:off x="24179713" y="13453709"/>
-            <a:ext cx="1682087" cy="958486"/>
-          </a:xfrm>
-          <a:prstGeom prst="rect">
-            <a:avLst/>
-          </a:prstGeom>
-          <a:solidFill>
-            <a:srgbClr val="FFFF00"/>
-          </a:solidFill>
-          <a:ln w="12700" cap="flat" cmpd="sng" algn="ctr">
-            <a:solidFill>
-              <a:srgbClr val="A5A5A5"/>
-            </a:solidFill>
-            <a:prstDash val="solid"/>
-            <a:miter lim="800000"/>
-          </a:ln>
-          <a:effectLst/>
-        </p:spPr>
-        <p:txBody>
-          <a:bodyPr lIns="36000" tIns="36000" rIns="36000" bIns="36000" rtlCol="0" anchor="t"/>
-          <a:lstStyle/>
-          <a:p>
-            <a:pPr defTabSz="914411"/>
-            <a:r>
-              <a:rPr lang="en-US" sz="800" kern="0" noProof="0" dirty="0">
-                <a:solidFill>
-                  <a:prstClr val="black"/>
-                </a:solidFill>
-                <a:latin typeface="Calibri" panose="020F0502020204030204"/>
-              </a:rPr>
-              <a:t>local-id=</a:t>
-            </a:r>
-            <a:r>
-              <a:rPr lang="en-US" sz="800" kern="0" dirty="0" err="1">
-                <a:solidFill>
-                  <a:prstClr val="black"/>
-                </a:solidFill>
-                <a:latin typeface="Calibri" panose="020F0502020204030204"/>
-              </a:rPr>
-              <a:t>netconf</a:t>
-            </a:r>
-            <a:r>
-              <a:rPr lang="en-US" sz="800" kern="0" noProof="0" dirty="0">
-                <a:solidFill>
-                  <a:prstClr val="black"/>
-                </a:solidFill>
-                <a:latin typeface="Calibri" panose="020F0502020204030204"/>
-              </a:rPr>
-              <a:t>-client</a:t>
-            </a:r>
-          </a:p>
-          <a:p>
-            <a:pPr defTabSz="914411"/>
-            <a:r>
-              <a:rPr lang="en-US" sz="800" kern="0" dirty="0" err="1">
-                <a:solidFill>
-                  <a:prstClr val="black"/>
-                </a:solidFill>
-                <a:latin typeface="Calibri" panose="020F0502020204030204"/>
-              </a:rPr>
-              <a:t>netconfUserName</a:t>
-            </a:r>
-            <a:endParaRPr lang="en-US" sz="800" kern="0" dirty="0">
-              <a:solidFill>
-                <a:prstClr val="black"/>
-              </a:solidFill>
-              <a:latin typeface="Calibri" panose="020F0502020204030204"/>
-            </a:endParaRPr>
-          </a:p>
-          <a:p>
-            <a:pPr defTabSz="914411"/>
-            <a:r>
-              <a:rPr lang="en-US" sz="800" kern="0" dirty="0" err="1">
-                <a:solidFill>
-                  <a:prstClr val="black"/>
-                </a:solidFill>
-                <a:latin typeface="Calibri" panose="020F0502020204030204"/>
-              </a:rPr>
-              <a:t>netconfPassword</a:t>
-            </a:r>
-            <a:endParaRPr lang="en-US" sz="800" kern="0" dirty="0">
-              <a:solidFill>
-                <a:prstClr val="black"/>
-              </a:solidFill>
-              <a:latin typeface="Calibri" panose="020F0502020204030204"/>
-            </a:endParaRPr>
-          </a:p>
-          <a:p>
-            <a:pPr defTabSz="914411"/>
-            <a:r>
-              <a:rPr lang="en-US" sz="800" kern="0" dirty="0" err="1">
-                <a:solidFill>
-                  <a:prstClr val="black"/>
-                </a:solidFill>
-                <a:latin typeface="Calibri" panose="020F0502020204030204"/>
-              </a:rPr>
-              <a:t>notificationSubscribe</a:t>
-            </a:r>
-            <a:endParaRPr lang="en-US" sz="800" kern="0" dirty="0">
-              <a:solidFill>
-                <a:prstClr val="black"/>
-              </a:solidFill>
-              <a:latin typeface="Calibri" panose="020F0502020204030204"/>
-            </a:endParaRPr>
-          </a:p>
-          <a:p>
-            <a:pPr defTabSz="914411"/>
-            <a:r>
-              <a:rPr lang="en-US" sz="800" kern="0" dirty="0" err="1">
-                <a:solidFill>
-                  <a:prstClr val="black"/>
-                </a:solidFill>
-                <a:latin typeface="Calibri" panose="020F0502020204030204"/>
-              </a:rPr>
-              <a:t>notificationStreamName</a:t>
-            </a:r>
-            <a:endParaRPr lang="en-US" sz="800" kern="0" dirty="0">
-              <a:solidFill>
-                <a:prstClr val="black"/>
-              </a:solidFill>
-              <a:latin typeface="Calibri" panose="020F0502020204030204"/>
-            </a:endParaRPr>
-          </a:p>
-          <a:p>
-            <a:pPr defTabSz="914411"/>
-            <a:r>
-              <a:rPr lang="en-US" sz="800" kern="0" dirty="0" err="1">
-                <a:solidFill>
-                  <a:prstClr val="black"/>
-                </a:solidFill>
-                <a:latin typeface="Calibri" panose="020F0502020204030204"/>
-              </a:rPr>
-              <a:t>connectionStatus</a:t>
-            </a:r>
-            <a:endParaRPr lang="en-US" sz="800" kern="0" dirty="0">
-              <a:solidFill>
-                <a:prstClr val="black"/>
-              </a:solidFill>
-              <a:latin typeface="Calibri" panose="020F0502020204030204"/>
-            </a:endParaRPr>
-          </a:p>
-          <a:p>
-            <a:pPr defTabSz="914411"/>
-            <a:r>
-              <a:rPr lang="en-US" sz="800" kern="0" dirty="0" err="1">
-                <a:solidFill>
-                  <a:prstClr val="black"/>
-                </a:solidFill>
-                <a:latin typeface="Calibri" panose="020F0502020204030204"/>
-              </a:rPr>
-              <a:t>sessionId</a:t>
-            </a:r>
-            <a:endParaRPr lang="en-US" sz="800" kern="0" dirty="0">
-              <a:solidFill>
-                <a:prstClr val="black"/>
-              </a:solidFill>
-              <a:latin typeface="Calibri" panose="020F0502020204030204"/>
-            </a:endParaRPr>
-          </a:p>
-        </p:txBody>
-      </p:sp>
-      <p:cxnSp>
-        <p:nvCxnSpPr>
-          <p:cNvPr id="298" name="Gerade Verbindung mit Pfeil 297">
-            <a:extLst>
-              <a:ext uri="{FF2B5EF4-FFF2-40B4-BE49-F238E27FC236}">
-                <a16:creationId xmlns:a16="http://schemas.microsoft.com/office/drawing/2014/main" id="{D3A78C27-A6CA-8CEF-682F-3FC06CD5BDBC}"/>
-              </a:ext>
-            </a:extLst>
-          </p:cNvPr>
-          <p:cNvCxnSpPr>
-            <a:cxnSpLocks/>
-            <a:stCxn id="294" idx="3"/>
-            <a:endCxn id="297" idx="1"/>
-          </p:cNvCxnSpPr>
-          <p:nvPr/>
-        </p:nvCxnSpPr>
-        <p:spPr>
-          <a:xfrm>
-            <a:off x="23684398" y="13765926"/>
-            <a:ext cx="495315" cy="167026"/>
-          </a:xfrm>
-          <a:prstGeom prst="straightConnector1">
-            <a:avLst/>
-          </a:prstGeom>
-          <a:noFill/>
-          <a:ln w="6350" cap="flat" cmpd="sng" algn="ctr">
-            <a:solidFill>
-              <a:srgbClr val="5B9BD5"/>
-            </a:solidFill>
-            <a:prstDash val="solid"/>
-            <a:miter lim="800000"/>
-            <a:tailEnd type="triangle"/>
-          </a:ln>
-          <a:effectLst/>
-        </p:spPr>
-      </p:cxnSp>
-      <p:cxnSp>
-        <p:nvCxnSpPr>
-          <p:cNvPr id="306" name="Gerade Verbindung mit Pfeil 305">
-            <a:extLst>
-              <a:ext uri="{FF2B5EF4-FFF2-40B4-BE49-F238E27FC236}">
-                <a16:creationId xmlns:a16="http://schemas.microsoft.com/office/drawing/2014/main" id="{D8353692-27A2-9A61-37EE-AB970D686C9A}"/>
-              </a:ext>
-            </a:extLst>
-          </p:cNvPr>
-          <p:cNvCxnSpPr>
-            <a:cxnSpLocks/>
-            <a:stCxn id="294" idx="1"/>
-            <a:endCxn id="126" idx="3"/>
-          </p:cNvCxnSpPr>
-          <p:nvPr/>
-        </p:nvCxnSpPr>
-        <p:spPr>
-          <a:xfrm flipH="1" flipV="1">
-            <a:off x="21970778" y="12987857"/>
-            <a:ext cx="552167" cy="778069"/>
-          </a:xfrm>
-          <a:prstGeom prst="straightConnector1">
-            <a:avLst/>
-          </a:prstGeom>
-          <a:noFill/>
-          <a:ln w="6350" cap="flat" cmpd="sng" algn="ctr">
-            <a:solidFill>
-              <a:srgbClr val="5B9BD5"/>
-            </a:solidFill>
-            <a:prstDash val="dash"/>
-            <a:miter lim="800000"/>
-            <a:tailEnd type="triangle"/>
-          </a:ln>
-          <a:effectLst/>
-        </p:spPr>
-      </p:cxnSp>
-      <p:sp>
-        <p:nvSpPr>
-          <p:cNvPr id="314" name="Abgerundetes Rechteck 9">
-            <a:extLst>
-              <a:ext uri="{FF2B5EF4-FFF2-40B4-BE49-F238E27FC236}">
-                <a16:creationId xmlns:a16="http://schemas.microsoft.com/office/drawing/2014/main" id="{285D4F0F-7584-F227-9F7C-A3C019742EBF}"/>
-              </a:ext>
-            </a:extLst>
-          </p:cNvPr>
-          <p:cNvSpPr/>
-          <p:nvPr/>
-        </p:nvSpPr>
-        <p:spPr>
-          <a:xfrm>
-            <a:off x="32618416" y="13737112"/>
-            <a:ext cx="1161453" cy="445572"/>
-          </a:xfrm>
-          <a:prstGeom prst="roundRect">
-            <a:avLst/>
-          </a:prstGeom>
-          <a:solidFill>
-            <a:srgbClr val="FFFF00"/>
-          </a:solidFill>
-          <a:ln w="12700" cap="flat" cmpd="sng" algn="ctr">
-            <a:solidFill>
-              <a:srgbClr val="4472C4">
-                <a:lumMod val="75000"/>
-              </a:srgbClr>
-            </a:solidFill>
-            <a:prstDash val="solid"/>
-            <a:miter lim="800000"/>
-          </a:ln>
-          <a:effectLst>
-            <a:outerShdw blurRad="50800" dist="38100" dir="2700000" algn="tl" rotWithShape="0">
-              <a:prstClr val="black">
-                <a:alpha val="40000"/>
-              </a:prstClr>
-            </a:outerShdw>
-          </a:effectLst>
-        </p:spPr>
-        <p:txBody>
-          <a:bodyPr rtlCol="0" anchor="ctr"/>
-          <a:lstStyle/>
-          <a:p>
-            <a:pPr algn="ctr" defTabSz="914411">
-              <a:defRPr/>
-            </a:pPr>
-            <a:r>
-              <a:rPr lang="en-US" sz="1050" kern="0" noProof="0" dirty="0" err="1">
-                <a:latin typeface="Calibri" panose="020F0502020204030204"/>
-              </a:rPr>
-              <a:t>NetconfClient</a:t>
-            </a:r>
-            <a:r>
-              <a:rPr lang="en-US" sz="1050" kern="0" noProof="0" dirty="0">
-                <a:latin typeface="Calibri" panose="020F0502020204030204"/>
-              </a:rPr>
-              <a:t> [1]</a:t>
-            </a:r>
-          </a:p>
-        </p:txBody>
-      </p:sp>
-      <p:sp>
-        <p:nvSpPr>
-          <p:cNvPr id="315" name="Rechteck 314">
-            <a:extLst>
-              <a:ext uri="{FF2B5EF4-FFF2-40B4-BE49-F238E27FC236}">
-                <a16:creationId xmlns:a16="http://schemas.microsoft.com/office/drawing/2014/main" id="{88F7E8E1-2683-BE24-0F40-4DF30A6FF028}"/>
-              </a:ext>
-            </a:extLst>
-          </p:cNvPr>
-          <p:cNvSpPr/>
-          <p:nvPr/>
-        </p:nvSpPr>
-        <p:spPr>
-          <a:xfrm>
-            <a:off x="34275185" y="13647680"/>
-            <a:ext cx="1127336" cy="886903"/>
-          </a:xfrm>
-          <a:prstGeom prst="rect">
-            <a:avLst/>
-          </a:prstGeom>
-          <a:solidFill>
-            <a:srgbClr val="FFFF00"/>
-          </a:solidFill>
-          <a:ln w="12700" cap="flat" cmpd="sng" algn="ctr">
-            <a:solidFill>
-              <a:srgbClr val="A5A5A5"/>
-            </a:solidFill>
-            <a:prstDash val="solid"/>
-            <a:miter lim="800000"/>
-          </a:ln>
-          <a:effectLst/>
-        </p:spPr>
-        <p:txBody>
-          <a:bodyPr lIns="36000" tIns="36000" rIns="36000" bIns="36000" rtlCol="0" anchor="t"/>
-          <a:lstStyle/>
-          <a:p>
-            <a:pPr defTabSz="914411"/>
-            <a:r>
-              <a:rPr lang="en-US" sz="800" kern="0" noProof="0" dirty="0">
-                <a:solidFill>
-                  <a:prstClr val="black"/>
-                </a:solidFill>
-                <a:latin typeface="Calibri" panose="020F0502020204030204"/>
-              </a:rPr>
-              <a:t>local-id=</a:t>
-            </a:r>
-            <a:r>
-              <a:rPr lang="en-US" sz="800" kern="0" dirty="0" err="1">
-                <a:solidFill>
-                  <a:prstClr val="black"/>
-                </a:solidFill>
-                <a:latin typeface="Calibri" panose="020F0502020204030204"/>
-              </a:rPr>
-              <a:t>netconf</a:t>
-            </a:r>
-            <a:r>
-              <a:rPr lang="en-US" sz="800" kern="0" noProof="0" dirty="0">
-                <a:solidFill>
-                  <a:prstClr val="black"/>
-                </a:solidFill>
-                <a:latin typeface="Calibri" panose="020F0502020204030204"/>
-              </a:rPr>
-              <a:t>-client</a:t>
-            </a:r>
-          </a:p>
-          <a:p>
-            <a:pPr defTabSz="914411"/>
-            <a:r>
-              <a:rPr lang="en-US" sz="800" kern="0" dirty="0" err="1">
-                <a:solidFill>
-                  <a:prstClr val="black"/>
-                </a:solidFill>
-                <a:latin typeface="Calibri" panose="020F0502020204030204"/>
-              </a:rPr>
-              <a:t>netconfUserName</a:t>
-            </a:r>
-            <a:endParaRPr lang="en-US" sz="800" kern="0" dirty="0">
-              <a:solidFill>
-                <a:prstClr val="black"/>
-              </a:solidFill>
-              <a:latin typeface="Calibri" panose="020F0502020204030204"/>
-            </a:endParaRPr>
-          </a:p>
-          <a:p>
-            <a:pPr defTabSz="914411"/>
-            <a:r>
-              <a:rPr lang="en-US" sz="800" kern="0" dirty="0" err="1">
-                <a:solidFill>
-                  <a:prstClr val="black"/>
-                </a:solidFill>
-                <a:latin typeface="Calibri" panose="020F0502020204030204"/>
-              </a:rPr>
-              <a:t>netconfPassword</a:t>
-            </a:r>
-            <a:endParaRPr lang="en-US" sz="800" kern="0" dirty="0">
-              <a:solidFill>
-                <a:prstClr val="black"/>
-              </a:solidFill>
-              <a:latin typeface="Calibri" panose="020F0502020204030204"/>
-            </a:endParaRPr>
-          </a:p>
-          <a:p>
-            <a:pPr defTabSz="914411"/>
-            <a:r>
-              <a:rPr lang="en-US" sz="800" kern="0" dirty="0" err="1">
-                <a:solidFill>
-                  <a:prstClr val="black"/>
-                </a:solidFill>
-                <a:latin typeface="Calibri" panose="020F0502020204030204"/>
-              </a:rPr>
-              <a:t>notificationSubscribe</a:t>
-            </a:r>
-            <a:endParaRPr lang="en-US" sz="800" kern="0" dirty="0">
-              <a:solidFill>
-                <a:prstClr val="black"/>
-              </a:solidFill>
-              <a:latin typeface="Calibri" panose="020F0502020204030204"/>
-            </a:endParaRPr>
-          </a:p>
-          <a:p>
-            <a:pPr defTabSz="914411"/>
-            <a:r>
-              <a:rPr lang="en-US" sz="800" kern="0" dirty="0" err="1">
-                <a:solidFill>
-                  <a:prstClr val="black"/>
-                </a:solidFill>
-                <a:latin typeface="Calibri" panose="020F0502020204030204"/>
-              </a:rPr>
-              <a:t>notificationStreamName</a:t>
-            </a:r>
-            <a:endParaRPr lang="en-US" sz="800" kern="0" dirty="0">
-              <a:solidFill>
-                <a:prstClr val="black"/>
-              </a:solidFill>
-              <a:latin typeface="Calibri" panose="020F0502020204030204"/>
-            </a:endParaRPr>
-          </a:p>
-          <a:p>
-            <a:pPr defTabSz="914411"/>
-            <a:r>
-              <a:rPr lang="en-US" sz="800" kern="0" dirty="0" err="1">
-                <a:solidFill>
-                  <a:prstClr val="black"/>
-                </a:solidFill>
-                <a:latin typeface="Calibri" panose="020F0502020204030204"/>
-              </a:rPr>
-              <a:t>availableCapability</a:t>
-            </a:r>
-            <a:endParaRPr lang="en-US" sz="800" kern="0" dirty="0">
-              <a:solidFill>
-                <a:prstClr val="black"/>
-              </a:solidFill>
-              <a:latin typeface="Calibri" panose="020F0502020204030204"/>
-            </a:endParaRPr>
-          </a:p>
-          <a:p>
-            <a:pPr defTabSz="914411"/>
-            <a:r>
-              <a:rPr lang="en-US" sz="800" kern="0" dirty="0" err="1">
-                <a:solidFill>
-                  <a:prstClr val="black"/>
-                </a:solidFill>
-                <a:latin typeface="Calibri" panose="020F0502020204030204"/>
-              </a:rPr>
-              <a:t>unavailableCapability</a:t>
-            </a:r>
-            <a:endParaRPr lang="en-US" sz="800" kern="0" dirty="0">
-              <a:solidFill>
-                <a:prstClr val="black"/>
-              </a:solidFill>
-              <a:latin typeface="Calibri" panose="020F0502020204030204"/>
-            </a:endParaRPr>
-          </a:p>
-          <a:p>
-            <a:pPr defTabSz="914411"/>
-            <a:endParaRPr lang="en-US" sz="800" kern="0" noProof="0" dirty="0">
-              <a:solidFill>
-                <a:prstClr val="black"/>
-              </a:solidFill>
-              <a:latin typeface="Calibri" panose="020F0502020204030204"/>
-            </a:endParaRPr>
-          </a:p>
-        </p:txBody>
-      </p:sp>
-      <p:cxnSp>
-        <p:nvCxnSpPr>
-          <p:cNvPr id="316" name="Gerade Verbindung mit Pfeil 315">
-            <a:extLst>
-              <a:ext uri="{FF2B5EF4-FFF2-40B4-BE49-F238E27FC236}">
-                <a16:creationId xmlns:a16="http://schemas.microsoft.com/office/drawing/2014/main" id="{8CA88BAA-6527-D656-36D1-64DF13E119D8}"/>
-              </a:ext>
-            </a:extLst>
-          </p:cNvPr>
-          <p:cNvCxnSpPr>
-            <a:cxnSpLocks/>
-            <a:stCxn id="314" idx="3"/>
-            <a:endCxn id="315" idx="1"/>
-          </p:cNvCxnSpPr>
-          <p:nvPr/>
-        </p:nvCxnSpPr>
-        <p:spPr>
-          <a:xfrm>
-            <a:off x="33779869" y="13959898"/>
-            <a:ext cx="495316" cy="131234"/>
-          </a:xfrm>
-          <a:prstGeom prst="straightConnector1">
-            <a:avLst/>
-          </a:prstGeom>
-          <a:noFill/>
-          <a:ln w="6350" cap="flat" cmpd="sng" algn="ctr">
-            <a:solidFill>
-              <a:srgbClr val="5B9BD5"/>
-            </a:solidFill>
-            <a:prstDash val="solid"/>
-            <a:miter lim="800000"/>
-            <a:tailEnd type="triangle"/>
-          </a:ln>
-          <a:effectLst/>
-        </p:spPr>
-      </p:cxnSp>
-      <p:cxnSp>
-        <p:nvCxnSpPr>
-          <p:cNvPr id="317" name="Gerade Verbindung mit Pfeil 316">
-            <a:extLst>
-              <a:ext uri="{FF2B5EF4-FFF2-40B4-BE49-F238E27FC236}">
-                <a16:creationId xmlns:a16="http://schemas.microsoft.com/office/drawing/2014/main" id="{02943F78-3488-FC09-8944-522744799565}"/>
-              </a:ext>
-            </a:extLst>
-          </p:cNvPr>
-          <p:cNvCxnSpPr>
-            <a:cxnSpLocks/>
-            <a:stCxn id="314" idx="0"/>
-            <a:endCxn id="67" idx="3"/>
-          </p:cNvCxnSpPr>
-          <p:nvPr/>
-        </p:nvCxnSpPr>
-        <p:spPr>
-          <a:xfrm flipH="1" flipV="1">
-            <a:off x="33071553" y="12986283"/>
-            <a:ext cx="127590" cy="750829"/>
-          </a:xfrm>
-          <a:prstGeom prst="straightConnector1">
-            <a:avLst/>
-          </a:prstGeom>
-          <a:noFill/>
-          <a:ln w="6350" cap="flat" cmpd="sng" algn="ctr">
-            <a:solidFill>
-              <a:srgbClr val="5B9BD5"/>
-            </a:solidFill>
-            <a:prstDash val="dash"/>
-            <a:miter lim="800000"/>
-            <a:tailEnd type="triangle"/>
-          </a:ln>
-          <a:effectLst/>
-        </p:spPr>
-      </p:cxnSp>
-      <p:sp>
-        <p:nvSpPr>
-          <p:cNvPr id="346" name="Abgerundetes Rechteck 88">
-            <a:extLst>
-              <a:ext uri="{FF2B5EF4-FFF2-40B4-BE49-F238E27FC236}">
-                <a16:creationId xmlns:a16="http://schemas.microsoft.com/office/drawing/2014/main" id="{82B9F678-68A2-0B64-1E87-FB708B5F53BB}"/>
-              </a:ext>
-            </a:extLst>
-          </p:cNvPr>
-          <p:cNvSpPr/>
-          <p:nvPr/>
-        </p:nvSpPr>
-        <p:spPr>
-          <a:xfrm>
-            <a:off x="30383577" y="10824294"/>
             <a:ext cx="1161453" cy="445572"/>
           </a:xfrm>
           <a:prstGeom prst="roundRect">
@@ -16127,13 +14990,13 @@
           <a:p>
             <a:pPr algn="ctr" defTabSz="914411"/>
             <a:r>
-              <a:rPr lang="en-US" sz="1050" kern="0">
+              <a:rPr lang="en-US" sz="1050" kern="0" dirty="0" err="1">
                 <a:solidFill>
                   <a:prstClr val="white"/>
                 </a:solidFill>
                 <a:latin typeface="Calibri" panose="020F0502020204030204"/>
               </a:rPr>
-              <a:t>HttpServer</a:t>
+              <a:t>NetconfClient</a:t>
             </a:r>
             <a:r>
               <a:rPr lang="en-US" sz="1050" kern="0" dirty="0">
@@ -16142,17 +15005,17 @@
                 </a:solidFill>
                 <a:latin typeface="Calibri" panose="020F0502020204030204"/>
               </a:rPr>
-              <a:t> [*]</a:t>
-            </a:r>
-          </a:p>
-        </p:txBody>
-      </p:sp>
-      <p:sp>
-        <p:nvSpPr>
-          <p:cNvPr id="347" name="Rechteck 346">
-            <a:extLst>
-              <a:ext uri="{FF2B5EF4-FFF2-40B4-BE49-F238E27FC236}">
-                <a16:creationId xmlns:a16="http://schemas.microsoft.com/office/drawing/2014/main" id="{3C5DC373-D58C-E7D6-026A-39E04A61281D}"/>
+              <a:t> [1]</a:t>
+            </a:r>
+          </a:p>
+        </p:txBody>
+      </p:sp>
+      <p:sp>
+        <p:nvSpPr>
+          <p:cNvPr id="297" name="Rechteck 296">
+            <a:extLst>
+              <a:ext uri="{FF2B5EF4-FFF2-40B4-BE49-F238E27FC236}">
+                <a16:creationId xmlns:a16="http://schemas.microsoft.com/office/drawing/2014/main" id="{1B71F99F-50C8-5835-4E81-09D86748B289}"/>
               </a:ext>
             </a:extLst>
           </p:cNvPr>
@@ -16161,8 +15024,8 @@
         </p:nvSpPr>
         <p:spPr>
           <a:xfrm>
-            <a:off x="28132118" y="10824293"/>
-            <a:ext cx="1815783" cy="445572"/>
+            <a:off x="24179713" y="13453709"/>
+            <a:ext cx="1682087" cy="958486"/>
           </a:xfrm>
           <a:prstGeom prst="rect">
             <a:avLst/>
@@ -16185,82 +15048,34 @@
           <a:p>
             <a:pPr defTabSz="914411"/>
             <a:r>
+              <a:rPr lang="en-US" sz="800" kern="0">
+                <a:solidFill>
+                  <a:prstClr val="black"/>
+                </a:solidFill>
+                <a:latin typeface="Calibri" panose="020F0502020204030204"/>
+              </a:rPr>
+              <a:t>local-id=netconf</a:t>
+            </a:r>
+            <a:r>
               <a:rPr lang="en-US" sz="800" kern="0" dirty="0">
                 <a:solidFill>
                   <a:prstClr val="black"/>
                 </a:solidFill>
                 <a:latin typeface="Calibri" panose="020F0502020204030204"/>
               </a:rPr>
-              <a:t>local-id=[</a:t>
-            </a:r>
-            <a:r>
-              <a:rPr lang="en-US" sz="800" kern="0" dirty="0" err="1">
-                <a:solidFill>
-                  <a:prstClr val="black"/>
-                </a:solidFill>
-                <a:latin typeface="Calibri" panose="020F0502020204030204"/>
-              </a:rPr>
-              <a:t>applicationName</a:t>
-            </a:r>
-            <a:r>
-              <a:rPr lang="en-US" sz="800" kern="0" dirty="0">
-                <a:solidFill>
-                  <a:prstClr val="black"/>
-                </a:solidFill>
-                <a:latin typeface="Calibri" panose="020F0502020204030204"/>
-              </a:rPr>
-              <a:t>]</a:t>
+              <a:t>-client</a:t>
             </a:r>
           </a:p>
           <a:p>
             <a:pPr defTabSz="914411"/>
             <a:r>
-              <a:rPr lang="en-US" sz="800" kern="0" dirty="0" err="1">
-                <a:solidFill>
-                  <a:prstClr val="black"/>
-                </a:solidFill>
-                <a:latin typeface="Calibri" panose="020F0502020204030204"/>
-              </a:rPr>
-              <a:t>httpUserName</a:t>
-            </a:r>
-            <a:r>
-              <a:rPr lang="en-US" sz="800" kern="0" dirty="0">
-                <a:solidFill>
-                  <a:prstClr val="black"/>
-                </a:solidFill>
-                <a:latin typeface="Calibri" panose="020F0502020204030204"/>
-              </a:rPr>
-              <a:t>=[</a:t>
-            </a:r>
-            <a:r>
-              <a:rPr lang="en-US" sz="800" kern="0" dirty="0" err="1">
-                <a:solidFill>
-                  <a:prstClr val="black"/>
-                </a:solidFill>
-                <a:latin typeface="Calibri" panose="020F0502020204030204"/>
-              </a:rPr>
-              <a:t>applicationName</a:t>
-            </a:r>
-            <a:r>
-              <a:rPr lang="en-US" sz="800" kern="0" dirty="0">
-                <a:solidFill>
-                  <a:prstClr val="black"/>
-                </a:solidFill>
-                <a:latin typeface="Calibri" panose="020F0502020204030204"/>
-              </a:rPr>
-              <a:t>]</a:t>
-            </a:r>
-          </a:p>
-          <a:p>
-            <a:pPr defTabSz="914411"/>
-            <a:r>
-              <a:rPr lang="en-US" sz="800" kern="0" dirty="0" err="1">
-                <a:solidFill>
-                  <a:prstClr val="black"/>
-                </a:solidFill>
-                <a:latin typeface="Calibri" panose="020F0502020204030204"/>
-              </a:rPr>
-              <a:t>httpPassword</a:t>
+              <a:rPr lang="en-US" sz="800" kern="0">
+                <a:solidFill>
+                  <a:prstClr val="black"/>
+                </a:solidFill>
+                <a:latin typeface="Calibri" panose="020F0502020204030204"/>
+              </a:rPr>
+              <a:t>netconfUserName</a:t>
             </a:r>
             <a:endParaRPr lang="en-US" sz="800" kern="0" dirty="0">
               <a:solidFill>
@@ -16271,6 +15086,15 @@
           </a:p>
           <a:p>
             <a:pPr defTabSz="914411"/>
+            <a:r>
+              <a:rPr lang="en-US" sz="800" kern="0">
+                <a:solidFill>
+                  <a:prstClr val="black"/>
+                </a:solidFill>
+                <a:latin typeface="Calibri" panose="020F0502020204030204"/>
+              </a:rPr>
+              <a:t>netconfPassword</a:t>
+            </a:r>
             <a:endParaRPr lang="en-US" sz="800" kern="0" dirty="0">
               <a:solidFill>
                 <a:prstClr val="black"/>
@@ -16278,27 +15102,136 @@
               <a:latin typeface="Calibri" panose="020F0502020204030204"/>
             </a:endParaRPr>
           </a:p>
+          <a:p>
+            <a:pPr defTabSz="914411"/>
+            <a:r>
+              <a:rPr lang="en-US" sz="800" kern="0">
+                <a:solidFill>
+                  <a:prstClr val="black"/>
+                </a:solidFill>
+                <a:latin typeface="Calibri" panose="020F0502020204030204"/>
+              </a:rPr>
+              <a:t>notificationSubscribe</a:t>
+            </a:r>
+            <a:endParaRPr lang="en-US" sz="800" kern="0" dirty="0">
+              <a:solidFill>
+                <a:prstClr val="black"/>
+              </a:solidFill>
+              <a:latin typeface="Calibri" panose="020F0502020204030204"/>
+            </a:endParaRPr>
+          </a:p>
+          <a:p>
+            <a:pPr defTabSz="914411"/>
+            <a:r>
+              <a:rPr lang="en-US" sz="800" kern="0">
+                <a:solidFill>
+                  <a:prstClr val="black"/>
+                </a:solidFill>
+                <a:latin typeface="Calibri" panose="020F0502020204030204"/>
+              </a:rPr>
+              <a:t>notificationStreamName</a:t>
+            </a:r>
+            <a:endParaRPr lang="en-US" sz="800" kern="0" dirty="0">
+              <a:solidFill>
+                <a:prstClr val="black"/>
+              </a:solidFill>
+              <a:latin typeface="Calibri" panose="020F0502020204030204"/>
+            </a:endParaRPr>
+          </a:p>
+          <a:p>
+            <a:pPr defTabSz="914411"/>
+            <a:r>
+              <a:rPr lang="en-US" sz="800" kern="0">
+                <a:solidFill>
+                  <a:prstClr val="black"/>
+                </a:solidFill>
+                <a:latin typeface="Calibri" panose="020F0502020204030204"/>
+              </a:rPr>
+              <a:t>connectionStatus</a:t>
+            </a:r>
+            <a:endParaRPr lang="en-US" sz="800" kern="0" dirty="0">
+              <a:solidFill>
+                <a:prstClr val="black"/>
+              </a:solidFill>
+              <a:latin typeface="Calibri" panose="020F0502020204030204"/>
+            </a:endParaRPr>
+          </a:p>
+          <a:p>
+            <a:pPr defTabSz="914411"/>
+            <a:r>
+              <a:rPr lang="en-US" sz="800" kern="0">
+                <a:solidFill>
+                  <a:prstClr val="black"/>
+                </a:solidFill>
+                <a:latin typeface="Calibri" panose="020F0502020204030204"/>
+              </a:rPr>
+              <a:t>sessionId</a:t>
+            </a:r>
+            <a:endParaRPr lang="en-US" sz="800" kern="0" dirty="0">
+              <a:solidFill>
+                <a:prstClr val="black"/>
+              </a:solidFill>
+              <a:latin typeface="Calibri" panose="020F0502020204030204"/>
+            </a:endParaRPr>
+          </a:p>
         </p:txBody>
       </p:sp>
       <p:cxnSp>
         <p:nvCxnSpPr>
-          <p:cNvPr id="348" name="Gerade Verbindung mit Pfeil 347">
-            <a:extLst>
-              <a:ext uri="{FF2B5EF4-FFF2-40B4-BE49-F238E27FC236}">
-                <a16:creationId xmlns:a16="http://schemas.microsoft.com/office/drawing/2014/main" id="{E8A7090C-1164-A43E-E161-A6D472CF61A3}"/>
+          <p:cNvPr id="298" name="Gerade Verbindung mit Pfeil 297">
+            <a:extLst>
+              <a:ext uri="{FF2B5EF4-FFF2-40B4-BE49-F238E27FC236}">
+                <a16:creationId xmlns:a16="http://schemas.microsoft.com/office/drawing/2014/main" id="{D3A78C27-A6CA-8CEF-682F-3FC06CD5BDBC}"/>
               </a:ext>
             </a:extLst>
           </p:cNvPr>
           <p:cNvCxnSpPr>
             <a:cxnSpLocks/>
-            <a:stCxn id="346" idx="3"/>
+            <a:stCxn id="294" idx="3"/>
+            <a:endCxn id="297" idx="1"/>
           </p:cNvCxnSpPr>
           <p:nvPr/>
         </p:nvCxnSpPr>
         <p:spPr>
-          <a:xfrm flipV="1">
-            <a:off x="31545030" y="10824294"/>
-            <a:ext cx="490599" cy="222786"/>
+          <a:xfrm>
+            <a:off x="23684398" y="13765926"/>
+            <a:ext cx="495315" cy="167026"/>
+          </a:xfrm>
+          <a:prstGeom prst="straightConnector1">
+            <a:avLst/>
+          </a:prstGeom>
+          <a:noFill/>
+          <a:ln w="6350" cap="flat" cmpd="sng" algn="ctr">
+            <a:solidFill>
+              <a:srgbClr val="5B9BD5"/>
+            </a:solidFill>
+            <a:prstDash val="solid"/>
+            <a:miter lim="800000"/>
+            <a:tailEnd type="triangle"/>
+          </a:ln>
+          <a:effectLst/>
+        </p:spPr>
+      </p:cxnSp>
+      <p:cxnSp>
+        <p:nvCxnSpPr>
+          <p:cNvPr id="306" name="Gerade Verbindung mit Pfeil 305">
+            <a:extLst>
+              <a:ext uri="{FF2B5EF4-FFF2-40B4-BE49-F238E27FC236}">
+                <a16:creationId xmlns:a16="http://schemas.microsoft.com/office/drawing/2014/main" id="{D8353692-27A2-9A61-37EE-AB970D686C9A}"/>
+              </a:ext>
+            </a:extLst>
+          </p:cNvPr>
+          <p:cNvCxnSpPr>
+            <a:cxnSpLocks/>
+            <a:stCxn id="294" idx="1"/>
+            <a:endCxn id="126" idx="3"/>
+          </p:cNvCxnSpPr>
+          <p:nvPr/>
+        </p:nvCxnSpPr>
+        <p:spPr>
+          <a:xfrm flipH="1" flipV="1">
+            <a:off x="21970778" y="12987857"/>
+            <a:ext cx="552167" cy="778069"/>
           </a:xfrm>
           <a:prstGeom prst="straightConnector1">
             <a:avLst/>
@@ -16315,48 +15248,12 @@
           <a:effectLst/>
         </p:spPr>
       </p:cxnSp>
-      <p:cxnSp>
-        <p:nvCxnSpPr>
-          <p:cNvPr id="349" name="Gerade Verbindung mit Pfeil 348">
-            <a:extLst>
-              <a:ext uri="{FF2B5EF4-FFF2-40B4-BE49-F238E27FC236}">
-                <a16:creationId xmlns:a16="http://schemas.microsoft.com/office/drawing/2014/main" id="{391613CB-9997-DB9E-BCBC-4FD2900E9885}"/>
-              </a:ext>
-            </a:extLst>
-          </p:cNvPr>
-          <p:cNvCxnSpPr>
-            <a:cxnSpLocks/>
-            <a:stCxn id="346" idx="1"/>
-            <a:endCxn id="347" idx="3"/>
-          </p:cNvCxnSpPr>
-          <p:nvPr/>
-        </p:nvCxnSpPr>
-        <p:spPr>
-          <a:xfrm flipH="1" flipV="1">
-            <a:off x="29947901" y="11047079"/>
-            <a:ext cx="435676" cy="1"/>
-          </a:xfrm>
-          <a:prstGeom prst="straightConnector1">
-            <a:avLst/>
-          </a:prstGeom>
-          <a:noFill/>
-          <a:ln w="6350" cap="flat" cmpd="sng" algn="ctr">
-            <a:solidFill>
-              <a:srgbClr val="5B9BD5"/>
-            </a:solidFill>
-            <a:prstDash val="solid"/>
-            <a:miter lim="800000"/>
-            <a:tailEnd type="triangle"/>
-          </a:ln>
-          <a:effectLst/>
-        </p:spPr>
-      </p:cxnSp>
-      <p:sp>
-        <p:nvSpPr>
-          <p:cNvPr id="350" name="Abgerundetes Rechteck 88">
-            <a:extLst>
-              <a:ext uri="{FF2B5EF4-FFF2-40B4-BE49-F238E27FC236}">
-                <a16:creationId xmlns:a16="http://schemas.microsoft.com/office/drawing/2014/main" id="{9494947A-734B-B450-BBDE-0FFC3A07DB07}"/>
+      <p:sp>
+        <p:nvSpPr>
+          <p:cNvPr id="314" name="Abgerundetes Rechteck 9">
+            <a:extLst>
+              <a:ext uri="{FF2B5EF4-FFF2-40B4-BE49-F238E27FC236}">
+                <a16:creationId xmlns:a16="http://schemas.microsoft.com/office/drawing/2014/main" id="{285D4F0F-7584-F227-9F7C-A3C019742EBF}"/>
               </a:ext>
             </a:extLst>
           </p:cNvPr>
@@ -16365,7 +15262,7 @@
         </p:nvSpPr>
         <p:spPr>
           <a:xfrm>
-            <a:off x="19719859" y="14581429"/>
+            <a:off x="32618416" y="13737112"/>
             <a:ext cx="1161453" cy="445572"/>
           </a:xfrm>
           <a:prstGeom prst="roundRect">
@@ -16398,20 +15295,18 @@
           <a:bodyPr rtlCol="0" anchor="ctr"/>
           <a:lstStyle/>
           <a:p>
-            <a:pPr algn="ctr" defTabSz="914411">
-              <a:defRPr/>
-            </a:pPr>
-            <a:r>
-              <a:rPr lang="en-US" sz="1050" kern="0" noProof="0" dirty="0" err="1">
+            <a:pPr algn="ctr" defTabSz="914411"/>
+            <a:r>
+              <a:rPr lang="en-US" sz="1050" kern="0">
                 <a:solidFill>
                   <a:prstClr val="white"/>
                 </a:solidFill>
                 <a:latin typeface="Calibri" panose="020F0502020204030204"/>
               </a:rPr>
-              <a:t>TcpServer</a:t>
-            </a:r>
-            <a:r>
-              <a:rPr lang="en-US" sz="1050" kern="0" noProof="0" dirty="0">
+              <a:t>NetconfClient</a:t>
+            </a:r>
+            <a:r>
+              <a:rPr lang="en-US" sz="1050" kern="0" dirty="0">
                 <a:solidFill>
                   <a:prstClr val="white"/>
                 </a:solidFill>
@@ -16424,10 +15319,10 @@
       </p:sp>
       <p:sp>
         <p:nvSpPr>
-          <p:cNvPr id="351" name="Rechteck 350">
-            <a:extLst>
-              <a:ext uri="{FF2B5EF4-FFF2-40B4-BE49-F238E27FC236}">
-                <a16:creationId xmlns:a16="http://schemas.microsoft.com/office/drawing/2014/main" id="{39854DB9-4DD8-6645-1578-B13C735DB3FB}"/>
+          <p:cNvPr id="315" name="Rechteck 314">
+            <a:extLst>
+              <a:ext uri="{FF2B5EF4-FFF2-40B4-BE49-F238E27FC236}">
+                <a16:creationId xmlns:a16="http://schemas.microsoft.com/office/drawing/2014/main" id="{88F7E8E1-2683-BE24-0F40-4DF30A6FF028}"/>
               </a:ext>
             </a:extLst>
           </p:cNvPr>
@@ -16436,8 +15331,8 @@
         </p:nvSpPr>
         <p:spPr>
           <a:xfrm>
-            <a:off x="17468400" y="14581428"/>
-            <a:ext cx="1815783" cy="445572"/>
+            <a:off x="34275185" y="13647680"/>
+            <a:ext cx="1127336" cy="886903"/>
           </a:xfrm>
           <a:prstGeom prst="rect">
             <a:avLst/>
@@ -16460,7 +15355,7 @@
           <a:p>
             <a:pPr defTabSz="914411"/>
             <a:r>
-              <a:rPr lang="en-US" sz="800" kern="0" noProof="0" dirty="0">
+              <a:rPr lang="en-US" sz="800" kern="0" dirty="0">
                 <a:solidFill>
                   <a:prstClr val="black"/>
                 </a:solidFill>
@@ -16469,36 +15364,36 @@
               <a:t>local-id=</a:t>
             </a:r>
             <a:r>
-              <a:rPr lang="en-US" sz="800" kern="0" noProof="0" dirty="0" err="1">
-                <a:solidFill>
-                  <a:prstClr val="black"/>
-                </a:solidFill>
-                <a:latin typeface="Calibri" panose="020F0502020204030204"/>
-              </a:rPr>
-              <a:t>tcp</a:t>
-            </a:r>
-            <a:r>
-              <a:rPr lang="en-US" sz="800" kern="0" noProof="0" dirty="0">
-                <a:solidFill>
-                  <a:prstClr val="black"/>
-                </a:solidFill>
-                <a:latin typeface="Calibri" panose="020F0502020204030204"/>
-              </a:rPr>
-              <a:t>-server</a:t>
+              <a:rPr lang="en-US" sz="800" kern="0" dirty="0" err="1">
+                <a:solidFill>
+                  <a:prstClr val="black"/>
+                </a:solidFill>
+                <a:latin typeface="Calibri" panose="020F0502020204030204"/>
+              </a:rPr>
+              <a:t>netconf</a:t>
+            </a:r>
+            <a:r>
+              <a:rPr lang="en-US" sz="800" kern="0" dirty="0">
+                <a:solidFill>
+                  <a:prstClr val="black"/>
+                </a:solidFill>
+                <a:latin typeface="Calibri" panose="020F0502020204030204"/>
+              </a:rPr>
+              <a:t>-client</a:t>
             </a:r>
           </a:p>
           <a:p>
             <a:pPr defTabSz="914411"/>
             <a:r>
-              <a:rPr lang="en-US" sz="800" kern="0" noProof="0" dirty="0" err="1">
-                <a:solidFill>
-                  <a:prstClr val="black"/>
-                </a:solidFill>
-                <a:latin typeface="Calibri" panose="020F0502020204030204"/>
-              </a:rPr>
-              <a:t>localIpAddress</a:t>
-            </a:r>
-            <a:endParaRPr lang="en-US" sz="800" kern="0" noProof="0" dirty="0">
+              <a:rPr lang="en-US" sz="800" kern="0" dirty="0" err="1">
+                <a:solidFill>
+                  <a:prstClr val="black"/>
+                </a:solidFill>
+                <a:latin typeface="Calibri" panose="020F0502020204030204"/>
+              </a:rPr>
+              <a:t>netconfUserName</a:t>
+            </a:r>
+            <a:endParaRPr lang="en-US" sz="800" kern="0" dirty="0">
               <a:solidFill>
                 <a:prstClr val="black"/>
               </a:solidFill>
@@ -16508,43 +15403,124 @@
           <a:p>
             <a:pPr defTabSz="914411"/>
             <a:r>
-              <a:rPr lang="en-US" sz="800" kern="0" noProof="0" dirty="0" err="1">
-                <a:solidFill>
-                  <a:prstClr val="black"/>
-                </a:solidFill>
-                <a:latin typeface="Calibri" panose="020F0502020204030204"/>
-              </a:rPr>
-              <a:t>localPort</a:t>
-            </a:r>
-            <a:endParaRPr lang="en-US" sz="800" kern="0" noProof="0" dirty="0">
+              <a:rPr lang="en-US" sz="800" kern="0" dirty="0" err="1">
+                <a:solidFill>
+                  <a:prstClr val="black"/>
+                </a:solidFill>
+                <a:latin typeface="Calibri" panose="020F0502020204030204"/>
+              </a:rPr>
+              <a:t>netconfPassword</a:t>
+            </a:r>
+            <a:endParaRPr lang="en-US" sz="800" kern="0" dirty="0">
               <a:solidFill>
                 <a:prstClr val="black"/>
               </a:solidFill>
               <a:latin typeface="Calibri" panose="020F0502020204030204"/>
             </a:endParaRPr>
           </a:p>
+          <a:p>
+            <a:pPr defTabSz="914411"/>
+            <a:r>
+              <a:rPr lang="en-US" sz="800" kern="0" dirty="0" err="1">
+                <a:solidFill>
+                  <a:prstClr val="black"/>
+                </a:solidFill>
+                <a:latin typeface="Calibri" panose="020F0502020204030204"/>
+              </a:rPr>
+              <a:t>notificationSubscribe</a:t>
+            </a:r>
+            <a:endParaRPr lang="en-US" sz="800" kern="0" dirty="0">
+              <a:solidFill>
+                <a:prstClr val="black"/>
+              </a:solidFill>
+              <a:latin typeface="Calibri" panose="020F0502020204030204"/>
+            </a:endParaRPr>
+          </a:p>
+          <a:p>
+            <a:pPr defTabSz="914411"/>
+            <a:r>
+              <a:rPr lang="en-US" sz="800" kern="0" dirty="0" err="1">
+                <a:solidFill>
+                  <a:prstClr val="black"/>
+                </a:solidFill>
+                <a:latin typeface="Calibri" panose="020F0502020204030204"/>
+              </a:rPr>
+              <a:t>notificationStreamName</a:t>
+            </a:r>
+            <a:endParaRPr lang="en-US" sz="800" kern="0" dirty="0">
+              <a:solidFill>
+                <a:prstClr val="black"/>
+              </a:solidFill>
+              <a:latin typeface="Calibri" panose="020F0502020204030204"/>
+            </a:endParaRPr>
+          </a:p>
+          <a:p>
+            <a:pPr defTabSz="914411"/>
+            <a:r>
+              <a:rPr lang="en-US" sz="800" kern="0" dirty="0" err="1">
+                <a:solidFill>
+                  <a:prstClr val="black"/>
+                </a:solidFill>
+                <a:latin typeface="Calibri" panose="020F0502020204030204"/>
+              </a:rPr>
+              <a:t>availableCapability</a:t>
+            </a:r>
+            <a:endParaRPr lang="en-US" sz="800" kern="0" dirty="0">
+              <a:solidFill>
+                <a:prstClr val="black"/>
+              </a:solidFill>
+              <a:latin typeface="Calibri" panose="020F0502020204030204"/>
+            </a:endParaRPr>
+          </a:p>
+          <a:p>
+            <a:pPr defTabSz="914411"/>
+            <a:r>
+              <a:rPr lang="en-US" sz="800" kern="0" dirty="0" err="1">
+                <a:solidFill>
+                  <a:prstClr val="black"/>
+                </a:solidFill>
+                <a:latin typeface="Calibri" panose="020F0502020204030204"/>
+              </a:rPr>
+              <a:t>unavailableCapability</a:t>
+            </a:r>
+            <a:endParaRPr lang="en-US" sz="800" kern="0" dirty="0">
+              <a:solidFill>
+                <a:prstClr val="black"/>
+              </a:solidFill>
+              <a:latin typeface="Calibri" panose="020F0502020204030204"/>
+            </a:endParaRPr>
+          </a:p>
+          <a:p>
+            <a:pPr defTabSz="914411"/>
+            <a:endParaRPr lang="en-US" sz="800" kern="0" dirty="0">
+              <a:solidFill>
+                <a:prstClr val="black"/>
+              </a:solidFill>
+              <a:latin typeface="Calibri" panose="020F0502020204030204"/>
+            </a:endParaRPr>
+          </a:p>
         </p:txBody>
       </p:sp>
       <p:cxnSp>
         <p:nvCxnSpPr>
-          <p:cNvPr id="352" name="Gerade Verbindung mit Pfeil 351">
-            <a:extLst>
-              <a:ext uri="{FF2B5EF4-FFF2-40B4-BE49-F238E27FC236}">
-                <a16:creationId xmlns:a16="http://schemas.microsoft.com/office/drawing/2014/main" id="{7A566248-D25A-29AE-D97A-931D7DB2D8C5}"/>
+          <p:cNvPr id="316" name="Gerade Verbindung mit Pfeil 315">
+            <a:extLst>
+              <a:ext uri="{FF2B5EF4-FFF2-40B4-BE49-F238E27FC236}">
+                <a16:creationId xmlns:a16="http://schemas.microsoft.com/office/drawing/2014/main" id="{8CA88BAA-6527-D656-36D1-64DF13E119D8}"/>
               </a:ext>
             </a:extLst>
           </p:cNvPr>
           <p:cNvCxnSpPr>
             <a:cxnSpLocks/>
-            <a:stCxn id="350" idx="1"/>
-            <a:endCxn id="351" idx="3"/>
+            <a:stCxn id="314" idx="3"/>
+            <a:endCxn id="315" idx="1"/>
           </p:cNvCxnSpPr>
           <p:nvPr/>
         </p:nvCxnSpPr>
         <p:spPr>
-          <a:xfrm flipH="1" flipV="1">
-            <a:off x="19284184" y="14804220"/>
-            <a:ext cx="435675" cy="1"/>
+          <a:xfrm>
+            <a:off x="33779869" y="13959898"/>
+            <a:ext cx="495316" cy="131234"/>
           </a:xfrm>
           <a:prstGeom prst="straightConnector1">
             <a:avLst/>
@@ -16563,23 +15539,24 @@
       </p:cxnSp>
       <p:cxnSp>
         <p:nvCxnSpPr>
-          <p:cNvPr id="353" name="Gerade Verbindung mit Pfeil 352">
-            <a:extLst>
-              <a:ext uri="{FF2B5EF4-FFF2-40B4-BE49-F238E27FC236}">
-                <a16:creationId xmlns:a16="http://schemas.microsoft.com/office/drawing/2014/main" id="{9BF14EFC-1361-CB2B-148F-C164F0B0FFEF}"/>
+          <p:cNvPr id="317" name="Gerade Verbindung mit Pfeil 316">
+            <a:extLst>
+              <a:ext uri="{FF2B5EF4-FFF2-40B4-BE49-F238E27FC236}">
+                <a16:creationId xmlns:a16="http://schemas.microsoft.com/office/drawing/2014/main" id="{02943F78-3488-FC09-8944-522744799565}"/>
               </a:ext>
             </a:extLst>
           </p:cNvPr>
           <p:cNvCxnSpPr>
             <a:cxnSpLocks/>
-            <a:stCxn id="350" idx="3"/>
+            <a:stCxn id="314" idx="0"/>
+            <a:endCxn id="67" idx="3"/>
           </p:cNvCxnSpPr>
           <p:nvPr/>
         </p:nvCxnSpPr>
         <p:spPr>
-          <a:xfrm flipV="1">
-            <a:off x="20881312" y="11047080"/>
-            <a:ext cx="235849" cy="3757135"/>
+          <a:xfrm flipH="1" flipV="1">
+            <a:off x="33071553" y="12986283"/>
+            <a:ext cx="127590" cy="750829"/>
           </a:xfrm>
           <a:prstGeom prst="straightConnector1">
             <a:avLst/>
@@ -16598,10 +15575,10 @@
       </p:cxnSp>
       <p:sp>
         <p:nvSpPr>
-          <p:cNvPr id="354" name="Abgerundetes Rechteck 88">
-            <a:extLst>
-              <a:ext uri="{FF2B5EF4-FFF2-40B4-BE49-F238E27FC236}">
-                <a16:creationId xmlns:a16="http://schemas.microsoft.com/office/drawing/2014/main" id="{BB09E354-F665-473A-1E0D-124C40226357}"/>
+          <p:cNvPr id="346" name="Abgerundetes Rechteck 88">
+            <a:extLst>
+              <a:ext uri="{FF2B5EF4-FFF2-40B4-BE49-F238E27FC236}">
+                <a16:creationId xmlns:a16="http://schemas.microsoft.com/office/drawing/2014/main" id="{82B9F678-68A2-0B64-1E87-FB708B5F53BB}"/>
               </a:ext>
             </a:extLst>
           </p:cNvPr>
@@ -16610,7 +15587,7 @@
         </p:nvSpPr>
         <p:spPr>
           <a:xfrm>
-            <a:off x="19726209" y="12791817"/>
+            <a:off x="30383577" y="10824294"/>
             <a:ext cx="1161453" cy="445572"/>
           </a:xfrm>
           <a:prstGeom prst="roundRect">
@@ -16667,6 +15644,524 @@
       </p:sp>
       <p:sp>
         <p:nvSpPr>
+          <p:cNvPr id="347" name="Rechteck 346">
+            <a:extLst>
+              <a:ext uri="{FF2B5EF4-FFF2-40B4-BE49-F238E27FC236}">
+                <a16:creationId xmlns:a16="http://schemas.microsoft.com/office/drawing/2014/main" id="{3C5DC373-D58C-E7D6-026A-39E04A61281D}"/>
+              </a:ext>
+            </a:extLst>
+          </p:cNvPr>
+          <p:cNvSpPr/>
+          <p:nvPr/>
+        </p:nvSpPr>
+        <p:spPr>
+          <a:xfrm>
+            <a:off x="28132118" y="10824293"/>
+            <a:ext cx="1815783" cy="445572"/>
+          </a:xfrm>
+          <a:prstGeom prst="rect">
+            <a:avLst/>
+          </a:prstGeom>
+          <a:solidFill>
+            <a:sysClr val="window" lastClr="FFFFFF"/>
+          </a:solidFill>
+          <a:ln w="12700" cap="flat" cmpd="sng" algn="ctr">
+            <a:solidFill>
+              <a:srgbClr val="A5A5A5"/>
+            </a:solidFill>
+            <a:prstDash val="solid"/>
+            <a:miter lim="800000"/>
+          </a:ln>
+          <a:effectLst/>
+        </p:spPr>
+        <p:txBody>
+          <a:bodyPr lIns="36000" tIns="36000" rIns="36000" bIns="36000" rtlCol="0" anchor="t"/>
+          <a:lstStyle/>
+          <a:p>
+            <a:pPr defTabSz="914411"/>
+            <a:r>
+              <a:rPr lang="en-US" sz="800" kern="0" dirty="0">
+                <a:solidFill>
+                  <a:prstClr val="black"/>
+                </a:solidFill>
+                <a:latin typeface="Calibri" panose="020F0502020204030204"/>
+              </a:rPr>
+              <a:t>local-id=[</a:t>
+            </a:r>
+            <a:r>
+              <a:rPr lang="en-US" sz="800" kern="0" dirty="0" err="1">
+                <a:solidFill>
+                  <a:prstClr val="black"/>
+                </a:solidFill>
+                <a:latin typeface="Calibri" panose="020F0502020204030204"/>
+              </a:rPr>
+              <a:t>applicationName</a:t>
+            </a:r>
+            <a:r>
+              <a:rPr lang="en-US" sz="800" kern="0" dirty="0">
+                <a:solidFill>
+                  <a:prstClr val="black"/>
+                </a:solidFill>
+                <a:latin typeface="Calibri" panose="020F0502020204030204"/>
+              </a:rPr>
+              <a:t>]</a:t>
+            </a:r>
+          </a:p>
+          <a:p>
+            <a:pPr defTabSz="914411"/>
+            <a:r>
+              <a:rPr lang="en-US" sz="800" kern="0" dirty="0" err="1">
+                <a:solidFill>
+                  <a:prstClr val="black"/>
+                </a:solidFill>
+                <a:latin typeface="Calibri" panose="020F0502020204030204"/>
+              </a:rPr>
+              <a:t>httpUserName</a:t>
+            </a:r>
+            <a:r>
+              <a:rPr lang="en-US" sz="800" kern="0" dirty="0">
+                <a:solidFill>
+                  <a:prstClr val="black"/>
+                </a:solidFill>
+                <a:latin typeface="Calibri" panose="020F0502020204030204"/>
+              </a:rPr>
+              <a:t>=[</a:t>
+            </a:r>
+            <a:r>
+              <a:rPr lang="en-US" sz="800" kern="0" dirty="0" err="1">
+                <a:solidFill>
+                  <a:prstClr val="black"/>
+                </a:solidFill>
+                <a:latin typeface="Calibri" panose="020F0502020204030204"/>
+              </a:rPr>
+              <a:t>applicationName</a:t>
+            </a:r>
+            <a:r>
+              <a:rPr lang="en-US" sz="800" kern="0" dirty="0">
+                <a:solidFill>
+                  <a:prstClr val="black"/>
+                </a:solidFill>
+                <a:latin typeface="Calibri" panose="020F0502020204030204"/>
+              </a:rPr>
+              <a:t>]</a:t>
+            </a:r>
+          </a:p>
+          <a:p>
+            <a:pPr defTabSz="914411"/>
+            <a:r>
+              <a:rPr lang="en-US" sz="800" kern="0" dirty="0" err="1">
+                <a:solidFill>
+                  <a:prstClr val="black"/>
+                </a:solidFill>
+                <a:latin typeface="Calibri" panose="020F0502020204030204"/>
+              </a:rPr>
+              <a:t>httpPassword</a:t>
+            </a:r>
+            <a:endParaRPr lang="en-US" sz="800" kern="0" dirty="0">
+              <a:solidFill>
+                <a:prstClr val="black"/>
+              </a:solidFill>
+              <a:latin typeface="Calibri" panose="020F0502020204030204"/>
+            </a:endParaRPr>
+          </a:p>
+          <a:p>
+            <a:pPr defTabSz="914411"/>
+            <a:endParaRPr lang="en-US" sz="800" kern="0" dirty="0">
+              <a:solidFill>
+                <a:prstClr val="black"/>
+              </a:solidFill>
+              <a:latin typeface="Calibri" panose="020F0502020204030204"/>
+            </a:endParaRPr>
+          </a:p>
+        </p:txBody>
+      </p:sp>
+      <p:cxnSp>
+        <p:nvCxnSpPr>
+          <p:cNvPr id="348" name="Gerade Verbindung mit Pfeil 347">
+            <a:extLst>
+              <a:ext uri="{FF2B5EF4-FFF2-40B4-BE49-F238E27FC236}">
+                <a16:creationId xmlns:a16="http://schemas.microsoft.com/office/drawing/2014/main" id="{E8A7090C-1164-A43E-E161-A6D472CF61A3}"/>
+              </a:ext>
+            </a:extLst>
+          </p:cNvPr>
+          <p:cNvCxnSpPr>
+            <a:cxnSpLocks/>
+            <a:stCxn id="346" idx="3"/>
+          </p:cNvCxnSpPr>
+          <p:nvPr/>
+        </p:nvCxnSpPr>
+        <p:spPr>
+          <a:xfrm flipV="1">
+            <a:off x="31545030" y="10824294"/>
+            <a:ext cx="490599" cy="222786"/>
+          </a:xfrm>
+          <a:prstGeom prst="straightConnector1">
+            <a:avLst/>
+          </a:prstGeom>
+          <a:noFill/>
+          <a:ln w="6350" cap="flat" cmpd="sng" algn="ctr">
+            <a:solidFill>
+              <a:srgbClr val="5B9BD5"/>
+            </a:solidFill>
+            <a:prstDash val="dash"/>
+            <a:miter lim="800000"/>
+            <a:tailEnd type="triangle"/>
+          </a:ln>
+          <a:effectLst/>
+        </p:spPr>
+      </p:cxnSp>
+      <p:cxnSp>
+        <p:nvCxnSpPr>
+          <p:cNvPr id="349" name="Gerade Verbindung mit Pfeil 348">
+            <a:extLst>
+              <a:ext uri="{FF2B5EF4-FFF2-40B4-BE49-F238E27FC236}">
+                <a16:creationId xmlns:a16="http://schemas.microsoft.com/office/drawing/2014/main" id="{391613CB-9997-DB9E-BCBC-4FD2900E9885}"/>
+              </a:ext>
+            </a:extLst>
+          </p:cNvPr>
+          <p:cNvCxnSpPr>
+            <a:cxnSpLocks/>
+            <a:stCxn id="346" idx="1"/>
+            <a:endCxn id="347" idx="3"/>
+          </p:cNvCxnSpPr>
+          <p:nvPr/>
+        </p:nvCxnSpPr>
+        <p:spPr>
+          <a:xfrm flipH="1" flipV="1">
+            <a:off x="29947901" y="11047079"/>
+            <a:ext cx="435676" cy="1"/>
+          </a:xfrm>
+          <a:prstGeom prst="straightConnector1">
+            <a:avLst/>
+          </a:prstGeom>
+          <a:noFill/>
+          <a:ln w="6350" cap="flat" cmpd="sng" algn="ctr">
+            <a:solidFill>
+              <a:srgbClr val="5B9BD5"/>
+            </a:solidFill>
+            <a:prstDash val="solid"/>
+            <a:miter lim="800000"/>
+            <a:tailEnd type="triangle"/>
+          </a:ln>
+          <a:effectLst/>
+        </p:spPr>
+      </p:cxnSp>
+      <p:sp>
+        <p:nvSpPr>
+          <p:cNvPr id="350" name="Abgerundetes Rechteck 88">
+            <a:extLst>
+              <a:ext uri="{FF2B5EF4-FFF2-40B4-BE49-F238E27FC236}">
+                <a16:creationId xmlns:a16="http://schemas.microsoft.com/office/drawing/2014/main" id="{9494947A-734B-B450-BBDE-0FFC3A07DB07}"/>
+              </a:ext>
+            </a:extLst>
+          </p:cNvPr>
+          <p:cNvSpPr/>
+          <p:nvPr/>
+        </p:nvSpPr>
+        <p:spPr>
+          <a:xfrm>
+            <a:off x="19719859" y="14581429"/>
+            <a:ext cx="1161453" cy="445572"/>
+          </a:xfrm>
+          <a:prstGeom prst="roundRect">
+            <a:avLst/>
+          </a:prstGeom>
+          <a:solidFill>
+            <a:srgbClr val="4472C4">
+              <a:lumMod val="60000"/>
+              <a:lumOff val="40000"/>
+            </a:srgbClr>
+          </a:solidFill>
+          <a:ln w="12700" cap="flat" cmpd="sng" algn="ctr">
+            <a:solidFill>
+              <a:srgbClr val="4472C4">
+                <a:lumMod val="75000"/>
+              </a:srgbClr>
+            </a:solidFill>
+            <a:prstDash val="solid"/>
+            <a:miter lim="800000"/>
+          </a:ln>
+          <a:effectLst>
+            <a:outerShdw blurRad="50800" dist="38100" dir="2700000" algn="tl" rotWithShape="0">
+              <a:prstClr val="black">
+                <a:alpha val="40000"/>
+              </a:prstClr>
+            </a:outerShdw>
+          </a:effectLst>
+        </p:spPr>
+        <p:txBody>
+          <a:bodyPr rtlCol="0" anchor="ctr"/>
+          <a:lstStyle/>
+          <a:p>
+            <a:pPr algn="ctr" defTabSz="914411">
+              <a:defRPr/>
+            </a:pPr>
+            <a:r>
+              <a:rPr lang="en-US" sz="1050" kern="0" noProof="0" dirty="0" err="1">
+                <a:solidFill>
+                  <a:prstClr val="white"/>
+                </a:solidFill>
+                <a:latin typeface="Calibri" panose="020F0502020204030204"/>
+              </a:rPr>
+              <a:t>TcpServer</a:t>
+            </a:r>
+            <a:r>
+              <a:rPr lang="en-US" sz="1050" kern="0" noProof="0" dirty="0">
+                <a:solidFill>
+                  <a:prstClr val="white"/>
+                </a:solidFill>
+                <a:latin typeface="Calibri" panose="020F0502020204030204"/>
+              </a:rPr>
+              <a:t> [1]</a:t>
+            </a:r>
+          </a:p>
+        </p:txBody>
+      </p:sp>
+      <p:sp>
+        <p:nvSpPr>
+          <p:cNvPr id="351" name="Rechteck 350">
+            <a:extLst>
+              <a:ext uri="{FF2B5EF4-FFF2-40B4-BE49-F238E27FC236}">
+                <a16:creationId xmlns:a16="http://schemas.microsoft.com/office/drawing/2014/main" id="{39854DB9-4DD8-6645-1578-B13C735DB3FB}"/>
+              </a:ext>
+            </a:extLst>
+          </p:cNvPr>
+          <p:cNvSpPr/>
+          <p:nvPr/>
+        </p:nvSpPr>
+        <p:spPr>
+          <a:xfrm>
+            <a:off x="17468400" y="14581428"/>
+            <a:ext cx="1815783" cy="445572"/>
+          </a:xfrm>
+          <a:prstGeom prst="rect">
+            <a:avLst/>
+          </a:prstGeom>
+          <a:solidFill>
+            <a:sysClr val="window" lastClr="FFFFFF"/>
+          </a:solidFill>
+          <a:ln w="12700" cap="flat" cmpd="sng" algn="ctr">
+            <a:solidFill>
+              <a:srgbClr val="A5A5A5"/>
+            </a:solidFill>
+            <a:prstDash val="solid"/>
+            <a:miter lim="800000"/>
+          </a:ln>
+          <a:effectLst/>
+        </p:spPr>
+        <p:txBody>
+          <a:bodyPr lIns="36000" tIns="36000" rIns="36000" bIns="36000" rtlCol="0" anchor="t"/>
+          <a:lstStyle/>
+          <a:p>
+            <a:pPr defTabSz="914411"/>
+            <a:r>
+              <a:rPr lang="en-US" sz="800" kern="0" noProof="0" dirty="0">
+                <a:solidFill>
+                  <a:prstClr val="black"/>
+                </a:solidFill>
+                <a:latin typeface="Calibri" panose="020F0502020204030204"/>
+              </a:rPr>
+              <a:t>local-id=</a:t>
+            </a:r>
+            <a:r>
+              <a:rPr lang="en-US" sz="800" kern="0" noProof="0" dirty="0" err="1">
+                <a:solidFill>
+                  <a:prstClr val="black"/>
+                </a:solidFill>
+                <a:latin typeface="Calibri" panose="020F0502020204030204"/>
+              </a:rPr>
+              <a:t>tcp</a:t>
+            </a:r>
+            <a:r>
+              <a:rPr lang="en-US" sz="800" kern="0" noProof="0" dirty="0">
+                <a:solidFill>
+                  <a:prstClr val="black"/>
+                </a:solidFill>
+                <a:latin typeface="Calibri" panose="020F0502020204030204"/>
+              </a:rPr>
+              <a:t>-server</a:t>
+            </a:r>
+          </a:p>
+          <a:p>
+            <a:pPr defTabSz="914411"/>
+            <a:r>
+              <a:rPr lang="en-US" sz="800" kern="0" noProof="0" dirty="0" err="1">
+                <a:solidFill>
+                  <a:prstClr val="black"/>
+                </a:solidFill>
+                <a:latin typeface="Calibri" panose="020F0502020204030204"/>
+              </a:rPr>
+              <a:t>localIpAddress</a:t>
+            </a:r>
+            <a:endParaRPr lang="en-US" sz="800" kern="0" noProof="0" dirty="0">
+              <a:solidFill>
+                <a:prstClr val="black"/>
+              </a:solidFill>
+              <a:latin typeface="Calibri" panose="020F0502020204030204"/>
+            </a:endParaRPr>
+          </a:p>
+          <a:p>
+            <a:pPr defTabSz="914411"/>
+            <a:r>
+              <a:rPr lang="en-US" sz="800" kern="0" noProof="0" dirty="0" err="1">
+                <a:solidFill>
+                  <a:prstClr val="black"/>
+                </a:solidFill>
+                <a:latin typeface="Calibri" panose="020F0502020204030204"/>
+              </a:rPr>
+              <a:t>localPort</a:t>
+            </a:r>
+            <a:endParaRPr lang="en-US" sz="800" kern="0" noProof="0" dirty="0">
+              <a:solidFill>
+                <a:prstClr val="black"/>
+              </a:solidFill>
+              <a:latin typeface="Calibri" panose="020F0502020204030204"/>
+            </a:endParaRPr>
+          </a:p>
+        </p:txBody>
+      </p:sp>
+      <p:cxnSp>
+        <p:nvCxnSpPr>
+          <p:cNvPr id="352" name="Gerade Verbindung mit Pfeil 351">
+            <a:extLst>
+              <a:ext uri="{FF2B5EF4-FFF2-40B4-BE49-F238E27FC236}">
+                <a16:creationId xmlns:a16="http://schemas.microsoft.com/office/drawing/2014/main" id="{7A566248-D25A-29AE-D97A-931D7DB2D8C5}"/>
+              </a:ext>
+            </a:extLst>
+          </p:cNvPr>
+          <p:cNvCxnSpPr>
+            <a:cxnSpLocks/>
+            <a:stCxn id="350" idx="1"/>
+            <a:endCxn id="351" idx="3"/>
+          </p:cNvCxnSpPr>
+          <p:nvPr/>
+        </p:nvCxnSpPr>
+        <p:spPr>
+          <a:xfrm flipH="1" flipV="1">
+            <a:off x="19284184" y="14804220"/>
+            <a:ext cx="435675" cy="1"/>
+          </a:xfrm>
+          <a:prstGeom prst="straightConnector1">
+            <a:avLst/>
+          </a:prstGeom>
+          <a:noFill/>
+          <a:ln w="6350" cap="flat" cmpd="sng" algn="ctr">
+            <a:solidFill>
+              <a:srgbClr val="5B9BD5"/>
+            </a:solidFill>
+            <a:prstDash val="solid"/>
+            <a:miter lim="800000"/>
+            <a:tailEnd type="triangle"/>
+          </a:ln>
+          <a:effectLst/>
+        </p:spPr>
+      </p:cxnSp>
+      <p:cxnSp>
+        <p:nvCxnSpPr>
+          <p:cNvPr id="353" name="Gerade Verbindung mit Pfeil 352">
+            <a:extLst>
+              <a:ext uri="{FF2B5EF4-FFF2-40B4-BE49-F238E27FC236}">
+                <a16:creationId xmlns:a16="http://schemas.microsoft.com/office/drawing/2014/main" id="{9BF14EFC-1361-CB2B-148F-C164F0B0FFEF}"/>
+              </a:ext>
+            </a:extLst>
+          </p:cNvPr>
+          <p:cNvCxnSpPr>
+            <a:cxnSpLocks/>
+            <a:stCxn id="350" idx="3"/>
+          </p:cNvCxnSpPr>
+          <p:nvPr/>
+        </p:nvCxnSpPr>
+        <p:spPr>
+          <a:xfrm flipV="1">
+            <a:off x="20881312" y="11047080"/>
+            <a:ext cx="235849" cy="3757135"/>
+          </a:xfrm>
+          <a:prstGeom prst="straightConnector1">
+            <a:avLst/>
+          </a:prstGeom>
+          <a:noFill/>
+          <a:ln w="6350" cap="flat" cmpd="sng" algn="ctr">
+            <a:solidFill>
+              <a:srgbClr val="5B9BD5"/>
+            </a:solidFill>
+            <a:prstDash val="dash"/>
+            <a:miter lim="800000"/>
+            <a:tailEnd type="triangle"/>
+          </a:ln>
+          <a:effectLst/>
+        </p:spPr>
+      </p:cxnSp>
+      <p:sp>
+        <p:nvSpPr>
+          <p:cNvPr id="354" name="Abgerundetes Rechteck 88">
+            <a:extLst>
+              <a:ext uri="{FF2B5EF4-FFF2-40B4-BE49-F238E27FC236}">
+                <a16:creationId xmlns:a16="http://schemas.microsoft.com/office/drawing/2014/main" id="{BB09E354-F665-473A-1E0D-124C40226357}"/>
+              </a:ext>
+            </a:extLst>
+          </p:cNvPr>
+          <p:cNvSpPr/>
+          <p:nvPr/>
+        </p:nvSpPr>
+        <p:spPr>
+          <a:xfrm>
+            <a:off x="19726209" y="12791817"/>
+            <a:ext cx="1161453" cy="445572"/>
+          </a:xfrm>
+          <a:prstGeom prst="roundRect">
+            <a:avLst/>
+          </a:prstGeom>
+          <a:solidFill>
+            <a:srgbClr val="4472C4">
+              <a:lumMod val="60000"/>
+              <a:lumOff val="40000"/>
+            </a:srgbClr>
+          </a:solidFill>
+          <a:ln w="12700" cap="flat" cmpd="sng" algn="ctr">
+            <a:solidFill>
+              <a:srgbClr val="4472C4">
+                <a:lumMod val="75000"/>
+              </a:srgbClr>
+            </a:solidFill>
+            <a:prstDash val="solid"/>
+            <a:miter lim="800000"/>
+          </a:ln>
+          <a:effectLst>
+            <a:outerShdw blurRad="50800" dist="38100" dir="2700000" algn="tl" rotWithShape="0">
+              <a:prstClr val="black">
+                <a:alpha val="40000"/>
+              </a:prstClr>
+            </a:outerShdw>
+          </a:effectLst>
+        </p:spPr>
+        <p:txBody>
+          <a:bodyPr rtlCol="0" anchor="ctr"/>
+          <a:lstStyle/>
+          <a:p>
+            <a:pPr algn="ctr" defTabSz="914411"/>
+            <a:r>
+              <a:rPr lang="en-US" sz="1050" kern="0">
+                <a:solidFill>
+                  <a:prstClr val="white"/>
+                </a:solidFill>
+                <a:latin typeface="Calibri" panose="020F0502020204030204"/>
+              </a:rPr>
+              <a:t>HttpServer</a:t>
+            </a:r>
+            <a:r>
+              <a:rPr lang="en-US" sz="1050" kern="0" dirty="0">
+                <a:solidFill>
+                  <a:prstClr val="white"/>
+                </a:solidFill>
+                <a:latin typeface="Calibri" panose="020F0502020204030204"/>
+              </a:rPr>
+              <a:t> [*]</a:t>
+            </a:r>
+          </a:p>
+        </p:txBody>
+      </p:sp>
+      <p:sp>
+        <p:nvSpPr>
           <p:cNvPr id="355" name="Rechteck 354">
             <a:extLst>
               <a:ext uri="{FF2B5EF4-FFF2-40B4-BE49-F238E27FC236}">
@@ -16922,10 +16417,10 @@
       </p:sp>
       <p:sp>
         <p:nvSpPr>
-          <p:cNvPr id="361" name="Rechteck 360">
-            <a:extLst>
-              <a:ext uri="{FF2B5EF4-FFF2-40B4-BE49-F238E27FC236}">
-                <a16:creationId xmlns:a16="http://schemas.microsoft.com/office/drawing/2014/main" id="{AA3FF363-65CD-B6A0-D87B-ACEA75081FB6}"/>
+          <p:cNvPr id="30" name="Abgerundetes Rechteck 2">
+            <a:extLst>
+              <a:ext uri="{FF2B5EF4-FFF2-40B4-BE49-F238E27FC236}">
+                <a16:creationId xmlns:a16="http://schemas.microsoft.com/office/drawing/2014/main" id="{6465EB59-721D-4500-0367-C1EF6A7FCF85}"/>
               </a:ext>
             </a:extLst>
           </p:cNvPr>
@@ -16934,102 +16429,7 @@
         </p:nvSpPr>
         <p:spPr>
           <a:xfrm>
-            <a:off x="16092791" y="4705357"/>
-            <a:ext cx="3811429" cy="923330"/>
-          </a:xfrm>
-          <a:prstGeom prst="rect">
-            <a:avLst/>
-          </a:prstGeom>
-          <a:noFill/>
-        </p:spPr>
-        <p:txBody>
-          <a:bodyPr wrap="none" lIns="91440" tIns="45720" rIns="91440" bIns="45720">
-            <a:spAutoFit/>
-          </a:bodyPr>
-          <a:lstStyle/>
-          <a:p>
-            <a:pPr algn="ctr"/>
-            <a:r>
-              <a:rPr lang="de-DE" sz="5400" b="1" cap="none" spc="0" dirty="0" err="1">
-                <a:ln w="22225">
-                  <a:solidFill>
-                    <a:schemeClr val="accent2"/>
-                  </a:solidFill>
-                  <a:prstDash val="solid"/>
-                </a:ln>
-                <a:solidFill>
-                  <a:schemeClr val="accent2">
-                    <a:lumMod val="40000"/>
-                    <a:lumOff val="60000"/>
-                  </a:schemeClr>
-                </a:solidFill>
-                <a:effectLst/>
-              </a:rPr>
-              <a:t>Preliminary</a:t>
-            </a:r>
-            <a:endParaRPr lang="de-DE" sz="5400" b="1" cap="none" spc="0" dirty="0">
-              <a:ln w="22225">
-                <a:solidFill>
-                  <a:schemeClr val="accent2"/>
-                </a:solidFill>
-                <a:prstDash val="solid"/>
-              </a:ln>
-              <a:solidFill>
-                <a:schemeClr val="accent2">
-                  <a:lumMod val="40000"/>
-                  <a:lumOff val="60000"/>
-                </a:schemeClr>
-              </a:solidFill>
-              <a:effectLst/>
-            </a:endParaRPr>
-          </a:p>
-        </p:txBody>
-      </p:sp>
-      <p:pic>
-        <p:nvPicPr>
-          <p:cNvPr id="25" name="Grafik 24">
-            <a:extLst>
-              <a:ext uri="{FF2B5EF4-FFF2-40B4-BE49-F238E27FC236}">
-                <a16:creationId xmlns:a16="http://schemas.microsoft.com/office/drawing/2014/main" id="{7F3150DB-5558-55F9-CA11-FC7E491AEA2C}"/>
-              </a:ext>
-            </a:extLst>
-          </p:cNvPr>
-          <p:cNvPicPr>
-            <a:picLocks noChangeAspect="1"/>
-          </p:cNvPicPr>
-          <p:nvPr/>
-        </p:nvPicPr>
-        <p:blipFill>
-          <a:blip r:embed="rId6"/>
-          <a:stretch>
-            <a:fillRect/>
-          </a:stretch>
-        </p:blipFill>
-        <p:spPr>
-          <a:xfrm>
-            <a:off x="23042321" y="-217056"/>
-            <a:ext cx="7170979" cy="5312102"/>
-          </a:xfrm>
-          <a:prstGeom prst="rect">
-            <a:avLst/>
-          </a:prstGeom>
-        </p:spPr>
-      </p:pic>
-      <p:sp>
-        <p:nvSpPr>
-          <p:cNvPr id="30" name="Abgerundetes Rechteck 2">
-            <a:extLst>
-              <a:ext uri="{FF2B5EF4-FFF2-40B4-BE49-F238E27FC236}">
-                <a16:creationId xmlns:a16="http://schemas.microsoft.com/office/drawing/2014/main" id="{6465EB59-721D-4500-0367-C1EF6A7FCF85}"/>
-              </a:ext>
-            </a:extLst>
-          </p:cNvPr>
-          <p:cNvSpPr/>
-          <p:nvPr/>
-        </p:nvSpPr>
-        <p:spPr>
-          <a:xfrm>
-            <a:off x="9198303" y="5577132"/>
+            <a:off x="9198303" y="6024807"/>
             <a:ext cx="537299" cy="445572"/>
           </a:xfrm>
           <a:prstGeom prst="roundRect">
@@ -17071,7 +16471,7 @@
                 </a:solidFill>
                 <a:latin typeface="Calibri" panose="020F0502020204030204"/>
               </a:rPr>
-              <a:t>FD</a:t>
+              <a:t>LLFD</a:t>
             </a:r>
           </a:p>
         </p:txBody>
@@ -17088,14 +16488,14 @@
           <p:cNvCxnSpPr>
             <a:cxnSpLocks/>
             <a:stCxn id="117" idx="2"/>
-            <a:endCxn id="30" idx="0"/>
+            <a:endCxn id="64" idx="0"/>
           </p:cNvCxnSpPr>
           <p:nvPr/>
         </p:nvCxnSpPr>
         <p:spPr>
           <a:xfrm flipH="1">
             <a:off x="9466953" y="4017270"/>
-            <a:ext cx="335695" cy="1559862"/>
+            <a:ext cx="335695" cy="1140762"/>
           </a:xfrm>
           <a:prstGeom prst="straightConnector1">
             <a:avLst/>
@@ -17130,8 +16530,8 @@
         </p:nvCxnSpPr>
         <p:spPr>
           <a:xfrm flipH="1">
-            <a:off x="9465590" y="6022704"/>
-            <a:ext cx="1363" cy="595289"/>
+            <a:off x="9465590" y="6470379"/>
+            <a:ext cx="1363" cy="495008"/>
           </a:xfrm>
           <a:prstGeom prst="straightConnector1">
             <a:avLst/>
@@ -17162,7 +16562,7 @@
         </p:nvSpPr>
         <p:spPr>
           <a:xfrm>
-            <a:off x="7134225" y="5577132"/>
+            <a:off x="7134225" y="6261110"/>
             <a:ext cx="1256098" cy="336074"/>
           </a:xfrm>
           <a:prstGeom prst="rect">
@@ -17222,7 +16622,7 @@
                 </a:solidFill>
                 <a:latin typeface="Calibri" panose="020F0502020204030204"/>
               </a:rPr>
-              <a:t>managementDomain</a:t>
+              <a:t>applicationName</a:t>
             </a:r>
             <a:r>
               <a:rPr lang="en-US" sz="800" kern="0" dirty="0">
@@ -17253,9 +16653,9 @@
           <p:nvPr/>
         </p:nvCxnSpPr>
         <p:spPr>
-          <a:xfrm flipH="1" flipV="1">
-            <a:off x="8390323" y="5745169"/>
-            <a:ext cx="807980" cy="54749"/>
+          <a:xfrm flipH="1">
+            <a:off x="8390323" y="6247593"/>
+            <a:ext cx="807980" cy="181554"/>
           </a:xfrm>
           <a:prstGeom prst="straightConnector1">
             <a:avLst/>
@@ -17268,42 +16668,6 @@
             <a:prstDash val="solid"/>
             <a:miter lim="800000"/>
             <a:tailEnd type="triangle"/>
-          </a:ln>
-          <a:effectLst/>
-        </p:spPr>
-      </p:cxnSp>
-      <p:cxnSp>
-        <p:nvCxnSpPr>
-          <p:cNvPr id="66" name="Verbinder: gewinkelt 65">
-            <a:extLst>
-              <a:ext uri="{FF2B5EF4-FFF2-40B4-BE49-F238E27FC236}">
-                <a16:creationId xmlns:a16="http://schemas.microsoft.com/office/drawing/2014/main" id="{53231971-7AE9-62B5-7233-5F6A05794F9C}"/>
-              </a:ext>
-            </a:extLst>
-          </p:cNvPr>
-          <p:cNvCxnSpPr>
-            <a:cxnSpLocks/>
-            <a:stCxn id="30" idx="3"/>
-            <a:endCxn id="72" idx="1"/>
-          </p:cNvCxnSpPr>
-          <p:nvPr/>
-        </p:nvCxnSpPr>
-        <p:spPr>
-          <a:xfrm>
-            <a:off x="9735602" y="5799918"/>
-            <a:ext cx="23277949" cy="6096873"/>
-          </a:xfrm>
-          <a:prstGeom prst="bentConnector2">
-            <a:avLst/>
-          </a:prstGeom>
-          <a:noFill/>
-          <a:ln w="6350" cap="flat" cmpd="sng" algn="ctr">
-            <a:solidFill>
-              <a:srgbClr val="FFFF00"/>
-            </a:solidFill>
-            <a:prstDash val="sysDash"/>
-            <a:miter lim="800000"/>
-            <a:tailEnd type="arrow"/>
           </a:ln>
           <a:effectLst/>
         </p:spPr>
@@ -17354,6 +16718,649 @@
           </a:p>
         </p:txBody>
       </p:sp>
+      <p:sp>
+        <p:nvSpPr>
+          <p:cNvPr id="7" name="Rechteck 6">
+            <a:extLst>
+              <a:ext uri="{FF2B5EF4-FFF2-40B4-BE49-F238E27FC236}">
+                <a16:creationId xmlns:a16="http://schemas.microsoft.com/office/drawing/2014/main" id="{245ACA22-29B5-A5DE-DCE2-E9AC6F789E51}"/>
+              </a:ext>
+            </a:extLst>
+          </p:cNvPr>
+          <p:cNvSpPr/>
+          <p:nvPr/>
+        </p:nvSpPr>
+        <p:spPr>
+          <a:xfrm>
+            <a:off x="6451600" y="7284039"/>
+            <a:ext cx="1928781" cy="310594"/>
+          </a:xfrm>
+          <a:prstGeom prst="rect">
+            <a:avLst/>
+          </a:prstGeom>
+          <a:solidFill>
+            <a:sysClr val="window" lastClr="FFFFFF"/>
+          </a:solidFill>
+          <a:ln w="12700" cap="flat" cmpd="sng" algn="ctr">
+            <a:solidFill>
+              <a:srgbClr val="A5A5A5"/>
+            </a:solidFill>
+            <a:prstDash val="solid"/>
+            <a:miter lim="800000"/>
+          </a:ln>
+          <a:effectLst/>
+        </p:spPr>
+        <p:txBody>
+          <a:bodyPr lIns="36000" tIns="36000" rIns="36000" bIns="36000" rtlCol="0" anchor="t"/>
+          <a:lstStyle/>
+          <a:p>
+            <a:pPr defTabSz="914411"/>
+            <a:r>
+              <a:rPr lang="en-US" sz="800" kern="0" noProof="0" dirty="0" err="1">
+                <a:solidFill>
+                  <a:prstClr val="black"/>
+                </a:solidFill>
+                <a:latin typeface="Calibri" panose="020F0502020204030204"/>
+              </a:rPr>
+              <a:t>forwardingConstructName</a:t>
+            </a:r>
+            <a:r>
+              <a:rPr lang="en-US" sz="800" kern="0" noProof="0" dirty="0">
+                <a:solidFill>
+                  <a:prstClr val="black"/>
+                </a:solidFill>
+                <a:latin typeface="Calibri" panose="020F0502020204030204"/>
+              </a:rPr>
+              <a:t>=[</a:t>
+            </a:r>
+            <a:r>
+              <a:rPr lang="en-US" sz="800" kern="0" noProof="0" dirty="0" err="1">
+                <a:solidFill>
+                  <a:prstClr val="black"/>
+                </a:solidFill>
+                <a:latin typeface="Calibri" panose="020F0502020204030204"/>
+              </a:rPr>
+              <a:t>deviceName</a:t>
+            </a:r>
+            <a:r>
+              <a:rPr lang="en-US" sz="800" kern="0" noProof="0" dirty="0">
+                <a:solidFill>
+                  <a:prstClr val="black"/>
+                </a:solidFill>
+                <a:latin typeface="Calibri" panose="020F0502020204030204"/>
+              </a:rPr>
+              <a:t>]</a:t>
+            </a:r>
+          </a:p>
+        </p:txBody>
+      </p:sp>
+      <p:cxnSp>
+        <p:nvCxnSpPr>
+          <p:cNvPr id="29" name="Gerade Verbindung mit Pfeil 28">
+            <a:extLst>
+              <a:ext uri="{FF2B5EF4-FFF2-40B4-BE49-F238E27FC236}">
+                <a16:creationId xmlns:a16="http://schemas.microsoft.com/office/drawing/2014/main" id="{3ECE894F-213C-4B75-8133-93D0D6C6D71E}"/>
+              </a:ext>
+            </a:extLst>
+          </p:cNvPr>
+          <p:cNvCxnSpPr>
+            <a:cxnSpLocks/>
+            <a:stCxn id="24" idx="1"/>
+            <a:endCxn id="62" idx="3"/>
+          </p:cNvCxnSpPr>
+          <p:nvPr/>
+        </p:nvCxnSpPr>
+        <p:spPr>
+          <a:xfrm flipH="1">
+            <a:off x="31332602" y="9083595"/>
+            <a:ext cx="701595" cy="72553"/>
+          </a:xfrm>
+          <a:prstGeom prst="straightConnector1">
+            <a:avLst/>
+          </a:prstGeom>
+          <a:noFill/>
+          <a:ln w="6350" cap="flat" cmpd="sng" algn="ctr">
+            <a:solidFill>
+              <a:srgbClr val="5B9BD5"/>
+            </a:solidFill>
+            <a:prstDash val="solid"/>
+            <a:miter lim="800000"/>
+            <a:tailEnd type="triangle"/>
+          </a:ln>
+          <a:effectLst/>
+        </p:spPr>
+      </p:cxnSp>
+      <p:sp>
+        <p:nvSpPr>
+          <p:cNvPr id="62" name="Rechteck 61">
+            <a:extLst>
+              <a:ext uri="{FF2B5EF4-FFF2-40B4-BE49-F238E27FC236}">
+                <a16:creationId xmlns:a16="http://schemas.microsoft.com/office/drawing/2014/main" id="{0DB883D0-A375-3005-0623-9B00EC2024DC}"/>
+              </a:ext>
+            </a:extLst>
+          </p:cNvPr>
+          <p:cNvSpPr/>
+          <p:nvPr/>
+        </p:nvSpPr>
+        <p:spPr>
+          <a:xfrm>
+            <a:off x="29190085" y="8790856"/>
+            <a:ext cx="2142517" cy="730584"/>
+          </a:xfrm>
+          <a:prstGeom prst="rect">
+            <a:avLst/>
+          </a:prstGeom>
+          <a:solidFill>
+            <a:sysClr val="window" lastClr="FFFFFF"/>
+          </a:solidFill>
+          <a:ln w="12700" cap="flat" cmpd="sng" algn="ctr">
+            <a:solidFill>
+              <a:srgbClr val="A5A5A5"/>
+            </a:solidFill>
+            <a:prstDash val="solid"/>
+            <a:miter lim="800000"/>
+          </a:ln>
+          <a:effectLst/>
+        </p:spPr>
+        <p:txBody>
+          <a:bodyPr lIns="36000" tIns="36000" rIns="36000" bIns="36000" rtlCol="0" anchor="t"/>
+          <a:lstStyle/>
+          <a:p>
+            <a:pPr defTabSz="914411"/>
+            <a:r>
+              <a:rPr lang="en-US" sz="800" kern="0" dirty="0" err="1">
+                <a:solidFill>
+                  <a:prstClr val="black"/>
+                </a:solidFill>
+                <a:latin typeface="Calibri" panose="020F0502020204030204"/>
+              </a:rPr>
+              <a:t>elementName</a:t>
+            </a:r>
+            <a:r>
+              <a:rPr lang="en-US" sz="800" kern="0" dirty="0">
+                <a:solidFill>
+                  <a:prstClr val="black"/>
+                </a:solidFill>
+                <a:latin typeface="Calibri" panose="020F0502020204030204"/>
+              </a:rPr>
+              <a:t>=[</a:t>
+            </a:r>
+            <a:r>
+              <a:rPr lang="en-US" sz="800" kern="0" dirty="0" err="1">
+                <a:solidFill>
+                  <a:prstClr val="black"/>
+                </a:solidFill>
+                <a:latin typeface="Calibri" panose="020F0502020204030204"/>
+              </a:rPr>
+              <a:t>managementDomain</a:t>
+            </a:r>
+            <a:r>
+              <a:rPr lang="en-US" sz="800" kern="0" dirty="0">
+                <a:solidFill>
+                  <a:prstClr val="black"/>
+                </a:solidFill>
+                <a:latin typeface="Calibri" panose="020F0502020204030204"/>
+              </a:rPr>
+              <a:t>]</a:t>
+            </a:r>
+          </a:p>
+          <a:p>
+            <a:pPr defTabSz="914411"/>
+            <a:r>
+              <a:rPr lang="en-US" sz="800" kern="0" dirty="0">
+                <a:solidFill>
+                  <a:prstClr val="black"/>
+                </a:solidFill>
+                <a:latin typeface="Calibri" panose="020F0502020204030204"/>
+              </a:rPr>
+              <a:t>category=</a:t>
+            </a:r>
+            <a:r>
+              <a:rPr lang="en-US" sz="800" kern="0" dirty="0" err="1">
+                <a:solidFill>
+                  <a:prstClr val="black"/>
+                </a:solidFill>
+                <a:latin typeface="Calibri" panose="020F0502020204030204"/>
+              </a:rPr>
+              <a:t>logicalController</a:t>
+            </a:r>
+            <a:endParaRPr lang="en-US" sz="800" kern="0" dirty="0">
+              <a:solidFill>
+                <a:prstClr val="black"/>
+              </a:solidFill>
+              <a:latin typeface="Calibri" panose="020F0502020204030204"/>
+            </a:endParaRPr>
+          </a:p>
+          <a:p>
+            <a:pPr defTabSz="914411"/>
+            <a:r>
+              <a:rPr lang="en-US" sz="800" kern="0" dirty="0">
+                <a:solidFill>
+                  <a:prstClr val="black"/>
+                </a:solidFill>
+                <a:latin typeface="Calibri" panose="020F0502020204030204"/>
+              </a:rPr>
+              <a:t>_template=</a:t>
+            </a:r>
+            <a:r>
+              <a:rPr lang="en-US" sz="800" kern="0" dirty="0" err="1">
+                <a:solidFill>
+                  <a:prstClr val="black"/>
+                </a:solidFill>
+                <a:latin typeface="Calibri" panose="020F0502020204030204"/>
+              </a:rPr>
+              <a:t>controllerTemplateName</a:t>
+            </a:r>
+            <a:endParaRPr lang="en-US" sz="800" kern="0" dirty="0">
+              <a:solidFill>
+                <a:prstClr val="black"/>
+              </a:solidFill>
+              <a:latin typeface="Calibri" panose="020F0502020204030204"/>
+            </a:endParaRPr>
+          </a:p>
+          <a:p>
+            <a:pPr defTabSz="914411"/>
+            <a:r>
+              <a:rPr lang="en-US" sz="800" kern="0" dirty="0">
+                <a:solidFill>
+                  <a:prstClr val="black"/>
+                </a:solidFill>
+                <a:latin typeface="Calibri" panose="020F0502020204030204"/>
+              </a:rPr>
+              <a:t>_controllers[*]=[</a:t>
+            </a:r>
+            <a:r>
+              <a:rPr lang="en-US" sz="800" kern="0" dirty="0" err="1">
+                <a:solidFill>
+                  <a:prstClr val="black"/>
+                </a:solidFill>
+                <a:latin typeface="Calibri" panose="020F0502020204030204"/>
+              </a:rPr>
+              <a:t>controllerName</a:t>
+            </a:r>
+            <a:r>
+              <a:rPr lang="en-US" sz="800" kern="0" dirty="0">
+                <a:solidFill>
+                  <a:prstClr val="black"/>
+                </a:solidFill>
+                <a:latin typeface="Calibri" panose="020F0502020204030204"/>
+              </a:rPr>
+              <a:t>]</a:t>
+            </a:r>
+          </a:p>
+          <a:p>
+            <a:pPr defTabSz="914411"/>
+            <a:r>
+              <a:rPr lang="en-US" sz="800" kern="0" dirty="0">
+                <a:solidFill>
+                  <a:prstClr val="black"/>
+                </a:solidFill>
+                <a:latin typeface="Calibri" panose="020F0502020204030204"/>
+              </a:rPr>
+              <a:t>_</a:t>
+            </a:r>
+            <a:r>
+              <a:rPr lang="en-US" sz="800" kern="0" dirty="0" err="1">
+                <a:solidFill>
+                  <a:prstClr val="black"/>
+                </a:solidFill>
+                <a:latin typeface="Calibri" panose="020F0502020204030204"/>
+              </a:rPr>
+              <a:t>tcpServer</a:t>
+            </a:r>
+            <a:r>
+              <a:rPr lang="en-US" sz="800" kern="0" dirty="0">
+                <a:solidFill>
+                  <a:prstClr val="black"/>
+                </a:solidFill>
+                <a:latin typeface="Calibri" panose="020F0502020204030204"/>
+              </a:rPr>
+              <a:t>=[</a:t>
+            </a:r>
+            <a:r>
+              <a:rPr lang="en-US" sz="800" kern="0" dirty="0" err="1">
+                <a:solidFill>
+                  <a:prstClr val="black"/>
+                </a:solidFill>
+                <a:latin typeface="Calibri" panose="020F0502020204030204"/>
+              </a:rPr>
+              <a:t>loadBalancerName</a:t>
+            </a:r>
+            <a:r>
+              <a:rPr lang="en-US" sz="800" kern="0" dirty="0">
+                <a:solidFill>
+                  <a:prstClr val="black"/>
+                </a:solidFill>
+                <a:latin typeface="Calibri" panose="020F0502020204030204"/>
+              </a:rPr>
+              <a:t>/</a:t>
+            </a:r>
+            <a:r>
+              <a:rPr lang="en-US" sz="800" kern="0" dirty="0" err="1">
+                <a:solidFill>
+                  <a:prstClr val="black"/>
+                </a:solidFill>
+                <a:latin typeface="Calibri" panose="020F0502020204030204"/>
+              </a:rPr>
+              <a:t>controllerName</a:t>
+            </a:r>
+            <a:r>
+              <a:rPr lang="en-US" sz="800" kern="0" dirty="0">
+                <a:solidFill>
+                  <a:prstClr val="black"/>
+                </a:solidFill>
+                <a:latin typeface="Calibri" panose="020F0502020204030204"/>
+              </a:rPr>
+              <a:t>]</a:t>
+            </a:r>
+          </a:p>
+        </p:txBody>
+      </p:sp>
+      <p:sp>
+        <p:nvSpPr>
+          <p:cNvPr id="64" name="Abgerundetes Rechteck 2">
+            <a:extLst>
+              <a:ext uri="{FF2B5EF4-FFF2-40B4-BE49-F238E27FC236}">
+                <a16:creationId xmlns:a16="http://schemas.microsoft.com/office/drawing/2014/main" id="{C70AD5F4-012C-7F98-4CA6-42EB6C048CA5}"/>
+              </a:ext>
+            </a:extLst>
+          </p:cNvPr>
+          <p:cNvSpPr/>
+          <p:nvPr/>
+        </p:nvSpPr>
+        <p:spPr>
+          <a:xfrm>
+            <a:off x="9198303" y="5158032"/>
+            <a:ext cx="537299" cy="445572"/>
+          </a:xfrm>
+          <a:prstGeom prst="roundRect">
+            <a:avLst/>
+          </a:prstGeom>
+          <a:solidFill>
+            <a:sysClr val="window" lastClr="FFFFFF">
+              <a:lumMod val="65000"/>
+            </a:sysClr>
+          </a:solidFill>
+          <a:ln w="12700" cap="flat" cmpd="sng" algn="ctr">
+            <a:solidFill>
+              <a:sysClr val="window" lastClr="FFFFFF">
+                <a:lumMod val="50000"/>
+              </a:sysClr>
+            </a:solidFill>
+            <a:prstDash val="solid"/>
+            <a:miter lim="800000"/>
+          </a:ln>
+          <a:effectLst>
+            <a:outerShdw blurRad="50800" dist="38100" dir="2700000" algn="tl" rotWithShape="0">
+              <a:prstClr val="black">
+                <a:alpha val="40000"/>
+              </a:prstClr>
+            </a:outerShdw>
+          </a:effectLst>
+        </p:spPr>
+        <p:txBody>
+          <a:bodyPr rtlCol="0" anchor="ctr"/>
+          <a:lstStyle/>
+          <a:p>
+            <a:pPr algn="ctr" defTabSz="914411">
+              <a:defRPr/>
+            </a:pPr>
+            <a:r>
+              <a:rPr lang="en-US" sz="1050" kern="0" noProof="0" dirty="0">
+                <a:solidFill>
+                  <a:prstClr val="white"/>
+                </a:solidFill>
+                <a:latin typeface="Calibri" panose="020F0502020204030204"/>
+              </a:rPr>
+              <a:t>FD</a:t>
+            </a:r>
+          </a:p>
+        </p:txBody>
+      </p:sp>
+      <p:sp>
+        <p:nvSpPr>
+          <p:cNvPr id="70" name="Rechteck 69">
+            <a:extLst>
+              <a:ext uri="{FF2B5EF4-FFF2-40B4-BE49-F238E27FC236}">
+                <a16:creationId xmlns:a16="http://schemas.microsoft.com/office/drawing/2014/main" id="{980A4881-FF3F-6DF5-EABD-DC68B55116F8}"/>
+              </a:ext>
+            </a:extLst>
+          </p:cNvPr>
+          <p:cNvSpPr/>
+          <p:nvPr/>
+        </p:nvSpPr>
+        <p:spPr>
+          <a:xfrm>
+            <a:off x="7134225" y="5702562"/>
+            <a:ext cx="1256098" cy="336074"/>
+          </a:xfrm>
+          <a:prstGeom prst="rect">
+            <a:avLst/>
+          </a:prstGeom>
+          <a:solidFill>
+            <a:sysClr val="window" lastClr="FFFFFF"/>
+          </a:solidFill>
+          <a:ln w="12700" cap="flat" cmpd="sng" algn="ctr">
+            <a:solidFill>
+              <a:srgbClr val="A5A5A5"/>
+            </a:solidFill>
+            <a:prstDash val="solid"/>
+            <a:miter lim="800000"/>
+          </a:ln>
+          <a:effectLst/>
+        </p:spPr>
+        <p:txBody>
+          <a:bodyPr lIns="36000" tIns="36000" rIns="36000" bIns="36000" rtlCol="0" anchor="t"/>
+          <a:lstStyle/>
+          <a:p>
+            <a:pPr defTabSz="914411"/>
+            <a:r>
+              <a:rPr lang="en-US" sz="800" kern="0" dirty="0" err="1">
+                <a:solidFill>
+                  <a:prstClr val="black"/>
+                </a:solidFill>
+                <a:latin typeface="Calibri" panose="020F0502020204030204"/>
+              </a:rPr>
+              <a:t>forwardingDomainName</a:t>
+            </a:r>
+            <a:r>
+              <a:rPr lang="en-US" sz="800" kern="0" dirty="0">
+                <a:solidFill>
+                  <a:prstClr val="black"/>
+                </a:solidFill>
+                <a:latin typeface="Calibri" panose="020F0502020204030204"/>
+              </a:rPr>
+              <a:t>=</a:t>
+            </a:r>
+          </a:p>
+          <a:p>
+            <a:pPr defTabSz="914411"/>
+            <a:r>
+              <a:rPr lang="en-US" sz="800" kern="0" dirty="0">
+                <a:solidFill>
+                  <a:prstClr val="black"/>
+                </a:solidFill>
+                <a:latin typeface="Calibri" panose="020F0502020204030204"/>
+              </a:rPr>
+              <a:t>[</a:t>
+            </a:r>
+            <a:r>
+              <a:rPr lang="en-US" sz="800" kern="0" dirty="0" err="1">
+                <a:solidFill>
+                  <a:prstClr val="black"/>
+                </a:solidFill>
+                <a:latin typeface="Calibri" panose="020F0502020204030204"/>
+              </a:rPr>
+              <a:t>managementDomain</a:t>
+            </a:r>
+            <a:r>
+              <a:rPr lang="en-US" sz="800" kern="0" dirty="0">
+                <a:solidFill>
+                  <a:prstClr val="black"/>
+                </a:solidFill>
+                <a:latin typeface="Calibri" panose="020F0502020204030204"/>
+              </a:rPr>
+              <a:t>]</a:t>
+            </a:r>
+          </a:p>
+        </p:txBody>
+      </p:sp>
+      <p:cxnSp>
+        <p:nvCxnSpPr>
+          <p:cNvPr id="71" name="Gerade Verbindung mit Pfeil 70">
+            <a:extLst>
+              <a:ext uri="{FF2B5EF4-FFF2-40B4-BE49-F238E27FC236}">
+                <a16:creationId xmlns:a16="http://schemas.microsoft.com/office/drawing/2014/main" id="{8B1AD8DF-B47A-1725-253E-4632CCC01D93}"/>
+              </a:ext>
+            </a:extLst>
+          </p:cNvPr>
+          <p:cNvCxnSpPr>
+            <a:cxnSpLocks/>
+            <a:stCxn id="64" idx="1"/>
+            <a:endCxn id="70" idx="3"/>
+          </p:cNvCxnSpPr>
+          <p:nvPr/>
+        </p:nvCxnSpPr>
+        <p:spPr>
+          <a:xfrm flipH="1">
+            <a:off x="8390323" y="5380818"/>
+            <a:ext cx="807980" cy="489781"/>
+          </a:xfrm>
+          <a:prstGeom prst="straightConnector1">
+            <a:avLst/>
+          </a:prstGeom>
+          <a:noFill/>
+          <a:ln w="6350" cap="flat" cmpd="sng" algn="ctr">
+            <a:solidFill>
+              <a:srgbClr val="5B9BD5"/>
+            </a:solidFill>
+            <a:prstDash val="solid"/>
+            <a:miter lim="800000"/>
+            <a:tailEnd type="triangle"/>
+          </a:ln>
+          <a:effectLst/>
+        </p:spPr>
+      </p:cxnSp>
+      <p:cxnSp>
+        <p:nvCxnSpPr>
+          <p:cNvPr id="119" name="Gerade Verbindung mit Pfeil 118">
+            <a:extLst>
+              <a:ext uri="{FF2B5EF4-FFF2-40B4-BE49-F238E27FC236}">
+                <a16:creationId xmlns:a16="http://schemas.microsoft.com/office/drawing/2014/main" id="{11DAEED0-2859-E533-EAF6-33ADBDFD2729}"/>
+              </a:ext>
+            </a:extLst>
+          </p:cNvPr>
+          <p:cNvCxnSpPr>
+            <a:cxnSpLocks/>
+            <a:stCxn id="64" idx="2"/>
+            <a:endCxn id="30" idx="0"/>
+          </p:cNvCxnSpPr>
+          <p:nvPr/>
+        </p:nvCxnSpPr>
+        <p:spPr>
+          <a:xfrm>
+            <a:off x="9466953" y="5603604"/>
+            <a:ext cx="0" cy="421203"/>
+          </a:xfrm>
+          <a:prstGeom prst="straightConnector1">
+            <a:avLst/>
+          </a:prstGeom>
+          <a:noFill/>
+          <a:ln w="6350" cap="flat" cmpd="sng" algn="ctr">
+            <a:solidFill>
+              <a:srgbClr val="5B9BD5"/>
+            </a:solidFill>
+            <a:prstDash val="solid"/>
+            <a:miter lim="800000"/>
+            <a:tailEnd type="triangle"/>
+          </a:ln>
+          <a:effectLst/>
+        </p:spPr>
+      </p:cxnSp>
+      <p:sp>
+        <p:nvSpPr>
+          <p:cNvPr id="140" name="Rechteck: abgerundete Ecken 139">
+            <a:extLst>
+              <a:ext uri="{FF2B5EF4-FFF2-40B4-BE49-F238E27FC236}">
+                <a16:creationId xmlns:a16="http://schemas.microsoft.com/office/drawing/2014/main" id="{89490309-783B-9C17-63ED-737A1D32A72C}"/>
+              </a:ext>
+            </a:extLst>
+          </p:cNvPr>
+          <p:cNvSpPr/>
+          <p:nvPr/>
+        </p:nvSpPr>
+        <p:spPr>
+          <a:xfrm>
+            <a:off x="-1536818" y="8386688"/>
+            <a:ext cx="854635" cy="1375338"/>
+          </a:xfrm>
+          <a:prstGeom prst="roundRect">
+            <a:avLst/>
+          </a:prstGeom>
+        </p:spPr>
+        <p:style>
+          <a:lnRef idx="2">
+            <a:schemeClr val="accent1">
+              <a:shade val="15000"/>
+            </a:schemeClr>
+          </a:lnRef>
+          <a:fillRef idx="1">
+            <a:schemeClr val="accent1"/>
+          </a:fillRef>
+          <a:effectRef idx="0">
+            <a:schemeClr val="accent1"/>
+          </a:effectRef>
+          <a:fontRef idx="minor">
+            <a:schemeClr val="lt1"/>
+          </a:fontRef>
+        </p:style>
+        <p:txBody>
+          <a:bodyPr rtlCol="0" anchor="ctr"/>
+          <a:lstStyle/>
+          <a:p>
+            <a:pPr algn="ctr"/>
+            <a:endParaRPr lang="de-DE"/>
+          </a:p>
+        </p:txBody>
+      </p:sp>
+      <p:cxnSp>
+        <p:nvCxnSpPr>
+          <p:cNvPr id="146" name="Verbinder: gewinkelt 145">
+            <a:extLst>
+              <a:ext uri="{FF2B5EF4-FFF2-40B4-BE49-F238E27FC236}">
+                <a16:creationId xmlns:a16="http://schemas.microsoft.com/office/drawing/2014/main" id="{FF539F11-EC84-FDDC-6B17-29009CD292D6}"/>
+              </a:ext>
+            </a:extLst>
+          </p:cNvPr>
+          <p:cNvCxnSpPr>
+            <a:cxnSpLocks/>
+            <a:stCxn id="56" idx="2"/>
+            <a:endCxn id="3" idx="0"/>
+          </p:cNvCxnSpPr>
+          <p:nvPr/>
+        </p:nvCxnSpPr>
+        <p:spPr>
+          <a:xfrm rot="5400000">
+            <a:off x="-89049" y="10302492"/>
+            <a:ext cx="2554189" cy="561975"/>
+          </a:xfrm>
+          <a:prstGeom prst="bentConnector3">
+            <a:avLst>
+              <a:gd name="adj1" fmla="val 50000"/>
+            </a:avLst>
+          </a:prstGeom>
+          <a:noFill/>
+          <a:ln w="6350" cap="flat" cmpd="sng" algn="ctr">
+            <a:solidFill>
+              <a:srgbClr val="5B9BD5"/>
+            </a:solidFill>
+            <a:prstDash val="solid"/>
+            <a:miter lim="800000"/>
+            <a:tailEnd type="triangle"/>
+          </a:ln>
+          <a:effectLst/>
+        </p:spPr>
+      </p:cxnSp>
     </p:spTree>
     <p:extLst>
       <p:ext uri="{BB962C8B-B14F-4D97-AF65-F5344CB8AC3E}">
@@ -17402,7 +17409,7 @@
             </p:custDataLst>
             <p:extLst>
               <p:ext uri="{D42A27DB-BD31-4B8C-83A1-F6EECF244321}">
-                <p14:modId xmlns:p14="http://schemas.microsoft.com/office/powerpoint/2010/main" val="524973397"/>
+                <p14:modId xmlns:p14="http://schemas.microsoft.com/office/powerpoint/2010/main" val="391156368"/>
               </p:ext>
             </p:extLst>
           </p:nvPr>
@@ -28411,143 +28418,6 @@
           </a:p>
         </p:txBody>
       </p:sp>
-      <p:sp>
-        <p:nvSpPr>
-          <p:cNvPr id="54" name="Rechteck 53">
-            <a:extLst>
-              <a:ext uri="{FF2B5EF4-FFF2-40B4-BE49-F238E27FC236}">
-                <a16:creationId xmlns:a16="http://schemas.microsoft.com/office/drawing/2014/main" id="{373F98EC-006A-1BB4-05C2-D621F35AF3EA}"/>
-              </a:ext>
-            </a:extLst>
-          </p:cNvPr>
-          <p:cNvSpPr/>
-          <p:nvPr/>
-        </p:nvSpPr>
-        <p:spPr>
-          <a:xfrm>
-            <a:off x="17474750" y="12791816"/>
-            <a:ext cx="1815783" cy="445572"/>
-          </a:xfrm>
-          <a:prstGeom prst="rect">
-            <a:avLst/>
-          </a:prstGeom>
-          <a:solidFill>
-            <a:sysClr val="window" lastClr="FFFFFF"/>
-          </a:solidFill>
-          <a:ln w="12700" cap="flat" cmpd="sng" algn="ctr">
-            <a:solidFill>
-              <a:srgbClr val="A5A5A5"/>
-            </a:solidFill>
-            <a:prstDash val="solid"/>
-            <a:miter lim="800000"/>
-          </a:ln>
-          <a:effectLst/>
-        </p:spPr>
-        <p:txBody>
-          <a:bodyPr lIns="36000" tIns="36000" rIns="36000" bIns="36000" rtlCol="0" anchor="t"/>
-          <a:lstStyle/>
-          <a:p>
-            <a:pPr defTabSz="914411">
-              <a:defRPr/>
-            </a:pPr>
-            <a:r>
-              <a:rPr lang="en-US" sz="800" kern="0" dirty="0">
-                <a:solidFill>
-                  <a:prstClr val="black"/>
-                </a:solidFill>
-                <a:latin typeface="Calibri" panose="020F0502020204030204"/>
-              </a:rPr>
-              <a:t>local-id=http-server / [</a:t>
-            </a:r>
-            <a:r>
-              <a:rPr lang="en-US" sz="800" kern="0" dirty="0" err="1">
-                <a:solidFill>
-                  <a:prstClr val="black"/>
-                </a:solidFill>
-                <a:latin typeface="Calibri" panose="020F0502020204030204"/>
-              </a:rPr>
-              <a:t>applicationName</a:t>
-            </a:r>
-            <a:r>
-              <a:rPr lang="en-US" sz="800" kern="0" dirty="0">
-                <a:solidFill>
-                  <a:prstClr val="black"/>
-                </a:solidFill>
-                <a:latin typeface="Calibri" panose="020F0502020204030204"/>
-              </a:rPr>
-              <a:t>]</a:t>
-            </a:r>
-          </a:p>
-          <a:p>
-            <a:pPr defTabSz="914411"/>
-            <a:r>
-              <a:rPr lang="en-US" sz="800" kern="0" dirty="0" err="1">
-                <a:solidFill>
-                  <a:prstClr val="black"/>
-                </a:solidFill>
-                <a:latin typeface="Calibri" panose="020F0502020204030204"/>
-              </a:rPr>
-              <a:t>httpUserName</a:t>
-            </a:r>
-            <a:r>
-              <a:rPr lang="en-US" sz="800" kern="0" dirty="0">
-                <a:solidFill>
-                  <a:prstClr val="black"/>
-                </a:solidFill>
-                <a:latin typeface="Calibri" panose="020F0502020204030204"/>
-              </a:rPr>
-              <a:t>=  ~    / [</a:t>
-            </a:r>
-            <a:r>
-              <a:rPr lang="en-US" sz="800" kern="0" dirty="0" err="1">
-                <a:solidFill>
-                  <a:prstClr val="black"/>
-                </a:solidFill>
-                <a:latin typeface="Calibri" panose="020F0502020204030204"/>
-              </a:rPr>
-              <a:t>applicationName</a:t>
-            </a:r>
-            <a:r>
-              <a:rPr lang="en-US" sz="800" kern="0" dirty="0">
-                <a:solidFill>
-                  <a:prstClr val="black"/>
-                </a:solidFill>
-                <a:latin typeface="Calibri" panose="020F0502020204030204"/>
-              </a:rPr>
-              <a:t>]</a:t>
-            </a:r>
-          </a:p>
-          <a:p>
-            <a:pPr defTabSz="914411"/>
-            <a:r>
-              <a:rPr lang="en-US" sz="800" kern="0" dirty="0" err="1">
-                <a:solidFill>
-                  <a:prstClr val="black"/>
-                </a:solidFill>
-                <a:latin typeface="Calibri" panose="020F0502020204030204"/>
-              </a:rPr>
-              <a:t>httpPassword</a:t>
-            </a:r>
-            <a:endParaRPr lang="en-US" sz="800" kern="0" dirty="0">
-              <a:solidFill>
-                <a:prstClr val="black"/>
-              </a:solidFill>
-              <a:latin typeface="Calibri" panose="020F0502020204030204"/>
-            </a:endParaRPr>
-          </a:p>
-          <a:p>
-            <a:pPr defTabSz="914411">
-              <a:defRPr/>
-            </a:pPr>
-            <a:endParaRPr lang="en-US" sz="800" kern="0" dirty="0">
-              <a:solidFill>
-                <a:prstClr val="black"/>
-              </a:solidFill>
-              <a:latin typeface="Calibri" panose="020F0502020204030204"/>
-            </a:endParaRPr>
-          </a:p>
-        </p:txBody>
-      </p:sp>
       <p:cxnSp>
         <p:nvCxnSpPr>
           <p:cNvPr id="62" name="Gerade Verbindung mit Pfeil 61">
@@ -30386,6 +30256,143 @@
             <a:endParaRPr lang="en-US" sz="1050" kern="0" noProof="0" dirty="0">
               <a:solidFill>
                 <a:prstClr val="white"/>
+              </a:solidFill>
+              <a:latin typeface="Calibri" panose="020F0502020204030204"/>
+            </a:endParaRPr>
+          </a:p>
+        </p:txBody>
+      </p:sp>
+      <p:sp>
+        <p:nvSpPr>
+          <p:cNvPr id="54" name="Rechteck 53">
+            <a:extLst>
+              <a:ext uri="{FF2B5EF4-FFF2-40B4-BE49-F238E27FC236}">
+                <a16:creationId xmlns:a16="http://schemas.microsoft.com/office/drawing/2014/main" id="{373F98EC-006A-1BB4-05C2-D621F35AF3EA}"/>
+              </a:ext>
+            </a:extLst>
+          </p:cNvPr>
+          <p:cNvSpPr/>
+          <p:nvPr/>
+        </p:nvSpPr>
+        <p:spPr>
+          <a:xfrm>
+            <a:off x="17474750" y="12791816"/>
+            <a:ext cx="1815783" cy="445572"/>
+          </a:xfrm>
+          <a:prstGeom prst="rect">
+            <a:avLst/>
+          </a:prstGeom>
+          <a:solidFill>
+            <a:sysClr val="window" lastClr="FFFFFF"/>
+          </a:solidFill>
+          <a:ln w="12700" cap="flat" cmpd="sng" algn="ctr">
+            <a:solidFill>
+              <a:srgbClr val="A5A5A5"/>
+            </a:solidFill>
+            <a:prstDash val="solid"/>
+            <a:miter lim="800000"/>
+          </a:ln>
+          <a:effectLst/>
+        </p:spPr>
+        <p:txBody>
+          <a:bodyPr lIns="36000" tIns="36000" rIns="36000" bIns="36000" rtlCol="0" anchor="t"/>
+          <a:lstStyle/>
+          <a:p>
+            <a:pPr defTabSz="914411">
+              <a:defRPr/>
+            </a:pPr>
+            <a:r>
+              <a:rPr lang="en-US" sz="800" kern="0" dirty="0">
+                <a:solidFill>
+                  <a:prstClr val="black"/>
+                </a:solidFill>
+                <a:latin typeface="Calibri" panose="020F0502020204030204"/>
+              </a:rPr>
+              <a:t>local-id=http-server / [</a:t>
+            </a:r>
+            <a:r>
+              <a:rPr lang="en-US" sz="800" kern="0" dirty="0" err="1">
+                <a:solidFill>
+                  <a:prstClr val="black"/>
+                </a:solidFill>
+                <a:latin typeface="Calibri" panose="020F0502020204030204"/>
+              </a:rPr>
+              <a:t>applicationName</a:t>
+            </a:r>
+            <a:r>
+              <a:rPr lang="en-US" sz="800" kern="0" dirty="0">
+                <a:solidFill>
+                  <a:prstClr val="black"/>
+                </a:solidFill>
+                <a:latin typeface="Calibri" panose="020F0502020204030204"/>
+              </a:rPr>
+              <a:t>]</a:t>
+            </a:r>
+          </a:p>
+          <a:p>
+            <a:pPr defTabSz="914411"/>
+            <a:r>
+              <a:rPr lang="en-US" sz="800" kern="0" dirty="0" err="1">
+                <a:solidFill>
+                  <a:prstClr val="black"/>
+                </a:solidFill>
+                <a:latin typeface="Calibri" panose="020F0502020204030204"/>
+              </a:rPr>
+              <a:t>httpUserName</a:t>
+            </a:r>
+            <a:r>
+              <a:rPr lang="en-US" sz="800" kern="0" dirty="0">
+                <a:solidFill>
+                  <a:prstClr val="black"/>
+                </a:solidFill>
+                <a:latin typeface="Calibri" panose="020F0502020204030204"/>
+              </a:rPr>
+              <a:t>=  ~    / [</a:t>
+            </a:r>
+            <a:r>
+              <a:rPr lang="en-US" sz="800" kern="0" dirty="0" err="1">
+                <a:solidFill>
+                  <a:prstClr val="black"/>
+                </a:solidFill>
+                <a:latin typeface="Calibri" panose="020F0502020204030204"/>
+              </a:rPr>
+              <a:t>applicationName</a:t>
+            </a:r>
+            <a:r>
+              <a:rPr lang="en-US" sz="800" kern="0" dirty="0">
+                <a:solidFill>
+                  <a:prstClr val="black"/>
+                </a:solidFill>
+                <a:latin typeface="Calibri" panose="020F0502020204030204"/>
+              </a:rPr>
+              <a:t>]</a:t>
+            </a:r>
+          </a:p>
+          <a:p>
+            <a:pPr defTabSz="914411"/>
+            <a:r>
+              <a:rPr lang="en-US" sz="800" kern="0" dirty="0" err="1">
+                <a:solidFill>
+                  <a:prstClr val="black"/>
+                </a:solidFill>
+                <a:latin typeface="Calibri" panose="020F0502020204030204"/>
+              </a:rPr>
+              <a:t>httpPassword</a:t>
+            </a:r>
+            <a:endParaRPr lang="en-US" sz="800" kern="0" dirty="0">
+              <a:solidFill>
+                <a:prstClr val="black"/>
+              </a:solidFill>
+              <a:latin typeface="Calibri" panose="020F0502020204030204"/>
+            </a:endParaRPr>
+          </a:p>
+          <a:p>
+            <a:pPr defTabSz="914411">
+              <a:defRPr/>
+            </a:pPr>
+            <a:endParaRPr lang="en-US" sz="800" kern="0" dirty="0">
+              <a:solidFill>
+                <a:prstClr val="black"/>
               </a:solidFill>
               <a:latin typeface="Calibri" panose="020F0502020204030204"/>
             </a:endParaRPr>
@@ -55620,6 +55627,5517 @@
 </p:sld>
 </file>
 
+<file path=ppt/slides/slide9.xml><?xml version="1.0" encoding="utf-8"?>
+<p:sld xmlns:a="http://schemas.openxmlformats.org/drawingml/2006/main" xmlns:r="http://schemas.openxmlformats.org/officeDocument/2006/relationships" xmlns:p="http://schemas.openxmlformats.org/presentationml/2006/main">
+  <p:cSld>
+    <p:spTree>
+      <p:nvGrpSpPr>
+        <p:cNvPr id="1" name=""/>
+        <p:cNvGrpSpPr/>
+        <p:nvPr/>
+      </p:nvGrpSpPr>
+      <p:grpSpPr>
+        <a:xfrm>
+          <a:off x="0" y="0"/>
+          <a:ext cx="0" cy="0"/>
+          <a:chOff x="0" y="0"/>
+          <a:chExt cx="0" cy="0"/>
+        </a:xfrm>
+      </p:grpSpPr>
+      <p:graphicFrame>
+        <p:nvGraphicFramePr>
+          <p:cNvPr id="53" name="think-cell data - do not delete" hidden="1">
+            <a:extLst>
+              <a:ext uri="{FF2B5EF4-FFF2-40B4-BE49-F238E27FC236}">
+                <a16:creationId xmlns:a16="http://schemas.microsoft.com/office/drawing/2014/main" id="{587E1709-74B1-9C4B-C755-749D9811B7EA}"/>
+              </a:ext>
+            </a:extLst>
+          </p:cNvPr>
+          <p:cNvGraphicFramePr>
+            <a:graphicFrameLocks noChangeAspect="1"/>
+          </p:cNvGraphicFramePr>
+          <p:nvPr>
+            <p:custDataLst>
+              <p:tags r:id="rId1"/>
+            </p:custDataLst>
+            <p:extLst>
+              <p:ext uri="{D42A27DB-BD31-4B8C-83A1-F6EECF244321}">
+                <p14:modId xmlns:p14="http://schemas.microsoft.com/office/powerpoint/2010/main" val="1739791548"/>
+              </p:ext>
+            </p:extLst>
+          </p:nvPr>
+        </p:nvGraphicFramePr>
+        <p:xfrm>
+          <a:off x="1588" y="1588"/>
+          <a:ext cx="1588" cy="1588"/>
+        </p:xfrm>
+        <a:graphic>
+          <a:graphicData uri="http://schemas.openxmlformats.org/presentationml/2006/ole">
+            <mc:AlternateContent xmlns:mc="http://schemas.openxmlformats.org/markup-compatibility/2006">
+              <mc:Choice xmlns:v="urn:schemas-microsoft-com:vml" Requires="v">
+                <p:oleObj name="think-cell Folie" r:id="rId3" imgW="523" imgH="514" progId="TCLayout.ActiveDocument.1">
+                  <p:embed/>
+                </p:oleObj>
+              </mc:Choice>
+              <mc:Fallback>
+                <p:oleObj name="think-cell Folie" r:id="rId3" imgW="523" imgH="514" progId="TCLayout.ActiveDocument.1">
+                  <p:embed/>
+                  <p:pic>
+                    <p:nvPicPr>
+                      <p:cNvPr id="0" name=""/>
+                      <p:cNvPicPr/>
+                      <p:nvPr/>
+                    </p:nvPicPr>
+                    <p:blipFill>
+                      <a:blip r:embed="rId4"/>
+                      <a:stretch>
+                        <a:fillRect/>
+                      </a:stretch>
+                    </p:blipFill>
+                    <p:spPr>
+                      <a:xfrm>
+                        <a:off x="1588" y="1588"/>
+                        <a:ext cx="1588" cy="1588"/>
+                      </a:xfrm>
+                      <a:prstGeom prst="rect">
+                        <a:avLst/>
+                      </a:prstGeom>
+                    </p:spPr>
+                  </p:pic>
+                </p:oleObj>
+              </mc:Fallback>
+            </mc:AlternateContent>
+          </a:graphicData>
+        </a:graphic>
+      </p:graphicFrame>
+      <p:sp>
+        <p:nvSpPr>
+          <p:cNvPr id="103" name="Rechteck: abgerundete Ecken 102">
+            <a:extLst>
+              <a:ext uri="{FF2B5EF4-FFF2-40B4-BE49-F238E27FC236}">
+                <a16:creationId xmlns:a16="http://schemas.microsoft.com/office/drawing/2014/main" id="{926B43DA-C4F1-04CA-BC5D-D834F0F88D83}"/>
+              </a:ext>
+            </a:extLst>
+          </p:cNvPr>
+          <p:cNvSpPr/>
+          <p:nvPr/>
+        </p:nvSpPr>
+        <p:spPr>
+          <a:xfrm>
+            <a:off x="3056401" y="14899311"/>
+            <a:ext cx="12626868" cy="2990337"/>
+          </a:xfrm>
+          <a:prstGeom prst="roundRect">
+            <a:avLst/>
+          </a:prstGeom>
+        </p:spPr>
+        <p:style>
+          <a:lnRef idx="2">
+            <a:schemeClr val="accent5">
+              <a:shade val="15000"/>
+            </a:schemeClr>
+          </a:lnRef>
+          <a:fillRef idx="1">
+            <a:schemeClr val="accent5"/>
+          </a:fillRef>
+          <a:effectRef idx="0">
+            <a:schemeClr val="accent5"/>
+          </a:effectRef>
+          <a:fontRef idx="minor">
+            <a:schemeClr val="lt1"/>
+          </a:fontRef>
+        </p:style>
+        <p:txBody>
+          <a:bodyPr rtlCol="0" anchor="ctr"/>
+          <a:lstStyle/>
+          <a:p>
+            <a:pPr algn="ctr"/>
+            <a:endParaRPr lang="de-DE" sz="2800"/>
+          </a:p>
+        </p:txBody>
+      </p:sp>
+      <p:sp>
+        <p:nvSpPr>
+          <p:cNvPr id="106" name="Rechteck: abgerundete Ecken 105">
+            <a:extLst>
+              <a:ext uri="{FF2B5EF4-FFF2-40B4-BE49-F238E27FC236}">
+                <a16:creationId xmlns:a16="http://schemas.microsoft.com/office/drawing/2014/main" id="{500813DE-41F7-4C93-92B3-519F9269AB5A}"/>
+              </a:ext>
+            </a:extLst>
+          </p:cNvPr>
+          <p:cNvSpPr/>
+          <p:nvPr/>
+        </p:nvSpPr>
+        <p:spPr>
+          <a:xfrm>
+            <a:off x="3056401" y="15341294"/>
+            <a:ext cx="12626868" cy="2058584"/>
+          </a:xfrm>
+          <a:prstGeom prst="roundRect">
+            <a:avLst/>
+          </a:prstGeom>
+        </p:spPr>
+        <p:style>
+          <a:lnRef idx="2">
+            <a:schemeClr val="accent4">
+              <a:shade val="15000"/>
+            </a:schemeClr>
+          </a:lnRef>
+          <a:fillRef idx="1">
+            <a:schemeClr val="accent4"/>
+          </a:fillRef>
+          <a:effectRef idx="0">
+            <a:schemeClr val="accent4"/>
+          </a:effectRef>
+          <a:fontRef idx="minor">
+            <a:schemeClr val="lt1"/>
+          </a:fontRef>
+        </p:style>
+        <p:txBody>
+          <a:bodyPr rtlCol="0" anchor="ctr"/>
+          <a:lstStyle/>
+          <a:p>
+            <a:pPr algn="ctr"/>
+            <a:endParaRPr lang="de-DE" sz="2800"/>
+          </a:p>
+        </p:txBody>
+      </p:sp>
+      <p:sp>
+        <p:nvSpPr>
+          <p:cNvPr id="147" name="Rechteck: abgerundete Ecken 146">
+            <a:extLst>
+              <a:ext uri="{FF2B5EF4-FFF2-40B4-BE49-F238E27FC236}">
+                <a16:creationId xmlns:a16="http://schemas.microsoft.com/office/drawing/2014/main" id="{6DFC8CC2-A143-769C-8FAB-A71CE4C32917}"/>
+              </a:ext>
+            </a:extLst>
+          </p:cNvPr>
+          <p:cNvSpPr/>
+          <p:nvPr/>
+        </p:nvSpPr>
+        <p:spPr>
+          <a:xfrm>
+            <a:off x="6499214" y="15934538"/>
+            <a:ext cx="1304936" cy="1171781"/>
+          </a:xfrm>
+          <a:prstGeom prst="roundRect">
+            <a:avLst/>
+          </a:prstGeom>
+          <a:solidFill>
+            <a:schemeClr val="tx2">
+              <a:lumMod val="50000"/>
+              <a:lumOff val="50000"/>
+            </a:schemeClr>
+          </a:solidFill>
+        </p:spPr>
+        <p:style>
+          <a:lnRef idx="2">
+            <a:schemeClr val="accent1">
+              <a:shade val="15000"/>
+            </a:schemeClr>
+          </a:lnRef>
+          <a:fillRef idx="1">
+            <a:schemeClr val="accent1"/>
+          </a:fillRef>
+          <a:effectRef idx="0">
+            <a:schemeClr val="accent1"/>
+          </a:effectRef>
+          <a:fontRef idx="minor">
+            <a:schemeClr val="lt1"/>
+          </a:fontRef>
+        </p:style>
+        <p:txBody>
+          <a:bodyPr rtlCol="0" anchor="b"/>
+          <a:lstStyle/>
+          <a:p>
+            <a:r>
+              <a:rPr lang="de-DE" sz="1100" dirty="0"/>
+              <a:t>LB</a:t>
+            </a:r>
+          </a:p>
+        </p:txBody>
+      </p:sp>
+      <p:sp>
+        <p:nvSpPr>
+          <p:cNvPr id="96" name="Rechteck: abgerundete Ecken 95">
+            <a:extLst>
+              <a:ext uri="{FF2B5EF4-FFF2-40B4-BE49-F238E27FC236}">
+                <a16:creationId xmlns:a16="http://schemas.microsoft.com/office/drawing/2014/main" id="{7FFBACDA-0C6C-AE18-9468-742E0C52BC9D}"/>
+              </a:ext>
+            </a:extLst>
+          </p:cNvPr>
+          <p:cNvSpPr/>
+          <p:nvPr/>
+        </p:nvSpPr>
+        <p:spPr>
+          <a:xfrm>
+            <a:off x="719701" y="3101352"/>
+            <a:ext cx="7201932" cy="1303777"/>
+          </a:xfrm>
+          <a:prstGeom prst="roundRect">
+            <a:avLst/>
+          </a:prstGeom>
+        </p:spPr>
+        <p:style>
+          <a:lnRef idx="2">
+            <a:schemeClr val="accent4">
+              <a:shade val="15000"/>
+            </a:schemeClr>
+          </a:lnRef>
+          <a:fillRef idx="1">
+            <a:schemeClr val="accent4"/>
+          </a:fillRef>
+          <a:effectRef idx="0">
+            <a:schemeClr val="accent4"/>
+          </a:effectRef>
+          <a:fontRef idx="minor">
+            <a:schemeClr val="lt1"/>
+          </a:fontRef>
+        </p:style>
+        <p:txBody>
+          <a:bodyPr rtlCol="0" anchor="ctr"/>
+          <a:lstStyle/>
+          <a:p>
+            <a:pPr algn="ctr"/>
+            <a:endParaRPr lang="de-DE"/>
+          </a:p>
+        </p:txBody>
+      </p:sp>
+      <p:sp>
+        <p:nvSpPr>
+          <p:cNvPr id="94" name="Rechteck: abgerundete Ecken 93">
+            <a:extLst>
+              <a:ext uri="{FF2B5EF4-FFF2-40B4-BE49-F238E27FC236}">
+                <a16:creationId xmlns:a16="http://schemas.microsoft.com/office/drawing/2014/main" id="{19F917AF-4035-5B57-6FB1-1BC3FECCDE04}"/>
+              </a:ext>
+            </a:extLst>
+          </p:cNvPr>
+          <p:cNvSpPr/>
+          <p:nvPr/>
+        </p:nvSpPr>
+        <p:spPr>
+          <a:xfrm>
+            <a:off x="719701" y="299783"/>
+            <a:ext cx="7201932" cy="2214840"/>
+          </a:xfrm>
+          <a:prstGeom prst="roundRect">
+            <a:avLst/>
+          </a:prstGeom>
+        </p:spPr>
+        <p:style>
+          <a:lnRef idx="2">
+            <a:schemeClr val="accent5">
+              <a:shade val="15000"/>
+            </a:schemeClr>
+          </a:lnRef>
+          <a:fillRef idx="1">
+            <a:schemeClr val="accent5"/>
+          </a:fillRef>
+          <a:effectRef idx="0">
+            <a:schemeClr val="accent5"/>
+          </a:effectRef>
+          <a:fontRef idx="minor">
+            <a:schemeClr val="lt1"/>
+          </a:fontRef>
+        </p:style>
+        <p:txBody>
+          <a:bodyPr rtlCol="0" anchor="ctr"/>
+          <a:lstStyle/>
+          <a:p>
+            <a:pPr algn="ctr"/>
+            <a:endParaRPr lang="de-DE"/>
+          </a:p>
+        </p:txBody>
+      </p:sp>
+      <p:sp>
+        <p:nvSpPr>
+          <p:cNvPr id="4" name="Rechteck: abgerundete Ecken 3">
+            <a:extLst>
+              <a:ext uri="{FF2B5EF4-FFF2-40B4-BE49-F238E27FC236}">
+                <a16:creationId xmlns:a16="http://schemas.microsoft.com/office/drawing/2014/main" id="{3FDF54FF-56C1-BE49-8FB2-D663EF998A17}"/>
+              </a:ext>
+            </a:extLst>
+          </p:cNvPr>
+          <p:cNvSpPr/>
+          <p:nvPr/>
+        </p:nvSpPr>
+        <p:spPr>
+          <a:xfrm>
+            <a:off x="719701" y="12112117"/>
+            <a:ext cx="634228" cy="288084"/>
+          </a:xfrm>
+          <a:prstGeom prst="roundRect">
+            <a:avLst/>
+          </a:prstGeom>
+        </p:spPr>
+        <p:style>
+          <a:lnRef idx="2">
+            <a:schemeClr val="accent1">
+              <a:shade val="15000"/>
+            </a:schemeClr>
+          </a:lnRef>
+          <a:fillRef idx="1">
+            <a:schemeClr val="accent1"/>
+          </a:fillRef>
+          <a:effectRef idx="0">
+            <a:schemeClr val="accent1"/>
+          </a:effectRef>
+          <a:fontRef idx="minor">
+            <a:schemeClr val="lt1"/>
+          </a:fontRef>
+        </p:style>
+        <p:txBody>
+          <a:bodyPr rtlCol="0" anchor="ctr"/>
+          <a:lstStyle/>
+          <a:p>
+            <a:pPr algn="ctr"/>
+            <a:r>
+              <a:rPr lang="de-DE" sz="900" dirty="0"/>
+              <a:t>App#1</a:t>
+            </a:r>
+          </a:p>
+        </p:txBody>
+      </p:sp>
+      <p:sp>
+        <p:nvSpPr>
+          <p:cNvPr id="7" name="Rechteck: abgerundete Ecken 6">
+            <a:extLst>
+              <a:ext uri="{FF2B5EF4-FFF2-40B4-BE49-F238E27FC236}">
+                <a16:creationId xmlns:a16="http://schemas.microsoft.com/office/drawing/2014/main" id="{356ED2C4-027C-4F7A-C82C-9B7D62C8E86F}"/>
+              </a:ext>
+            </a:extLst>
+          </p:cNvPr>
+          <p:cNvSpPr/>
+          <p:nvPr/>
+        </p:nvSpPr>
+        <p:spPr>
+          <a:xfrm>
+            <a:off x="2729049" y="12529285"/>
+            <a:ext cx="634228" cy="288084"/>
+          </a:xfrm>
+          <a:prstGeom prst="roundRect">
+            <a:avLst/>
+          </a:prstGeom>
+        </p:spPr>
+        <p:style>
+          <a:lnRef idx="2">
+            <a:schemeClr val="accent1">
+              <a:shade val="15000"/>
+            </a:schemeClr>
+          </a:lnRef>
+          <a:fillRef idx="1">
+            <a:schemeClr val="accent1"/>
+          </a:fillRef>
+          <a:effectRef idx="0">
+            <a:schemeClr val="accent1"/>
+          </a:effectRef>
+          <a:fontRef idx="minor">
+            <a:schemeClr val="lt1"/>
+          </a:fontRef>
+        </p:style>
+        <p:txBody>
+          <a:bodyPr rtlCol="0" anchor="ctr"/>
+          <a:lstStyle/>
+          <a:p>
+            <a:pPr algn="ctr"/>
+            <a:r>
+              <a:rPr lang="de-DE" sz="900" dirty="0"/>
+              <a:t>FW#1</a:t>
+            </a:r>
+          </a:p>
+        </p:txBody>
+      </p:sp>
+      <p:cxnSp>
+        <p:nvCxnSpPr>
+          <p:cNvPr id="9" name="Gerader Verbinder 8">
+            <a:extLst>
+              <a:ext uri="{FF2B5EF4-FFF2-40B4-BE49-F238E27FC236}">
+                <a16:creationId xmlns:a16="http://schemas.microsoft.com/office/drawing/2014/main" id="{55B8C3D3-1FD0-E168-5704-7B18A7BAFF0B}"/>
+              </a:ext>
+            </a:extLst>
+          </p:cNvPr>
+          <p:cNvCxnSpPr>
+            <a:stCxn id="7" idx="1"/>
+            <a:endCxn id="4" idx="3"/>
+          </p:cNvCxnSpPr>
+          <p:nvPr/>
+        </p:nvCxnSpPr>
+        <p:spPr>
+          <a:xfrm flipH="1" flipV="1">
+            <a:off x="1353929" y="12256159"/>
+            <a:ext cx="1375120" cy="417168"/>
+          </a:xfrm>
+          <a:prstGeom prst="line">
+            <a:avLst/>
+          </a:prstGeom>
+        </p:spPr>
+        <p:style>
+          <a:lnRef idx="2">
+            <a:schemeClr val="accent1"/>
+          </a:lnRef>
+          <a:fillRef idx="0">
+            <a:schemeClr val="accent1"/>
+          </a:fillRef>
+          <a:effectRef idx="1">
+            <a:schemeClr val="accent1"/>
+          </a:effectRef>
+          <a:fontRef idx="minor">
+            <a:schemeClr val="tx1"/>
+          </a:fontRef>
+        </p:style>
+      </p:cxnSp>
+      <p:sp>
+        <p:nvSpPr>
+          <p:cNvPr id="19" name="Rechteck: abgerundete Ecken 18">
+            <a:extLst>
+              <a:ext uri="{FF2B5EF4-FFF2-40B4-BE49-F238E27FC236}">
+                <a16:creationId xmlns:a16="http://schemas.microsoft.com/office/drawing/2014/main" id="{6F68CB2E-782F-F91A-E594-2322A5D9912D}"/>
+              </a:ext>
+            </a:extLst>
+          </p:cNvPr>
+          <p:cNvSpPr/>
+          <p:nvPr/>
+        </p:nvSpPr>
+        <p:spPr>
+          <a:xfrm>
+            <a:off x="4676139" y="12113187"/>
+            <a:ext cx="634228" cy="124327"/>
+          </a:xfrm>
+          <a:prstGeom prst="roundRect">
+            <a:avLst/>
+          </a:prstGeom>
+        </p:spPr>
+        <p:style>
+          <a:lnRef idx="2">
+            <a:schemeClr val="accent1">
+              <a:shade val="15000"/>
+            </a:schemeClr>
+          </a:lnRef>
+          <a:fillRef idx="1">
+            <a:schemeClr val="accent1"/>
+          </a:fillRef>
+          <a:effectRef idx="0">
+            <a:schemeClr val="accent1"/>
+          </a:effectRef>
+          <a:fontRef idx="minor">
+            <a:schemeClr val="lt1"/>
+          </a:fontRef>
+        </p:style>
+        <p:txBody>
+          <a:bodyPr rtlCol="0" anchor="ctr"/>
+          <a:lstStyle/>
+          <a:p>
+            <a:pPr algn="ctr"/>
+            <a:r>
+              <a:rPr lang="de-DE" sz="900" dirty="0"/>
+              <a:t>ODL#1</a:t>
+            </a:r>
+          </a:p>
+        </p:txBody>
+      </p:sp>
+      <p:sp>
+        <p:nvSpPr>
+          <p:cNvPr id="31" name="Rechteck: abgerundete Ecken 30">
+            <a:extLst>
+              <a:ext uri="{FF2B5EF4-FFF2-40B4-BE49-F238E27FC236}">
+                <a16:creationId xmlns:a16="http://schemas.microsoft.com/office/drawing/2014/main" id="{2649D9F4-09F0-2FB9-19D2-CC7964D56EEF}"/>
+              </a:ext>
+            </a:extLst>
+          </p:cNvPr>
+          <p:cNvSpPr/>
+          <p:nvPr/>
+        </p:nvSpPr>
+        <p:spPr>
+          <a:xfrm>
+            <a:off x="4676139" y="13234804"/>
+            <a:ext cx="634228" cy="124327"/>
+          </a:xfrm>
+          <a:prstGeom prst="roundRect">
+            <a:avLst/>
+          </a:prstGeom>
+        </p:spPr>
+        <p:style>
+          <a:lnRef idx="2">
+            <a:schemeClr val="accent1">
+              <a:shade val="15000"/>
+            </a:schemeClr>
+          </a:lnRef>
+          <a:fillRef idx="1">
+            <a:schemeClr val="accent1"/>
+          </a:fillRef>
+          <a:effectRef idx="0">
+            <a:schemeClr val="accent1"/>
+          </a:effectRef>
+          <a:fontRef idx="minor">
+            <a:schemeClr val="lt1"/>
+          </a:fontRef>
+        </p:style>
+        <p:txBody>
+          <a:bodyPr rtlCol="0" anchor="ctr"/>
+          <a:lstStyle/>
+          <a:p>
+            <a:pPr algn="ctr"/>
+            <a:r>
+              <a:rPr lang="de-DE" sz="900" dirty="0"/>
+              <a:t>ODL#2</a:t>
+            </a:r>
+          </a:p>
+        </p:txBody>
+      </p:sp>
+      <p:cxnSp>
+        <p:nvCxnSpPr>
+          <p:cNvPr id="52" name="Gerader Verbinder 51">
+            <a:extLst>
+              <a:ext uri="{FF2B5EF4-FFF2-40B4-BE49-F238E27FC236}">
+                <a16:creationId xmlns:a16="http://schemas.microsoft.com/office/drawing/2014/main" id="{CA81A289-326F-314C-C458-AFB85CA908DC}"/>
+              </a:ext>
+            </a:extLst>
+          </p:cNvPr>
+          <p:cNvCxnSpPr>
+            <a:cxnSpLocks/>
+            <a:stCxn id="31" idx="1"/>
+            <a:endCxn id="7" idx="3"/>
+          </p:cNvCxnSpPr>
+          <p:nvPr/>
+        </p:nvCxnSpPr>
+        <p:spPr>
+          <a:xfrm flipH="1" flipV="1">
+            <a:off x="3363277" y="12673327"/>
+            <a:ext cx="1312862" cy="623641"/>
+          </a:xfrm>
+          <a:prstGeom prst="line">
+            <a:avLst/>
+          </a:prstGeom>
+        </p:spPr>
+        <p:style>
+          <a:lnRef idx="2">
+            <a:schemeClr val="accent1"/>
+          </a:lnRef>
+          <a:fillRef idx="0">
+            <a:schemeClr val="accent1"/>
+          </a:fillRef>
+          <a:effectRef idx="1">
+            <a:schemeClr val="accent1"/>
+          </a:effectRef>
+          <a:fontRef idx="minor">
+            <a:schemeClr val="tx1"/>
+          </a:fontRef>
+        </p:style>
+      </p:cxnSp>
+      <p:cxnSp>
+        <p:nvCxnSpPr>
+          <p:cNvPr id="56" name="Gerader Verbinder 55">
+            <a:extLst>
+              <a:ext uri="{FF2B5EF4-FFF2-40B4-BE49-F238E27FC236}">
+                <a16:creationId xmlns:a16="http://schemas.microsoft.com/office/drawing/2014/main" id="{32B60ECB-B3EC-0507-FE8B-42151B1D3783}"/>
+              </a:ext>
+            </a:extLst>
+          </p:cNvPr>
+          <p:cNvCxnSpPr>
+            <a:cxnSpLocks/>
+            <a:stCxn id="19" idx="1"/>
+            <a:endCxn id="7" idx="3"/>
+          </p:cNvCxnSpPr>
+          <p:nvPr/>
+        </p:nvCxnSpPr>
+        <p:spPr>
+          <a:xfrm flipH="1">
+            <a:off x="3363277" y="12175351"/>
+            <a:ext cx="1312862" cy="497976"/>
+          </a:xfrm>
+          <a:prstGeom prst="line">
+            <a:avLst/>
+          </a:prstGeom>
+        </p:spPr>
+        <p:style>
+          <a:lnRef idx="2">
+            <a:schemeClr val="accent1"/>
+          </a:lnRef>
+          <a:fillRef idx="0">
+            <a:schemeClr val="accent1"/>
+          </a:fillRef>
+          <a:effectRef idx="1">
+            <a:schemeClr val="accent1"/>
+          </a:effectRef>
+          <a:fontRef idx="minor">
+            <a:schemeClr val="tx1"/>
+          </a:fontRef>
+        </p:style>
+      </p:cxnSp>
+      <p:sp>
+        <p:nvSpPr>
+          <p:cNvPr id="60" name="Rechteck: abgerundete Ecken 59">
+            <a:extLst>
+              <a:ext uri="{FF2B5EF4-FFF2-40B4-BE49-F238E27FC236}">
+                <a16:creationId xmlns:a16="http://schemas.microsoft.com/office/drawing/2014/main" id="{FAF9071C-7A24-9390-59AA-A273A0CD620F}"/>
+              </a:ext>
+            </a:extLst>
+          </p:cNvPr>
+          <p:cNvSpPr/>
+          <p:nvPr/>
+        </p:nvSpPr>
+        <p:spPr>
+          <a:xfrm>
+            <a:off x="719701" y="8579950"/>
+            <a:ext cx="634228" cy="288084"/>
+          </a:xfrm>
+          <a:prstGeom prst="roundRect">
+            <a:avLst/>
+          </a:prstGeom>
+        </p:spPr>
+        <p:style>
+          <a:lnRef idx="2">
+            <a:schemeClr val="accent1">
+              <a:shade val="15000"/>
+            </a:schemeClr>
+          </a:lnRef>
+          <a:fillRef idx="1">
+            <a:schemeClr val="accent1"/>
+          </a:fillRef>
+          <a:effectRef idx="0">
+            <a:schemeClr val="accent1"/>
+          </a:effectRef>
+          <a:fontRef idx="minor">
+            <a:schemeClr val="lt1"/>
+          </a:fontRef>
+        </p:style>
+        <p:txBody>
+          <a:bodyPr rtlCol="0" anchor="ctr"/>
+          <a:lstStyle/>
+          <a:p>
+            <a:pPr algn="ctr"/>
+            <a:r>
+              <a:rPr lang="de-DE" sz="900" dirty="0"/>
+              <a:t>App#1</a:t>
+            </a:r>
+          </a:p>
+        </p:txBody>
+      </p:sp>
+      <p:sp>
+        <p:nvSpPr>
+          <p:cNvPr id="65" name="Rechteck: abgerundete Ecken 64">
+            <a:extLst>
+              <a:ext uri="{FF2B5EF4-FFF2-40B4-BE49-F238E27FC236}">
+                <a16:creationId xmlns:a16="http://schemas.microsoft.com/office/drawing/2014/main" id="{F94383C5-3B0D-2006-E3DE-5CF320A31BA2}"/>
+              </a:ext>
+            </a:extLst>
+          </p:cNvPr>
+          <p:cNvSpPr/>
+          <p:nvPr/>
+        </p:nvSpPr>
+        <p:spPr>
+          <a:xfrm>
+            <a:off x="7287405" y="9096498"/>
+            <a:ext cx="634228" cy="288084"/>
+          </a:xfrm>
+          <a:prstGeom prst="roundRect">
+            <a:avLst/>
+          </a:prstGeom>
+        </p:spPr>
+        <p:style>
+          <a:lnRef idx="2">
+            <a:schemeClr val="accent1">
+              <a:shade val="15000"/>
+            </a:schemeClr>
+          </a:lnRef>
+          <a:fillRef idx="1">
+            <a:schemeClr val="accent1"/>
+          </a:fillRef>
+          <a:effectRef idx="0">
+            <a:schemeClr val="accent1"/>
+          </a:effectRef>
+          <a:fontRef idx="minor">
+            <a:schemeClr val="lt1"/>
+          </a:fontRef>
+        </p:style>
+        <p:txBody>
+          <a:bodyPr rtlCol="0" anchor="ctr"/>
+          <a:lstStyle/>
+          <a:p>
+            <a:pPr algn="ctr"/>
+            <a:r>
+              <a:rPr lang="de-DE" sz="900" dirty="0"/>
+              <a:t>LC#1</a:t>
+            </a:r>
+          </a:p>
+        </p:txBody>
+      </p:sp>
+      <p:sp>
+        <p:nvSpPr>
+          <p:cNvPr id="66" name="Rechteck: abgerundete Ecken 65">
+            <a:extLst>
+              <a:ext uri="{FF2B5EF4-FFF2-40B4-BE49-F238E27FC236}">
+                <a16:creationId xmlns:a16="http://schemas.microsoft.com/office/drawing/2014/main" id="{FA164C5A-743A-BEE9-ECCF-1944269E788D}"/>
+              </a:ext>
+            </a:extLst>
+          </p:cNvPr>
+          <p:cNvSpPr/>
+          <p:nvPr/>
+        </p:nvSpPr>
+        <p:spPr>
+          <a:xfrm>
+            <a:off x="4676139" y="8581020"/>
+            <a:ext cx="634228" cy="124327"/>
+          </a:xfrm>
+          <a:prstGeom prst="roundRect">
+            <a:avLst/>
+          </a:prstGeom>
+        </p:spPr>
+        <p:style>
+          <a:lnRef idx="2">
+            <a:schemeClr val="accent1">
+              <a:shade val="15000"/>
+            </a:schemeClr>
+          </a:lnRef>
+          <a:fillRef idx="1">
+            <a:schemeClr val="accent1"/>
+          </a:fillRef>
+          <a:effectRef idx="0">
+            <a:schemeClr val="accent1"/>
+          </a:effectRef>
+          <a:fontRef idx="minor">
+            <a:schemeClr val="lt1"/>
+          </a:fontRef>
+        </p:style>
+        <p:txBody>
+          <a:bodyPr rtlCol="0" anchor="ctr"/>
+          <a:lstStyle/>
+          <a:p>
+            <a:pPr algn="ctr"/>
+            <a:r>
+              <a:rPr lang="de-DE" sz="900" dirty="0"/>
+              <a:t>ODL#1</a:t>
+            </a:r>
+          </a:p>
+        </p:txBody>
+      </p:sp>
+      <p:cxnSp>
+        <p:nvCxnSpPr>
+          <p:cNvPr id="67" name="Gerader Verbinder 66">
+            <a:extLst>
+              <a:ext uri="{FF2B5EF4-FFF2-40B4-BE49-F238E27FC236}">
+                <a16:creationId xmlns:a16="http://schemas.microsoft.com/office/drawing/2014/main" id="{061EB6D1-8542-94D3-0E6F-B615D9CB09E1}"/>
+              </a:ext>
+            </a:extLst>
+          </p:cNvPr>
+          <p:cNvCxnSpPr>
+            <a:cxnSpLocks/>
+          </p:cNvCxnSpPr>
+          <p:nvPr/>
+        </p:nvCxnSpPr>
+        <p:spPr>
+          <a:xfrm flipH="1" flipV="1">
+            <a:off x="5825586" y="8612805"/>
+            <a:ext cx="1047653" cy="185083"/>
+          </a:xfrm>
+          <a:prstGeom prst="line">
+            <a:avLst/>
+          </a:prstGeom>
+        </p:spPr>
+        <p:style>
+          <a:lnRef idx="2">
+            <a:schemeClr val="accent5"/>
+          </a:lnRef>
+          <a:fillRef idx="0">
+            <a:schemeClr val="accent5"/>
+          </a:fillRef>
+          <a:effectRef idx="1">
+            <a:schemeClr val="accent5"/>
+          </a:effectRef>
+          <a:fontRef idx="minor">
+            <a:schemeClr val="tx1"/>
+          </a:fontRef>
+        </p:style>
+      </p:cxnSp>
+      <p:cxnSp>
+        <p:nvCxnSpPr>
+          <p:cNvPr id="68" name="Gerader Verbinder 67">
+            <a:extLst>
+              <a:ext uri="{FF2B5EF4-FFF2-40B4-BE49-F238E27FC236}">
+                <a16:creationId xmlns:a16="http://schemas.microsoft.com/office/drawing/2014/main" id="{0C00E181-EB7C-B937-AB80-B1634FD8D435}"/>
+              </a:ext>
+            </a:extLst>
+          </p:cNvPr>
+          <p:cNvCxnSpPr>
+            <a:cxnSpLocks/>
+          </p:cNvCxnSpPr>
+          <p:nvPr/>
+        </p:nvCxnSpPr>
+        <p:spPr>
+          <a:xfrm flipH="1" flipV="1">
+            <a:off x="5825585" y="8723992"/>
+            <a:ext cx="1047653" cy="185083"/>
+          </a:xfrm>
+          <a:prstGeom prst="line">
+            <a:avLst/>
+          </a:prstGeom>
+        </p:spPr>
+        <p:style>
+          <a:lnRef idx="2">
+            <a:schemeClr val="accent5"/>
+          </a:lnRef>
+          <a:fillRef idx="0">
+            <a:schemeClr val="accent5"/>
+          </a:fillRef>
+          <a:effectRef idx="1">
+            <a:schemeClr val="accent5"/>
+          </a:effectRef>
+          <a:fontRef idx="minor">
+            <a:schemeClr val="tx1"/>
+          </a:fontRef>
+        </p:style>
+      </p:cxnSp>
+      <p:cxnSp>
+        <p:nvCxnSpPr>
+          <p:cNvPr id="69" name="Gerader Verbinder 68">
+            <a:extLst>
+              <a:ext uri="{FF2B5EF4-FFF2-40B4-BE49-F238E27FC236}">
+                <a16:creationId xmlns:a16="http://schemas.microsoft.com/office/drawing/2014/main" id="{B2419A85-CC08-1AE0-9749-10AB8A42379A}"/>
+              </a:ext>
+            </a:extLst>
+          </p:cNvPr>
+          <p:cNvCxnSpPr>
+            <a:cxnSpLocks/>
+          </p:cNvCxnSpPr>
+          <p:nvPr/>
+        </p:nvCxnSpPr>
+        <p:spPr>
+          <a:xfrm flipH="1" flipV="1">
+            <a:off x="5825584" y="8816533"/>
+            <a:ext cx="1047653" cy="185083"/>
+          </a:xfrm>
+          <a:prstGeom prst="line">
+            <a:avLst/>
+          </a:prstGeom>
+        </p:spPr>
+        <p:style>
+          <a:lnRef idx="2">
+            <a:schemeClr val="accent5"/>
+          </a:lnRef>
+          <a:fillRef idx="0">
+            <a:schemeClr val="accent5"/>
+          </a:fillRef>
+          <a:effectRef idx="1">
+            <a:schemeClr val="accent5"/>
+          </a:effectRef>
+          <a:fontRef idx="minor">
+            <a:schemeClr val="tx1"/>
+          </a:fontRef>
+        </p:style>
+      </p:cxnSp>
+      <p:cxnSp>
+        <p:nvCxnSpPr>
+          <p:cNvPr id="70" name="Gerader Verbinder 69">
+            <a:extLst>
+              <a:ext uri="{FF2B5EF4-FFF2-40B4-BE49-F238E27FC236}">
+                <a16:creationId xmlns:a16="http://schemas.microsoft.com/office/drawing/2014/main" id="{122DBEBA-0B26-4E51-19B1-EE293EF05831}"/>
+              </a:ext>
+            </a:extLst>
+          </p:cNvPr>
+          <p:cNvCxnSpPr>
+            <a:cxnSpLocks/>
+          </p:cNvCxnSpPr>
+          <p:nvPr/>
+        </p:nvCxnSpPr>
+        <p:spPr>
+          <a:xfrm flipH="1" flipV="1">
+            <a:off x="5825583" y="8915972"/>
+            <a:ext cx="1047653" cy="185083"/>
+          </a:xfrm>
+          <a:prstGeom prst="line">
+            <a:avLst/>
+          </a:prstGeom>
+        </p:spPr>
+        <p:style>
+          <a:lnRef idx="2">
+            <a:schemeClr val="accent5"/>
+          </a:lnRef>
+          <a:fillRef idx="0">
+            <a:schemeClr val="accent5"/>
+          </a:fillRef>
+          <a:effectRef idx="1">
+            <a:schemeClr val="accent5"/>
+          </a:effectRef>
+          <a:fontRef idx="minor">
+            <a:schemeClr val="tx1"/>
+          </a:fontRef>
+        </p:style>
+      </p:cxnSp>
+      <p:sp>
+        <p:nvSpPr>
+          <p:cNvPr id="71" name="Rechteck: abgerundete Ecken 70">
+            <a:extLst>
+              <a:ext uri="{FF2B5EF4-FFF2-40B4-BE49-F238E27FC236}">
+                <a16:creationId xmlns:a16="http://schemas.microsoft.com/office/drawing/2014/main" id="{D72AAC31-6B89-A6EA-C5FD-F997CCA3BAF5}"/>
+              </a:ext>
+            </a:extLst>
+          </p:cNvPr>
+          <p:cNvSpPr/>
+          <p:nvPr/>
+        </p:nvSpPr>
+        <p:spPr>
+          <a:xfrm>
+            <a:off x="4676139" y="9702637"/>
+            <a:ext cx="634228" cy="124327"/>
+          </a:xfrm>
+          <a:prstGeom prst="roundRect">
+            <a:avLst/>
+          </a:prstGeom>
+        </p:spPr>
+        <p:style>
+          <a:lnRef idx="2">
+            <a:schemeClr val="accent1">
+              <a:shade val="15000"/>
+            </a:schemeClr>
+          </a:lnRef>
+          <a:fillRef idx="1">
+            <a:schemeClr val="accent1"/>
+          </a:fillRef>
+          <a:effectRef idx="0">
+            <a:schemeClr val="accent1"/>
+          </a:effectRef>
+          <a:fontRef idx="minor">
+            <a:schemeClr val="lt1"/>
+          </a:fontRef>
+        </p:style>
+        <p:txBody>
+          <a:bodyPr rtlCol="0" anchor="ctr"/>
+          <a:lstStyle/>
+          <a:p>
+            <a:pPr algn="ctr"/>
+            <a:r>
+              <a:rPr lang="de-DE" sz="900" dirty="0"/>
+              <a:t>ODL#2</a:t>
+            </a:r>
+          </a:p>
+        </p:txBody>
+      </p:sp>
+      <p:cxnSp>
+        <p:nvCxnSpPr>
+          <p:cNvPr id="72" name="Gerader Verbinder 71">
+            <a:extLst>
+              <a:ext uri="{FF2B5EF4-FFF2-40B4-BE49-F238E27FC236}">
+                <a16:creationId xmlns:a16="http://schemas.microsoft.com/office/drawing/2014/main" id="{99F0AFE8-26C8-C9A5-34CC-833A31FCDBA9}"/>
+              </a:ext>
+            </a:extLst>
+          </p:cNvPr>
+          <p:cNvCxnSpPr>
+            <a:cxnSpLocks/>
+          </p:cNvCxnSpPr>
+          <p:nvPr/>
+        </p:nvCxnSpPr>
+        <p:spPr>
+          <a:xfrm flipH="1">
+            <a:off x="5825583" y="9346455"/>
+            <a:ext cx="1047653" cy="185083"/>
+          </a:xfrm>
+          <a:prstGeom prst="line">
+            <a:avLst/>
+          </a:prstGeom>
+        </p:spPr>
+        <p:style>
+          <a:lnRef idx="2">
+            <a:schemeClr val="accent5"/>
+          </a:lnRef>
+          <a:fillRef idx="0">
+            <a:schemeClr val="accent5"/>
+          </a:fillRef>
+          <a:effectRef idx="1">
+            <a:schemeClr val="accent5"/>
+          </a:effectRef>
+          <a:fontRef idx="minor">
+            <a:schemeClr val="tx1"/>
+          </a:fontRef>
+        </p:style>
+      </p:cxnSp>
+      <p:cxnSp>
+        <p:nvCxnSpPr>
+          <p:cNvPr id="73" name="Gerader Verbinder 72">
+            <a:extLst>
+              <a:ext uri="{FF2B5EF4-FFF2-40B4-BE49-F238E27FC236}">
+                <a16:creationId xmlns:a16="http://schemas.microsoft.com/office/drawing/2014/main" id="{5467BA3D-8CFC-9212-B054-D44A898DA05A}"/>
+              </a:ext>
+            </a:extLst>
+          </p:cNvPr>
+          <p:cNvCxnSpPr>
+            <a:cxnSpLocks/>
+          </p:cNvCxnSpPr>
+          <p:nvPr/>
+        </p:nvCxnSpPr>
+        <p:spPr>
+          <a:xfrm flipH="1">
+            <a:off x="5825582" y="9457642"/>
+            <a:ext cx="1047653" cy="185083"/>
+          </a:xfrm>
+          <a:prstGeom prst="line">
+            <a:avLst/>
+          </a:prstGeom>
+        </p:spPr>
+        <p:style>
+          <a:lnRef idx="2">
+            <a:schemeClr val="accent5"/>
+          </a:lnRef>
+          <a:fillRef idx="0">
+            <a:schemeClr val="accent5"/>
+          </a:fillRef>
+          <a:effectRef idx="1">
+            <a:schemeClr val="accent5"/>
+          </a:effectRef>
+          <a:fontRef idx="minor">
+            <a:schemeClr val="tx1"/>
+          </a:fontRef>
+        </p:style>
+      </p:cxnSp>
+      <p:cxnSp>
+        <p:nvCxnSpPr>
+          <p:cNvPr id="74" name="Gerader Verbinder 73">
+            <a:extLst>
+              <a:ext uri="{FF2B5EF4-FFF2-40B4-BE49-F238E27FC236}">
+                <a16:creationId xmlns:a16="http://schemas.microsoft.com/office/drawing/2014/main" id="{727477B4-D369-A7FC-CC6E-58D13F724034}"/>
+              </a:ext>
+            </a:extLst>
+          </p:cNvPr>
+          <p:cNvCxnSpPr>
+            <a:cxnSpLocks/>
+          </p:cNvCxnSpPr>
+          <p:nvPr/>
+        </p:nvCxnSpPr>
+        <p:spPr>
+          <a:xfrm flipH="1">
+            <a:off x="5825581" y="9550183"/>
+            <a:ext cx="1047653" cy="185083"/>
+          </a:xfrm>
+          <a:prstGeom prst="line">
+            <a:avLst/>
+          </a:prstGeom>
+        </p:spPr>
+        <p:style>
+          <a:lnRef idx="2">
+            <a:schemeClr val="accent5"/>
+          </a:lnRef>
+          <a:fillRef idx="0">
+            <a:schemeClr val="accent5"/>
+          </a:fillRef>
+          <a:effectRef idx="1">
+            <a:schemeClr val="accent5"/>
+          </a:effectRef>
+          <a:fontRef idx="minor">
+            <a:schemeClr val="tx1"/>
+          </a:fontRef>
+        </p:style>
+      </p:cxnSp>
+      <p:cxnSp>
+        <p:nvCxnSpPr>
+          <p:cNvPr id="75" name="Gerader Verbinder 74">
+            <a:extLst>
+              <a:ext uri="{FF2B5EF4-FFF2-40B4-BE49-F238E27FC236}">
+                <a16:creationId xmlns:a16="http://schemas.microsoft.com/office/drawing/2014/main" id="{87CD0169-05D0-DBBB-136C-56FB872BB0A4}"/>
+              </a:ext>
+            </a:extLst>
+          </p:cNvPr>
+          <p:cNvCxnSpPr>
+            <a:cxnSpLocks/>
+          </p:cNvCxnSpPr>
+          <p:nvPr/>
+        </p:nvCxnSpPr>
+        <p:spPr>
+          <a:xfrm flipH="1">
+            <a:off x="5825580" y="9649622"/>
+            <a:ext cx="1047653" cy="185083"/>
+          </a:xfrm>
+          <a:prstGeom prst="line">
+            <a:avLst/>
+          </a:prstGeom>
+        </p:spPr>
+        <p:style>
+          <a:lnRef idx="2">
+            <a:schemeClr val="accent5"/>
+          </a:lnRef>
+          <a:fillRef idx="0">
+            <a:schemeClr val="accent5"/>
+          </a:fillRef>
+          <a:effectRef idx="1">
+            <a:schemeClr val="accent5"/>
+          </a:effectRef>
+          <a:fontRef idx="minor">
+            <a:schemeClr val="tx1"/>
+          </a:fontRef>
+        </p:style>
+      </p:cxnSp>
+      <p:cxnSp>
+        <p:nvCxnSpPr>
+          <p:cNvPr id="77" name="Gerader Verbinder 76">
+            <a:extLst>
+              <a:ext uri="{FF2B5EF4-FFF2-40B4-BE49-F238E27FC236}">
+                <a16:creationId xmlns:a16="http://schemas.microsoft.com/office/drawing/2014/main" id="{61E09EC8-AC47-9D13-9D74-A9F05405BADD}"/>
+              </a:ext>
+            </a:extLst>
+          </p:cNvPr>
+          <p:cNvCxnSpPr>
+            <a:cxnSpLocks/>
+            <a:stCxn id="71" idx="1"/>
+            <a:endCxn id="60" idx="3"/>
+          </p:cNvCxnSpPr>
+          <p:nvPr/>
+        </p:nvCxnSpPr>
+        <p:spPr>
+          <a:xfrm flipH="1" flipV="1">
+            <a:off x="1353929" y="8723992"/>
+            <a:ext cx="3322210" cy="1040809"/>
+          </a:xfrm>
+          <a:prstGeom prst="line">
+            <a:avLst/>
+          </a:prstGeom>
+        </p:spPr>
+        <p:style>
+          <a:lnRef idx="2">
+            <a:schemeClr val="accent5"/>
+          </a:lnRef>
+          <a:fillRef idx="0">
+            <a:schemeClr val="accent5"/>
+          </a:fillRef>
+          <a:effectRef idx="1">
+            <a:schemeClr val="accent5"/>
+          </a:effectRef>
+          <a:fontRef idx="minor">
+            <a:schemeClr val="tx1"/>
+          </a:fontRef>
+        </p:style>
+      </p:cxnSp>
+      <p:cxnSp>
+        <p:nvCxnSpPr>
+          <p:cNvPr id="78" name="Gerader Verbinder 77">
+            <a:extLst>
+              <a:ext uri="{FF2B5EF4-FFF2-40B4-BE49-F238E27FC236}">
+                <a16:creationId xmlns:a16="http://schemas.microsoft.com/office/drawing/2014/main" id="{6BF6FF31-EA3C-0938-B3C8-73C7173704F1}"/>
+              </a:ext>
+            </a:extLst>
+          </p:cNvPr>
+          <p:cNvCxnSpPr>
+            <a:cxnSpLocks/>
+            <a:stCxn id="66" idx="1"/>
+            <a:endCxn id="60" idx="3"/>
+          </p:cNvCxnSpPr>
+          <p:nvPr/>
+        </p:nvCxnSpPr>
+        <p:spPr>
+          <a:xfrm flipH="1">
+            <a:off x="1353929" y="8643184"/>
+            <a:ext cx="3322210" cy="80808"/>
+          </a:xfrm>
+          <a:prstGeom prst="line">
+            <a:avLst/>
+          </a:prstGeom>
+        </p:spPr>
+        <p:style>
+          <a:lnRef idx="2">
+            <a:schemeClr val="accent5"/>
+          </a:lnRef>
+          <a:fillRef idx="0">
+            <a:schemeClr val="accent5"/>
+          </a:fillRef>
+          <a:effectRef idx="1">
+            <a:schemeClr val="accent5"/>
+          </a:effectRef>
+          <a:fontRef idx="minor">
+            <a:schemeClr val="tx1"/>
+          </a:fontRef>
+        </p:style>
+      </p:cxnSp>
+      <p:sp>
+        <p:nvSpPr>
+          <p:cNvPr id="79" name="Textfeld 78">
+            <a:extLst>
+              <a:ext uri="{FF2B5EF4-FFF2-40B4-BE49-F238E27FC236}">
+                <a16:creationId xmlns:a16="http://schemas.microsoft.com/office/drawing/2014/main" id="{4F24E147-9ACF-D5CD-7458-55B0354E0688}"/>
+              </a:ext>
+            </a:extLst>
+          </p:cNvPr>
+          <p:cNvSpPr txBox="1"/>
+          <p:nvPr/>
+        </p:nvSpPr>
+        <p:spPr>
+          <a:xfrm>
+            <a:off x="1210196" y="8916842"/>
+            <a:ext cx="2950730" cy="2923877"/>
+          </a:xfrm>
+          <a:prstGeom prst="rect">
+            <a:avLst/>
+          </a:prstGeom>
+          <a:noFill/>
+        </p:spPr>
+        <p:txBody>
+          <a:bodyPr wrap="square" rtlCol="0">
+            <a:spAutoFit/>
+          </a:bodyPr>
+          <a:lstStyle/>
+          <a:p>
+            <a:r>
+              <a:rPr lang="de-DE" sz="800" b="1" dirty="0" err="1">
+                <a:solidFill>
+                  <a:schemeClr val="accent5"/>
+                </a:solidFill>
+              </a:rPr>
+              <a:t>HttpLink</a:t>
+            </a:r>
+            <a:endParaRPr lang="de-DE" sz="800" b="1" dirty="0">
+              <a:solidFill>
+                <a:schemeClr val="accent5"/>
+              </a:solidFill>
+            </a:endParaRPr>
+          </a:p>
+          <a:p>
+            <a:r>
+              <a:rPr lang="de-DE" sz="800" dirty="0" err="1">
+                <a:solidFill>
+                  <a:schemeClr val="accent5"/>
+                </a:solidFill>
+              </a:rPr>
+              <a:t>key</a:t>
+            </a:r>
+            <a:r>
+              <a:rPr lang="de-DE" sz="800" dirty="0">
+                <a:solidFill>
+                  <a:schemeClr val="accent5"/>
+                </a:solidFill>
+              </a:rPr>
+              <a:t>: </a:t>
+            </a:r>
+            <a:r>
+              <a:rPr lang="de-DE" sz="800" dirty="0" err="1">
+                <a:solidFill>
+                  <a:schemeClr val="accent5"/>
+                </a:solidFill>
+              </a:rPr>
+              <a:t>local-id</a:t>
+            </a:r>
+            <a:endParaRPr lang="de-DE" sz="800" dirty="0">
+              <a:solidFill>
+                <a:schemeClr val="accent5"/>
+              </a:solidFill>
+            </a:endParaRPr>
+          </a:p>
+          <a:p>
+            <a:r>
+              <a:rPr lang="de-DE" sz="800" dirty="0" err="1">
+                <a:solidFill>
+                  <a:schemeClr val="accent5"/>
+                </a:solidFill>
+              </a:rPr>
+              <a:t>linktp</a:t>
+            </a:r>
+            <a:r>
+              <a:rPr lang="de-DE" sz="800" dirty="0">
+                <a:solidFill>
+                  <a:schemeClr val="accent5"/>
+                </a:solidFill>
+              </a:rPr>
+              <a:t>:</a:t>
+            </a:r>
+          </a:p>
+          <a:p>
+            <a:pPr marL="171450" indent="-171450">
+              <a:buFontTx/>
+              <a:buChar char="-"/>
+            </a:pPr>
+            <a:r>
+              <a:rPr lang="de-DE" sz="800" dirty="0">
+                <a:solidFill>
+                  <a:schemeClr val="accent5"/>
+                </a:solidFill>
+              </a:rPr>
+              <a:t>1 x </a:t>
+            </a:r>
+            <a:r>
+              <a:rPr lang="de-DE" sz="800" dirty="0" err="1">
+                <a:solidFill>
+                  <a:schemeClr val="accent5"/>
+                </a:solidFill>
+              </a:rPr>
+              <a:t>HttpClient</a:t>
+            </a:r>
+            <a:r>
+              <a:rPr lang="de-DE" sz="800" dirty="0">
+                <a:solidFill>
+                  <a:schemeClr val="accent5"/>
+                </a:solidFill>
+              </a:rPr>
+              <a:t> {_cc, _</a:t>
+            </a:r>
+            <a:r>
+              <a:rPr lang="de-DE" sz="800" dirty="0" err="1">
+                <a:solidFill>
+                  <a:schemeClr val="accent5"/>
+                </a:solidFill>
+              </a:rPr>
+              <a:t>ltp</a:t>
+            </a:r>
+            <a:r>
+              <a:rPr lang="de-DE" sz="800" dirty="0">
+                <a:solidFill>
+                  <a:schemeClr val="accent5"/>
+                </a:solidFill>
+              </a:rPr>
+              <a:t>, _</a:t>
+            </a:r>
+            <a:r>
+              <a:rPr lang="de-DE" sz="800" dirty="0" err="1">
+                <a:solidFill>
+                  <a:schemeClr val="accent5"/>
+                </a:solidFill>
+              </a:rPr>
+              <a:t>lp</a:t>
+            </a:r>
+            <a:r>
+              <a:rPr lang="de-DE" sz="800" dirty="0">
+                <a:solidFill>
+                  <a:schemeClr val="accent5"/>
+                </a:solidFill>
+              </a:rPr>
+              <a:t>}</a:t>
+            </a:r>
+          </a:p>
+          <a:p>
+            <a:pPr marL="171450" indent="-171450">
+              <a:buFontTx/>
+              <a:buChar char="-"/>
+            </a:pPr>
+            <a:r>
+              <a:rPr lang="de-DE" sz="800" dirty="0">
+                <a:solidFill>
+                  <a:schemeClr val="accent5"/>
+                </a:solidFill>
+              </a:rPr>
+              <a:t>1 x </a:t>
+            </a:r>
+            <a:r>
+              <a:rPr lang="de-DE" sz="800" dirty="0" err="1">
+                <a:solidFill>
+                  <a:schemeClr val="accent5"/>
+                </a:solidFill>
+              </a:rPr>
+              <a:t>HttpServer</a:t>
+            </a:r>
+            <a:r>
+              <a:rPr lang="de-DE" sz="800" dirty="0">
+                <a:solidFill>
+                  <a:schemeClr val="accent5"/>
+                </a:solidFill>
+              </a:rPr>
+              <a:t> {_cc, _</a:t>
+            </a:r>
+            <a:r>
+              <a:rPr lang="de-DE" sz="800" dirty="0" err="1">
+                <a:solidFill>
+                  <a:schemeClr val="accent5"/>
+                </a:solidFill>
+              </a:rPr>
+              <a:t>ltp</a:t>
+            </a:r>
+            <a:r>
+              <a:rPr lang="de-DE" sz="800" dirty="0">
+                <a:solidFill>
+                  <a:schemeClr val="accent5"/>
+                </a:solidFill>
+              </a:rPr>
+              <a:t>, _</a:t>
+            </a:r>
+            <a:r>
+              <a:rPr lang="de-DE" sz="800" dirty="0" err="1">
+                <a:solidFill>
+                  <a:schemeClr val="accent5"/>
+                </a:solidFill>
+              </a:rPr>
+              <a:t>lp</a:t>
+            </a:r>
+            <a:r>
+              <a:rPr lang="de-DE" sz="800" dirty="0">
+                <a:solidFill>
+                  <a:schemeClr val="accent5"/>
+                </a:solidFill>
+              </a:rPr>
+              <a:t>}</a:t>
+            </a:r>
+          </a:p>
+          <a:p>
+            <a:r>
+              <a:rPr lang="de-DE" sz="800" dirty="0">
+                <a:solidFill>
+                  <a:schemeClr val="accent5"/>
+                </a:solidFill>
+              </a:rPr>
+              <a:t>State:</a:t>
+            </a:r>
+          </a:p>
+          <a:p>
+            <a:pPr marL="228600" indent="-228600">
+              <a:buAutoNum type="arabicPeriod"/>
+            </a:pPr>
+            <a:r>
+              <a:rPr lang="de-DE" sz="800" dirty="0">
+                <a:solidFill>
+                  <a:schemeClr val="accent5"/>
+                </a:solidFill>
+              </a:rPr>
+              <a:t>after /v1/</a:t>
+            </a:r>
+            <a:r>
+              <a:rPr lang="de-DE" sz="800" dirty="0" err="1">
+                <a:solidFill>
+                  <a:schemeClr val="accent5"/>
+                </a:solidFill>
+              </a:rPr>
+              <a:t>establish</a:t>
+            </a:r>
+            <a:r>
+              <a:rPr lang="de-DE" sz="800" dirty="0">
+                <a:solidFill>
+                  <a:schemeClr val="accent5"/>
+                </a:solidFill>
+              </a:rPr>
+              <a:t>-management-domain-connection</a:t>
+            </a:r>
+          </a:p>
+          <a:p>
+            <a:pPr marL="228600" indent="-228600">
+              <a:buAutoNum type="arabicPeriod"/>
+            </a:pPr>
+            <a:r>
+              <a:rPr lang="de-DE" sz="800" dirty="0" err="1">
+                <a:solidFill>
+                  <a:schemeClr val="accent5"/>
+                </a:solidFill>
+              </a:rPr>
+              <a:t>HttpClient</a:t>
+            </a:r>
+            <a:r>
+              <a:rPr lang="de-DE" sz="800" dirty="0">
+                <a:solidFill>
+                  <a:schemeClr val="accent5"/>
+                </a:solidFill>
+              </a:rPr>
+              <a:t> </a:t>
+            </a:r>
+            <a:r>
+              <a:rPr lang="de-DE" sz="800" dirty="0" err="1">
+                <a:solidFill>
+                  <a:schemeClr val="accent5"/>
+                </a:solidFill>
+              </a:rPr>
+              <a:t>exists</a:t>
+            </a:r>
+            <a:endParaRPr lang="de-DE" sz="800" dirty="0">
+              <a:solidFill>
+                <a:schemeClr val="accent5"/>
+              </a:solidFill>
+            </a:endParaRPr>
+          </a:p>
+          <a:p>
+            <a:pPr marL="228600" indent="-228600">
+              <a:buFontTx/>
+              <a:buAutoNum type="arabicPeriod"/>
+            </a:pPr>
+            <a:r>
+              <a:rPr lang="de-DE" sz="800" dirty="0" err="1">
+                <a:solidFill>
+                  <a:schemeClr val="accent5"/>
+                </a:solidFill>
+              </a:rPr>
+              <a:t>HttpServer</a:t>
+            </a:r>
+            <a:r>
+              <a:rPr lang="de-DE" sz="800" dirty="0">
+                <a:solidFill>
+                  <a:schemeClr val="accent5"/>
+                </a:solidFill>
+              </a:rPr>
+              <a:t> </a:t>
+            </a:r>
+            <a:r>
+              <a:rPr lang="de-DE" sz="800" dirty="0" err="1">
+                <a:solidFill>
+                  <a:schemeClr val="accent5"/>
+                </a:solidFill>
+              </a:rPr>
+              <a:t>exists</a:t>
+            </a:r>
+            <a:endParaRPr lang="de-DE" sz="800" dirty="0">
+              <a:solidFill>
+                <a:schemeClr val="accent5"/>
+              </a:solidFill>
+            </a:endParaRPr>
+          </a:p>
+          <a:p>
+            <a:pPr marL="228600" indent="-228600">
+              <a:buAutoNum type="arabicPeriod"/>
+            </a:pPr>
+            <a:r>
+              <a:rPr lang="de-DE" sz="800" dirty="0" err="1">
+                <a:solidFill>
+                  <a:schemeClr val="accent5"/>
+                </a:solidFill>
+              </a:rPr>
+              <a:t>HttpClient</a:t>
+            </a:r>
+            <a:r>
+              <a:rPr lang="de-DE" sz="800" dirty="0">
+                <a:solidFill>
+                  <a:schemeClr val="accent5"/>
+                </a:solidFill>
+              </a:rPr>
+              <a:t> </a:t>
+            </a:r>
+            <a:r>
+              <a:rPr lang="de-DE" sz="800" dirty="0" err="1">
+                <a:solidFill>
+                  <a:schemeClr val="accent5"/>
+                </a:solidFill>
+              </a:rPr>
+              <a:t>configuration</a:t>
+            </a:r>
+            <a:r>
+              <a:rPr lang="de-DE" sz="800" dirty="0">
+                <a:solidFill>
+                  <a:schemeClr val="accent5"/>
+                </a:solidFill>
+              </a:rPr>
+              <a:t> </a:t>
+            </a:r>
+            <a:r>
+              <a:rPr lang="de-DE" sz="800" dirty="0" err="1">
+                <a:solidFill>
+                  <a:schemeClr val="accent5"/>
+                </a:solidFill>
+              </a:rPr>
+              <a:t>matches</a:t>
+            </a:r>
+            <a:r>
+              <a:rPr lang="de-DE" sz="800" dirty="0">
+                <a:solidFill>
+                  <a:schemeClr val="accent5"/>
+                </a:solidFill>
+              </a:rPr>
+              <a:t> </a:t>
+            </a:r>
+            <a:r>
+              <a:rPr lang="de-DE" sz="800" dirty="0" err="1">
+                <a:solidFill>
+                  <a:schemeClr val="accent5"/>
+                </a:solidFill>
+              </a:rPr>
+              <a:t>HttpServer</a:t>
+            </a:r>
+            <a:endParaRPr lang="de-DE" sz="800" dirty="0">
+              <a:solidFill>
+                <a:schemeClr val="accent5"/>
+              </a:solidFill>
+            </a:endParaRPr>
+          </a:p>
+          <a:p>
+            <a:pPr marL="228600" indent="-228600">
+              <a:buAutoNum type="arabicPeriod"/>
+            </a:pPr>
+            <a:r>
+              <a:rPr lang="de-DE" sz="800" dirty="0">
+                <a:solidFill>
+                  <a:schemeClr val="accent5"/>
+                </a:solidFill>
+              </a:rPr>
+              <a:t>1 Route </a:t>
+            </a:r>
+            <a:r>
+              <a:rPr lang="de-DE" sz="800" dirty="0" err="1">
+                <a:solidFill>
+                  <a:schemeClr val="accent5"/>
+                </a:solidFill>
+              </a:rPr>
+              <a:t>exists</a:t>
+            </a:r>
+            <a:endParaRPr lang="de-DE" sz="800" dirty="0">
+              <a:solidFill>
+                <a:schemeClr val="accent5"/>
+              </a:solidFill>
+            </a:endParaRPr>
+          </a:p>
+          <a:p>
+            <a:r>
+              <a:rPr lang="de-DE" sz="800" dirty="0">
+                <a:solidFill>
+                  <a:schemeClr val="accent5"/>
+                </a:solidFill>
+              </a:rPr>
+              <a:t>route:</a:t>
+            </a:r>
+          </a:p>
+          <a:p>
+            <a:pPr marL="171450" indent="-171450">
+              <a:buFontTx/>
+              <a:buChar char="-"/>
+            </a:pPr>
+            <a:r>
+              <a:rPr lang="en-US" sz="800" dirty="0">
+                <a:solidFill>
+                  <a:schemeClr val="accent5"/>
+                </a:solidFill>
+              </a:rPr>
+              <a:t>chain of </a:t>
+            </a:r>
+            <a:r>
+              <a:rPr lang="de-DE" sz="800" dirty="0">
+                <a:solidFill>
+                  <a:schemeClr val="accent5"/>
+                </a:solidFill>
+              </a:rPr>
+              <a:t>2 </a:t>
+            </a:r>
+            <a:r>
+              <a:rPr lang="de-DE" sz="800" dirty="0" err="1">
+                <a:solidFill>
+                  <a:schemeClr val="accent5"/>
+                </a:solidFill>
+              </a:rPr>
+              <a:t>TcpLinks</a:t>
+            </a:r>
+            <a:r>
+              <a:rPr lang="de-DE" sz="800" dirty="0">
+                <a:solidFill>
+                  <a:schemeClr val="accent5"/>
+                </a:solidFill>
+              </a:rPr>
+              <a:t> </a:t>
+            </a:r>
+            <a:r>
+              <a:rPr lang="en-US" sz="800" dirty="0">
+                <a:solidFill>
+                  <a:schemeClr val="accent5"/>
+                </a:solidFill>
+              </a:rPr>
+              <a:t>between LTPs referred as </a:t>
+            </a:r>
+            <a:r>
+              <a:rPr lang="en-US" sz="800" dirty="0" err="1">
+                <a:solidFill>
+                  <a:schemeClr val="accent5"/>
+                </a:solidFill>
+              </a:rPr>
+              <a:t>linktp</a:t>
+            </a:r>
+            <a:endParaRPr lang="en-US" sz="800" dirty="0">
+              <a:solidFill>
+                <a:schemeClr val="accent5"/>
+              </a:solidFill>
+            </a:endParaRPr>
+          </a:p>
+          <a:p>
+            <a:endParaRPr lang="en-US" sz="800" dirty="0">
+              <a:solidFill>
+                <a:schemeClr val="accent5"/>
+              </a:solidFill>
+            </a:endParaRPr>
+          </a:p>
+          <a:p>
+            <a:endParaRPr lang="de-DE" sz="800" dirty="0">
+              <a:solidFill>
+                <a:schemeClr val="accent5"/>
+              </a:solidFill>
+            </a:endParaRPr>
+          </a:p>
+          <a:p>
+            <a:r>
+              <a:rPr lang="en-US" sz="800" b="1" dirty="0">
+                <a:solidFill>
+                  <a:schemeClr val="accent5"/>
+                </a:solidFill>
+              </a:rPr>
+              <a:t>Route</a:t>
+            </a:r>
+          </a:p>
+          <a:p>
+            <a:r>
+              <a:rPr lang="en-US" sz="800" dirty="0">
+                <a:solidFill>
+                  <a:schemeClr val="accent5"/>
+                </a:solidFill>
+              </a:rPr>
+              <a:t>key: local-id</a:t>
+            </a:r>
+          </a:p>
+          <a:p>
+            <a:r>
+              <a:rPr lang="en-US" sz="800" dirty="0">
+                <a:solidFill>
+                  <a:schemeClr val="accent5"/>
+                </a:solidFill>
+              </a:rPr>
+              <a:t>State:</a:t>
+            </a:r>
+          </a:p>
+          <a:p>
+            <a:pPr marL="171450" indent="-171450">
+              <a:buFontTx/>
+              <a:buChar char="-"/>
+            </a:pPr>
+            <a:r>
+              <a:rPr lang="de-DE" sz="800" dirty="0" err="1">
+                <a:solidFill>
+                  <a:schemeClr val="accent5"/>
+                </a:solidFill>
+              </a:rPr>
+              <a:t>TcpLinkA</a:t>
+            </a:r>
+            <a:r>
+              <a:rPr lang="en-US" sz="800" dirty="0">
+                <a:solidFill>
+                  <a:schemeClr val="accent5"/>
+                </a:solidFill>
+              </a:rPr>
+              <a:t> exists</a:t>
+            </a:r>
+          </a:p>
+          <a:p>
+            <a:pPr marL="171450" indent="-171450">
+              <a:buFontTx/>
+              <a:buChar char="-"/>
+            </a:pPr>
+            <a:r>
+              <a:rPr lang="en-US" sz="800" dirty="0">
+                <a:solidFill>
+                  <a:schemeClr val="accent5"/>
+                </a:solidFill>
+              </a:rPr>
+              <a:t>and </a:t>
+            </a:r>
+            <a:r>
+              <a:rPr lang="de-DE" sz="800" dirty="0" err="1">
+                <a:solidFill>
+                  <a:schemeClr val="accent5"/>
+                </a:solidFill>
+              </a:rPr>
+              <a:t>TcpLinkB</a:t>
+            </a:r>
+            <a:r>
+              <a:rPr lang="de-DE" sz="800" dirty="0">
+                <a:solidFill>
+                  <a:schemeClr val="accent5"/>
+                </a:solidFill>
+              </a:rPr>
+              <a:t> </a:t>
+            </a:r>
+            <a:r>
+              <a:rPr lang="en-US" sz="800" dirty="0">
+                <a:solidFill>
+                  <a:schemeClr val="accent5"/>
+                </a:solidFill>
+              </a:rPr>
+              <a:t>exists</a:t>
+            </a:r>
+          </a:p>
+          <a:p>
+            <a:r>
+              <a:rPr lang="en-US" sz="800" dirty="0">
+                <a:solidFill>
+                  <a:schemeClr val="accent5"/>
+                </a:solidFill>
+              </a:rPr>
+              <a:t>_link:</a:t>
+            </a:r>
+          </a:p>
+          <a:p>
+            <a:pPr marL="171450" indent="-171450">
+              <a:buFontTx/>
+              <a:buChar char="-"/>
+            </a:pPr>
+            <a:r>
+              <a:rPr lang="de-DE" sz="800" dirty="0" err="1">
+                <a:solidFill>
+                  <a:schemeClr val="accent5"/>
+                </a:solidFill>
+              </a:rPr>
+              <a:t>TcpLinkA</a:t>
+            </a:r>
+            <a:r>
+              <a:rPr lang="en-US" sz="800" dirty="0">
+                <a:solidFill>
+                  <a:schemeClr val="accent5"/>
+                </a:solidFill>
+              </a:rPr>
+              <a:t> </a:t>
+            </a:r>
+          </a:p>
+          <a:p>
+            <a:pPr marL="171450" indent="-171450">
+              <a:buFontTx/>
+              <a:buChar char="-"/>
+            </a:pPr>
+            <a:r>
+              <a:rPr lang="de-DE" sz="800" dirty="0" err="1">
+                <a:solidFill>
+                  <a:schemeClr val="accent5"/>
+                </a:solidFill>
+              </a:rPr>
+              <a:t>TcpLinkB</a:t>
+            </a:r>
+            <a:endParaRPr lang="de-DE" sz="800" dirty="0">
+              <a:solidFill>
+                <a:schemeClr val="accent5"/>
+              </a:solidFill>
+            </a:endParaRPr>
+          </a:p>
+        </p:txBody>
+      </p:sp>
+      <p:sp>
+        <p:nvSpPr>
+          <p:cNvPr id="2" name="Rechteck: abgerundete Ecken 1">
+            <a:extLst>
+              <a:ext uri="{FF2B5EF4-FFF2-40B4-BE49-F238E27FC236}">
+                <a16:creationId xmlns:a16="http://schemas.microsoft.com/office/drawing/2014/main" id="{3A836B06-7314-7E7A-C955-1DA47502EA2F}"/>
+              </a:ext>
+            </a:extLst>
+          </p:cNvPr>
+          <p:cNvSpPr/>
+          <p:nvPr/>
+        </p:nvSpPr>
+        <p:spPr>
+          <a:xfrm>
+            <a:off x="719701" y="5242695"/>
+            <a:ext cx="634228" cy="288084"/>
+          </a:xfrm>
+          <a:prstGeom prst="roundRect">
+            <a:avLst/>
+          </a:prstGeom>
+        </p:spPr>
+        <p:style>
+          <a:lnRef idx="2">
+            <a:schemeClr val="accent1">
+              <a:shade val="15000"/>
+            </a:schemeClr>
+          </a:lnRef>
+          <a:fillRef idx="1">
+            <a:schemeClr val="accent1"/>
+          </a:fillRef>
+          <a:effectRef idx="0">
+            <a:schemeClr val="accent1"/>
+          </a:effectRef>
+          <a:fontRef idx="minor">
+            <a:schemeClr val="lt1"/>
+          </a:fontRef>
+        </p:style>
+        <p:txBody>
+          <a:bodyPr rtlCol="0" anchor="ctr"/>
+          <a:lstStyle/>
+          <a:p>
+            <a:pPr algn="ctr"/>
+            <a:r>
+              <a:rPr lang="de-DE" sz="900" dirty="0"/>
+              <a:t>App#1</a:t>
+            </a:r>
+          </a:p>
+        </p:txBody>
+      </p:sp>
+      <p:sp>
+        <p:nvSpPr>
+          <p:cNvPr id="3" name="Rechteck: abgerundete Ecken 2">
+            <a:extLst>
+              <a:ext uri="{FF2B5EF4-FFF2-40B4-BE49-F238E27FC236}">
+                <a16:creationId xmlns:a16="http://schemas.microsoft.com/office/drawing/2014/main" id="{A14CDEB7-6280-7B1D-B1FE-A1248F7DCC51}"/>
+              </a:ext>
+            </a:extLst>
+          </p:cNvPr>
+          <p:cNvSpPr/>
+          <p:nvPr/>
+        </p:nvSpPr>
+        <p:spPr>
+          <a:xfrm>
+            <a:off x="7287405" y="5759243"/>
+            <a:ext cx="634228" cy="288084"/>
+          </a:xfrm>
+          <a:prstGeom prst="roundRect">
+            <a:avLst/>
+          </a:prstGeom>
+        </p:spPr>
+        <p:style>
+          <a:lnRef idx="2">
+            <a:schemeClr val="accent1">
+              <a:shade val="15000"/>
+            </a:schemeClr>
+          </a:lnRef>
+          <a:fillRef idx="1">
+            <a:schemeClr val="accent1"/>
+          </a:fillRef>
+          <a:effectRef idx="0">
+            <a:schemeClr val="accent1"/>
+          </a:effectRef>
+          <a:fontRef idx="minor">
+            <a:schemeClr val="lt1"/>
+          </a:fontRef>
+        </p:style>
+        <p:txBody>
+          <a:bodyPr rtlCol="0" anchor="ctr"/>
+          <a:lstStyle/>
+          <a:p>
+            <a:pPr algn="ctr"/>
+            <a:r>
+              <a:rPr lang="de-DE" sz="900" dirty="0"/>
+              <a:t>LC#1</a:t>
+            </a:r>
+          </a:p>
+        </p:txBody>
+      </p:sp>
+      <p:cxnSp>
+        <p:nvCxnSpPr>
+          <p:cNvPr id="23" name="Gerader Verbinder 22">
+            <a:extLst>
+              <a:ext uri="{FF2B5EF4-FFF2-40B4-BE49-F238E27FC236}">
+                <a16:creationId xmlns:a16="http://schemas.microsoft.com/office/drawing/2014/main" id="{E0C46F83-2FA6-A071-4C90-597566BE3C33}"/>
+              </a:ext>
+            </a:extLst>
+          </p:cNvPr>
+          <p:cNvCxnSpPr>
+            <a:cxnSpLocks/>
+            <a:stCxn id="3" idx="0"/>
+            <a:endCxn id="2" idx="0"/>
+          </p:cNvCxnSpPr>
+          <p:nvPr/>
+        </p:nvCxnSpPr>
+        <p:spPr>
+          <a:xfrm flipH="1" flipV="1">
+            <a:off x="1036815" y="5242695"/>
+            <a:ext cx="6567704" cy="516548"/>
+          </a:xfrm>
+          <a:prstGeom prst="line">
+            <a:avLst/>
+          </a:prstGeom>
+          <a:ln cap="flat" cmpd="sng">
+            <a:solidFill>
+              <a:schemeClr val="accent6">
+                <a:lumMod val="60000"/>
+                <a:lumOff val="40000"/>
+              </a:schemeClr>
+            </a:solidFill>
+            <a:round/>
+            <a:headEnd type="diamond"/>
+            <a:tailEnd type="diamond"/>
+          </a:ln>
+        </p:spPr>
+        <p:style>
+          <a:lnRef idx="2">
+            <a:schemeClr val="accent5"/>
+          </a:lnRef>
+          <a:fillRef idx="0">
+            <a:schemeClr val="accent5"/>
+          </a:fillRef>
+          <a:effectRef idx="1">
+            <a:schemeClr val="accent5"/>
+          </a:effectRef>
+          <a:fontRef idx="minor">
+            <a:schemeClr val="tx1"/>
+          </a:fontRef>
+        </p:style>
+      </p:cxnSp>
+      <p:sp>
+        <p:nvSpPr>
+          <p:cNvPr id="26" name="Textfeld 25">
+            <a:extLst>
+              <a:ext uri="{FF2B5EF4-FFF2-40B4-BE49-F238E27FC236}">
+                <a16:creationId xmlns:a16="http://schemas.microsoft.com/office/drawing/2014/main" id="{06E229F1-EFD9-36D4-E517-D0C57479D1B1}"/>
+              </a:ext>
+            </a:extLst>
+          </p:cNvPr>
+          <p:cNvSpPr txBox="1"/>
+          <p:nvPr/>
+        </p:nvSpPr>
+        <p:spPr>
+          <a:xfrm>
+            <a:off x="1210196" y="5565589"/>
+            <a:ext cx="4282738" cy="2554545"/>
+          </a:xfrm>
+          <a:prstGeom prst="rect">
+            <a:avLst/>
+          </a:prstGeom>
+          <a:noFill/>
+        </p:spPr>
+        <p:txBody>
+          <a:bodyPr wrap="square" rtlCol="0">
+            <a:spAutoFit/>
+          </a:bodyPr>
+          <a:lstStyle/>
+          <a:p>
+            <a:r>
+              <a:rPr lang="en-US" sz="800" b="1" noProof="0" dirty="0" err="1">
+                <a:solidFill>
+                  <a:schemeClr val="accent6">
+                    <a:lumMod val="75000"/>
+                  </a:schemeClr>
+                </a:solidFill>
+              </a:rPr>
+              <a:t>ManagementPlaneTransportFc</a:t>
+            </a:r>
+            <a:endParaRPr lang="en-US" sz="800" b="1" noProof="0" dirty="0">
+              <a:solidFill>
+                <a:schemeClr val="accent6">
+                  <a:lumMod val="75000"/>
+                </a:schemeClr>
+              </a:solidFill>
+            </a:endParaRPr>
+          </a:p>
+          <a:p>
+            <a:r>
+              <a:rPr lang="en-US" sz="800" dirty="0">
+                <a:solidFill>
+                  <a:schemeClr val="accent6">
+                    <a:lumMod val="75000"/>
+                  </a:schemeClr>
+                </a:solidFill>
+              </a:rPr>
+              <a:t>key: </a:t>
+            </a:r>
+            <a:r>
+              <a:rPr lang="en-US" sz="800" dirty="0" err="1">
+                <a:solidFill>
+                  <a:schemeClr val="accent6">
+                    <a:lumMod val="75000"/>
+                  </a:schemeClr>
+                </a:solidFill>
+              </a:rPr>
+              <a:t>deviceName</a:t>
+            </a:r>
+            <a:endParaRPr lang="en-US" sz="800" noProof="0" dirty="0">
+              <a:solidFill>
+                <a:schemeClr val="accent6">
+                  <a:lumMod val="75000"/>
+                </a:schemeClr>
+              </a:solidFill>
+            </a:endParaRPr>
+          </a:p>
+          <a:p>
+            <a:r>
+              <a:rPr lang="en-US" sz="800" dirty="0" err="1">
+                <a:solidFill>
+                  <a:schemeClr val="accent6">
+                    <a:lumMod val="75000"/>
+                  </a:schemeClr>
+                </a:solidFill>
+              </a:rPr>
+              <a:t>fctp</a:t>
+            </a:r>
+            <a:r>
+              <a:rPr lang="en-US" sz="800" dirty="0">
+                <a:solidFill>
+                  <a:schemeClr val="accent6">
+                    <a:lumMod val="75000"/>
+                  </a:schemeClr>
+                </a:solidFill>
+              </a:rPr>
+              <a:t>:</a:t>
+            </a:r>
+          </a:p>
+          <a:p>
+            <a:pPr marL="171450" indent="-171450">
+              <a:buFontTx/>
+              <a:buChar char="-"/>
+            </a:pPr>
+            <a:r>
+              <a:rPr lang="en-US" sz="800" dirty="0">
+                <a:solidFill>
+                  <a:schemeClr val="accent6">
+                    <a:lumMod val="75000"/>
+                  </a:schemeClr>
+                </a:solidFill>
+              </a:rPr>
+              <a:t>1 x LMP {_cc, _</a:t>
+            </a:r>
+            <a:r>
+              <a:rPr lang="en-US" sz="800" dirty="0" err="1">
+                <a:solidFill>
+                  <a:schemeClr val="accent6">
+                    <a:lumMod val="75000"/>
+                  </a:schemeClr>
+                </a:solidFill>
+              </a:rPr>
+              <a:t>ltp</a:t>
+            </a:r>
+            <a:r>
+              <a:rPr lang="en-US" sz="800" dirty="0">
+                <a:solidFill>
+                  <a:schemeClr val="accent6">
+                    <a:lumMod val="75000"/>
+                  </a:schemeClr>
+                </a:solidFill>
+              </a:rPr>
+              <a:t>}</a:t>
+            </a:r>
+          </a:p>
+          <a:p>
+            <a:pPr marL="171450" indent="-171450">
+              <a:buFontTx/>
+              <a:buChar char="-"/>
+            </a:pPr>
+            <a:r>
+              <a:rPr lang="en-US" sz="800" dirty="0">
+                <a:solidFill>
+                  <a:schemeClr val="accent6">
+                    <a:lumMod val="75000"/>
+                  </a:schemeClr>
+                </a:solidFill>
+              </a:rPr>
+              <a:t>1 x MDI {_cc, _</a:t>
+            </a:r>
+            <a:r>
+              <a:rPr lang="en-US" sz="800" dirty="0" err="1">
+                <a:solidFill>
+                  <a:schemeClr val="accent6">
+                    <a:lumMod val="75000"/>
+                  </a:schemeClr>
+                </a:solidFill>
+              </a:rPr>
+              <a:t>ltp</a:t>
+            </a:r>
+            <a:r>
+              <a:rPr lang="en-US" sz="800" dirty="0">
+                <a:solidFill>
+                  <a:schemeClr val="accent6">
+                    <a:lumMod val="75000"/>
+                  </a:schemeClr>
+                </a:solidFill>
+              </a:rPr>
+              <a:t>}</a:t>
+            </a:r>
+          </a:p>
+          <a:p>
+            <a:r>
+              <a:rPr lang="en-US" sz="800" noProof="0" dirty="0">
+                <a:solidFill>
+                  <a:schemeClr val="accent6">
+                    <a:lumMod val="75000"/>
+                  </a:schemeClr>
+                </a:solidFill>
+              </a:rPr>
+              <a:t>State:</a:t>
+            </a:r>
+          </a:p>
+          <a:p>
+            <a:pPr marL="171450" indent="-171450">
+              <a:buFontTx/>
+              <a:buChar char="-"/>
+            </a:pPr>
+            <a:r>
+              <a:rPr lang="en-US" sz="800" dirty="0">
+                <a:solidFill>
+                  <a:schemeClr val="accent6">
+                    <a:lumMod val="75000"/>
+                  </a:schemeClr>
+                </a:solidFill>
+              </a:rPr>
+              <a:t>after /v1/establish-management-transport-connection</a:t>
+            </a:r>
+          </a:p>
+          <a:p>
+            <a:pPr marL="171450" indent="-171450">
+              <a:buFontTx/>
+              <a:buChar char="-"/>
+            </a:pPr>
+            <a:r>
+              <a:rPr lang="en-US" sz="800" noProof="0" dirty="0">
+                <a:solidFill>
+                  <a:schemeClr val="accent6">
+                    <a:lumMod val="75000"/>
+                  </a:schemeClr>
+                </a:solidFill>
+              </a:rPr>
+              <a:t>min 1 Route exists</a:t>
+            </a:r>
+          </a:p>
+          <a:p>
+            <a:r>
+              <a:rPr lang="en-US" sz="800" dirty="0">
+                <a:solidFill>
+                  <a:schemeClr val="accent6">
+                    <a:lumMod val="75000"/>
+                  </a:schemeClr>
+                </a:solidFill>
+              </a:rPr>
+              <a:t>route:</a:t>
+            </a:r>
+          </a:p>
+          <a:p>
+            <a:pPr marL="171450" indent="-171450">
+              <a:buFontTx/>
+              <a:buChar char="-"/>
+            </a:pPr>
+            <a:r>
+              <a:rPr lang="en-US" sz="800" noProof="0" dirty="0">
+                <a:solidFill>
+                  <a:schemeClr val="accent6">
+                    <a:lumMod val="75000"/>
+                  </a:schemeClr>
+                </a:solidFill>
+              </a:rPr>
+              <a:t>chain of 1 </a:t>
+            </a:r>
+            <a:r>
+              <a:rPr lang="en-US" sz="800" noProof="0" dirty="0" err="1">
+                <a:solidFill>
+                  <a:schemeClr val="accent6">
+                    <a:lumMod val="75000"/>
+                  </a:schemeClr>
+                </a:solidFill>
+              </a:rPr>
+              <a:t>HttpLink</a:t>
+            </a:r>
+            <a:r>
+              <a:rPr lang="en-US" sz="800" noProof="0" dirty="0">
+                <a:solidFill>
+                  <a:schemeClr val="accent6">
+                    <a:lumMod val="75000"/>
+                  </a:schemeClr>
+                </a:solidFill>
+              </a:rPr>
+              <a:t> and 1 </a:t>
+            </a:r>
+            <a:r>
+              <a:rPr lang="en-US" sz="800" noProof="0" dirty="0" err="1">
+                <a:solidFill>
+                  <a:schemeClr val="accent6">
+                    <a:lumMod val="75000"/>
+                  </a:schemeClr>
+                </a:solidFill>
+              </a:rPr>
+              <a:t>CopyLink</a:t>
+            </a:r>
+            <a:r>
+              <a:rPr lang="en-US" sz="800" noProof="0" dirty="0">
+                <a:solidFill>
+                  <a:schemeClr val="accent6">
+                    <a:lumMod val="75000"/>
+                  </a:schemeClr>
+                </a:solidFill>
+              </a:rPr>
+              <a:t> between LTPs referred as </a:t>
+            </a:r>
+            <a:r>
+              <a:rPr lang="en-US" sz="800" noProof="0" dirty="0" err="1">
+                <a:solidFill>
+                  <a:schemeClr val="accent6">
+                    <a:lumMod val="75000"/>
+                  </a:schemeClr>
+                </a:solidFill>
+              </a:rPr>
+              <a:t>fctps</a:t>
+            </a:r>
+            <a:endParaRPr lang="en-US" sz="800" noProof="0" dirty="0">
+              <a:solidFill>
+                <a:schemeClr val="accent6">
+                  <a:lumMod val="75000"/>
+                </a:schemeClr>
+              </a:solidFill>
+            </a:endParaRPr>
+          </a:p>
+          <a:p>
+            <a:pPr marL="171450" indent="-171450">
+              <a:buFontTx/>
+              <a:buChar char="-"/>
+            </a:pPr>
+            <a:endParaRPr lang="en-US" sz="800" noProof="0" dirty="0">
+              <a:solidFill>
+                <a:schemeClr val="accent6">
+                  <a:lumMod val="75000"/>
+                </a:schemeClr>
+              </a:solidFill>
+            </a:endParaRPr>
+          </a:p>
+          <a:p>
+            <a:endParaRPr lang="en-US" sz="800" dirty="0">
+              <a:solidFill>
+                <a:schemeClr val="accent6">
+                  <a:lumMod val="75000"/>
+                </a:schemeClr>
+              </a:solidFill>
+            </a:endParaRPr>
+          </a:p>
+          <a:p>
+            <a:r>
+              <a:rPr lang="en-US" sz="800" b="1" dirty="0">
+                <a:solidFill>
+                  <a:schemeClr val="accent6">
+                    <a:lumMod val="75000"/>
+                  </a:schemeClr>
+                </a:solidFill>
+              </a:rPr>
+              <a:t>Route</a:t>
+            </a:r>
+            <a:endParaRPr lang="en-US" sz="800" dirty="0">
+              <a:solidFill>
+                <a:schemeClr val="accent6">
+                  <a:lumMod val="75000"/>
+                </a:schemeClr>
+              </a:solidFill>
+            </a:endParaRPr>
+          </a:p>
+          <a:p>
+            <a:r>
+              <a:rPr lang="en-US" sz="800" dirty="0">
+                <a:solidFill>
+                  <a:schemeClr val="accent6">
+                    <a:lumMod val="75000"/>
+                  </a:schemeClr>
+                </a:solidFill>
+              </a:rPr>
+              <a:t>key: local-id</a:t>
+            </a:r>
+          </a:p>
+          <a:p>
+            <a:r>
+              <a:rPr lang="en-US" sz="800" noProof="0" dirty="0">
+                <a:solidFill>
+                  <a:schemeClr val="accent6">
+                    <a:lumMod val="75000"/>
+                  </a:schemeClr>
+                </a:solidFill>
+              </a:rPr>
+              <a:t>State:</a:t>
+            </a:r>
+          </a:p>
+          <a:p>
+            <a:pPr marL="171450" indent="-171450">
+              <a:buFontTx/>
+              <a:buChar char="-"/>
+            </a:pPr>
+            <a:r>
+              <a:rPr lang="en-US" sz="800" dirty="0" err="1">
+                <a:solidFill>
+                  <a:schemeClr val="accent6">
+                    <a:lumMod val="75000"/>
+                  </a:schemeClr>
+                </a:solidFill>
+              </a:rPr>
+              <a:t>HttpLink</a:t>
+            </a:r>
+            <a:r>
+              <a:rPr lang="en-US" sz="800" dirty="0">
+                <a:solidFill>
+                  <a:schemeClr val="accent6">
+                    <a:lumMod val="75000"/>
+                  </a:schemeClr>
+                </a:solidFill>
+              </a:rPr>
+              <a:t> exists</a:t>
+            </a:r>
+          </a:p>
+          <a:p>
+            <a:pPr marL="171450" indent="-171450">
+              <a:buFontTx/>
+              <a:buChar char="-"/>
+            </a:pPr>
+            <a:r>
+              <a:rPr lang="en-US" sz="800" dirty="0">
+                <a:solidFill>
+                  <a:schemeClr val="accent6">
+                    <a:lumMod val="75000"/>
+                  </a:schemeClr>
+                </a:solidFill>
+              </a:rPr>
+              <a:t>and </a:t>
+            </a:r>
+            <a:r>
+              <a:rPr lang="en-US" sz="800" dirty="0" err="1">
+                <a:solidFill>
+                  <a:schemeClr val="accent6">
+                    <a:lumMod val="75000"/>
+                  </a:schemeClr>
+                </a:solidFill>
+              </a:rPr>
+              <a:t>CopyLink</a:t>
+            </a:r>
+            <a:r>
+              <a:rPr lang="en-US" sz="800" dirty="0">
+                <a:solidFill>
+                  <a:schemeClr val="accent6">
+                    <a:lumMod val="75000"/>
+                  </a:schemeClr>
+                </a:solidFill>
+              </a:rPr>
+              <a:t> exists</a:t>
+            </a:r>
+          </a:p>
+          <a:p>
+            <a:r>
+              <a:rPr lang="en-US" sz="800" dirty="0">
+                <a:solidFill>
+                  <a:schemeClr val="accent6">
+                    <a:lumMod val="75000"/>
+                  </a:schemeClr>
+                </a:solidFill>
+              </a:rPr>
+              <a:t>_link:</a:t>
+            </a:r>
+          </a:p>
+          <a:p>
+            <a:pPr marL="171450" indent="-171450">
+              <a:buFontTx/>
+              <a:buChar char="-"/>
+            </a:pPr>
+            <a:r>
+              <a:rPr lang="en-US" sz="800" dirty="0" err="1">
+                <a:solidFill>
+                  <a:schemeClr val="accent6">
+                    <a:lumMod val="75000"/>
+                  </a:schemeClr>
+                </a:solidFill>
+              </a:rPr>
+              <a:t>HttpLink</a:t>
+            </a:r>
+            <a:endParaRPr lang="en-US" sz="800" dirty="0">
+              <a:solidFill>
+                <a:schemeClr val="accent6">
+                  <a:lumMod val="75000"/>
+                </a:schemeClr>
+              </a:solidFill>
+            </a:endParaRPr>
+          </a:p>
+          <a:p>
+            <a:pPr marL="171450" indent="-171450">
+              <a:buFontTx/>
+              <a:buChar char="-"/>
+            </a:pPr>
+            <a:r>
+              <a:rPr lang="en-US" sz="800" dirty="0" err="1">
+                <a:solidFill>
+                  <a:schemeClr val="accent6">
+                    <a:lumMod val="75000"/>
+                  </a:schemeClr>
+                </a:solidFill>
+              </a:rPr>
+              <a:t>CopyLink</a:t>
+            </a:r>
+            <a:endParaRPr lang="en-US" sz="800" dirty="0">
+              <a:solidFill>
+                <a:schemeClr val="accent6">
+                  <a:lumMod val="75000"/>
+                </a:schemeClr>
+              </a:solidFill>
+            </a:endParaRPr>
+          </a:p>
+        </p:txBody>
+      </p:sp>
+      <p:cxnSp>
+        <p:nvCxnSpPr>
+          <p:cNvPr id="46" name="Gerader Verbinder 45">
+            <a:extLst>
+              <a:ext uri="{FF2B5EF4-FFF2-40B4-BE49-F238E27FC236}">
+                <a16:creationId xmlns:a16="http://schemas.microsoft.com/office/drawing/2014/main" id="{AE285936-C8E0-EB3A-3056-367EAA006138}"/>
+              </a:ext>
+            </a:extLst>
+          </p:cNvPr>
+          <p:cNvCxnSpPr>
+            <a:cxnSpLocks/>
+          </p:cNvCxnSpPr>
+          <p:nvPr/>
+        </p:nvCxnSpPr>
+        <p:spPr>
+          <a:xfrm flipH="1" flipV="1">
+            <a:off x="1036815" y="5295870"/>
+            <a:ext cx="6567704" cy="516548"/>
+          </a:xfrm>
+          <a:prstGeom prst="line">
+            <a:avLst/>
+          </a:prstGeom>
+          <a:ln cap="flat" cmpd="sng">
+            <a:solidFill>
+              <a:schemeClr val="accent6">
+                <a:lumMod val="60000"/>
+                <a:lumOff val="40000"/>
+              </a:schemeClr>
+            </a:solidFill>
+            <a:round/>
+            <a:headEnd type="diamond"/>
+            <a:tailEnd type="diamond"/>
+          </a:ln>
+        </p:spPr>
+        <p:style>
+          <a:lnRef idx="2">
+            <a:schemeClr val="accent5"/>
+          </a:lnRef>
+          <a:fillRef idx="0">
+            <a:schemeClr val="accent5"/>
+          </a:fillRef>
+          <a:effectRef idx="1">
+            <a:schemeClr val="accent5"/>
+          </a:effectRef>
+          <a:fontRef idx="minor">
+            <a:schemeClr val="tx1"/>
+          </a:fontRef>
+        </p:style>
+      </p:cxnSp>
+      <p:cxnSp>
+        <p:nvCxnSpPr>
+          <p:cNvPr id="47" name="Gerader Verbinder 46">
+            <a:extLst>
+              <a:ext uri="{FF2B5EF4-FFF2-40B4-BE49-F238E27FC236}">
+                <a16:creationId xmlns:a16="http://schemas.microsoft.com/office/drawing/2014/main" id="{45A3A7FE-1CAF-DA21-5FA3-AAB887643A27}"/>
+              </a:ext>
+            </a:extLst>
+          </p:cNvPr>
+          <p:cNvCxnSpPr>
+            <a:cxnSpLocks/>
+          </p:cNvCxnSpPr>
+          <p:nvPr/>
+        </p:nvCxnSpPr>
+        <p:spPr>
+          <a:xfrm flipH="1" flipV="1">
+            <a:off x="1036815" y="5349045"/>
+            <a:ext cx="6567704" cy="516548"/>
+          </a:xfrm>
+          <a:prstGeom prst="line">
+            <a:avLst/>
+          </a:prstGeom>
+          <a:ln cap="flat" cmpd="sng">
+            <a:solidFill>
+              <a:schemeClr val="accent6">
+                <a:lumMod val="60000"/>
+                <a:lumOff val="40000"/>
+              </a:schemeClr>
+            </a:solidFill>
+            <a:round/>
+            <a:headEnd type="diamond"/>
+            <a:tailEnd type="diamond"/>
+          </a:ln>
+        </p:spPr>
+        <p:style>
+          <a:lnRef idx="2">
+            <a:schemeClr val="accent5"/>
+          </a:lnRef>
+          <a:fillRef idx="0">
+            <a:schemeClr val="accent5"/>
+          </a:fillRef>
+          <a:effectRef idx="1">
+            <a:schemeClr val="accent5"/>
+          </a:effectRef>
+          <a:fontRef idx="minor">
+            <a:schemeClr val="tx1"/>
+          </a:fontRef>
+        </p:style>
+      </p:cxnSp>
+      <p:cxnSp>
+        <p:nvCxnSpPr>
+          <p:cNvPr id="48" name="Gerader Verbinder 47">
+            <a:extLst>
+              <a:ext uri="{FF2B5EF4-FFF2-40B4-BE49-F238E27FC236}">
+                <a16:creationId xmlns:a16="http://schemas.microsoft.com/office/drawing/2014/main" id="{547489BE-4E96-125C-DE87-1EFCD5531255}"/>
+              </a:ext>
+            </a:extLst>
+          </p:cNvPr>
+          <p:cNvCxnSpPr>
+            <a:cxnSpLocks/>
+          </p:cNvCxnSpPr>
+          <p:nvPr/>
+        </p:nvCxnSpPr>
+        <p:spPr>
+          <a:xfrm flipH="1" flipV="1">
+            <a:off x="1036815" y="5409068"/>
+            <a:ext cx="6567704" cy="516548"/>
+          </a:xfrm>
+          <a:prstGeom prst="line">
+            <a:avLst/>
+          </a:prstGeom>
+          <a:ln cap="flat" cmpd="sng">
+            <a:solidFill>
+              <a:schemeClr val="accent6">
+                <a:lumMod val="60000"/>
+                <a:lumOff val="40000"/>
+              </a:schemeClr>
+            </a:solidFill>
+            <a:round/>
+            <a:headEnd type="diamond"/>
+            <a:tailEnd type="diamond"/>
+          </a:ln>
+        </p:spPr>
+        <p:style>
+          <a:lnRef idx="2">
+            <a:schemeClr val="accent5"/>
+          </a:lnRef>
+          <a:fillRef idx="0">
+            <a:schemeClr val="accent5"/>
+          </a:fillRef>
+          <a:effectRef idx="1">
+            <a:schemeClr val="accent5"/>
+          </a:effectRef>
+          <a:fontRef idx="minor">
+            <a:schemeClr val="tx1"/>
+          </a:fontRef>
+        </p:style>
+      </p:cxnSp>
+      <p:sp>
+        <p:nvSpPr>
+          <p:cNvPr id="54" name="Rechteck: abgerundete Ecken 53">
+            <a:extLst>
+              <a:ext uri="{FF2B5EF4-FFF2-40B4-BE49-F238E27FC236}">
+                <a16:creationId xmlns:a16="http://schemas.microsoft.com/office/drawing/2014/main" id="{C844B528-52F4-C80F-AE6B-3845963FF185}"/>
+              </a:ext>
+            </a:extLst>
+          </p:cNvPr>
+          <p:cNvSpPr/>
+          <p:nvPr/>
+        </p:nvSpPr>
+        <p:spPr>
+          <a:xfrm>
+            <a:off x="719701" y="3233496"/>
+            <a:ext cx="634228" cy="288084"/>
+          </a:xfrm>
+          <a:prstGeom prst="roundRect">
+            <a:avLst/>
+          </a:prstGeom>
+        </p:spPr>
+        <p:style>
+          <a:lnRef idx="2">
+            <a:schemeClr val="accent1">
+              <a:shade val="15000"/>
+            </a:schemeClr>
+          </a:lnRef>
+          <a:fillRef idx="1">
+            <a:schemeClr val="accent1"/>
+          </a:fillRef>
+          <a:effectRef idx="0">
+            <a:schemeClr val="accent1"/>
+          </a:effectRef>
+          <a:fontRef idx="minor">
+            <a:schemeClr val="lt1"/>
+          </a:fontRef>
+        </p:style>
+        <p:txBody>
+          <a:bodyPr rtlCol="0" anchor="ctr"/>
+          <a:lstStyle/>
+          <a:p>
+            <a:pPr algn="ctr"/>
+            <a:r>
+              <a:rPr lang="de-DE" sz="900" dirty="0"/>
+              <a:t>App#1</a:t>
+            </a:r>
+          </a:p>
+        </p:txBody>
+      </p:sp>
+      <p:sp>
+        <p:nvSpPr>
+          <p:cNvPr id="55" name="Rechteck: abgerundete Ecken 54">
+            <a:extLst>
+              <a:ext uri="{FF2B5EF4-FFF2-40B4-BE49-F238E27FC236}">
+                <a16:creationId xmlns:a16="http://schemas.microsoft.com/office/drawing/2014/main" id="{542948C5-6425-68D3-4BF0-0AC80BDE5548}"/>
+              </a:ext>
+            </a:extLst>
+          </p:cNvPr>
+          <p:cNvSpPr/>
+          <p:nvPr/>
+        </p:nvSpPr>
+        <p:spPr>
+          <a:xfrm>
+            <a:off x="7287405" y="3750044"/>
+            <a:ext cx="634228" cy="288084"/>
+          </a:xfrm>
+          <a:prstGeom prst="roundRect">
+            <a:avLst/>
+          </a:prstGeom>
+        </p:spPr>
+        <p:style>
+          <a:lnRef idx="2">
+            <a:schemeClr val="accent1">
+              <a:shade val="15000"/>
+            </a:schemeClr>
+          </a:lnRef>
+          <a:fillRef idx="1">
+            <a:schemeClr val="accent1"/>
+          </a:fillRef>
+          <a:effectRef idx="0">
+            <a:schemeClr val="accent1"/>
+          </a:effectRef>
+          <a:fontRef idx="minor">
+            <a:schemeClr val="lt1"/>
+          </a:fontRef>
+        </p:style>
+        <p:txBody>
+          <a:bodyPr rtlCol="0" anchor="ctr"/>
+          <a:lstStyle/>
+          <a:p>
+            <a:pPr algn="ctr"/>
+            <a:r>
+              <a:rPr lang="de-DE" sz="900" dirty="0"/>
+              <a:t>LC#1</a:t>
+            </a:r>
+          </a:p>
+        </p:txBody>
+      </p:sp>
+      <p:sp>
+        <p:nvSpPr>
+          <p:cNvPr id="85" name="Rechteck: abgerundete Ecken 84">
+            <a:extLst>
+              <a:ext uri="{FF2B5EF4-FFF2-40B4-BE49-F238E27FC236}">
+                <a16:creationId xmlns:a16="http://schemas.microsoft.com/office/drawing/2014/main" id="{D362E831-0717-6D5D-673A-1D6CB06D83E3}"/>
+              </a:ext>
+            </a:extLst>
+          </p:cNvPr>
+          <p:cNvSpPr/>
+          <p:nvPr/>
+        </p:nvSpPr>
+        <p:spPr>
+          <a:xfrm>
+            <a:off x="7287405" y="1518623"/>
+            <a:ext cx="634228" cy="288084"/>
+          </a:xfrm>
+          <a:prstGeom prst="roundRect">
+            <a:avLst/>
+          </a:prstGeom>
+        </p:spPr>
+        <p:style>
+          <a:lnRef idx="2">
+            <a:schemeClr val="accent1">
+              <a:shade val="15000"/>
+            </a:schemeClr>
+          </a:lnRef>
+          <a:fillRef idx="1">
+            <a:schemeClr val="accent1"/>
+          </a:fillRef>
+          <a:effectRef idx="0">
+            <a:schemeClr val="accent1"/>
+          </a:effectRef>
+          <a:fontRef idx="minor">
+            <a:schemeClr val="lt1"/>
+          </a:fontRef>
+        </p:style>
+        <p:txBody>
+          <a:bodyPr rtlCol="0" anchor="ctr"/>
+          <a:lstStyle/>
+          <a:p>
+            <a:pPr algn="ctr"/>
+            <a:r>
+              <a:rPr lang="de-DE" sz="900" dirty="0"/>
+              <a:t>LC#1</a:t>
+            </a:r>
+          </a:p>
+        </p:txBody>
+      </p:sp>
+      <p:sp>
+        <p:nvSpPr>
+          <p:cNvPr id="95" name="Textfeld 94">
+            <a:extLst>
+              <a:ext uri="{FF2B5EF4-FFF2-40B4-BE49-F238E27FC236}">
+                <a16:creationId xmlns:a16="http://schemas.microsoft.com/office/drawing/2014/main" id="{972761BD-A728-9B7B-D241-2970E7B6051D}"/>
+              </a:ext>
+            </a:extLst>
+          </p:cNvPr>
+          <p:cNvSpPr txBox="1"/>
+          <p:nvPr/>
+        </p:nvSpPr>
+        <p:spPr>
+          <a:xfrm>
+            <a:off x="1701967" y="371535"/>
+            <a:ext cx="4282738" cy="1200329"/>
+          </a:xfrm>
+          <a:prstGeom prst="rect">
+            <a:avLst/>
+          </a:prstGeom>
+          <a:noFill/>
+        </p:spPr>
+        <p:txBody>
+          <a:bodyPr wrap="square" rtlCol="0">
+            <a:spAutoFit/>
+          </a:bodyPr>
+          <a:lstStyle/>
+          <a:p>
+            <a:r>
+              <a:rPr lang="en-US" sz="800" b="1" dirty="0" err="1">
+                <a:solidFill>
+                  <a:schemeClr val="bg1"/>
+                </a:solidFill>
+              </a:rPr>
+              <a:t>ManagementDomainFd</a:t>
+            </a:r>
+            <a:endParaRPr lang="en-US" sz="800" b="1" dirty="0">
+              <a:solidFill>
+                <a:schemeClr val="bg1"/>
+              </a:solidFill>
+            </a:endParaRPr>
+          </a:p>
+          <a:p>
+            <a:r>
+              <a:rPr lang="en-US" sz="800" dirty="0">
+                <a:solidFill>
+                  <a:schemeClr val="bg1"/>
+                </a:solidFill>
+              </a:rPr>
+              <a:t>key: </a:t>
+            </a:r>
+            <a:r>
+              <a:rPr lang="en-US" sz="800" dirty="0" err="1">
+                <a:solidFill>
+                  <a:schemeClr val="bg1"/>
+                </a:solidFill>
+              </a:rPr>
+              <a:t>managementDomain</a:t>
+            </a:r>
+            <a:endParaRPr lang="en-US" sz="800" dirty="0">
+              <a:solidFill>
+                <a:schemeClr val="bg1"/>
+              </a:solidFill>
+            </a:endParaRPr>
+          </a:p>
+          <a:p>
+            <a:r>
+              <a:rPr lang="en-US" sz="800" dirty="0" err="1">
+                <a:solidFill>
+                  <a:schemeClr val="bg1"/>
+                </a:solidFill>
+              </a:rPr>
+              <a:t>fdtp</a:t>
+            </a:r>
+            <a:r>
+              <a:rPr lang="en-US" sz="800" dirty="0">
+                <a:solidFill>
+                  <a:schemeClr val="bg1"/>
+                </a:solidFill>
+              </a:rPr>
+              <a:t>: </a:t>
+            </a:r>
+          </a:p>
+          <a:p>
+            <a:pPr marL="171450" indent="-171450">
+              <a:buFontTx/>
+              <a:buChar char="-"/>
+            </a:pPr>
+            <a:r>
+              <a:rPr lang="en-US" sz="800" dirty="0">
+                <a:solidFill>
+                  <a:schemeClr val="bg1"/>
+                </a:solidFill>
+              </a:rPr>
+              <a:t>1 x LC {_cc}</a:t>
+            </a:r>
+          </a:p>
+          <a:p>
+            <a:r>
+              <a:rPr lang="en-US" sz="800" dirty="0">
+                <a:solidFill>
+                  <a:schemeClr val="bg1"/>
+                </a:solidFill>
+              </a:rPr>
+              <a:t>no State:</a:t>
+            </a:r>
+          </a:p>
+          <a:p>
+            <a:pPr marL="171450" indent="-171450">
+              <a:buFontTx/>
+              <a:buChar char="-"/>
+            </a:pPr>
+            <a:r>
+              <a:rPr lang="en-US" sz="800" dirty="0">
+                <a:solidFill>
+                  <a:schemeClr val="bg1"/>
+                </a:solidFill>
+              </a:rPr>
+              <a:t>always after /v1/establish-management-domain</a:t>
+            </a:r>
+          </a:p>
+          <a:p>
+            <a:r>
+              <a:rPr lang="en-US" sz="800" dirty="0" err="1">
+                <a:solidFill>
+                  <a:schemeClr val="bg1"/>
+                </a:solidFill>
+              </a:rPr>
+              <a:t>lowerLevelFds</a:t>
+            </a:r>
+            <a:r>
+              <a:rPr lang="en-US" sz="800" dirty="0">
+                <a:solidFill>
+                  <a:schemeClr val="bg1"/>
+                </a:solidFill>
+              </a:rPr>
+              <a:t>:</a:t>
+            </a:r>
+          </a:p>
+          <a:p>
+            <a:pPr marL="171450" indent="-171450">
+              <a:buFontTx/>
+              <a:buChar char="-"/>
+            </a:pPr>
+            <a:r>
+              <a:rPr lang="en-US" sz="800" dirty="0">
+                <a:solidFill>
+                  <a:schemeClr val="bg1"/>
+                </a:solidFill>
+              </a:rPr>
+              <a:t>n x </a:t>
+            </a:r>
+            <a:r>
+              <a:rPr lang="en-US" sz="800" dirty="0" err="1">
+                <a:solidFill>
+                  <a:schemeClr val="bg1"/>
+                </a:solidFill>
+              </a:rPr>
+              <a:t>ApplicationSubdomainFd</a:t>
+            </a:r>
+            <a:endParaRPr lang="en-US" sz="800" dirty="0">
+              <a:solidFill>
+                <a:schemeClr val="bg1"/>
+              </a:solidFill>
+            </a:endParaRPr>
+          </a:p>
+          <a:p>
+            <a:endParaRPr lang="en-US" sz="800" dirty="0">
+              <a:solidFill>
+                <a:schemeClr val="bg1"/>
+              </a:solidFill>
+            </a:endParaRPr>
+          </a:p>
+        </p:txBody>
+      </p:sp>
+      <p:sp>
+        <p:nvSpPr>
+          <p:cNvPr id="97" name="Textfeld 96">
+            <a:extLst>
+              <a:ext uri="{FF2B5EF4-FFF2-40B4-BE49-F238E27FC236}">
+                <a16:creationId xmlns:a16="http://schemas.microsoft.com/office/drawing/2014/main" id="{0910E9CA-7083-229A-B224-0D1D841614E7}"/>
+              </a:ext>
+            </a:extLst>
+          </p:cNvPr>
+          <p:cNvSpPr txBox="1"/>
+          <p:nvPr/>
+        </p:nvSpPr>
+        <p:spPr>
+          <a:xfrm>
+            <a:off x="1701967" y="3126440"/>
+            <a:ext cx="5455753" cy="1200329"/>
+          </a:xfrm>
+          <a:prstGeom prst="rect">
+            <a:avLst/>
+          </a:prstGeom>
+          <a:noFill/>
+        </p:spPr>
+        <p:txBody>
+          <a:bodyPr wrap="square" rtlCol="0">
+            <a:spAutoFit/>
+          </a:bodyPr>
+          <a:lstStyle/>
+          <a:p>
+            <a:r>
+              <a:rPr lang="en-US" sz="800" b="1" dirty="0" err="1">
+                <a:solidFill>
+                  <a:schemeClr val="bg1"/>
+                </a:solidFill>
+              </a:rPr>
+              <a:t>ApplicationSubdomainFd</a:t>
+            </a:r>
+            <a:r>
+              <a:rPr lang="en-US" sz="800" b="1" dirty="0">
+                <a:solidFill>
+                  <a:schemeClr val="bg1"/>
+                </a:solidFill>
+              </a:rPr>
+              <a:t> </a:t>
+            </a:r>
+          </a:p>
+          <a:p>
+            <a:r>
+              <a:rPr lang="en-US" sz="800" dirty="0">
+                <a:solidFill>
+                  <a:schemeClr val="bg1"/>
+                </a:solidFill>
+              </a:rPr>
+              <a:t>key: </a:t>
+            </a:r>
+            <a:r>
+              <a:rPr lang="en-US" sz="800" dirty="0" err="1">
+                <a:solidFill>
+                  <a:schemeClr val="bg1"/>
+                </a:solidFill>
+              </a:rPr>
+              <a:t>applicationName</a:t>
+            </a:r>
+            <a:endParaRPr lang="en-US" sz="800" noProof="0" dirty="0">
+              <a:solidFill>
+                <a:schemeClr val="bg1"/>
+              </a:solidFill>
+            </a:endParaRPr>
+          </a:p>
+          <a:p>
+            <a:r>
+              <a:rPr lang="en-US" sz="800" dirty="0" err="1">
+                <a:solidFill>
+                  <a:schemeClr val="bg1"/>
+                </a:solidFill>
+              </a:rPr>
+              <a:t>fdtp</a:t>
+            </a:r>
+            <a:r>
+              <a:rPr lang="en-US" sz="800" dirty="0">
+                <a:solidFill>
+                  <a:schemeClr val="bg1"/>
+                </a:solidFill>
+              </a:rPr>
+              <a:t>: </a:t>
+            </a:r>
+          </a:p>
+          <a:p>
+            <a:pPr marL="171450" indent="-171450">
+              <a:buFontTx/>
+              <a:buChar char="-"/>
+            </a:pPr>
+            <a:r>
+              <a:rPr lang="en-US" sz="800" dirty="0">
+                <a:solidFill>
+                  <a:schemeClr val="bg1"/>
+                </a:solidFill>
+              </a:rPr>
+              <a:t>1 x LC {_cc}</a:t>
+            </a:r>
+          </a:p>
+          <a:p>
+            <a:pPr marL="171450" indent="-171450">
+              <a:buFontTx/>
+              <a:buChar char="-"/>
+            </a:pPr>
+            <a:r>
+              <a:rPr lang="en-US" sz="800" dirty="0">
+                <a:solidFill>
+                  <a:schemeClr val="bg1"/>
+                </a:solidFill>
+              </a:rPr>
+              <a:t>1 x App  {_cc}</a:t>
+            </a:r>
+          </a:p>
+          <a:p>
+            <a:r>
+              <a:rPr lang="en-US" sz="800" noProof="0" dirty="0">
+                <a:solidFill>
+                  <a:schemeClr val="bg1"/>
+                </a:solidFill>
+              </a:rPr>
+              <a:t>no State:</a:t>
+            </a:r>
+          </a:p>
+          <a:p>
+            <a:pPr marL="171450" indent="-171450">
+              <a:buFontTx/>
+              <a:buChar char="-"/>
+            </a:pPr>
+            <a:r>
+              <a:rPr lang="en-US" sz="800" dirty="0">
+                <a:solidFill>
+                  <a:schemeClr val="bg1"/>
+                </a:solidFill>
+              </a:rPr>
+              <a:t>always after </a:t>
+            </a:r>
+            <a:r>
+              <a:rPr lang="en-US" sz="800" noProof="0" dirty="0">
+                <a:solidFill>
+                  <a:schemeClr val="bg1"/>
+                </a:solidFill>
+              </a:rPr>
+              <a:t>/v1/establish-management-domain-connection</a:t>
+            </a:r>
+          </a:p>
+          <a:p>
+            <a:r>
+              <a:rPr lang="en-US" sz="800" noProof="0" dirty="0">
+                <a:solidFill>
+                  <a:schemeClr val="bg1"/>
+                </a:solidFill>
+              </a:rPr>
+              <a:t>fc:</a:t>
+            </a:r>
+          </a:p>
+          <a:p>
+            <a:pPr marL="171450" indent="-171450">
+              <a:buFontTx/>
+              <a:buChar char="-"/>
+            </a:pPr>
+            <a:r>
+              <a:rPr lang="en-US" sz="800" dirty="0">
+                <a:solidFill>
+                  <a:schemeClr val="bg1"/>
+                </a:solidFill>
+              </a:rPr>
+              <a:t>42,000 x </a:t>
+            </a:r>
+            <a:r>
+              <a:rPr lang="en-US" sz="800" dirty="0" err="1">
+                <a:solidFill>
+                  <a:schemeClr val="bg1"/>
+                </a:solidFill>
+              </a:rPr>
+              <a:t>ManagementPlaneTransportFc</a:t>
+            </a:r>
+            <a:endParaRPr lang="en-US" sz="800" dirty="0">
+              <a:solidFill>
+                <a:schemeClr val="bg1"/>
+              </a:solidFill>
+            </a:endParaRPr>
+          </a:p>
+        </p:txBody>
+      </p:sp>
+      <p:sp>
+        <p:nvSpPr>
+          <p:cNvPr id="98" name="Textfeld 97">
+            <a:extLst>
+              <a:ext uri="{FF2B5EF4-FFF2-40B4-BE49-F238E27FC236}">
+                <a16:creationId xmlns:a16="http://schemas.microsoft.com/office/drawing/2014/main" id="{BEC6BC9E-462F-261B-019D-51F98B348902}"/>
+              </a:ext>
+            </a:extLst>
+          </p:cNvPr>
+          <p:cNvSpPr txBox="1"/>
+          <p:nvPr/>
+        </p:nvSpPr>
+        <p:spPr>
+          <a:xfrm>
+            <a:off x="5285402" y="10024719"/>
+            <a:ext cx="2950730" cy="1200329"/>
+          </a:xfrm>
+          <a:prstGeom prst="rect">
+            <a:avLst/>
+          </a:prstGeom>
+          <a:noFill/>
+        </p:spPr>
+        <p:txBody>
+          <a:bodyPr wrap="square" rtlCol="0">
+            <a:spAutoFit/>
+          </a:bodyPr>
+          <a:lstStyle/>
+          <a:p>
+            <a:r>
+              <a:rPr lang="de-DE" sz="800" b="1" dirty="0" err="1">
+                <a:solidFill>
+                  <a:schemeClr val="accent5"/>
+                </a:solidFill>
+              </a:rPr>
+              <a:t>CopyLink</a:t>
+            </a:r>
+            <a:endParaRPr lang="de-DE" sz="800" b="1" dirty="0">
+              <a:solidFill>
+                <a:schemeClr val="accent5"/>
+              </a:solidFill>
+            </a:endParaRPr>
+          </a:p>
+          <a:p>
+            <a:r>
+              <a:rPr lang="de-DE" sz="800" dirty="0" err="1">
+                <a:solidFill>
+                  <a:schemeClr val="accent5"/>
+                </a:solidFill>
+              </a:rPr>
+              <a:t>key</a:t>
+            </a:r>
+            <a:r>
+              <a:rPr lang="de-DE" sz="800" dirty="0">
+                <a:solidFill>
+                  <a:schemeClr val="accent5"/>
+                </a:solidFill>
+              </a:rPr>
+              <a:t>: </a:t>
+            </a:r>
+            <a:r>
+              <a:rPr lang="de-DE" sz="800" dirty="0" err="1">
+                <a:solidFill>
+                  <a:schemeClr val="accent5"/>
+                </a:solidFill>
+              </a:rPr>
+              <a:t>local-id</a:t>
+            </a:r>
+            <a:endParaRPr lang="de-DE" sz="800" dirty="0">
+              <a:solidFill>
+                <a:schemeClr val="accent5"/>
+              </a:solidFill>
+            </a:endParaRPr>
+          </a:p>
+          <a:p>
+            <a:r>
+              <a:rPr lang="de-DE" sz="800" dirty="0" err="1">
+                <a:solidFill>
+                  <a:schemeClr val="accent5"/>
+                </a:solidFill>
+              </a:rPr>
+              <a:t>linktp</a:t>
+            </a:r>
+            <a:r>
+              <a:rPr lang="de-DE" sz="800" dirty="0">
+                <a:solidFill>
+                  <a:schemeClr val="accent5"/>
+                </a:solidFill>
+              </a:rPr>
+              <a:t>:</a:t>
+            </a:r>
+          </a:p>
+          <a:p>
+            <a:pPr marL="171450" indent="-171450">
+              <a:buFontTx/>
+              <a:buChar char="-"/>
+            </a:pPr>
+            <a:r>
+              <a:rPr lang="de-DE" sz="800" dirty="0">
+                <a:solidFill>
+                  <a:schemeClr val="accent5"/>
+                </a:solidFill>
+              </a:rPr>
+              <a:t>1 x </a:t>
+            </a:r>
+            <a:r>
+              <a:rPr lang="de-DE" sz="800" dirty="0" err="1">
+                <a:solidFill>
+                  <a:schemeClr val="accent5"/>
+                </a:solidFill>
+              </a:rPr>
+              <a:t>CopyClient</a:t>
+            </a:r>
+            <a:r>
+              <a:rPr lang="de-DE" sz="800" dirty="0">
+                <a:solidFill>
+                  <a:schemeClr val="accent5"/>
+                </a:solidFill>
+              </a:rPr>
+              <a:t> {_cc, _</a:t>
+            </a:r>
+            <a:r>
+              <a:rPr lang="de-DE" sz="800" dirty="0" err="1">
+                <a:solidFill>
+                  <a:schemeClr val="accent5"/>
+                </a:solidFill>
+              </a:rPr>
+              <a:t>ltp</a:t>
+            </a:r>
+            <a:r>
+              <a:rPr lang="de-DE" sz="800" dirty="0">
+                <a:solidFill>
+                  <a:schemeClr val="accent5"/>
+                </a:solidFill>
+              </a:rPr>
+              <a:t>, _</a:t>
+            </a:r>
+            <a:r>
+              <a:rPr lang="de-DE" sz="800" dirty="0" err="1">
+                <a:solidFill>
+                  <a:schemeClr val="accent5"/>
+                </a:solidFill>
+              </a:rPr>
+              <a:t>lp</a:t>
+            </a:r>
+            <a:r>
+              <a:rPr lang="de-DE" sz="800" dirty="0">
+                <a:solidFill>
+                  <a:schemeClr val="accent5"/>
+                </a:solidFill>
+              </a:rPr>
+              <a:t>}</a:t>
+            </a:r>
+          </a:p>
+          <a:p>
+            <a:pPr marL="171450" indent="-171450">
+              <a:buFontTx/>
+              <a:buChar char="-"/>
+            </a:pPr>
+            <a:r>
+              <a:rPr lang="de-DE" sz="800" dirty="0">
+                <a:solidFill>
+                  <a:schemeClr val="accent5"/>
+                </a:solidFill>
+              </a:rPr>
+              <a:t>1 x </a:t>
+            </a:r>
+            <a:r>
+              <a:rPr lang="de-DE" sz="800" dirty="0" err="1">
+                <a:solidFill>
+                  <a:schemeClr val="accent5"/>
+                </a:solidFill>
+              </a:rPr>
+              <a:t>CopyServer</a:t>
+            </a:r>
+            <a:r>
+              <a:rPr lang="de-DE" sz="800" dirty="0">
+                <a:solidFill>
+                  <a:schemeClr val="accent5"/>
+                </a:solidFill>
+              </a:rPr>
+              <a:t> {_cc, _</a:t>
+            </a:r>
+            <a:r>
+              <a:rPr lang="de-DE" sz="800" dirty="0" err="1">
+                <a:solidFill>
+                  <a:schemeClr val="accent5"/>
+                </a:solidFill>
+              </a:rPr>
+              <a:t>ltp</a:t>
+            </a:r>
+            <a:r>
+              <a:rPr lang="de-DE" sz="800" dirty="0">
+                <a:solidFill>
+                  <a:schemeClr val="accent5"/>
+                </a:solidFill>
+              </a:rPr>
+              <a:t>, _</a:t>
+            </a:r>
+            <a:r>
+              <a:rPr lang="de-DE" sz="800" dirty="0" err="1">
+                <a:solidFill>
+                  <a:schemeClr val="accent5"/>
+                </a:solidFill>
+              </a:rPr>
+              <a:t>lp</a:t>
+            </a:r>
+            <a:r>
+              <a:rPr lang="de-DE" sz="800" dirty="0">
+                <a:solidFill>
+                  <a:schemeClr val="accent5"/>
+                </a:solidFill>
+              </a:rPr>
+              <a:t>}</a:t>
+            </a:r>
+          </a:p>
+          <a:p>
+            <a:r>
+              <a:rPr lang="de-DE" sz="800" dirty="0">
+                <a:solidFill>
+                  <a:schemeClr val="accent5"/>
+                </a:solidFill>
+              </a:rPr>
+              <a:t>State:</a:t>
+            </a:r>
+          </a:p>
+          <a:p>
+            <a:pPr marL="171450" indent="-171450">
+              <a:buFontTx/>
+              <a:buChar char="-"/>
+            </a:pPr>
+            <a:r>
+              <a:rPr lang="de-DE" sz="800" dirty="0">
+                <a:solidFill>
+                  <a:schemeClr val="accent5"/>
+                </a:solidFill>
+              </a:rPr>
+              <a:t>after /v1/</a:t>
+            </a:r>
+            <a:r>
+              <a:rPr lang="de-DE" sz="800" dirty="0" err="1">
+                <a:solidFill>
+                  <a:schemeClr val="accent5"/>
+                </a:solidFill>
+              </a:rPr>
+              <a:t>establish</a:t>
+            </a:r>
+            <a:r>
+              <a:rPr lang="de-DE" sz="800" dirty="0">
+                <a:solidFill>
+                  <a:schemeClr val="accent5"/>
+                </a:solidFill>
+              </a:rPr>
+              <a:t>-management-transport-connection</a:t>
+            </a:r>
+          </a:p>
+          <a:p>
+            <a:pPr marL="171450" indent="-171450">
+              <a:buFontTx/>
+              <a:buChar char="-"/>
+            </a:pPr>
+            <a:r>
+              <a:rPr lang="de-DE" sz="800" dirty="0">
+                <a:solidFill>
+                  <a:schemeClr val="accent5"/>
+                </a:solidFill>
+              </a:rPr>
+              <a:t>LMP </a:t>
+            </a:r>
+            <a:r>
+              <a:rPr lang="de-DE" sz="800" dirty="0" err="1">
+                <a:solidFill>
+                  <a:schemeClr val="accent5"/>
+                </a:solidFill>
+              </a:rPr>
+              <a:t>exists</a:t>
+            </a:r>
+            <a:endParaRPr lang="de-DE" sz="800" dirty="0">
+              <a:solidFill>
+                <a:schemeClr val="accent5"/>
+              </a:solidFill>
+            </a:endParaRPr>
+          </a:p>
+          <a:p>
+            <a:pPr marL="171450" indent="-171450">
+              <a:buFontTx/>
+              <a:buChar char="-"/>
+            </a:pPr>
+            <a:r>
+              <a:rPr lang="de-DE" sz="800" dirty="0">
+                <a:solidFill>
+                  <a:schemeClr val="accent5"/>
+                </a:solidFill>
+              </a:rPr>
+              <a:t>MP </a:t>
+            </a:r>
+            <a:r>
+              <a:rPr lang="de-DE" sz="800" dirty="0" err="1">
+                <a:solidFill>
+                  <a:schemeClr val="accent5"/>
+                </a:solidFill>
+              </a:rPr>
+              <a:t>exists</a:t>
+            </a:r>
+            <a:endParaRPr lang="de-DE" sz="800" dirty="0">
+              <a:solidFill>
+                <a:schemeClr val="accent5"/>
+              </a:solidFill>
+            </a:endParaRPr>
+          </a:p>
+        </p:txBody>
+      </p:sp>
+      <p:sp>
+        <p:nvSpPr>
+          <p:cNvPr id="102" name="Textfeld 101">
+            <a:extLst>
+              <a:ext uri="{FF2B5EF4-FFF2-40B4-BE49-F238E27FC236}">
+                <a16:creationId xmlns:a16="http://schemas.microsoft.com/office/drawing/2014/main" id="{83A319BD-A6D4-B2FE-066E-D8CA19C70E7D}"/>
+              </a:ext>
+            </a:extLst>
+          </p:cNvPr>
+          <p:cNvSpPr txBox="1"/>
+          <p:nvPr/>
+        </p:nvSpPr>
+        <p:spPr>
+          <a:xfrm>
+            <a:off x="1210196" y="12389290"/>
+            <a:ext cx="2950730" cy="1200329"/>
+          </a:xfrm>
+          <a:prstGeom prst="rect">
+            <a:avLst/>
+          </a:prstGeom>
+          <a:noFill/>
+        </p:spPr>
+        <p:txBody>
+          <a:bodyPr wrap="square" rtlCol="0">
+            <a:spAutoFit/>
+          </a:bodyPr>
+          <a:lstStyle>
+            <a:defPPr>
+              <a:defRPr lang="en-US"/>
+            </a:defPPr>
+            <a:lvl1pPr>
+              <a:defRPr sz="800">
+                <a:solidFill>
+                  <a:schemeClr val="accent1"/>
+                </a:solidFill>
+              </a:defRPr>
+            </a:lvl1pPr>
+          </a:lstStyle>
+          <a:p>
+            <a:r>
+              <a:rPr lang="de-DE" b="1" dirty="0" err="1"/>
+              <a:t>TcpLink</a:t>
+            </a:r>
+            <a:endParaRPr lang="de-DE" b="1" dirty="0"/>
+          </a:p>
+          <a:p>
+            <a:r>
+              <a:rPr lang="de-DE" dirty="0" err="1"/>
+              <a:t>key</a:t>
+            </a:r>
+            <a:r>
+              <a:rPr lang="de-DE" dirty="0"/>
+              <a:t>: </a:t>
+            </a:r>
+            <a:r>
+              <a:rPr lang="de-DE" dirty="0" err="1"/>
+              <a:t>local-id</a:t>
+            </a:r>
+            <a:endParaRPr lang="de-DE" dirty="0"/>
+          </a:p>
+          <a:p>
+            <a:r>
+              <a:rPr lang="de-DE" dirty="0" err="1"/>
+              <a:t>linktp</a:t>
+            </a:r>
+            <a:r>
+              <a:rPr lang="de-DE" dirty="0"/>
+              <a:t>:</a:t>
+            </a:r>
+          </a:p>
+          <a:p>
+            <a:r>
+              <a:rPr lang="de-DE" dirty="0"/>
+              <a:t>1 x </a:t>
+            </a:r>
+            <a:r>
+              <a:rPr lang="de-DE" dirty="0" err="1"/>
+              <a:t>TcpClient</a:t>
+            </a:r>
+            <a:r>
+              <a:rPr lang="de-DE" dirty="0"/>
+              <a:t> {_cc, _</a:t>
+            </a:r>
+            <a:r>
+              <a:rPr lang="de-DE" dirty="0" err="1"/>
+              <a:t>ltp</a:t>
+            </a:r>
+            <a:r>
+              <a:rPr lang="de-DE" dirty="0"/>
+              <a:t>, _</a:t>
+            </a:r>
+            <a:r>
+              <a:rPr lang="de-DE" dirty="0" err="1"/>
+              <a:t>lp</a:t>
+            </a:r>
+            <a:r>
+              <a:rPr lang="de-DE" dirty="0"/>
+              <a:t>}</a:t>
+            </a:r>
+          </a:p>
+          <a:p>
+            <a:r>
+              <a:rPr lang="de-DE" dirty="0"/>
+              <a:t>1 x </a:t>
+            </a:r>
+            <a:r>
+              <a:rPr lang="de-DE" dirty="0" err="1"/>
+              <a:t>TcpServer</a:t>
+            </a:r>
+            <a:r>
+              <a:rPr lang="de-DE" dirty="0"/>
+              <a:t> {_cc, _</a:t>
+            </a:r>
+            <a:r>
+              <a:rPr lang="de-DE" dirty="0" err="1"/>
+              <a:t>ltp</a:t>
+            </a:r>
+            <a:r>
+              <a:rPr lang="de-DE" dirty="0"/>
+              <a:t>, _</a:t>
+            </a:r>
+            <a:r>
+              <a:rPr lang="de-DE" dirty="0" err="1"/>
+              <a:t>lp</a:t>
+            </a:r>
+            <a:r>
+              <a:rPr lang="de-DE" dirty="0"/>
+              <a:t>}</a:t>
+            </a:r>
+          </a:p>
+          <a:p>
+            <a:r>
+              <a:rPr lang="de-DE" dirty="0"/>
+              <a:t>State:</a:t>
+            </a:r>
+          </a:p>
+          <a:p>
+            <a:pPr marL="171450" indent="-171450">
+              <a:buFontTx/>
+              <a:buChar char="-"/>
+            </a:pPr>
+            <a:r>
+              <a:rPr lang="de-DE" dirty="0" err="1"/>
+              <a:t>TcpClient</a:t>
+            </a:r>
+            <a:r>
+              <a:rPr lang="de-DE" dirty="0"/>
+              <a:t> </a:t>
+            </a:r>
+            <a:r>
+              <a:rPr lang="de-DE" dirty="0" err="1"/>
+              <a:t>exists</a:t>
+            </a:r>
+            <a:endParaRPr lang="de-DE" dirty="0"/>
+          </a:p>
+          <a:p>
+            <a:pPr marL="171450" indent="-171450">
+              <a:buFontTx/>
+              <a:buChar char="-"/>
+            </a:pPr>
+            <a:r>
+              <a:rPr lang="de-DE" dirty="0" err="1"/>
+              <a:t>TcpServer</a:t>
+            </a:r>
+            <a:r>
+              <a:rPr lang="de-DE" dirty="0"/>
+              <a:t> </a:t>
+            </a:r>
+            <a:r>
+              <a:rPr lang="de-DE" dirty="0" err="1"/>
+              <a:t>exists</a:t>
+            </a:r>
+            <a:endParaRPr lang="de-DE" dirty="0"/>
+          </a:p>
+          <a:p>
+            <a:pPr marL="171450" indent="-171450">
+              <a:buFontTx/>
+              <a:buChar char="-"/>
+            </a:pPr>
+            <a:r>
+              <a:rPr lang="de-DE" dirty="0" err="1"/>
+              <a:t>TcpClient</a:t>
+            </a:r>
+            <a:r>
+              <a:rPr lang="de-DE" dirty="0"/>
+              <a:t> </a:t>
+            </a:r>
+            <a:r>
+              <a:rPr lang="de-DE" dirty="0" err="1"/>
+              <a:t>configuration</a:t>
+            </a:r>
+            <a:r>
+              <a:rPr lang="de-DE" dirty="0"/>
+              <a:t> </a:t>
+            </a:r>
+            <a:r>
+              <a:rPr lang="de-DE" dirty="0" err="1"/>
+              <a:t>matches</a:t>
+            </a:r>
+            <a:r>
+              <a:rPr lang="de-DE" dirty="0"/>
+              <a:t> </a:t>
+            </a:r>
+            <a:r>
+              <a:rPr lang="de-DE" dirty="0" err="1"/>
+              <a:t>TcpServer</a:t>
+            </a:r>
+            <a:endParaRPr lang="de-DE" dirty="0"/>
+          </a:p>
+        </p:txBody>
+      </p:sp>
+      <p:sp>
+        <p:nvSpPr>
+          <p:cNvPr id="107" name="Rechteck: abgerundete Ecken 106">
+            <a:extLst>
+              <a:ext uri="{FF2B5EF4-FFF2-40B4-BE49-F238E27FC236}">
+                <a16:creationId xmlns:a16="http://schemas.microsoft.com/office/drawing/2014/main" id="{0FF9E7D0-96D7-8498-F59D-6B667CB4B2A7}"/>
+              </a:ext>
+            </a:extLst>
+          </p:cNvPr>
+          <p:cNvSpPr/>
+          <p:nvPr/>
+        </p:nvSpPr>
+        <p:spPr>
+          <a:xfrm>
+            <a:off x="3056401" y="15572978"/>
+            <a:ext cx="1111967" cy="505086"/>
+          </a:xfrm>
+          <a:prstGeom prst="roundRect">
+            <a:avLst/>
+          </a:prstGeom>
+        </p:spPr>
+        <p:style>
+          <a:lnRef idx="2">
+            <a:schemeClr val="accent1">
+              <a:shade val="15000"/>
+            </a:schemeClr>
+          </a:lnRef>
+          <a:fillRef idx="1">
+            <a:schemeClr val="accent1"/>
+          </a:fillRef>
+          <a:effectRef idx="0">
+            <a:schemeClr val="accent1"/>
+          </a:effectRef>
+          <a:fontRef idx="minor">
+            <a:schemeClr val="lt1"/>
+          </a:fontRef>
+        </p:style>
+        <p:txBody>
+          <a:bodyPr rtlCol="0" anchor="ctr"/>
+          <a:lstStyle/>
+          <a:p>
+            <a:pPr algn="ctr"/>
+            <a:r>
+              <a:rPr lang="de-DE" sz="1100" dirty="0"/>
+              <a:t>App#1</a:t>
+            </a:r>
+          </a:p>
+        </p:txBody>
+      </p:sp>
+      <p:sp>
+        <p:nvSpPr>
+          <p:cNvPr id="108" name="Rechteck: abgerundete Ecken 107">
+            <a:extLst>
+              <a:ext uri="{FF2B5EF4-FFF2-40B4-BE49-F238E27FC236}">
+                <a16:creationId xmlns:a16="http://schemas.microsoft.com/office/drawing/2014/main" id="{31487B5A-80F4-AA58-B32F-214620927A75}"/>
+              </a:ext>
+            </a:extLst>
+          </p:cNvPr>
+          <p:cNvSpPr/>
+          <p:nvPr/>
+        </p:nvSpPr>
+        <p:spPr>
+          <a:xfrm>
+            <a:off x="14203350" y="15934538"/>
+            <a:ext cx="1111967" cy="505086"/>
+          </a:xfrm>
+          <a:prstGeom prst="roundRect">
+            <a:avLst/>
+          </a:prstGeom>
+        </p:spPr>
+        <p:style>
+          <a:lnRef idx="2">
+            <a:schemeClr val="accent1">
+              <a:shade val="15000"/>
+            </a:schemeClr>
+          </a:lnRef>
+          <a:fillRef idx="1">
+            <a:schemeClr val="accent1"/>
+          </a:fillRef>
+          <a:effectRef idx="0">
+            <a:schemeClr val="accent1"/>
+          </a:effectRef>
+          <a:fontRef idx="minor">
+            <a:schemeClr val="lt1"/>
+          </a:fontRef>
+        </p:style>
+        <p:txBody>
+          <a:bodyPr rtlCol="0" anchor="ctr"/>
+          <a:lstStyle/>
+          <a:p>
+            <a:pPr algn="ctr"/>
+            <a:r>
+              <a:rPr lang="de-DE" sz="1100" dirty="0"/>
+              <a:t>LC#1</a:t>
+            </a:r>
+          </a:p>
+        </p:txBody>
+      </p:sp>
+      <p:sp>
+        <p:nvSpPr>
+          <p:cNvPr id="121" name="Rechteck: abgerundete Ecken 120">
+            <a:extLst>
+              <a:ext uri="{FF2B5EF4-FFF2-40B4-BE49-F238E27FC236}">
+                <a16:creationId xmlns:a16="http://schemas.microsoft.com/office/drawing/2014/main" id="{743E60E1-7E47-8E28-F473-F326FD7FEE3C}"/>
+              </a:ext>
+            </a:extLst>
+          </p:cNvPr>
+          <p:cNvSpPr/>
+          <p:nvPr/>
+        </p:nvSpPr>
+        <p:spPr>
+          <a:xfrm>
+            <a:off x="10010899" y="15572976"/>
+            <a:ext cx="1111967" cy="504939"/>
+          </a:xfrm>
+          <a:prstGeom prst="roundRect">
+            <a:avLst/>
+          </a:prstGeom>
+        </p:spPr>
+        <p:style>
+          <a:lnRef idx="2">
+            <a:schemeClr val="accent1">
+              <a:shade val="15000"/>
+            </a:schemeClr>
+          </a:lnRef>
+          <a:fillRef idx="1">
+            <a:schemeClr val="accent1"/>
+          </a:fillRef>
+          <a:effectRef idx="0">
+            <a:schemeClr val="accent1"/>
+          </a:effectRef>
+          <a:fontRef idx="minor">
+            <a:schemeClr val="lt1"/>
+          </a:fontRef>
+        </p:style>
+        <p:txBody>
+          <a:bodyPr rtlCol="0" anchor="ctr"/>
+          <a:lstStyle/>
+          <a:p>
+            <a:pPr algn="ctr"/>
+            <a:r>
+              <a:rPr lang="de-DE" sz="1100" dirty="0"/>
+              <a:t>ODL#1</a:t>
+            </a:r>
+          </a:p>
+        </p:txBody>
+      </p:sp>
+      <p:cxnSp>
+        <p:nvCxnSpPr>
+          <p:cNvPr id="123" name="Gerader Verbinder 122">
+            <a:extLst>
+              <a:ext uri="{FF2B5EF4-FFF2-40B4-BE49-F238E27FC236}">
+                <a16:creationId xmlns:a16="http://schemas.microsoft.com/office/drawing/2014/main" id="{04BA1404-840F-1910-D110-77C7D5F84F9D}"/>
+              </a:ext>
+            </a:extLst>
+          </p:cNvPr>
+          <p:cNvCxnSpPr>
+            <a:cxnSpLocks/>
+            <a:stCxn id="108" idx="3"/>
+            <a:endCxn id="159" idx="3"/>
+          </p:cNvCxnSpPr>
+          <p:nvPr/>
+        </p:nvCxnSpPr>
+        <p:spPr>
+          <a:xfrm flipH="1" flipV="1">
+            <a:off x="11515157" y="15831725"/>
+            <a:ext cx="3800160" cy="355356"/>
+          </a:xfrm>
+          <a:prstGeom prst="line">
+            <a:avLst/>
+          </a:prstGeom>
+        </p:spPr>
+        <p:style>
+          <a:lnRef idx="2">
+            <a:schemeClr val="accent5"/>
+          </a:lnRef>
+          <a:fillRef idx="0">
+            <a:schemeClr val="accent5"/>
+          </a:fillRef>
+          <a:effectRef idx="1">
+            <a:schemeClr val="accent5"/>
+          </a:effectRef>
+          <a:fontRef idx="minor">
+            <a:schemeClr val="tx1"/>
+          </a:fontRef>
+        </p:style>
+      </p:cxnSp>
+      <p:cxnSp>
+        <p:nvCxnSpPr>
+          <p:cNvPr id="132" name="Gerader Verbinder 131">
+            <a:extLst>
+              <a:ext uri="{FF2B5EF4-FFF2-40B4-BE49-F238E27FC236}">
+                <a16:creationId xmlns:a16="http://schemas.microsoft.com/office/drawing/2014/main" id="{5F4A3D4C-4AA7-C1DD-666B-9DCA0B6212A2}"/>
+              </a:ext>
+            </a:extLst>
+          </p:cNvPr>
+          <p:cNvCxnSpPr>
+            <a:cxnSpLocks/>
+            <a:stCxn id="121" idx="1"/>
+            <a:endCxn id="141" idx="3"/>
+          </p:cNvCxnSpPr>
+          <p:nvPr/>
+        </p:nvCxnSpPr>
+        <p:spPr>
+          <a:xfrm flipH="1">
+            <a:off x="4536316" y="15825446"/>
+            <a:ext cx="5474583" cy="0"/>
+          </a:xfrm>
+          <a:prstGeom prst="line">
+            <a:avLst/>
+          </a:prstGeom>
+        </p:spPr>
+        <p:style>
+          <a:lnRef idx="2">
+            <a:schemeClr val="accent5"/>
+          </a:lnRef>
+          <a:fillRef idx="0">
+            <a:schemeClr val="accent5"/>
+          </a:fillRef>
+          <a:effectRef idx="1">
+            <a:schemeClr val="accent5"/>
+          </a:effectRef>
+          <a:fontRef idx="minor">
+            <a:schemeClr val="tx1"/>
+          </a:fontRef>
+        </p:style>
+      </p:cxnSp>
+      <p:sp>
+        <p:nvSpPr>
+          <p:cNvPr id="133" name="Rechteck: abgerundete Ecken 132">
+            <a:extLst>
+              <a:ext uri="{FF2B5EF4-FFF2-40B4-BE49-F238E27FC236}">
+                <a16:creationId xmlns:a16="http://schemas.microsoft.com/office/drawing/2014/main" id="{4C7C5135-FF71-EFE7-4872-7E418C986BD6}"/>
+              </a:ext>
+            </a:extLst>
+          </p:cNvPr>
+          <p:cNvSpPr/>
+          <p:nvPr/>
+        </p:nvSpPr>
+        <p:spPr>
+          <a:xfrm>
+            <a:off x="6597142" y="16078064"/>
+            <a:ext cx="1111967" cy="505086"/>
+          </a:xfrm>
+          <a:prstGeom prst="roundRect">
+            <a:avLst/>
+          </a:prstGeom>
+        </p:spPr>
+        <p:style>
+          <a:lnRef idx="2">
+            <a:schemeClr val="accent1">
+              <a:shade val="15000"/>
+            </a:schemeClr>
+          </a:lnRef>
+          <a:fillRef idx="1">
+            <a:schemeClr val="accent1"/>
+          </a:fillRef>
+          <a:effectRef idx="0">
+            <a:schemeClr val="accent1"/>
+          </a:effectRef>
+          <a:fontRef idx="minor">
+            <a:schemeClr val="lt1"/>
+          </a:fontRef>
+        </p:style>
+        <p:txBody>
+          <a:bodyPr rtlCol="0" anchor="ctr"/>
+          <a:lstStyle/>
+          <a:p>
+            <a:pPr algn="ctr"/>
+            <a:r>
+              <a:rPr lang="de-DE" sz="1100" dirty="0"/>
+              <a:t>FW#1</a:t>
+            </a:r>
+          </a:p>
+        </p:txBody>
+      </p:sp>
+      <p:cxnSp>
+        <p:nvCxnSpPr>
+          <p:cNvPr id="134" name="Gerader Verbinder 133">
+            <a:extLst>
+              <a:ext uri="{FF2B5EF4-FFF2-40B4-BE49-F238E27FC236}">
+                <a16:creationId xmlns:a16="http://schemas.microsoft.com/office/drawing/2014/main" id="{F43B8CE3-1138-81CB-0D05-649FC07ABFF2}"/>
+              </a:ext>
+            </a:extLst>
+          </p:cNvPr>
+          <p:cNvCxnSpPr>
+            <a:cxnSpLocks/>
+            <a:stCxn id="133" idx="1"/>
+            <a:endCxn id="141" idx="3"/>
+          </p:cNvCxnSpPr>
+          <p:nvPr/>
+        </p:nvCxnSpPr>
+        <p:spPr>
+          <a:xfrm flipH="1" flipV="1">
+            <a:off x="4536316" y="15825446"/>
+            <a:ext cx="2060826" cy="505161"/>
+          </a:xfrm>
+          <a:prstGeom prst="line">
+            <a:avLst/>
+          </a:prstGeom>
+        </p:spPr>
+        <p:style>
+          <a:lnRef idx="2">
+            <a:schemeClr val="accent1"/>
+          </a:lnRef>
+          <a:fillRef idx="0">
+            <a:schemeClr val="accent1"/>
+          </a:fillRef>
+          <a:effectRef idx="1">
+            <a:schemeClr val="accent1"/>
+          </a:effectRef>
+          <a:fontRef idx="minor">
+            <a:schemeClr val="tx1"/>
+          </a:fontRef>
+        </p:style>
+      </p:cxnSp>
+      <p:cxnSp>
+        <p:nvCxnSpPr>
+          <p:cNvPr id="136" name="Gerader Verbinder 135">
+            <a:extLst>
+              <a:ext uri="{FF2B5EF4-FFF2-40B4-BE49-F238E27FC236}">
+                <a16:creationId xmlns:a16="http://schemas.microsoft.com/office/drawing/2014/main" id="{8CFBD434-282B-A024-9F03-4783B6D2402E}"/>
+              </a:ext>
+            </a:extLst>
+          </p:cNvPr>
+          <p:cNvCxnSpPr>
+            <a:cxnSpLocks/>
+            <a:stCxn id="121" idx="1"/>
+            <a:endCxn id="133" idx="3"/>
+          </p:cNvCxnSpPr>
+          <p:nvPr/>
+        </p:nvCxnSpPr>
+        <p:spPr>
+          <a:xfrm flipH="1">
+            <a:off x="7709109" y="15825446"/>
+            <a:ext cx="2301790" cy="505161"/>
+          </a:xfrm>
+          <a:prstGeom prst="line">
+            <a:avLst/>
+          </a:prstGeom>
+        </p:spPr>
+        <p:style>
+          <a:lnRef idx="2">
+            <a:schemeClr val="accent1"/>
+          </a:lnRef>
+          <a:fillRef idx="0">
+            <a:schemeClr val="accent1"/>
+          </a:fillRef>
+          <a:effectRef idx="1">
+            <a:schemeClr val="accent1"/>
+          </a:effectRef>
+          <a:fontRef idx="minor">
+            <a:schemeClr val="tx1"/>
+          </a:fontRef>
+        </p:style>
+      </p:cxnSp>
+      <p:sp>
+        <p:nvSpPr>
+          <p:cNvPr id="141" name="Rechteck: abgerundete Ecken 140">
+            <a:extLst>
+              <a:ext uri="{FF2B5EF4-FFF2-40B4-BE49-F238E27FC236}">
+                <a16:creationId xmlns:a16="http://schemas.microsoft.com/office/drawing/2014/main" id="{AA1FAE57-8CD5-1E1D-44CA-0FB39A3E7637}"/>
+              </a:ext>
+            </a:extLst>
+          </p:cNvPr>
+          <p:cNvSpPr/>
+          <p:nvPr/>
+        </p:nvSpPr>
+        <p:spPr>
+          <a:xfrm>
+            <a:off x="4168368" y="15572976"/>
+            <a:ext cx="367948" cy="504939"/>
+          </a:xfrm>
+          <a:prstGeom prst="roundRect">
+            <a:avLst/>
+          </a:prstGeom>
+        </p:spPr>
+        <p:style>
+          <a:lnRef idx="2">
+            <a:schemeClr val="accent1">
+              <a:shade val="15000"/>
+            </a:schemeClr>
+          </a:lnRef>
+          <a:fillRef idx="1">
+            <a:schemeClr val="accent1"/>
+          </a:fillRef>
+          <a:effectRef idx="0">
+            <a:schemeClr val="accent1"/>
+          </a:effectRef>
+          <a:fontRef idx="minor">
+            <a:schemeClr val="lt1"/>
+          </a:fontRef>
+        </p:style>
+        <p:txBody>
+          <a:bodyPr rtlCol="0" anchor="ctr"/>
+          <a:lstStyle/>
+          <a:p>
+            <a:pPr algn="ctr"/>
+            <a:r>
+              <a:rPr lang="de-DE" sz="1100" dirty="0"/>
+              <a:t>MDI</a:t>
+            </a:r>
+          </a:p>
+        </p:txBody>
+      </p:sp>
+      <p:sp>
+        <p:nvSpPr>
+          <p:cNvPr id="142" name="Rechteck: abgerundete Ecken 141">
+            <a:extLst>
+              <a:ext uri="{FF2B5EF4-FFF2-40B4-BE49-F238E27FC236}">
+                <a16:creationId xmlns:a16="http://schemas.microsoft.com/office/drawing/2014/main" id="{4BC614DD-DF8B-2C44-FC64-59FAD85D5E26}"/>
+              </a:ext>
+            </a:extLst>
+          </p:cNvPr>
+          <p:cNvSpPr/>
+          <p:nvPr/>
+        </p:nvSpPr>
+        <p:spPr>
+          <a:xfrm>
+            <a:off x="15315319" y="15934538"/>
+            <a:ext cx="367948" cy="504939"/>
+          </a:xfrm>
+          <a:prstGeom prst="roundRect">
+            <a:avLst/>
+          </a:prstGeom>
+        </p:spPr>
+        <p:style>
+          <a:lnRef idx="2">
+            <a:schemeClr val="accent1">
+              <a:shade val="15000"/>
+            </a:schemeClr>
+          </a:lnRef>
+          <a:fillRef idx="1">
+            <a:schemeClr val="accent1"/>
+          </a:fillRef>
+          <a:effectRef idx="0">
+            <a:schemeClr val="accent1"/>
+          </a:effectRef>
+          <a:fontRef idx="minor">
+            <a:schemeClr val="lt1"/>
+          </a:fontRef>
+        </p:style>
+        <p:txBody>
+          <a:bodyPr rtlCol="0" anchor="ctr"/>
+          <a:lstStyle/>
+          <a:p>
+            <a:pPr algn="ctr"/>
+            <a:r>
+              <a:rPr lang="de-DE" sz="800" dirty="0"/>
+              <a:t>LMP</a:t>
+            </a:r>
+          </a:p>
+        </p:txBody>
+      </p:sp>
+      <p:sp>
+        <p:nvSpPr>
+          <p:cNvPr id="159" name="Rechteck: abgerundete Ecken 158">
+            <a:extLst>
+              <a:ext uri="{FF2B5EF4-FFF2-40B4-BE49-F238E27FC236}">
+                <a16:creationId xmlns:a16="http://schemas.microsoft.com/office/drawing/2014/main" id="{B9FDAE40-B36B-282A-23F3-E8C20D72BCE9}"/>
+              </a:ext>
+            </a:extLst>
+          </p:cNvPr>
+          <p:cNvSpPr/>
+          <p:nvPr/>
+        </p:nvSpPr>
+        <p:spPr>
+          <a:xfrm>
+            <a:off x="11147209" y="15579255"/>
+            <a:ext cx="367948" cy="504939"/>
+          </a:xfrm>
+          <a:prstGeom prst="roundRect">
+            <a:avLst/>
+          </a:prstGeom>
+        </p:spPr>
+        <p:style>
+          <a:lnRef idx="2">
+            <a:schemeClr val="accent1">
+              <a:shade val="15000"/>
+            </a:schemeClr>
+          </a:lnRef>
+          <a:fillRef idx="1">
+            <a:schemeClr val="accent1"/>
+          </a:fillRef>
+          <a:effectRef idx="0">
+            <a:schemeClr val="accent1"/>
+          </a:effectRef>
+          <a:fontRef idx="minor">
+            <a:schemeClr val="lt1"/>
+          </a:fontRef>
+        </p:style>
+        <p:txBody>
+          <a:bodyPr rtlCol="0" anchor="ctr"/>
+          <a:lstStyle/>
+          <a:p>
+            <a:pPr algn="ctr"/>
+            <a:r>
+              <a:rPr lang="de-DE" sz="800" dirty="0"/>
+              <a:t>MP</a:t>
+            </a:r>
+          </a:p>
+        </p:txBody>
+      </p:sp>
+      <p:sp>
+        <p:nvSpPr>
+          <p:cNvPr id="162" name="Textfeld 161">
+            <a:extLst>
+              <a:ext uri="{FF2B5EF4-FFF2-40B4-BE49-F238E27FC236}">
+                <a16:creationId xmlns:a16="http://schemas.microsoft.com/office/drawing/2014/main" id="{97490E9D-E36B-5AAF-FF39-87E06CBF606F}"/>
+              </a:ext>
+            </a:extLst>
+          </p:cNvPr>
+          <p:cNvSpPr txBox="1"/>
+          <p:nvPr/>
+        </p:nvSpPr>
+        <p:spPr>
+          <a:xfrm>
+            <a:off x="3050185" y="14257760"/>
+            <a:ext cx="1416119" cy="169277"/>
+          </a:xfrm>
+          <a:prstGeom prst="rect">
+            <a:avLst/>
+          </a:prstGeom>
+          <a:noFill/>
+        </p:spPr>
+        <p:txBody>
+          <a:bodyPr wrap="square" lIns="0" tIns="0" rIns="0" bIns="0" rtlCol="0">
+            <a:spAutoFit/>
+          </a:bodyPr>
+          <a:lstStyle>
+            <a:defPPr>
+              <a:defRPr lang="en-US"/>
+            </a:defPPr>
+            <a:lvl1pPr>
+              <a:defRPr sz="800" b="1">
+                <a:solidFill>
+                  <a:schemeClr val="accent1"/>
+                </a:solidFill>
+              </a:defRPr>
+            </a:lvl1pPr>
+          </a:lstStyle>
+          <a:p>
+            <a:pPr algn="r"/>
+            <a:r>
+              <a:rPr lang="de-DE" sz="1100" b="0" dirty="0"/>
+              <a:t>/v1/</a:t>
+            </a:r>
+            <a:r>
+              <a:rPr lang="de-DE" sz="1100" b="0" dirty="0" err="1"/>
+              <a:t>regard-application</a:t>
+            </a:r>
+            <a:endParaRPr lang="de-DE" sz="1100" b="0" dirty="0">
+              <a:solidFill>
+                <a:schemeClr val="tx1"/>
+              </a:solidFill>
+            </a:endParaRPr>
+          </a:p>
+        </p:txBody>
+      </p:sp>
+      <p:cxnSp>
+        <p:nvCxnSpPr>
+          <p:cNvPr id="164" name="Gerader Verbinder 163">
+            <a:extLst>
+              <a:ext uri="{FF2B5EF4-FFF2-40B4-BE49-F238E27FC236}">
+                <a16:creationId xmlns:a16="http://schemas.microsoft.com/office/drawing/2014/main" id="{03BE214A-B5D0-BB00-F1FD-33CB50CEA0B5}"/>
+              </a:ext>
+            </a:extLst>
+          </p:cNvPr>
+          <p:cNvCxnSpPr>
+            <a:cxnSpLocks/>
+            <a:stCxn id="162" idx="2"/>
+            <a:endCxn id="107" idx="0"/>
+          </p:cNvCxnSpPr>
+          <p:nvPr/>
+        </p:nvCxnSpPr>
+        <p:spPr>
+          <a:xfrm flipH="1">
+            <a:off x="3612385" y="14427037"/>
+            <a:ext cx="145860" cy="1145941"/>
+          </a:xfrm>
+          <a:prstGeom prst="line">
+            <a:avLst/>
+          </a:prstGeom>
+          <a:ln w="6350"/>
+        </p:spPr>
+        <p:style>
+          <a:lnRef idx="2">
+            <a:schemeClr val="accent1"/>
+          </a:lnRef>
+          <a:fillRef idx="0">
+            <a:schemeClr val="accent1"/>
+          </a:fillRef>
+          <a:effectRef idx="1">
+            <a:schemeClr val="accent1"/>
+          </a:effectRef>
+          <a:fontRef idx="minor">
+            <a:schemeClr val="tx1"/>
+          </a:fontRef>
+        </p:style>
+      </p:cxnSp>
+      <p:cxnSp>
+        <p:nvCxnSpPr>
+          <p:cNvPr id="166" name="Gerader Verbinder 165">
+            <a:extLst>
+              <a:ext uri="{FF2B5EF4-FFF2-40B4-BE49-F238E27FC236}">
+                <a16:creationId xmlns:a16="http://schemas.microsoft.com/office/drawing/2014/main" id="{EB8902E7-D9AC-7D28-3537-BEBA5071600A}"/>
+              </a:ext>
+            </a:extLst>
+          </p:cNvPr>
+          <p:cNvCxnSpPr>
+            <a:cxnSpLocks/>
+            <a:stCxn id="177" idx="2"/>
+            <a:endCxn id="147" idx="0"/>
+          </p:cNvCxnSpPr>
+          <p:nvPr/>
+        </p:nvCxnSpPr>
+        <p:spPr>
+          <a:xfrm flipH="1">
+            <a:off x="7151682" y="14459955"/>
+            <a:ext cx="453574" cy="1474583"/>
+          </a:xfrm>
+          <a:prstGeom prst="line">
+            <a:avLst/>
+          </a:prstGeom>
+          <a:ln w="6350"/>
+        </p:spPr>
+        <p:style>
+          <a:lnRef idx="2">
+            <a:schemeClr val="accent1"/>
+          </a:lnRef>
+          <a:fillRef idx="0">
+            <a:schemeClr val="accent1"/>
+          </a:fillRef>
+          <a:effectRef idx="1">
+            <a:schemeClr val="accent1"/>
+          </a:effectRef>
+          <a:fontRef idx="minor">
+            <a:schemeClr val="tx1"/>
+          </a:fontRef>
+        </p:style>
+      </p:cxnSp>
+      <p:sp>
+        <p:nvSpPr>
+          <p:cNvPr id="177" name="Textfeld 176">
+            <a:extLst>
+              <a:ext uri="{FF2B5EF4-FFF2-40B4-BE49-F238E27FC236}">
+                <a16:creationId xmlns:a16="http://schemas.microsoft.com/office/drawing/2014/main" id="{B4297CCB-EEB1-C9A7-368A-12D55401E172}"/>
+              </a:ext>
+            </a:extLst>
+          </p:cNvPr>
+          <p:cNvSpPr txBox="1"/>
+          <p:nvPr/>
+        </p:nvSpPr>
+        <p:spPr>
+          <a:xfrm>
+            <a:off x="6804338" y="14290678"/>
+            <a:ext cx="1601835" cy="169277"/>
+          </a:xfrm>
+          <a:prstGeom prst="rect">
+            <a:avLst/>
+          </a:prstGeom>
+          <a:noFill/>
+        </p:spPr>
+        <p:txBody>
+          <a:bodyPr wrap="square" lIns="0" tIns="0" rIns="0" bIns="0" rtlCol="0">
+            <a:spAutoFit/>
+          </a:bodyPr>
+          <a:lstStyle>
+            <a:defPPr>
+              <a:defRPr lang="en-US"/>
+            </a:defPPr>
+            <a:lvl1pPr>
+              <a:defRPr sz="800" b="1">
+                <a:solidFill>
+                  <a:schemeClr val="accent1"/>
+                </a:solidFill>
+              </a:defRPr>
+            </a:lvl1pPr>
+          </a:lstStyle>
+          <a:p>
+            <a:pPr algn="r"/>
+            <a:r>
+              <a:rPr lang="de-DE" sz="1100" b="0" dirty="0"/>
+              <a:t>/v1/</a:t>
+            </a:r>
+            <a:r>
+              <a:rPr lang="de-DE" sz="1100" b="0" dirty="0" err="1"/>
+              <a:t>regard</a:t>
+            </a:r>
+            <a:r>
+              <a:rPr lang="de-DE" sz="1100" b="0" dirty="0"/>
+              <a:t>-</a:t>
+            </a:r>
+            <a:r>
+              <a:rPr lang="de-DE" sz="1100" b="0" dirty="0" err="1"/>
+              <a:t>load</a:t>
+            </a:r>
+            <a:r>
+              <a:rPr lang="de-DE" sz="1100" b="0" dirty="0"/>
+              <a:t>-balancer</a:t>
+            </a:r>
+            <a:endParaRPr lang="de-DE" sz="1100" b="0" dirty="0">
+              <a:solidFill>
+                <a:schemeClr val="tx1"/>
+              </a:solidFill>
+            </a:endParaRPr>
+          </a:p>
+        </p:txBody>
+      </p:sp>
+      <p:sp>
+        <p:nvSpPr>
+          <p:cNvPr id="188" name="Textfeld 187">
+            <a:extLst>
+              <a:ext uri="{FF2B5EF4-FFF2-40B4-BE49-F238E27FC236}">
+                <a16:creationId xmlns:a16="http://schemas.microsoft.com/office/drawing/2014/main" id="{450AD666-0964-4473-D89E-AD671D145EE7}"/>
+              </a:ext>
+            </a:extLst>
+          </p:cNvPr>
+          <p:cNvSpPr txBox="1"/>
+          <p:nvPr/>
+        </p:nvSpPr>
+        <p:spPr>
+          <a:xfrm>
+            <a:off x="9973138" y="14323377"/>
+            <a:ext cx="1358045" cy="169277"/>
+          </a:xfrm>
+          <a:prstGeom prst="rect">
+            <a:avLst/>
+          </a:prstGeom>
+          <a:noFill/>
+        </p:spPr>
+        <p:txBody>
+          <a:bodyPr wrap="square" lIns="0" tIns="0" rIns="0" bIns="0" rtlCol="0">
+            <a:spAutoFit/>
+          </a:bodyPr>
+          <a:lstStyle>
+            <a:defPPr>
+              <a:defRPr lang="en-US"/>
+            </a:defPPr>
+            <a:lvl1pPr>
+              <a:defRPr sz="800" b="1">
+                <a:solidFill>
+                  <a:schemeClr val="accent1"/>
+                </a:solidFill>
+              </a:defRPr>
+            </a:lvl1pPr>
+          </a:lstStyle>
+          <a:p>
+            <a:pPr algn="r"/>
+            <a:r>
+              <a:rPr lang="de-DE" sz="1100" b="0" dirty="0"/>
+              <a:t>/v1/</a:t>
+            </a:r>
+            <a:r>
+              <a:rPr lang="de-DE" sz="1100" b="0" dirty="0" err="1"/>
+              <a:t>regard</a:t>
+            </a:r>
+            <a:r>
+              <a:rPr lang="de-DE" sz="1100" b="0" dirty="0"/>
+              <a:t>-controller</a:t>
+            </a:r>
+            <a:endParaRPr lang="de-DE" sz="1100" b="0" dirty="0">
+              <a:solidFill>
+                <a:schemeClr val="tx1"/>
+              </a:solidFill>
+            </a:endParaRPr>
+          </a:p>
+        </p:txBody>
+      </p:sp>
+      <p:cxnSp>
+        <p:nvCxnSpPr>
+          <p:cNvPr id="189" name="Gerader Verbinder 188">
+            <a:extLst>
+              <a:ext uri="{FF2B5EF4-FFF2-40B4-BE49-F238E27FC236}">
+                <a16:creationId xmlns:a16="http://schemas.microsoft.com/office/drawing/2014/main" id="{3A470E01-E631-783B-F38F-5E901D4A5B84}"/>
+              </a:ext>
+            </a:extLst>
+          </p:cNvPr>
+          <p:cNvCxnSpPr>
+            <a:cxnSpLocks/>
+            <a:stCxn id="188" idx="2"/>
+            <a:endCxn id="121" idx="0"/>
+          </p:cNvCxnSpPr>
+          <p:nvPr/>
+        </p:nvCxnSpPr>
+        <p:spPr>
+          <a:xfrm flipH="1">
+            <a:off x="10566883" y="14492654"/>
+            <a:ext cx="85278" cy="1080322"/>
+          </a:xfrm>
+          <a:prstGeom prst="line">
+            <a:avLst/>
+          </a:prstGeom>
+          <a:ln w="6350"/>
+        </p:spPr>
+        <p:style>
+          <a:lnRef idx="2">
+            <a:schemeClr val="accent1"/>
+          </a:lnRef>
+          <a:fillRef idx="0">
+            <a:schemeClr val="accent1"/>
+          </a:fillRef>
+          <a:effectRef idx="1">
+            <a:schemeClr val="accent1"/>
+          </a:effectRef>
+          <a:fontRef idx="minor">
+            <a:schemeClr val="tx1"/>
+          </a:fontRef>
+        </p:style>
+      </p:cxnSp>
+      <p:sp>
+        <p:nvSpPr>
+          <p:cNvPr id="193" name="Textfeld 192">
+            <a:extLst>
+              <a:ext uri="{FF2B5EF4-FFF2-40B4-BE49-F238E27FC236}">
+                <a16:creationId xmlns:a16="http://schemas.microsoft.com/office/drawing/2014/main" id="{7AFCB1EF-DBF3-C6DF-4649-B22296968707}"/>
+              </a:ext>
+            </a:extLst>
+          </p:cNvPr>
+          <p:cNvSpPr txBox="1"/>
+          <p:nvPr/>
+        </p:nvSpPr>
+        <p:spPr>
+          <a:xfrm>
+            <a:off x="11026776" y="14118448"/>
+            <a:ext cx="2258011" cy="169277"/>
+          </a:xfrm>
+          <a:prstGeom prst="rect">
+            <a:avLst/>
+          </a:prstGeom>
+          <a:noFill/>
+        </p:spPr>
+        <p:txBody>
+          <a:bodyPr wrap="square" lIns="0" tIns="0" rIns="0" bIns="0" rtlCol="0">
+            <a:spAutoFit/>
+          </a:bodyPr>
+          <a:lstStyle>
+            <a:defPPr>
+              <a:defRPr lang="en-US"/>
+            </a:defPPr>
+            <a:lvl1pPr>
+              <a:defRPr sz="800" b="1">
+                <a:solidFill>
+                  <a:schemeClr val="accent1"/>
+                </a:solidFill>
+              </a:defRPr>
+            </a:lvl1pPr>
+          </a:lstStyle>
+          <a:p>
+            <a:r>
+              <a:rPr lang="de-DE" sz="1100" b="0" dirty="0"/>
+              <a:t>/v1/</a:t>
+            </a:r>
+            <a:r>
+              <a:rPr lang="de-DE" sz="1100" b="0" dirty="0" err="1"/>
+              <a:t>establish</a:t>
+            </a:r>
+            <a:r>
+              <a:rPr lang="de-DE" sz="1100" b="0" dirty="0"/>
+              <a:t>-management-domain</a:t>
+            </a:r>
+          </a:p>
+        </p:txBody>
+      </p:sp>
+      <p:sp>
+        <p:nvSpPr>
+          <p:cNvPr id="194" name="Textfeld 193">
+            <a:extLst>
+              <a:ext uri="{FF2B5EF4-FFF2-40B4-BE49-F238E27FC236}">
+                <a16:creationId xmlns:a16="http://schemas.microsoft.com/office/drawing/2014/main" id="{4BCC7300-7305-03CB-EB6E-A5002DDB68F3}"/>
+              </a:ext>
+            </a:extLst>
+          </p:cNvPr>
+          <p:cNvSpPr txBox="1"/>
+          <p:nvPr/>
+        </p:nvSpPr>
+        <p:spPr>
+          <a:xfrm>
+            <a:off x="7479409" y="13903267"/>
+            <a:ext cx="3049712" cy="169277"/>
+          </a:xfrm>
+          <a:prstGeom prst="rect">
+            <a:avLst/>
+          </a:prstGeom>
+          <a:noFill/>
+        </p:spPr>
+        <p:txBody>
+          <a:bodyPr wrap="square" lIns="0" tIns="0" rIns="0" bIns="0" rtlCol="0">
+            <a:spAutoFit/>
+          </a:bodyPr>
+          <a:lstStyle>
+            <a:defPPr>
+              <a:defRPr lang="en-US"/>
+            </a:defPPr>
+            <a:lvl1pPr>
+              <a:defRPr sz="800" b="1">
+                <a:solidFill>
+                  <a:schemeClr val="accent1"/>
+                </a:solidFill>
+              </a:defRPr>
+            </a:lvl1pPr>
+          </a:lstStyle>
+          <a:p>
+            <a:r>
+              <a:rPr lang="de-DE" sz="1100" b="0" dirty="0"/>
+              <a:t>/v1/</a:t>
+            </a:r>
+            <a:r>
+              <a:rPr lang="de-DE" sz="1100" b="0" dirty="0" err="1"/>
+              <a:t>establish</a:t>
+            </a:r>
+            <a:r>
+              <a:rPr lang="de-DE" sz="1100" b="0" dirty="0"/>
+              <a:t>-controller-in-management-domain</a:t>
+            </a:r>
+          </a:p>
+        </p:txBody>
+      </p:sp>
+      <p:sp>
+        <p:nvSpPr>
+          <p:cNvPr id="195" name="Textfeld 194">
+            <a:extLst>
+              <a:ext uri="{FF2B5EF4-FFF2-40B4-BE49-F238E27FC236}">
+                <a16:creationId xmlns:a16="http://schemas.microsoft.com/office/drawing/2014/main" id="{44AD51BF-BADD-B4A4-66B1-3FB39CFA22DD}"/>
+              </a:ext>
+            </a:extLst>
+          </p:cNvPr>
+          <p:cNvSpPr txBox="1"/>
+          <p:nvPr/>
+        </p:nvSpPr>
+        <p:spPr>
+          <a:xfrm>
+            <a:off x="3780651" y="13892616"/>
+            <a:ext cx="3049712" cy="169277"/>
+          </a:xfrm>
+          <a:prstGeom prst="rect">
+            <a:avLst/>
+          </a:prstGeom>
+          <a:noFill/>
+        </p:spPr>
+        <p:txBody>
+          <a:bodyPr wrap="square" lIns="0" tIns="0" rIns="0" bIns="0" rtlCol="0">
+            <a:spAutoFit/>
+          </a:bodyPr>
+          <a:lstStyle>
+            <a:defPPr>
+              <a:defRPr lang="en-US"/>
+            </a:defPPr>
+            <a:lvl1pPr>
+              <a:defRPr sz="800" b="1">
+                <a:solidFill>
+                  <a:schemeClr val="accent1"/>
+                </a:solidFill>
+              </a:defRPr>
+            </a:lvl1pPr>
+          </a:lstStyle>
+          <a:p>
+            <a:r>
+              <a:rPr lang="de-DE" sz="1100" b="0" dirty="0"/>
+              <a:t>/v1/</a:t>
+            </a:r>
+            <a:r>
+              <a:rPr lang="de-DE" sz="1100" b="0" dirty="0" err="1"/>
+              <a:t>establish</a:t>
+            </a:r>
+            <a:r>
+              <a:rPr lang="de-DE" sz="1100" b="0" dirty="0"/>
+              <a:t>-management-domain-connection</a:t>
+            </a:r>
+          </a:p>
+        </p:txBody>
+      </p:sp>
+      <p:sp>
+        <p:nvSpPr>
+          <p:cNvPr id="196" name="Textfeld 195">
+            <a:extLst>
+              <a:ext uri="{FF2B5EF4-FFF2-40B4-BE49-F238E27FC236}">
+                <a16:creationId xmlns:a16="http://schemas.microsoft.com/office/drawing/2014/main" id="{AAE45A60-1AD9-4B26-3999-219D51D53643}"/>
+              </a:ext>
+            </a:extLst>
+          </p:cNvPr>
+          <p:cNvSpPr txBox="1"/>
+          <p:nvPr/>
+        </p:nvSpPr>
+        <p:spPr>
+          <a:xfrm>
+            <a:off x="12392500" y="13901727"/>
+            <a:ext cx="2644826" cy="169277"/>
+          </a:xfrm>
+          <a:prstGeom prst="rect">
+            <a:avLst/>
+          </a:prstGeom>
+          <a:noFill/>
+        </p:spPr>
+        <p:txBody>
+          <a:bodyPr wrap="square" lIns="0" tIns="0" rIns="0" bIns="0" rtlCol="0">
+            <a:spAutoFit/>
+          </a:bodyPr>
+          <a:lstStyle>
+            <a:defPPr>
+              <a:defRPr lang="en-US"/>
+            </a:defPPr>
+            <a:lvl1pPr>
+              <a:defRPr sz="800" b="1">
+                <a:solidFill>
+                  <a:schemeClr val="accent1"/>
+                </a:solidFill>
+              </a:defRPr>
+            </a:lvl1pPr>
+          </a:lstStyle>
+          <a:p>
+            <a:r>
+              <a:rPr lang="de-DE" sz="1100" b="0" dirty="0"/>
+              <a:t>/v1/</a:t>
+            </a:r>
+            <a:r>
+              <a:rPr lang="de-DE" sz="1100" b="0" dirty="0" err="1"/>
+              <a:t>establish</a:t>
+            </a:r>
+            <a:r>
+              <a:rPr lang="de-DE" sz="1100" b="0" dirty="0"/>
+              <a:t>-management-plane-transport</a:t>
+            </a:r>
+          </a:p>
+        </p:txBody>
+      </p:sp>
+      <p:cxnSp>
+        <p:nvCxnSpPr>
+          <p:cNvPr id="197" name="Gerader Verbinder 196">
+            <a:extLst>
+              <a:ext uri="{FF2B5EF4-FFF2-40B4-BE49-F238E27FC236}">
+                <a16:creationId xmlns:a16="http://schemas.microsoft.com/office/drawing/2014/main" id="{B0F3E504-C6DD-0452-1336-780AE62091D0}"/>
+              </a:ext>
+            </a:extLst>
+          </p:cNvPr>
+          <p:cNvCxnSpPr>
+            <a:cxnSpLocks/>
+            <a:stCxn id="193" idx="2"/>
+            <a:endCxn id="108" idx="0"/>
+          </p:cNvCxnSpPr>
+          <p:nvPr/>
+        </p:nvCxnSpPr>
+        <p:spPr>
+          <a:xfrm>
+            <a:off x="12155782" y="14287725"/>
+            <a:ext cx="2603552" cy="1646813"/>
+          </a:xfrm>
+          <a:prstGeom prst="line">
+            <a:avLst/>
+          </a:prstGeom>
+          <a:ln w="6350"/>
+        </p:spPr>
+        <p:style>
+          <a:lnRef idx="2">
+            <a:schemeClr val="accent1"/>
+          </a:lnRef>
+          <a:fillRef idx="0">
+            <a:schemeClr val="accent1"/>
+          </a:fillRef>
+          <a:effectRef idx="1">
+            <a:schemeClr val="accent1"/>
+          </a:effectRef>
+          <a:fontRef idx="minor">
+            <a:schemeClr val="tx1"/>
+          </a:fontRef>
+        </p:style>
+      </p:cxnSp>
+      <p:cxnSp>
+        <p:nvCxnSpPr>
+          <p:cNvPr id="200" name="Gerader Verbinder 199">
+            <a:extLst>
+              <a:ext uri="{FF2B5EF4-FFF2-40B4-BE49-F238E27FC236}">
+                <a16:creationId xmlns:a16="http://schemas.microsoft.com/office/drawing/2014/main" id="{54D0EF7A-F9FB-89C6-80D8-695F6074C5F7}"/>
+              </a:ext>
+            </a:extLst>
+          </p:cNvPr>
+          <p:cNvCxnSpPr>
+            <a:cxnSpLocks/>
+            <a:stCxn id="193" idx="2"/>
+          </p:cNvCxnSpPr>
+          <p:nvPr/>
+        </p:nvCxnSpPr>
+        <p:spPr>
+          <a:xfrm flipH="1">
+            <a:off x="11796324" y="14287725"/>
+            <a:ext cx="359458" cy="605456"/>
+          </a:xfrm>
+          <a:prstGeom prst="line">
+            <a:avLst/>
+          </a:prstGeom>
+          <a:ln w="6350"/>
+        </p:spPr>
+        <p:style>
+          <a:lnRef idx="2">
+            <a:schemeClr val="accent1"/>
+          </a:lnRef>
+          <a:fillRef idx="0">
+            <a:schemeClr val="accent1"/>
+          </a:fillRef>
+          <a:effectRef idx="1">
+            <a:schemeClr val="accent1"/>
+          </a:effectRef>
+          <a:fontRef idx="minor">
+            <a:schemeClr val="tx1"/>
+          </a:fontRef>
+        </p:style>
+      </p:cxnSp>
+      <p:cxnSp>
+        <p:nvCxnSpPr>
+          <p:cNvPr id="207" name="Gerader Verbinder 206">
+            <a:extLst>
+              <a:ext uri="{FF2B5EF4-FFF2-40B4-BE49-F238E27FC236}">
+                <a16:creationId xmlns:a16="http://schemas.microsoft.com/office/drawing/2014/main" id="{F9E1D005-572B-E830-2E7A-8588DD2906D1}"/>
+              </a:ext>
+            </a:extLst>
+          </p:cNvPr>
+          <p:cNvCxnSpPr>
+            <a:cxnSpLocks/>
+            <a:stCxn id="193" idx="2"/>
+            <a:endCxn id="133" idx="0"/>
+          </p:cNvCxnSpPr>
+          <p:nvPr/>
+        </p:nvCxnSpPr>
+        <p:spPr>
+          <a:xfrm flipH="1">
+            <a:off x="7153126" y="14287725"/>
+            <a:ext cx="5002656" cy="1790339"/>
+          </a:xfrm>
+          <a:prstGeom prst="line">
+            <a:avLst/>
+          </a:prstGeom>
+          <a:ln w="6350"/>
+        </p:spPr>
+        <p:style>
+          <a:lnRef idx="2">
+            <a:schemeClr val="accent1"/>
+          </a:lnRef>
+          <a:fillRef idx="0">
+            <a:schemeClr val="accent1"/>
+          </a:fillRef>
+          <a:effectRef idx="1">
+            <a:schemeClr val="accent1"/>
+          </a:effectRef>
+          <a:fontRef idx="minor">
+            <a:schemeClr val="tx1"/>
+          </a:fontRef>
+        </p:style>
+      </p:cxnSp>
+      <p:cxnSp>
+        <p:nvCxnSpPr>
+          <p:cNvPr id="212" name="Gerader Verbinder 211">
+            <a:extLst>
+              <a:ext uri="{FF2B5EF4-FFF2-40B4-BE49-F238E27FC236}">
+                <a16:creationId xmlns:a16="http://schemas.microsoft.com/office/drawing/2014/main" id="{DEC38C06-CD0E-7B10-105E-BFD14CD1086D}"/>
+              </a:ext>
+            </a:extLst>
+          </p:cNvPr>
+          <p:cNvCxnSpPr>
+            <a:cxnSpLocks/>
+            <a:stCxn id="194" idx="2"/>
+          </p:cNvCxnSpPr>
+          <p:nvPr/>
+        </p:nvCxnSpPr>
+        <p:spPr>
+          <a:xfrm flipH="1">
+            <a:off x="8544357" y="14072544"/>
+            <a:ext cx="459908" cy="2099495"/>
+          </a:xfrm>
+          <a:prstGeom prst="line">
+            <a:avLst/>
+          </a:prstGeom>
+          <a:ln w="6350"/>
+        </p:spPr>
+        <p:style>
+          <a:lnRef idx="2">
+            <a:schemeClr val="accent1"/>
+          </a:lnRef>
+          <a:fillRef idx="0">
+            <a:schemeClr val="accent1"/>
+          </a:fillRef>
+          <a:effectRef idx="1">
+            <a:schemeClr val="accent1"/>
+          </a:effectRef>
+          <a:fontRef idx="minor">
+            <a:schemeClr val="tx1"/>
+          </a:fontRef>
+        </p:style>
+      </p:cxnSp>
+      <p:cxnSp>
+        <p:nvCxnSpPr>
+          <p:cNvPr id="214" name="Gerader Verbinder 213">
+            <a:extLst>
+              <a:ext uri="{FF2B5EF4-FFF2-40B4-BE49-F238E27FC236}">
+                <a16:creationId xmlns:a16="http://schemas.microsoft.com/office/drawing/2014/main" id="{FE0E2A0F-3F1B-958A-4C0E-8E7BB429D1F3}"/>
+              </a:ext>
+            </a:extLst>
+          </p:cNvPr>
+          <p:cNvCxnSpPr>
+            <a:cxnSpLocks/>
+            <a:stCxn id="195" idx="2"/>
+            <a:endCxn id="141" idx="0"/>
+          </p:cNvCxnSpPr>
+          <p:nvPr/>
+        </p:nvCxnSpPr>
+        <p:spPr>
+          <a:xfrm flipH="1">
+            <a:off x="4352342" y="14061893"/>
+            <a:ext cx="953165" cy="1511083"/>
+          </a:xfrm>
+          <a:prstGeom prst="line">
+            <a:avLst/>
+          </a:prstGeom>
+          <a:ln w="6350"/>
+        </p:spPr>
+        <p:style>
+          <a:lnRef idx="2">
+            <a:schemeClr val="accent1"/>
+          </a:lnRef>
+          <a:fillRef idx="0">
+            <a:schemeClr val="accent1"/>
+          </a:fillRef>
+          <a:effectRef idx="1">
+            <a:schemeClr val="accent1"/>
+          </a:effectRef>
+          <a:fontRef idx="minor">
+            <a:schemeClr val="tx1"/>
+          </a:fontRef>
+        </p:style>
+      </p:cxnSp>
+      <p:cxnSp>
+        <p:nvCxnSpPr>
+          <p:cNvPr id="215" name="Gerader Verbinder 214">
+            <a:extLst>
+              <a:ext uri="{FF2B5EF4-FFF2-40B4-BE49-F238E27FC236}">
+                <a16:creationId xmlns:a16="http://schemas.microsoft.com/office/drawing/2014/main" id="{84F10E92-3548-F30E-4E3D-968AE2E0B645}"/>
+              </a:ext>
+            </a:extLst>
+          </p:cNvPr>
+          <p:cNvCxnSpPr>
+            <a:cxnSpLocks/>
+            <a:stCxn id="196" idx="2"/>
+          </p:cNvCxnSpPr>
+          <p:nvPr/>
+        </p:nvCxnSpPr>
+        <p:spPr>
+          <a:xfrm flipH="1">
+            <a:off x="12991030" y="14071004"/>
+            <a:ext cx="723883" cy="1777110"/>
+          </a:xfrm>
+          <a:prstGeom prst="line">
+            <a:avLst/>
+          </a:prstGeom>
+          <a:ln w="6350"/>
+        </p:spPr>
+        <p:style>
+          <a:lnRef idx="2">
+            <a:schemeClr val="accent1"/>
+          </a:lnRef>
+          <a:fillRef idx="0">
+            <a:schemeClr val="accent1"/>
+          </a:fillRef>
+          <a:effectRef idx="1">
+            <a:schemeClr val="accent1"/>
+          </a:effectRef>
+          <a:fontRef idx="minor">
+            <a:schemeClr val="tx1"/>
+          </a:fontRef>
+        </p:style>
+      </p:cxnSp>
+      <p:cxnSp>
+        <p:nvCxnSpPr>
+          <p:cNvPr id="226" name="Gerader Verbinder 225">
+            <a:extLst>
+              <a:ext uri="{FF2B5EF4-FFF2-40B4-BE49-F238E27FC236}">
+                <a16:creationId xmlns:a16="http://schemas.microsoft.com/office/drawing/2014/main" id="{5804575D-3156-B50D-96B1-D2C2EBDC436F}"/>
+              </a:ext>
+            </a:extLst>
+          </p:cNvPr>
+          <p:cNvCxnSpPr>
+            <a:cxnSpLocks/>
+            <a:stCxn id="196" idx="2"/>
+            <a:endCxn id="159" idx="0"/>
+          </p:cNvCxnSpPr>
+          <p:nvPr/>
+        </p:nvCxnSpPr>
+        <p:spPr>
+          <a:xfrm flipH="1">
+            <a:off x="11331183" y="14071004"/>
+            <a:ext cx="2383730" cy="1508251"/>
+          </a:xfrm>
+          <a:prstGeom prst="line">
+            <a:avLst/>
+          </a:prstGeom>
+          <a:ln w="6350"/>
+        </p:spPr>
+        <p:style>
+          <a:lnRef idx="2">
+            <a:schemeClr val="accent1"/>
+          </a:lnRef>
+          <a:fillRef idx="0">
+            <a:schemeClr val="accent1"/>
+          </a:fillRef>
+          <a:effectRef idx="1">
+            <a:schemeClr val="accent1"/>
+          </a:effectRef>
+          <a:fontRef idx="minor">
+            <a:schemeClr val="tx1"/>
+          </a:fontRef>
+        </p:style>
+      </p:cxnSp>
+      <p:cxnSp>
+        <p:nvCxnSpPr>
+          <p:cNvPr id="228" name="Gerader Verbinder 227">
+            <a:extLst>
+              <a:ext uri="{FF2B5EF4-FFF2-40B4-BE49-F238E27FC236}">
+                <a16:creationId xmlns:a16="http://schemas.microsoft.com/office/drawing/2014/main" id="{3B72EB2D-7361-D6F9-1EA2-FE5F6D8B8070}"/>
+              </a:ext>
+            </a:extLst>
+          </p:cNvPr>
+          <p:cNvCxnSpPr>
+            <a:cxnSpLocks/>
+            <a:stCxn id="196" idx="2"/>
+          </p:cNvCxnSpPr>
+          <p:nvPr/>
+        </p:nvCxnSpPr>
+        <p:spPr>
+          <a:xfrm flipH="1">
+            <a:off x="13647367" y="14071004"/>
+            <a:ext cx="67546" cy="1943696"/>
+          </a:xfrm>
+          <a:prstGeom prst="line">
+            <a:avLst/>
+          </a:prstGeom>
+          <a:ln w="6350"/>
+        </p:spPr>
+        <p:style>
+          <a:lnRef idx="2">
+            <a:schemeClr val="accent1"/>
+          </a:lnRef>
+          <a:fillRef idx="0">
+            <a:schemeClr val="accent1"/>
+          </a:fillRef>
+          <a:effectRef idx="1">
+            <a:schemeClr val="accent1"/>
+          </a:effectRef>
+          <a:fontRef idx="minor">
+            <a:schemeClr val="tx1"/>
+          </a:fontRef>
+        </p:style>
+      </p:cxnSp>
+      <p:cxnSp>
+        <p:nvCxnSpPr>
+          <p:cNvPr id="229" name="Gerader Verbinder 228">
+            <a:extLst>
+              <a:ext uri="{FF2B5EF4-FFF2-40B4-BE49-F238E27FC236}">
+                <a16:creationId xmlns:a16="http://schemas.microsoft.com/office/drawing/2014/main" id="{AF50671D-52FD-E6B5-6754-166AC7E6AA07}"/>
+              </a:ext>
+            </a:extLst>
+          </p:cNvPr>
+          <p:cNvCxnSpPr>
+            <a:cxnSpLocks/>
+            <a:stCxn id="196" idx="2"/>
+            <a:endCxn id="142" idx="0"/>
+          </p:cNvCxnSpPr>
+          <p:nvPr/>
+        </p:nvCxnSpPr>
+        <p:spPr>
+          <a:xfrm>
+            <a:off x="13714913" y="14071004"/>
+            <a:ext cx="1784380" cy="1863534"/>
+          </a:xfrm>
+          <a:prstGeom prst="line">
+            <a:avLst/>
+          </a:prstGeom>
+          <a:ln w="6350"/>
+        </p:spPr>
+        <p:style>
+          <a:lnRef idx="2">
+            <a:schemeClr val="accent1"/>
+          </a:lnRef>
+          <a:fillRef idx="0">
+            <a:schemeClr val="accent1"/>
+          </a:fillRef>
+          <a:effectRef idx="1">
+            <a:schemeClr val="accent1"/>
+          </a:effectRef>
+          <a:fontRef idx="minor">
+            <a:schemeClr val="tx1"/>
+          </a:fontRef>
+        </p:style>
+      </p:cxnSp>
+      <p:cxnSp>
+        <p:nvCxnSpPr>
+          <p:cNvPr id="232" name="Gerader Verbinder 231">
+            <a:extLst>
+              <a:ext uri="{FF2B5EF4-FFF2-40B4-BE49-F238E27FC236}">
+                <a16:creationId xmlns:a16="http://schemas.microsoft.com/office/drawing/2014/main" id="{33C95CB5-F508-FF76-362C-D87A2A67F511}"/>
+              </a:ext>
+            </a:extLst>
+          </p:cNvPr>
+          <p:cNvCxnSpPr>
+            <a:cxnSpLocks/>
+            <a:stCxn id="195" idx="2"/>
+          </p:cNvCxnSpPr>
+          <p:nvPr/>
+        </p:nvCxnSpPr>
+        <p:spPr>
+          <a:xfrm>
+            <a:off x="5305507" y="14061893"/>
+            <a:ext cx="248619" cy="2016022"/>
+          </a:xfrm>
+          <a:prstGeom prst="line">
+            <a:avLst/>
+          </a:prstGeom>
+          <a:ln w="6350"/>
+        </p:spPr>
+        <p:style>
+          <a:lnRef idx="2">
+            <a:schemeClr val="accent1"/>
+          </a:lnRef>
+          <a:fillRef idx="0">
+            <a:schemeClr val="accent1"/>
+          </a:fillRef>
+          <a:effectRef idx="1">
+            <a:schemeClr val="accent1"/>
+          </a:effectRef>
+          <a:fontRef idx="minor">
+            <a:schemeClr val="tx1"/>
+          </a:fontRef>
+        </p:style>
+      </p:cxnSp>
+      <p:cxnSp>
+        <p:nvCxnSpPr>
+          <p:cNvPr id="235" name="Gerader Verbinder 234">
+            <a:extLst>
+              <a:ext uri="{FF2B5EF4-FFF2-40B4-BE49-F238E27FC236}">
+                <a16:creationId xmlns:a16="http://schemas.microsoft.com/office/drawing/2014/main" id="{C7A5711D-F59C-FD02-1DD2-DEA6817ED6F4}"/>
+              </a:ext>
+            </a:extLst>
+          </p:cNvPr>
+          <p:cNvCxnSpPr>
+            <a:cxnSpLocks/>
+            <a:stCxn id="195" idx="2"/>
+          </p:cNvCxnSpPr>
+          <p:nvPr/>
+        </p:nvCxnSpPr>
+        <p:spPr>
+          <a:xfrm>
+            <a:off x="5305507" y="14061893"/>
+            <a:ext cx="635153" cy="1751662"/>
+          </a:xfrm>
+          <a:prstGeom prst="line">
+            <a:avLst/>
+          </a:prstGeom>
+          <a:ln w="6350"/>
+        </p:spPr>
+        <p:style>
+          <a:lnRef idx="2">
+            <a:schemeClr val="accent1"/>
+          </a:lnRef>
+          <a:fillRef idx="0">
+            <a:schemeClr val="accent1"/>
+          </a:fillRef>
+          <a:effectRef idx="1">
+            <a:schemeClr val="accent1"/>
+          </a:effectRef>
+          <a:fontRef idx="minor">
+            <a:schemeClr val="tx1"/>
+          </a:fontRef>
+        </p:style>
+      </p:cxnSp>
+      <p:cxnSp>
+        <p:nvCxnSpPr>
+          <p:cNvPr id="261" name="Gerader Verbinder 260">
+            <a:extLst>
+              <a:ext uri="{FF2B5EF4-FFF2-40B4-BE49-F238E27FC236}">
+                <a16:creationId xmlns:a16="http://schemas.microsoft.com/office/drawing/2014/main" id="{2B7F61AE-9A52-B80C-0565-FAFDF65EC2A0}"/>
+              </a:ext>
+            </a:extLst>
+          </p:cNvPr>
+          <p:cNvCxnSpPr>
+            <a:cxnSpLocks/>
+            <a:stCxn id="195" idx="2"/>
+          </p:cNvCxnSpPr>
+          <p:nvPr/>
+        </p:nvCxnSpPr>
+        <p:spPr>
+          <a:xfrm>
+            <a:off x="5305507" y="14061893"/>
+            <a:ext cx="5178870" cy="1581513"/>
+          </a:xfrm>
+          <a:prstGeom prst="line">
+            <a:avLst/>
+          </a:prstGeom>
+          <a:ln w="6350">
+            <a:prstDash val="dash"/>
+          </a:ln>
+        </p:spPr>
+        <p:style>
+          <a:lnRef idx="2">
+            <a:schemeClr val="accent1"/>
+          </a:lnRef>
+          <a:fillRef idx="0">
+            <a:schemeClr val="accent1"/>
+          </a:fillRef>
+          <a:effectRef idx="1">
+            <a:schemeClr val="accent1"/>
+          </a:effectRef>
+          <a:fontRef idx="minor">
+            <a:schemeClr val="tx1"/>
+          </a:fontRef>
+        </p:style>
+      </p:cxnSp>
+      <p:cxnSp>
+        <p:nvCxnSpPr>
+          <p:cNvPr id="280" name="Gerader Verbinder 279">
+            <a:extLst>
+              <a:ext uri="{FF2B5EF4-FFF2-40B4-BE49-F238E27FC236}">
+                <a16:creationId xmlns:a16="http://schemas.microsoft.com/office/drawing/2014/main" id="{EF471563-78E6-9C64-9A7E-14D9D5DA6614}"/>
+              </a:ext>
+            </a:extLst>
+          </p:cNvPr>
+          <p:cNvCxnSpPr>
+            <a:cxnSpLocks/>
+            <a:stCxn id="195" idx="2"/>
+          </p:cNvCxnSpPr>
+          <p:nvPr/>
+        </p:nvCxnSpPr>
+        <p:spPr>
+          <a:xfrm flipH="1">
+            <a:off x="5028504" y="14061893"/>
+            <a:ext cx="277003" cy="1278912"/>
+          </a:xfrm>
+          <a:prstGeom prst="line">
+            <a:avLst/>
+          </a:prstGeom>
+          <a:ln w="6350"/>
+        </p:spPr>
+        <p:style>
+          <a:lnRef idx="2">
+            <a:schemeClr val="accent1"/>
+          </a:lnRef>
+          <a:fillRef idx="0">
+            <a:schemeClr val="accent1"/>
+          </a:fillRef>
+          <a:effectRef idx="1">
+            <a:schemeClr val="accent1"/>
+          </a:effectRef>
+          <a:fontRef idx="minor">
+            <a:schemeClr val="tx1"/>
+          </a:fontRef>
+        </p:style>
+      </p:cxnSp>
+      <p:cxnSp>
+        <p:nvCxnSpPr>
+          <p:cNvPr id="110" name="Gerader Verbinder 109">
+            <a:extLst>
+              <a:ext uri="{FF2B5EF4-FFF2-40B4-BE49-F238E27FC236}">
+                <a16:creationId xmlns:a16="http://schemas.microsoft.com/office/drawing/2014/main" id="{9F2CDC10-9ACD-59D2-A28F-7E30EF01F4FD}"/>
+              </a:ext>
+            </a:extLst>
+          </p:cNvPr>
+          <p:cNvCxnSpPr>
+            <a:cxnSpLocks/>
+            <a:stCxn id="108" idx="0"/>
+            <a:endCxn id="141" idx="0"/>
+          </p:cNvCxnSpPr>
+          <p:nvPr/>
+        </p:nvCxnSpPr>
+        <p:spPr>
+          <a:xfrm flipH="1" flipV="1">
+            <a:off x="4352342" y="15572976"/>
+            <a:ext cx="10406992" cy="361562"/>
+          </a:xfrm>
+          <a:prstGeom prst="line">
+            <a:avLst/>
+          </a:prstGeom>
+          <a:ln cap="flat" cmpd="sng">
+            <a:solidFill>
+              <a:schemeClr val="accent6">
+                <a:lumMod val="60000"/>
+                <a:lumOff val="40000"/>
+              </a:schemeClr>
+            </a:solidFill>
+            <a:round/>
+            <a:headEnd type="diamond"/>
+            <a:tailEnd type="diamond"/>
+          </a:ln>
+        </p:spPr>
+        <p:style>
+          <a:lnRef idx="2">
+            <a:schemeClr val="accent5"/>
+          </a:lnRef>
+          <a:fillRef idx="0">
+            <a:schemeClr val="accent5"/>
+          </a:fillRef>
+          <a:effectRef idx="1">
+            <a:schemeClr val="accent5"/>
+          </a:effectRef>
+          <a:fontRef idx="minor">
+            <a:schemeClr val="tx1"/>
+          </a:fontRef>
+        </p:style>
+      </p:cxnSp>
+      <p:cxnSp>
+        <p:nvCxnSpPr>
+          <p:cNvPr id="292" name="Gerader Verbinder 291">
+            <a:extLst>
+              <a:ext uri="{FF2B5EF4-FFF2-40B4-BE49-F238E27FC236}">
+                <a16:creationId xmlns:a16="http://schemas.microsoft.com/office/drawing/2014/main" id="{15D259E3-6FB3-51C6-B8A4-CE24D404BCC8}"/>
+              </a:ext>
+            </a:extLst>
+          </p:cNvPr>
+          <p:cNvCxnSpPr>
+            <a:cxnSpLocks/>
+            <a:stCxn id="194" idx="2"/>
+          </p:cNvCxnSpPr>
+          <p:nvPr/>
+        </p:nvCxnSpPr>
+        <p:spPr>
+          <a:xfrm>
+            <a:off x="9004265" y="14072544"/>
+            <a:ext cx="1143897" cy="1494302"/>
+          </a:xfrm>
+          <a:prstGeom prst="line">
+            <a:avLst/>
+          </a:prstGeom>
+          <a:ln w="6350">
+            <a:prstDash val="dash"/>
+          </a:ln>
+        </p:spPr>
+        <p:style>
+          <a:lnRef idx="2">
+            <a:schemeClr val="accent1"/>
+          </a:lnRef>
+          <a:fillRef idx="0">
+            <a:schemeClr val="accent1"/>
+          </a:fillRef>
+          <a:effectRef idx="1">
+            <a:schemeClr val="accent1"/>
+          </a:effectRef>
+          <a:fontRef idx="minor">
+            <a:schemeClr val="tx1"/>
+          </a:fontRef>
+        </p:style>
+      </p:cxnSp>
+      <p:cxnSp>
+        <p:nvCxnSpPr>
+          <p:cNvPr id="298" name="Gerader Verbinder 297">
+            <a:extLst>
+              <a:ext uri="{FF2B5EF4-FFF2-40B4-BE49-F238E27FC236}">
+                <a16:creationId xmlns:a16="http://schemas.microsoft.com/office/drawing/2014/main" id="{C77E5B06-4DF6-2A1C-13BF-2BD107CA4394}"/>
+              </a:ext>
+            </a:extLst>
+          </p:cNvPr>
+          <p:cNvCxnSpPr>
+            <a:cxnSpLocks/>
+            <a:stCxn id="194" idx="2"/>
+          </p:cNvCxnSpPr>
+          <p:nvPr/>
+        </p:nvCxnSpPr>
+        <p:spPr>
+          <a:xfrm flipH="1">
+            <a:off x="7634841" y="14072544"/>
+            <a:ext cx="1369424" cy="2074287"/>
+          </a:xfrm>
+          <a:prstGeom prst="line">
+            <a:avLst/>
+          </a:prstGeom>
+          <a:ln w="6350">
+            <a:prstDash val="dash"/>
+          </a:ln>
+        </p:spPr>
+        <p:style>
+          <a:lnRef idx="2">
+            <a:schemeClr val="accent1"/>
+          </a:lnRef>
+          <a:fillRef idx="0">
+            <a:schemeClr val="accent1"/>
+          </a:fillRef>
+          <a:effectRef idx="1">
+            <a:schemeClr val="accent1"/>
+          </a:effectRef>
+          <a:fontRef idx="minor">
+            <a:schemeClr val="tx1"/>
+          </a:fontRef>
+        </p:style>
+      </p:cxnSp>
+      <p:sp>
+        <p:nvSpPr>
+          <p:cNvPr id="307" name="Textfeld 306">
+            <a:extLst>
+              <a:ext uri="{FF2B5EF4-FFF2-40B4-BE49-F238E27FC236}">
+                <a16:creationId xmlns:a16="http://schemas.microsoft.com/office/drawing/2014/main" id="{479F9C30-55DA-003A-4B38-53C5CE5CEDE7}"/>
+              </a:ext>
+            </a:extLst>
+          </p:cNvPr>
+          <p:cNvSpPr txBox="1"/>
+          <p:nvPr/>
+        </p:nvSpPr>
+        <p:spPr>
+          <a:xfrm>
+            <a:off x="14286916" y="14224948"/>
+            <a:ext cx="1396351" cy="338554"/>
+          </a:xfrm>
+          <a:prstGeom prst="rect">
+            <a:avLst/>
+          </a:prstGeom>
+          <a:noFill/>
+        </p:spPr>
+        <p:txBody>
+          <a:bodyPr wrap="square" lIns="0" tIns="0" rIns="0" bIns="0" rtlCol="0">
+            <a:spAutoFit/>
+          </a:bodyPr>
+          <a:lstStyle>
+            <a:defPPr>
+              <a:defRPr lang="en-US"/>
+            </a:defPPr>
+            <a:lvl1pPr>
+              <a:defRPr sz="800" b="1">
+                <a:solidFill>
+                  <a:schemeClr val="accent1"/>
+                </a:solidFill>
+              </a:defRPr>
+            </a:lvl1pPr>
+          </a:lstStyle>
+          <a:p>
+            <a:r>
+              <a:rPr lang="de-DE" sz="1100" b="0" dirty="0"/>
+              <a:t>/v1/mediate-</a:t>
+            </a:r>
+            <a:r>
+              <a:rPr lang="de-DE" sz="1100" b="0" dirty="0" err="1"/>
+              <a:t>netconf</a:t>
+            </a:r>
+            <a:r>
+              <a:rPr lang="de-DE" sz="1100" b="0" dirty="0"/>
+              <a:t>-</a:t>
+            </a:r>
+          </a:p>
+          <a:p>
+            <a:r>
+              <a:rPr lang="de-DE" sz="1100" b="0" dirty="0"/>
+              <a:t>client-update</a:t>
+            </a:r>
+          </a:p>
+        </p:txBody>
+      </p:sp>
+      <p:cxnSp>
+        <p:nvCxnSpPr>
+          <p:cNvPr id="308" name="Gerader Verbinder 307">
+            <a:extLst>
+              <a:ext uri="{FF2B5EF4-FFF2-40B4-BE49-F238E27FC236}">
+                <a16:creationId xmlns:a16="http://schemas.microsoft.com/office/drawing/2014/main" id="{8FEADD3A-465E-C8B2-24B9-56010E57F87E}"/>
+              </a:ext>
+            </a:extLst>
+          </p:cNvPr>
+          <p:cNvCxnSpPr>
+            <a:cxnSpLocks/>
+            <a:stCxn id="307" idx="2"/>
+            <a:endCxn id="142" idx="0"/>
+          </p:cNvCxnSpPr>
+          <p:nvPr/>
+        </p:nvCxnSpPr>
+        <p:spPr>
+          <a:xfrm>
+            <a:off x="14985092" y="14563502"/>
+            <a:ext cx="514201" cy="1371036"/>
+          </a:xfrm>
+          <a:prstGeom prst="line">
+            <a:avLst/>
+          </a:prstGeom>
+          <a:ln w="6350">
+            <a:prstDash val="dash"/>
+          </a:ln>
+        </p:spPr>
+        <p:style>
+          <a:lnRef idx="2">
+            <a:schemeClr val="accent1"/>
+          </a:lnRef>
+          <a:fillRef idx="0">
+            <a:schemeClr val="accent1"/>
+          </a:fillRef>
+          <a:effectRef idx="1">
+            <a:schemeClr val="accent1"/>
+          </a:effectRef>
+          <a:fontRef idx="minor">
+            <a:schemeClr val="tx1"/>
+          </a:fontRef>
+        </p:style>
+      </p:cxnSp>
+      <p:cxnSp>
+        <p:nvCxnSpPr>
+          <p:cNvPr id="312" name="Gerader Verbinder 311">
+            <a:extLst>
+              <a:ext uri="{FF2B5EF4-FFF2-40B4-BE49-F238E27FC236}">
+                <a16:creationId xmlns:a16="http://schemas.microsoft.com/office/drawing/2014/main" id="{86EA3474-B59F-C4A3-1B7E-D0BA1B0B0923}"/>
+              </a:ext>
+            </a:extLst>
+          </p:cNvPr>
+          <p:cNvCxnSpPr>
+            <a:cxnSpLocks/>
+            <a:stCxn id="194" idx="2"/>
+          </p:cNvCxnSpPr>
+          <p:nvPr/>
+        </p:nvCxnSpPr>
+        <p:spPr>
+          <a:xfrm>
+            <a:off x="9004265" y="14072544"/>
+            <a:ext cx="228914" cy="1752901"/>
+          </a:xfrm>
+          <a:prstGeom prst="line">
+            <a:avLst/>
+          </a:prstGeom>
+          <a:ln w="6350"/>
+        </p:spPr>
+        <p:style>
+          <a:lnRef idx="2">
+            <a:schemeClr val="accent1"/>
+          </a:lnRef>
+          <a:fillRef idx="0">
+            <a:schemeClr val="accent1"/>
+          </a:fillRef>
+          <a:effectRef idx="1">
+            <a:schemeClr val="accent1"/>
+          </a:effectRef>
+          <a:fontRef idx="minor">
+            <a:schemeClr val="tx1"/>
+          </a:fontRef>
+        </p:style>
+      </p:cxnSp>
+    </p:spTree>
+    <p:extLst>
+      <p:ext uri="{BB962C8B-B14F-4D97-AF65-F5344CB8AC3E}">
+        <p14:creationId xmlns:p14="http://schemas.microsoft.com/office/powerpoint/2010/main" val="2345053421"/>
+      </p:ext>
+    </p:extLst>
+  </p:cSld>
+  <p:clrMapOvr>
+    <a:masterClrMapping/>
+  </p:clrMapOvr>
+</p:sld>
+</file>
+
 <file path=ppt/tags/tag1.xml><?xml version="1.0" encoding="utf-8"?>
 <p:tagLst xmlns:a="http://schemas.openxmlformats.org/drawingml/2006/main" xmlns:r="http://schemas.openxmlformats.org/officeDocument/2006/relationships" xmlns:p="http://schemas.openxmlformats.org/presentationml/2006/main">
   <p:tag name="THINKCELLSHAPEDONOTDELETE" val="thinkcellActiveDocDoNotDelete"/>
@@ -55639,6 +61157,12 @@
 </file>
 
 <file path=ppt/tags/tag4.xml><?xml version="1.0" encoding="utf-8"?>
+<p:tagLst xmlns:a="http://schemas.openxmlformats.org/drawingml/2006/main" xmlns:r="http://schemas.openxmlformats.org/officeDocument/2006/relationships" xmlns:p="http://schemas.openxmlformats.org/presentationml/2006/main">
+  <p:tag name="THINKCELLSHAPEDONOTDELETE" val="thinkcellActiveDocDoNotDelete"/>
+</p:tagLst>
+</file>
+
+<file path=ppt/tags/tag5.xml><?xml version="1.0" encoding="utf-8"?>
 <p:tagLst xmlns:a="http://schemas.openxmlformats.org/drawingml/2006/main" xmlns:r="http://schemas.openxmlformats.org/officeDocument/2006/relationships" xmlns:p="http://schemas.openxmlformats.org/presentationml/2006/main">
   <p:tag name="THINKCELLSHAPEDONOTDELETE" val="thinkcellActiveDocDoNotDelete"/>
 </p:tagLst>

--- a/spec/InformationStructure/diagrams/InformationStructure.pptx
+++ b/spec/InformationStructure/diagrams/InformationStructure.pptx
@@ -197,7 +197,7 @@
           <a:p>
             <a:fld id="{37CCF725-7468-4D3D-9E24-A16745BBBA77}" type="datetimeFigureOut">
               <a:rPr lang="de-DE" smtClean="0"/>
-              <a:t>20.08.2025</a:t>
+              <a:t>28.08.2025</a:t>
             </a:fld>
             <a:endParaRPr lang="de-DE"/>
           </a:p>
@@ -684,7 +684,7 @@
           <a:p>
             <a:fld id="{9A2764DB-E7DF-4EA7-A1AF-05A77C280FCA}" type="datetimeFigureOut">
               <a:rPr lang="de-DE" smtClean="0"/>
-              <a:t>20.08.2025</a:t>
+              <a:t>28.08.2025</a:t>
             </a:fld>
             <a:endParaRPr lang="de-DE"/>
           </a:p>
@@ -854,7 +854,7 @@
           <a:p>
             <a:fld id="{9A2764DB-E7DF-4EA7-A1AF-05A77C280FCA}" type="datetimeFigureOut">
               <a:rPr lang="de-DE" smtClean="0"/>
-              <a:t>20.08.2025</a:t>
+              <a:t>28.08.2025</a:t>
             </a:fld>
             <a:endParaRPr lang="de-DE"/>
           </a:p>
@@ -1034,7 +1034,7 @@
           <a:p>
             <a:fld id="{9A2764DB-E7DF-4EA7-A1AF-05A77C280FCA}" type="datetimeFigureOut">
               <a:rPr lang="de-DE" smtClean="0"/>
-              <a:t>20.08.2025</a:t>
+              <a:t>28.08.2025</a:t>
             </a:fld>
             <a:endParaRPr lang="de-DE"/>
           </a:p>
@@ -1204,7 +1204,7 @@
           <a:p>
             <a:fld id="{9A2764DB-E7DF-4EA7-A1AF-05A77C280FCA}" type="datetimeFigureOut">
               <a:rPr lang="de-DE" smtClean="0"/>
-              <a:t>20.08.2025</a:t>
+              <a:t>28.08.2025</a:t>
             </a:fld>
             <a:endParaRPr lang="de-DE"/>
           </a:p>
@@ -1450,7 +1450,7 @@
           <a:p>
             <a:fld id="{9A2764DB-E7DF-4EA7-A1AF-05A77C280FCA}" type="datetimeFigureOut">
               <a:rPr lang="de-DE" smtClean="0"/>
-              <a:t>20.08.2025</a:t>
+              <a:t>28.08.2025</a:t>
             </a:fld>
             <a:endParaRPr lang="de-DE"/>
           </a:p>
@@ -1682,7 +1682,7 @@
           <a:p>
             <a:fld id="{9A2764DB-E7DF-4EA7-A1AF-05A77C280FCA}" type="datetimeFigureOut">
               <a:rPr lang="de-DE" smtClean="0"/>
-              <a:t>20.08.2025</a:t>
+              <a:t>28.08.2025</a:t>
             </a:fld>
             <a:endParaRPr lang="de-DE"/>
           </a:p>
@@ -2049,7 +2049,7 @@
           <a:p>
             <a:fld id="{9A2764DB-E7DF-4EA7-A1AF-05A77C280FCA}" type="datetimeFigureOut">
               <a:rPr lang="de-DE" smtClean="0"/>
-              <a:t>20.08.2025</a:t>
+              <a:t>28.08.2025</a:t>
             </a:fld>
             <a:endParaRPr lang="de-DE"/>
           </a:p>
@@ -2167,7 +2167,7 @@
           <a:p>
             <a:fld id="{9A2764DB-E7DF-4EA7-A1AF-05A77C280FCA}" type="datetimeFigureOut">
               <a:rPr lang="de-DE" smtClean="0"/>
-              <a:t>20.08.2025</a:t>
+              <a:t>28.08.2025</a:t>
             </a:fld>
             <a:endParaRPr lang="de-DE"/>
           </a:p>
@@ -2262,7 +2262,7 @@
           <a:p>
             <a:fld id="{9A2764DB-E7DF-4EA7-A1AF-05A77C280FCA}" type="datetimeFigureOut">
               <a:rPr lang="de-DE" smtClean="0"/>
-              <a:t>20.08.2025</a:t>
+              <a:t>28.08.2025</a:t>
             </a:fld>
             <a:endParaRPr lang="de-DE"/>
           </a:p>
@@ -2539,7 +2539,7 @@
           <a:p>
             <a:fld id="{9A2764DB-E7DF-4EA7-A1AF-05A77C280FCA}" type="datetimeFigureOut">
               <a:rPr lang="de-DE" smtClean="0"/>
-              <a:t>20.08.2025</a:t>
+              <a:t>28.08.2025</a:t>
             </a:fld>
             <a:endParaRPr lang="de-DE"/>
           </a:p>
@@ -2796,7 +2796,7 @@
           <a:p>
             <a:fld id="{9A2764DB-E7DF-4EA7-A1AF-05A77C280FCA}" type="datetimeFigureOut">
               <a:rPr lang="de-DE" smtClean="0"/>
-              <a:t>20.08.2025</a:t>
+              <a:t>28.08.2025</a:t>
             </a:fld>
             <a:endParaRPr lang="de-DE"/>
           </a:p>
@@ -3075,7 +3075,7 @@
           <a:p>
             <a:fld id="{9A2764DB-E7DF-4EA7-A1AF-05A77C280FCA}" type="datetimeFigureOut">
               <a:rPr lang="de-DE" smtClean="0"/>
-              <a:t>20.08.2025</a:t>
+              <a:t>28.08.2025</a:t>
             </a:fld>
             <a:endParaRPr lang="de-DE"/>
           </a:p>
@@ -4864,7 +4864,7 @@
                 </a:solidFill>
                 <a:latin typeface="Calibri" panose="020F0502020204030204"/>
               </a:rPr>
-              <a:t>_template= </a:t>
+              <a:t>_template=</a:t>
             </a:r>
             <a:r>
               <a:rPr lang="en-US" sz="800" kern="0" dirty="0" err="1">
@@ -4873,7 +4873,7 @@
                 </a:solidFill>
                 <a:latin typeface="Calibri" panose="020F0502020204030204"/>
               </a:rPr>
-              <a:t>applicationTemplate</a:t>
+              <a:t>applicationTemplateName</a:t>
             </a:r>
             <a:endParaRPr lang="en-US" sz="800" kern="0" dirty="0">
               <a:solidFill>
@@ -8980,7 +8980,16 @@
               <a:t>_template=</a:t>
             </a:r>
             <a:r>
-              <a:rPr lang="en-US" sz="800" kern="0" noProof="0" dirty="0" err="1">
+              <a:rPr lang="en-US" sz="800" kern="0" dirty="0">
+                <a:solidFill>
+                  <a:prstClr val="black"/>
+                </a:solidFill>
+                <a:latin typeface="Calibri" panose="020F0502020204030204"/>
+              </a:rPr>
+              <a:t> </a:t>
+            </a:r>
+            <a:r>
+              <a:rPr lang="en-US" sz="800" kern="0" dirty="0" err="1">
                 <a:solidFill>
                   <a:prstClr val="black"/>
                 </a:solidFill>
@@ -8988,15 +8997,6 @@
               </a:rPr>
               <a:t>loadBalancerTemplateName</a:t>
             </a:r>
-            <a:endParaRPr lang="en-US" sz="800" kern="0" noProof="0" dirty="0">
-              <a:solidFill>
-                <a:prstClr val="black"/>
-              </a:solidFill>
-              <a:latin typeface="Calibri" panose="020F0502020204030204"/>
-            </a:endParaRPr>
-          </a:p>
-          <a:p>
-            <a:pPr defTabSz="914411"/>
             <a:endParaRPr lang="en-US" sz="800" kern="0" noProof="0" dirty="0">
               <a:solidFill>
                 <a:prstClr val="black"/>
@@ -10242,23 +10242,8 @@
                 </a:solidFill>
                 <a:latin typeface="Calibri" panose="020F0502020204030204"/>
               </a:rPr>
-              <a:t>category=</a:t>
-            </a:r>
-            <a:r>
-              <a:rPr lang="en-US" sz="800" kern="0" dirty="0" err="1">
-                <a:solidFill>
-                  <a:prstClr val="black"/>
-                </a:solidFill>
-                <a:latin typeface="Calibri" panose="020F0502020204030204"/>
-              </a:rPr>
-              <a:t>applicationTemplate</a:t>
-            </a:r>
-            <a:endParaRPr lang="en-US" sz="800" kern="0" dirty="0">
-              <a:solidFill>
-                <a:prstClr val="black"/>
-              </a:solidFill>
-              <a:latin typeface="Calibri" panose="020F0502020204030204"/>
-            </a:endParaRPr>
+              <a:t>category=application</a:t>
+            </a:r>
           </a:p>
           <a:p>
             <a:pPr defTabSz="914411"/>
@@ -12994,8 +12979,23 @@
                 </a:solidFill>
                 <a:latin typeface="Calibri" panose="020F0502020204030204"/>
               </a:rPr>
-              <a:t>category=mountpoint</a:t>
-            </a:r>
+              <a:t>category=</a:t>
+            </a:r>
+            <a:r>
+              <a:rPr lang="en-US" sz="800" kern="0">
+                <a:solidFill>
+                  <a:prstClr val="black"/>
+                </a:solidFill>
+                <a:latin typeface="Calibri" panose="020F0502020204030204"/>
+              </a:rPr>
+              <a:t>mountPoint</a:t>
+            </a:r>
+            <a:endParaRPr lang="en-US" sz="800" kern="0" dirty="0">
+              <a:solidFill>
+                <a:prstClr val="black"/>
+              </a:solidFill>
+              <a:latin typeface="Calibri" panose="020F0502020204030204"/>
+            </a:endParaRPr>
           </a:p>
           <a:p>
             <a:pPr defTabSz="914411"/>
